--- a/Document/Documentation/Final Document & Report/RHF_Presentation_Final_v1.0.pptx
+++ b/Document/Documentation/Final Document & Report/RHF_Presentation_Final_v1.0.pptx
@@ -5,10 +5,10 @@
     <p:sldMasterId id="2147483648" r:id="rId2"/>
   </p:sldMasterIdLst>
   <p:notesMasterIdLst>
-    <p:notesMasterId r:id="rId57"/>
+    <p:notesMasterId r:id="rId58"/>
   </p:notesMasterIdLst>
   <p:handoutMasterIdLst>
-    <p:handoutMasterId r:id="rId58"/>
+    <p:handoutMasterId r:id="rId59"/>
   </p:handoutMasterIdLst>
   <p:sldIdLst>
     <p:sldId id="256" r:id="rId3"/>
@@ -58,13 +58,14 @@
     <p:sldId id="315" r:id="rId47"/>
     <p:sldId id="316" r:id="rId48"/>
     <p:sldId id="322" r:id="rId49"/>
-    <p:sldId id="329" r:id="rId50"/>
-    <p:sldId id="330" r:id="rId51"/>
-    <p:sldId id="332" r:id="rId52"/>
-    <p:sldId id="337" r:id="rId53"/>
-    <p:sldId id="323" r:id="rId54"/>
-    <p:sldId id="324" r:id="rId55"/>
-    <p:sldId id="325" r:id="rId56"/>
+    <p:sldId id="339" r:id="rId50"/>
+    <p:sldId id="338" r:id="rId51"/>
+    <p:sldId id="330" r:id="rId52"/>
+    <p:sldId id="332" r:id="rId53"/>
+    <p:sldId id="337" r:id="rId54"/>
+    <p:sldId id="323" r:id="rId55"/>
+    <p:sldId id="324" r:id="rId56"/>
+    <p:sldId id="325" r:id="rId57"/>
   </p:sldIdLst>
   <p:sldSz cx="9144000" cy="6858000" type="screen4x3"/>
   <p:notesSz cx="6858000" cy="9144000"/>
@@ -165,7 +166,7 @@
   </p:defaultTextStyle>
   <p:extLst>
     <p:ext uri="{EFAFB233-063F-42B5-8137-9DF3F51BA10A}">
-      <p15:sldGuideLst xmlns="" xmlns:p15="http://schemas.microsoft.com/office/powerpoint/2012/main">
+      <p15:sldGuideLst xmlns:p15="http://schemas.microsoft.com/office/powerpoint/2012/main" xmlns="">
         <p15:guide id="1" orient="horz" pos="2160">
           <p15:clr>
             <a:srgbClr val="A4A3A4"/>
@@ -179,7 +180,7 @@
       </p15:sldGuideLst>
     </p:ext>
     <p:ext uri="{2D200454-40CA-4A62-9FC3-DE9A4176ACB9}">
-      <p15:notesGuideLst xmlns="" xmlns:p15="http://schemas.microsoft.com/office/powerpoint/2012/main">
+      <p15:notesGuideLst xmlns:p15="http://schemas.microsoft.com/office/powerpoint/2012/main" xmlns="">
         <p15:guide id="1" orient="horz" pos="2880">
           <p15:clr>
             <a:srgbClr val="A4A3A4"/>
@@ -11880,17 +11881,12 @@
             </a:pPr>
             <a:r>
               <a:rPr lang="vi-VN" dirty="0" smtClean="0"/>
-              <a:t>tìm kiếm thông thường, khi người dùng </a:t>
-            </a:r>
-            <a:r>
-              <a:rPr lang="vi-VN" dirty="0" smtClean="0"/>
-              <a:t>nhập</a:t>
+              <a:t>tìm kiếm thông thường, khi người dùng nhập</a:t>
             </a:r>
             <a:r>
               <a:rPr lang="en-US" smtClean="0"/>
               <a:t>….</a:t>
             </a:r>
-            <a:endParaRPr lang="en-US" smtClean="0"/>
           </a:p>
           <a:p>
             <a:endParaRPr lang="en-US" dirty="0"/>
@@ -25004,7 +25000,7 @@
   </p:txStyles>
   <p:extLst mod="1">
     <p:ext uri="{27BBF7A9-308A-43DC-89C8-2F10F3537804}">
-      <p15:sldGuideLst xmlns="" xmlns:p15="http://schemas.microsoft.com/office/powerpoint/2012/main">
+      <p15:sldGuideLst xmlns:p15="http://schemas.microsoft.com/office/powerpoint/2012/main" xmlns="">
         <p15:guide id="1" orient="horz" pos="2160" userDrawn="1">
           <p15:clr>
             <a:srgbClr val="F26B43"/>
@@ -35419,6 +35415,54 @@
           <a:bodyPr/>
           <a:lstStyle/>
           <a:p>
+            <a:r>
+              <a:rPr lang="en-US" dirty="0">
+                <a:solidFill>
+                  <a:schemeClr val="accent4">
+                    <a:lumMod val="50000"/>
+                  </a:schemeClr>
+                </a:solidFill>
+                <a:latin typeface="Century Gothic"/>
+                <a:cs typeface="Century Gothic"/>
+              </a:rPr>
+              <a:t>3.3.7 </a:t>
+            </a:r>
+            <a:r>
+              <a:rPr lang="en-US" dirty="0" smtClean="0">
+                <a:solidFill>
+                  <a:schemeClr val="accent4">
+                    <a:lumMod val="50000"/>
+                  </a:schemeClr>
+                </a:solidFill>
+                <a:latin typeface="Century Gothic"/>
+                <a:cs typeface="Century Gothic"/>
+              </a:rPr>
+              <a:t>Performance (</a:t>
+            </a:r>
+            <a:r>
+              <a:rPr lang="en-US" dirty="0" err="1" smtClean="0">
+                <a:solidFill>
+                  <a:schemeClr val="accent4">
+                    <a:lumMod val="50000"/>
+                  </a:schemeClr>
+                </a:solidFill>
+                <a:latin typeface="Century Gothic"/>
+                <a:cs typeface="Century Gothic"/>
+              </a:rPr>
+              <a:t>cont</a:t>
+            </a:r>
+            <a:r>
+              <a:rPr lang="en-US" dirty="0" smtClean="0">
+                <a:solidFill>
+                  <a:schemeClr val="accent4">
+                    <a:lumMod val="50000"/>
+                  </a:schemeClr>
+                </a:solidFill>
+                <a:latin typeface="Century Gothic"/>
+                <a:cs typeface="Century Gothic"/>
+              </a:rPr>
+              <a:t>)</a:t>
+            </a:r>
             <a:endParaRPr lang="en-US" dirty="0">
               <a:solidFill>
                 <a:schemeClr val="accent4">
@@ -37930,21 +37974,21 @@
           <a:lstStyle/>
           <a:p>
             <a:r>
-              <a:rPr lang="en-US" dirty="0">
+              <a:rPr lang="en-US" b="1" dirty="0">
                 <a:latin typeface="Century Gothic"/>
                 <a:cs typeface="Century Gothic"/>
               </a:rPr>
               <a:t>Tested </a:t>
             </a:r>
             <a:r>
-              <a:rPr lang="en-US" dirty="0" err="1">
+              <a:rPr lang="en-US" b="1" dirty="0" err="1">
                 <a:latin typeface="Century Gothic"/>
                 <a:cs typeface="Century Gothic"/>
               </a:rPr>
               <a:t>vs</a:t>
             </a:r>
             <a:r>
-              <a:rPr lang="en-US" dirty="0">
+              <a:rPr lang="en-US" b="1" dirty="0">
                 <a:latin typeface="Century Gothic"/>
                 <a:cs typeface="Century Gothic"/>
               </a:rPr>
@@ -38061,8 +38105,19 @@
                 <a:latin typeface="Century Gothic"/>
                 <a:cs typeface="Century Gothic"/>
               </a:rPr>
-              <a:t>Unit testing </a:t>
-            </a:r>
+              <a:t>Unit </a:t>
+            </a:r>
+            <a:r>
+              <a:rPr lang="en-US" sz="2400" dirty="0" smtClean="0">
+                <a:latin typeface="Century Gothic"/>
+                <a:cs typeface="Century Gothic"/>
+              </a:rPr>
+              <a:t>Testing </a:t>
+            </a:r>
+            <a:endParaRPr lang="en-US" sz="2400" dirty="0" smtClean="0">
+              <a:latin typeface="Century Gothic"/>
+              <a:cs typeface="Century Gothic"/>
+            </a:endParaRPr>
           </a:p>
           <a:p>
             <a:pPr marL="285750" indent="-285750">
@@ -38091,7 +38146,7 @@
             </a:r>
           </a:p>
           <a:p>
-            <a:pPr marL="285750" indent="-285750">
+            <a:pPr marL="342900" indent="-342900">
               <a:buFont typeface="Wingdings" pitchFamily="2" charset="2"/>
               <a:buChar char="ü"/>
             </a:pPr>
@@ -38362,26 +38417,32 @@
             </a:lvl9pPr>
           </a:lstStyle>
           <a:p>
-            <a:pPr marL="285750" indent="-285750">
+            <a:pPr marL="0" indent="0">
+              <a:buNone/>
+            </a:pPr>
+            <a:endParaRPr lang="en-US" sz="2400" dirty="0">
+              <a:latin typeface="Century Gothic"/>
+              <a:cs typeface="Century Gothic"/>
+            </a:endParaRPr>
+          </a:p>
+          <a:p>
+            <a:pPr>
               <a:buFont typeface="Wingdings" pitchFamily="2" charset="2"/>
               <a:buChar char="ü"/>
             </a:pPr>
-            <a:endParaRPr lang="en-US" sz="2400" smtClean="0">
-              <a:latin typeface="Century Gothic"/>
-              <a:cs typeface="Century Gothic"/>
-            </a:endParaRPr>
-          </a:p>
-          <a:p>
-            <a:pPr marL="285750" indent="-285750">
-              <a:buFont typeface="Wingdings" pitchFamily="2" charset="2"/>
-              <a:buChar char="ü"/>
-            </a:pPr>
-            <a:r>
-              <a:rPr lang="en-US" sz="2400" smtClean="0">
-                <a:latin typeface="Century Gothic"/>
-                <a:cs typeface="Century Gothic"/>
-              </a:rPr>
-              <a:t>Performance Testing </a:t>
+            <a:r>
+              <a:rPr lang="en-US" sz="2400" dirty="0" smtClean="0">
+                <a:latin typeface="Century Gothic"/>
+                <a:cs typeface="Century Gothic"/>
+              </a:rPr>
+              <a:t>Performance </a:t>
+            </a:r>
+            <a:r>
+              <a:rPr lang="en-US" sz="2400" dirty="0" smtClean="0">
+                <a:latin typeface="Century Gothic"/>
+                <a:cs typeface="Century Gothic"/>
+              </a:rPr>
+              <a:t>Testing </a:t>
             </a:r>
           </a:p>
           <a:p>
@@ -38419,7 +38480,7 @@
         </p:blipFill>
         <p:spPr bwMode="auto">
           <a:xfrm>
-            <a:off x="3200400" y="2362200"/>
+            <a:off x="3263153" y="2262414"/>
             <a:ext cx="1219200" cy="1219200"/>
           </a:xfrm>
           <a:prstGeom prst="rect">
@@ -38460,7 +38521,7 @@
         </p:blipFill>
         <p:spPr bwMode="auto">
           <a:xfrm>
-            <a:off x="7315200" y="2209800"/>
+            <a:off x="7162800" y="2059214"/>
             <a:ext cx="1625600" cy="1625600"/>
           </a:xfrm>
           <a:prstGeom prst="rect">
@@ -38529,7 +38590,7 @@
       </p:grpSpPr>
       <p:sp>
         <p:nvSpPr>
-          <p:cNvPr id="5" name="Title 4"/>
+          <p:cNvPr id="2" name="Title 1"/>
           <p:cNvSpPr>
             <a:spLocks noGrp="1"/>
           </p:cNvSpPr>
@@ -38552,35 +38613,15 @@
                 <a:latin typeface="Century Gothic"/>
                 <a:cs typeface="Century Gothic"/>
               </a:rPr>
-              <a:t>5</a:t>
-            </a:r>
-            <a:r>
-              <a:rPr lang="en-US" dirty="0" smtClean="0">
-                <a:solidFill>
-                  <a:schemeClr val="accent4">
-                    <a:lumMod val="50000"/>
-                  </a:schemeClr>
-                </a:solidFill>
-                <a:latin typeface="Century Gothic"/>
-                <a:cs typeface="Century Gothic"/>
-              </a:rPr>
-              <a:t>. Software Test Documentation</a:t>
-            </a:r>
-            <a:endParaRPr lang="en-US" dirty="0">
-              <a:solidFill>
-                <a:schemeClr val="accent4">
-                  <a:lumMod val="50000"/>
-                </a:schemeClr>
-              </a:solidFill>
-              <a:latin typeface="Century Gothic"/>
-              <a:cs typeface="Century Gothic"/>
-            </a:endParaRPr>
+              <a:t>5. Software Test Documentation</a:t>
+            </a:r>
+            <a:endParaRPr lang="en-US" dirty="0"/>
           </a:p>
         </p:txBody>
       </p:sp>
       <p:sp>
         <p:nvSpPr>
-          <p:cNvPr id="6" name="Content Placeholder 5"/>
+          <p:cNvPr id="3" name="Content Placeholder 2"/>
           <p:cNvSpPr>
             <a:spLocks noGrp="1"/>
           </p:cNvSpPr>
@@ -38588,39 +38629,55 @@
             <p:ph idx="1"/>
           </p:nvPr>
         </p:nvSpPr>
-        <p:spPr>
-          <a:xfrm>
-            <a:off x="914400" y="1676400"/>
-            <a:ext cx="7315200" cy="4495800"/>
-          </a:xfrm>
-        </p:spPr>
+        <p:spPr/>
         <p:txBody>
           <a:bodyPr/>
           <a:lstStyle/>
           <a:p>
             <a:r>
-              <a:rPr lang="en-US" dirty="0" smtClean="0">
-                <a:latin typeface="Century Gothic"/>
-                <a:cs typeface="Century Gothic"/>
-              </a:rPr>
-              <a:t>Human Resources</a:t>
-            </a:r>
-            <a:endParaRPr lang="en-US" dirty="0" smtClean="0">
-              <a:solidFill>
-                <a:schemeClr val="tx1">
-                  <a:lumMod val="85000"/>
-                  <a:lumOff val="15000"/>
-                </a:schemeClr>
-              </a:solidFill>
-              <a:latin typeface="Century Gothic"/>
-              <a:cs typeface="Century Gothic"/>
-            </a:endParaRPr>
+              <a:rPr lang="en-US" dirty="0"/>
+              <a:t>Number of test cases required based on:</a:t>
+            </a:r>
+          </a:p>
+          <a:p>
+            <a:pPr marL="914400" lvl="1" indent="-514350">
+              <a:buFont typeface="+mj-lt"/>
+              <a:buAutoNum type="arabicPeriod"/>
+            </a:pPr>
+            <a:r>
+              <a:rPr lang="en-US" dirty="0"/>
+              <a:t>Testing all functions and features in SRS</a:t>
+            </a:r>
+          </a:p>
+          <a:p>
+            <a:pPr marL="914400" lvl="1" indent="-514350">
+              <a:buFont typeface="+mj-lt"/>
+              <a:buAutoNum type="arabicPeriod"/>
+            </a:pPr>
+            <a:r>
+              <a:rPr lang="en-US" dirty="0"/>
+              <a:t>Including an appreciate number of ALAC </a:t>
+            </a:r>
+          </a:p>
+          <a:p>
+            <a:pPr marL="914400" lvl="1" indent="-514350">
+              <a:buFont typeface="+mj-lt"/>
+              <a:buAutoNum type="arabicPeriod"/>
+            </a:pPr>
+            <a:r>
+              <a:rPr lang="en-US" dirty="0" smtClean="0"/>
+              <a:t>Boundary </a:t>
+            </a:r>
+            <a:r>
+              <a:rPr lang="en-US" smtClean="0"/>
+              <a:t>value analysis</a:t>
+            </a:r>
           </a:p>
         </p:txBody>
       </p:sp>
       <p:sp>
         <p:nvSpPr>
-          <p:cNvPr id="2" name="Slide Number Placeholder 1"/>
+          <p:cNvPr id="4" name="Slide Number Placeholder 3"/>
           <p:cNvSpPr>
             <a:spLocks noGrp="1"/>
           </p:cNvSpPr>
@@ -38641,914 +38698,10 @@
           </a:p>
         </p:txBody>
       </p:sp>
-      <p:graphicFrame>
-        <p:nvGraphicFramePr>
-          <p:cNvPr id="11" name="Table 10"/>
-          <p:cNvGraphicFramePr>
-            <a:graphicFrameLocks noGrp="1"/>
-          </p:cNvGraphicFramePr>
-          <p:nvPr>
-            <p:extLst>
-              <p:ext uri="{D42A27DB-BD31-4B8C-83A1-F6EECF244321}">
-                <p14:modId xmlns:p14="http://schemas.microsoft.com/office/powerpoint/2010/main" val="4075801030"/>
-              </p:ext>
-            </p:extLst>
-          </p:nvPr>
-        </p:nvGraphicFramePr>
-        <p:xfrm>
-          <a:off x="762000" y="2285999"/>
-          <a:ext cx="7772400" cy="4267201"/>
-        </p:xfrm>
-        <a:graphic>
-          <a:graphicData uri="http://schemas.openxmlformats.org/drawingml/2006/table">
-            <a:tbl>
-              <a:tblPr/>
-              <a:tblGrid>
-                <a:gridCol w="2020824"/>
-                <a:gridCol w="5751576"/>
-              </a:tblGrid>
-              <a:tr h="469862">
-                <a:tc>
-                  <a:txBody>
-                    <a:bodyPr/>
-                    <a:lstStyle/>
-                    <a:p>
-                      <a:pPr marL="0" marR="0" algn="ctr">
-                        <a:lnSpc>
-                          <a:spcPct val="115000"/>
-                        </a:lnSpc>
-                        <a:spcBef>
-                          <a:spcPts val="400"/>
-                        </a:spcBef>
-                        <a:spcAft>
-                          <a:spcPts val="400"/>
-                        </a:spcAft>
-                      </a:pPr>
-                      <a:r>
-                        <a:rPr lang="en-US" sz="1600" b="1" dirty="0">
-                          <a:solidFill>
-                            <a:srgbClr val="6E2500"/>
-                          </a:solidFill>
-                          <a:effectLst/>
-                          <a:latin typeface="Calibri"/>
-                          <a:ea typeface="MS Mincho"/>
-                        </a:rPr>
-                        <a:t>Worker/Doer</a:t>
-                      </a:r>
-                      <a:endParaRPr lang="en-US" sz="1600" b="1" dirty="0">
-                        <a:solidFill>
-                          <a:srgbClr val="6E2500"/>
-                        </a:solidFill>
-                        <a:effectLst/>
-                        <a:latin typeface="Tahoma"/>
-                        <a:ea typeface="MS Mincho"/>
-                      </a:endParaRPr>
-                    </a:p>
-                  </a:txBody>
-                  <a:tcPr marL="68580" marR="68580" marT="0" marB="0">
-                    <a:lnL w="12700" cap="flat" cmpd="sng" algn="ctr">
-                      <a:solidFill>
-                        <a:srgbClr val="A6A6A6"/>
-                      </a:solidFill>
-                      <a:prstDash val="solid"/>
-                      <a:round/>
-                      <a:headEnd type="none" w="med" len="med"/>
-                      <a:tailEnd type="none" w="med" len="med"/>
-                    </a:lnL>
-                    <a:lnR w="12700" cap="flat" cmpd="sng" algn="ctr">
-                      <a:solidFill>
-                        <a:srgbClr val="A6A6A6"/>
-                      </a:solidFill>
-                      <a:prstDash val="solid"/>
-                      <a:round/>
-                      <a:headEnd type="none" w="med" len="med"/>
-                      <a:tailEnd type="none" w="med" len="med"/>
-                    </a:lnR>
-                    <a:lnT w="12700" cap="flat" cmpd="sng" algn="ctr">
-                      <a:solidFill>
-                        <a:srgbClr val="A6A6A6"/>
-                      </a:solidFill>
-                      <a:prstDash val="solid"/>
-                      <a:round/>
-                      <a:headEnd type="none" w="med" len="med"/>
-                      <a:tailEnd type="none" w="med" len="med"/>
-                    </a:lnT>
-                    <a:lnB w="12700" cap="flat" cmpd="sng" algn="ctr">
-                      <a:solidFill>
-                        <a:srgbClr val="A6A6A6"/>
-                      </a:solidFill>
-                      <a:prstDash val="solid"/>
-                      <a:round/>
-                      <a:headEnd type="none" w="med" len="med"/>
-                      <a:tailEnd type="none" w="med" len="med"/>
-                    </a:lnB>
-                    <a:solidFill>
-                      <a:srgbClr val="FFE8E1"/>
-                    </a:solidFill>
-                  </a:tcPr>
-                </a:tc>
-                <a:tc>
-                  <a:txBody>
-                    <a:bodyPr/>
-                    <a:lstStyle/>
-                    <a:p>
-                      <a:pPr marL="0" marR="0" algn="ctr">
-                        <a:lnSpc>
-                          <a:spcPct val="115000"/>
-                        </a:lnSpc>
-                        <a:spcBef>
-                          <a:spcPts val="400"/>
-                        </a:spcBef>
-                        <a:spcAft>
-                          <a:spcPts val="400"/>
-                        </a:spcAft>
-                      </a:pPr>
-                      <a:r>
-                        <a:rPr lang="en-US" sz="1600" b="1">
-                          <a:solidFill>
-                            <a:srgbClr val="6E2500"/>
-                          </a:solidFill>
-                          <a:effectLst/>
-                          <a:latin typeface="Calibri"/>
-                          <a:ea typeface="MS Mincho"/>
-                        </a:rPr>
-                        <a:t>Specific Responsibilities/Comments</a:t>
-                      </a:r>
-                      <a:endParaRPr lang="en-US" sz="1600" b="1">
-                        <a:solidFill>
-                          <a:srgbClr val="6E2500"/>
-                        </a:solidFill>
-                        <a:effectLst/>
-                        <a:latin typeface="Tahoma"/>
-                        <a:ea typeface="MS Mincho"/>
-                      </a:endParaRPr>
-                    </a:p>
-                  </a:txBody>
-                  <a:tcPr marL="68580" marR="68580" marT="0" marB="0">
-                    <a:lnL w="12700" cap="flat" cmpd="sng" algn="ctr">
-                      <a:solidFill>
-                        <a:srgbClr val="A6A6A6"/>
-                      </a:solidFill>
-                      <a:prstDash val="solid"/>
-                      <a:round/>
-                      <a:headEnd type="none" w="med" len="med"/>
-                      <a:tailEnd type="none" w="med" len="med"/>
-                    </a:lnL>
-                    <a:lnR w="12700" cap="flat" cmpd="sng" algn="ctr">
-                      <a:solidFill>
-                        <a:srgbClr val="A6A6A6"/>
-                      </a:solidFill>
-                      <a:prstDash val="solid"/>
-                      <a:round/>
-                      <a:headEnd type="none" w="med" len="med"/>
-                      <a:tailEnd type="none" w="med" len="med"/>
-                    </a:lnR>
-                    <a:lnT w="12700" cap="flat" cmpd="sng" algn="ctr">
-                      <a:solidFill>
-                        <a:srgbClr val="A6A6A6"/>
-                      </a:solidFill>
-                      <a:prstDash val="solid"/>
-                      <a:round/>
-                      <a:headEnd type="none" w="med" len="med"/>
-                      <a:tailEnd type="none" w="med" len="med"/>
-                    </a:lnT>
-                    <a:lnB w="12700" cap="flat" cmpd="sng" algn="ctr">
-                      <a:solidFill>
-                        <a:srgbClr val="A6A6A6"/>
-                      </a:solidFill>
-                      <a:prstDash val="solid"/>
-                      <a:round/>
-                      <a:headEnd type="none" w="med" len="med"/>
-                      <a:tailEnd type="none" w="med" len="med"/>
-                    </a:lnB>
-                    <a:solidFill>
-                      <a:srgbClr val="FFE8E1"/>
-                    </a:solidFill>
-                  </a:tcPr>
-                </a:tc>
-              </a:tr>
-              <a:tr h="2842622">
-                <a:tc>
-                  <a:txBody>
-                    <a:bodyPr/>
-                    <a:lstStyle/>
-                    <a:p>
-                      <a:pPr marL="0" marR="0">
-                        <a:lnSpc>
-                          <a:spcPct val="115000"/>
-                        </a:lnSpc>
-                        <a:spcBef>
-                          <a:spcPts val="400"/>
-                        </a:spcBef>
-                        <a:spcAft>
-                          <a:spcPts val="400"/>
-                        </a:spcAft>
-                      </a:pPr>
-                      <a:r>
-                        <a:rPr lang="en-US" sz="1600" dirty="0">
-                          <a:solidFill>
-                            <a:srgbClr val="000000"/>
-                          </a:solidFill>
-                          <a:effectLst/>
-                          <a:latin typeface="Calibri"/>
-                          <a:ea typeface="MS Mincho"/>
-                          <a:cs typeface="Arial"/>
-                        </a:rPr>
-                        <a:t>Tran </a:t>
-                      </a:r>
-                      <a:r>
-                        <a:rPr lang="en-US" sz="1600" dirty="0" err="1">
-                          <a:solidFill>
-                            <a:srgbClr val="000000"/>
-                          </a:solidFill>
-                          <a:effectLst/>
-                          <a:latin typeface="Calibri"/>
-                          <a:ea typeface="MS Mincho"/>
-                          <a:cs typeface="Arial"/>
-                        </a:rPr>
-                        <a:t>Thi</a:t>
-                      </a:r>
-                      <a:r>
-                        <a:rPr lang="en-US" sz="1600" dirty="0">
-                          <a:solidFill>
-                            <a:srgbClr val="000000"/>
-                          </a:solidFill>
-                          <a:effectLst/>
-                          <a:latin typeface="Calibri"/>
-                          <a:ea typeface="MS Mincho"/>
-                          <a:cs typeface="Arial"/>
-                        </a:rPr>
-                        <a:t> </a:t>
-                      </a:r>
-                      <a:r>
-                        <a:rPr lang="en-US" sz="1600" dirty="0" err="1">
-                          <a:solidFill>
-                            <a:srgbClr val="000000"/>
-                          </a:solidFill>
-                          <a:effectLst/>
-                          <a:latin typeface="Calibri"/>
-                          <a:ea typeface="MS Mincho"/>
-                          <a:cs typeface="Arial"/>
-                        </a:rPr>
-                        <a:t>Bich</a:t>
-                      </a:r>
-                      <a:endParaRPr lang="en-US" sz="1600" dirty="0">
-                        <a:solidFill>
-                          <a:srgbClr val="000000"/>
-                        </a:solidFill>
-                        <a:effectLst/>
-                        <a:latin typeface="Calibri"/>
-                        <a:ea typeface="MS Mincho"/>
-                        <a:cs typeface="Arial"/>
-                      </a:endParaRPr>
-                    </a:p>
-                  </a:txBody>
-                  <a:tcPr marL="68580" marR="68580" marT="0" marB="0">
-                    <a:lnL w="12700" cap="flat" cmpd="sng" algn="ctr">
-                      <a:solidFill>
-                        <a:srgbClr val="A6A6A6"/>
-                      </a:solidFill>
-                      <a:prstDash val="solid"/>
-                      <a:round/>
-                      <a:headEnd type="none" w="med" len="med"/>
-                      <a:tailEnd type="none" w="med" len="med"/>
-                    </a:lnL>
-                    <a:lnR w="12700" cap="flat" cmpd="sng" algn="ctr">
-                      <a:solidFill>
-                        <a:srgbClr val="A6A6A6"/>
-                      </a:solidFill>
-                      <a:prstDash val="solid"/>
-                      <a:round/>
-                      <a:headEnd type="none" w="med" len="med"/>
-                      <a:tailEnd type="none" w="med" len="med"/>
-                    </a:lnR>
-                    <a:lnT w="12700" cap="flat" cmpd="sng" algn="ctr">
-                      <a:solidFill>
-                        <a:srgbClr val="A6A6A6"/>
-                      </a:solidFill>
-                      <a:prstDash val="solid"/>
-                      <a:round/>
-                      <a:headEnd type="none" w="med" len="med"/>
-                      <a:tailEnd type="none" w="med" len="med"/>
-                    </a:lnT>
-                    <a:lnB w="12700" cap="flat" cmpd="sng" algn="ctr">
-                      <a:solidFill>
-                        <a:srgbClr val="A6A6A6"/>
-                      </a:solidFill>
-                      <a:prstDash val="solid"/>
-                      <a:round/>
-                      <a:headEnd type="none" w="med" len="med"/>
-                      <a:tailEnd type="none" w="med" len="med"/>
-                    </a:lnB>
-                  </a:tcPr>
-                </a:tc>
-                <a:tc>
-                  <a:txBody>
-                    <a:bodyPr/>
-                    <a:lstStyle/>
-                    <a:p>
-                      <a:pPr marL="0" marR="0">
-                        <a:lnSpc>
-                          <a:spcPct val="115000"/>
-                        </a:lnSpc>
-                        <a:spcBef>
-                          <a:spcPts val="400"/>
-                        </a:spcBef>
-                        <a:spcAft>
-                          <a:spcPts val="400"/>
-                        </a:spcAft>
-                      </a:pPr>
-                      <a:r>
-                        <a:rPr lang="en-US" sz="1600" dirty="0">
-                          <a:solidFill>
-                            <a:srgbClr val="000000"/>
-                          </a:solidFill>
-                          <a:effectLst/>
-                          <a:latin typeface="Calibri"/>
-                          <a:ea typeface="MS Mincho"/>
-                          <a:cs typeface="Arial"/>
-                        </a:rPr>
-                        <a:t>Test lead:</a:t>
-                      </a:r>
-                    </a:p>
-                    <a:p>
-                      <a:pPr marL="0" marR="0">
-                        <a:lnSpc>
-                          <a:spcPct val="115000"/>
-                        </a:lnSpc>
-                        <a:spcBef>
-                          <a:spcPts val="400"/>
-                        </a:spcBef>
-                        <a:spcAft>
-                          <a:spcPts val="400"/>
-                        </a:spcAft>
-                      </a:pPr>
-                      <a:r>
-                        <a:rPr lang="en-US" sz="1600" dirty="0">
-                          <a:solidFill>
-                            <a:srgbClr val="000000"/>
-                          </a:solidFill>
-                          <a:effectLst/>
-                          <a:latin typeface="Calibri"/>
-                          <a:ea typeface="MS Mincho"/>
-                          <a:cs typeface="Arial"/>
-                        </a:rPr>
-                        <a:t>Responsible for designing test plan and test cases for 2 major modules: Public Facing and Administrator modules.</a:t>
-                      </a:r>
-                    </a:p>
-                    <a:p>
-                      <a:pPr marL="0" marR="0">
-                        <a:lnSpc>
-                          <a:spcPct val="115000"/>
-                        </a:lnSpc>
-                        <a:spcBef>
-                          <a:spcPts val="400"/>
-                        </a:spcBef>
-                        <a:spcAft>
-                          <a:spcPts val="400"/>
-                        </a:spcAft>
-                      </a:pPr>
-                      <a:r>
-                        <a:rPr lang="en-US" sz="1600" dirty="0">
-                          <a:solidFill>
-                            <a:srgbClr val="000000"/>
-                          </a:solidFill>
-                          <a:effectLst/>
-                          <a:latin typeface="Calibri"/>
-                          <a:ea typeface="MS Mincho"/>
-                          <a:cs typeface="Arial"/>
-                        </a:rPr>
-                        <a:t>Attend in review of other test cases.</a:t>
-                      </a:r>
-                    </a:p>
-                    <a:p>
-                      <a:pPr marL="0" marR="0">
-                        <a:lnSpc>
-                          <a:spcPct val="115000"/>
-                        </a:lnSpc>
-                        <a:spcBef>
-                          <a:spcPts val="400"/>
-                        </a:spcBef>
-                        <a:spcAft>
-                          <a:spcPts val="400"/>
-                        </a:spcAft>
-                      </a:pPr>
-                      <a:r>
-                        <a:rPr lang="en-US" sz="1600" dirty="0">
-                          <a:solidFill>
-                            <a:srgbClr val="000000"/>
-                          </a:solidFill>
-                          <a:effectLst/>
-                          <a:latin typeface="Calibri"/>
-                          <a:ea typeface="MS Mincho"/>
-                          <a:cs typeface="Arial"/>
-                        </a:rPr>
-                        <a:t>Execute integration test, system test, performance testing and security test.</a:t>
-                      </a:r>
-                    </a:p>
-                    <a:p>
-                      <a:pPr marL="0" marR="0">
-                        <a:lnSpc>
-                          <a:spcPct val="115000"/>
-                        </a:lnSpc>
-                        <a:spcBef>
-                          <a:spcPts val="400"/>
-                        </a:spcBef>
-                        <a:spcAft>
-                          <a:spcPts val="400"/>
-                        </a:spcAft>
-                      </a:pPr>
-                      <a:r>
-                        <a:rPr lang="en-US" sz="1600" dirty="0">
-                          <a:solidFill>
-                            <a:srgbClr val="000000"/>
-                          </a:solidFill>
-                          <a:effectLst/>
-                          <a:latin typeface="Calibri"/>
-                          <a:ea typeface="MS Mincho"/>
-                          <a:cs typeface="Arial"/>
-                        </a:rPr>
-                        <a:t>Generate test report.</a:t>
-                      </a:r>
-                    </a:p>
-                  </a:txBody>
-                  <a:tcPr marL="68580" marR="68580" marT="0" marB="0">
-                    <a:lnL w="12700" cap="flat" cmpd="sng" algn="ctr">
-                      <a:solidFill>
-                        <a:srgbClr val="A6A6A6"/>
-                      </a:solidFill>
-                      <a:prstDash val="solid"/>
-                      <a:round/>
-                      <a:headEnd type="none" w="med" len="med"/>
-                      <a:tailEnd type="none" w="med" len="med"/>
-                    </a:lnL>
-                    <a:lnR w="12700" cap="flat" cmpd="sng" algn="ctr">
-                      <a:solidFill>
-                        <a:srgbClr val="A6A6A6"/>
-                      </a:solidFill>
-                      <a:prstDash val="solid"/>
-                      <a:round/>
-                      <a:headEnd type="none" w="med" len="med"/>
-                      <a:tailEnd type="none" w="med" len="med"/>
-                    </a:lnR>
-                    <a:lnT w="12700" cap="flat" cmpd="sng" algn="ctr">
-                      <a:solidFill>
-                        <a:srgbClr val="A6A6A6"/>
-                      </a:solidFill>
-                      <a:prstDash val="solid"/>
-                      <a:round/>
-                      <a:headEnd type="none" w="med" len="med"/>
-                      <a:tailEnd type="none" w="med" len="med"/>
-                    </a:lnT>
-                    <a:lnB w="12700" cap="flat" cmpd="sng" algn="ctr">
-                      <a:solidFill>
-                        <a:srgbClr val="A6A6A6"/>
-                      </a:solidFill>
-                      <a:prstDash val="solid"/>
-                      <a:round/>
-                      <a:headEnd type="none" w="med" len="med"/>
-                      <a:tailEnd type="none" w="med" len="med"/>
-                    </a:lnB>
-                  </a:tcPr>
-                </a:tc>
-              </a:tr>
-              <a:tr h="318239">
-                <a:tc>
-                  <a:txBody>
-                    <a:bodyPr/>
-                    <a:lstStyle/>
-                    <a:p>
-                      <a:pPr marL="0" marR="0">
-                        <a:lnSpc>
-                          <a:spcPct val="115000"/>
-                        </a:lnSpc>
-                        <a:spcBef>
-                          <a:spcPts val="400"/>
-                        </a:spcBef>
-                        <a:spcAft>
-                          <a:spcPts val="400"/>
-                        </a:spcAft>
-                      </a:pPr>
-                      <a:r>
-                        <a:rPr lang="en-US" sz="1600" dirty="0" smtClean="0">
-                          <a:solidFill>
-                            <a:srgbClr val="000000"/>
-                          </a:solidFill>
-                          <a:effectLst/>
-                          <a:latin typeface="Calibri"/>
-                          <a:ea typeface="MS Mincho"/>
-                          <a:cs typeface="Arial"/>
-                        </a:rPr>
-                        <a:t>DEV team</a:t>
-                      </a:r>
-                      <a:endParaRPr lang="en-US" sz="1600" dirty="0">
-                        <a:solidFill>
-                          <a:srgbClr val="000000"/>
-                        </a:solidFill>
-                        <a:effectLst/>
-                        <a:latin typeface="Calibri"/>
-                        <a:ea typeface="MS Mincho"/>
-                        <a:cs typeface="Arial"/>
-                      </a:endParaRPr>
-                    </a:p>
-                  </a:txBody>
-                  <a:tcPr marL="68580" marR="68580" marT="0" marB="0">
-                    <a:lnL w="12700" cap="flat" cmpd="sng" algn="ctr">
-                      <a:solidFill>
-                        <a:srgbClr val="A6A6A6"/>
-                      </a:solidFill>
-                      <a:prstDash val="solid"/>
-                      <a:round/>
-                      <a:headEnd type="none" w="med" len="med"/>
-                      <a:tailEnd type="none" w="med" len="med"/>
-                    </a:lnL>
-                    <a:lnR w="12700" cap="flat" cmpd="sng" algn="ctr">
-                      <a:solidFill>
-                        <a:srgbClr val="A6A6A6"/>
-                      </a:solidFill>
-                      <a:prstDash val="solid"/>
-                      <a:round/>
-                      <a:headEnd type="none" w="med" len="med"/>
-                      <a:tailEnd type="none" w="med" len="med"/>
-                    </a:lnR>
-                    <a:lnT w="12700" cap="flat" cmpd="sng" algn="ctr">
-                      <a:solidFill>
-                        <a:srgbClr val="A6A6A6"/>
-                      </a:solidFill>
-                      <a:prstDash val="solid"/>
-                      <a:round/>
-                      <a:headEnd type="none" w="med" len="med"/>
-                      <a:tailEnd type="none" w="med" len="med"/>
-                    </a:lnT>
-                    <a:lnB w="12700" cap="flat" cmpd="sng" algn="ctr">
-                      <a:solidFill>
-                        <a:srgbClr val="A6A6A6"/>
-                      </a:solidFill>
-                      <a:prstDash val="solid"/>
-                      <a:round/>
-                      <a:headEnd type="none" w="med" len="med"/>
-                      <a:tailEnd type="none" w="med" len="med"/>
-                    </a:lnB>
-                  </a:tcPr>
-                </a:tc>
-                <a:tc>
-                  <a:txBody>
-                    <a:bodyPr/>
-                    <a:lstStyle/>
-                    <a:p>
-                      <a:pPr marL="0" marR="0">
-                        <a:lnSpc>
-                          <a:spcPct val="115000"/>
-                        </a:lnSpc>
-                        <a:spcBef>
-                          <a:spcPts val="400"/>
-                        </a:spcBef>
-                        <a:spcAft>
-                          <a:spcPts val="400"/>
-                        </a:spcAft>
-                      </a:pPr>
-                      <a:r>
-                        <a:rPr lang="en-US" sz="1600">
-                          <a:solidFill>
-                            <a:srgbClr val="000000"/>
-                          </a:solidFill>
-                          <a:effectLst/>
-                          <a:latin typeface="Calibri"/>
-                          <a:ea typeface="MS Mincho"/>
-                          <a:cs typeface="Arial"/>
-                        </a:rPr>
-                        <a:t>Execute Unit testing</a:t>
-                      </a:r>
-                    </a:p>
-                  </a:txBody>
-                  <a:tcPr marL="68580" marR="68580" marT="0" marB="0">
-                    <a:lnL w="12700" cap="flat" cmpd="sng" algn="ctr">
-                      <a:solidFill>
-                        <a:srgbClr val="A6A6A6"/>
-                      </a:solidFill>
-                      <a:prstDash val="solid"/>
-                      <a:round/>
-                      <a:headEnd type="none" w="med" len="med"/>
-                      <a:tailEnd type="none" w="med" len="med"/>
-                    </a:lnL>
-                    <a:lnR w="12700" cap="flat" cmpd="sng" algn="ctr">
-                      <a:solidFill>
-                        <a:srgbClr val="A6A6A6"/>
-                      </a:solidFill>
-                      <a:prstDash val="solid"/>
-                      <a:round/>
-                      <a:headEnd type="none" w="med" len="med"/>
-                      <a:tailEnd type="none" w="med" len="med"/>
-                    </a:lnR>
-                    <a:lnT w="12700" cap="flat" cmpd="sng" algn="ctr">
-                      <a:solidFill>
-                        <a:srgbClr val="A6A6A6"/>
-                      </a:solidFill>
-                      <a:prstDash val="solid"/>
-                      <a:round/>
-                      <a:headEnd type="none" w="med" len="med"/>
-                      <a:tailEnd type="none" w="med" len="med"/>
-                    </a:lnT>
-                    <a:lnB w="12700" cap="flat" cmpd="sng" algn="ctr">
-                      <a:solidFill>
-                        <a:srgbClr val="A6A6A6"/>
-                      </a:solidFill>
-                      <a:prstDash val="solid"/>
-                      <a:round/>
-                      <a:headEnd type="none" w="med" len="med"/>
-                      <a:tailEnd type="none" w="med" len="med"/>
-                    </a:lnB>
-                  </a:tcPr>
-                </a:tc>
-              </a:tr>
-              <a:tr h="318239">
-                <a:tc>
-                  <a:txBody>
-                    <a:bodyPr/>
-                    <a:lstStyle/>
-                    <a:p>
-                      <a:pPr marL="0" marR="0">
-                        <a:lnSpc>
-                          <a:spcPct val="115000"/>
-                        </a:lnSpc>
-                        <a:spcBef>
-                          <a:spcPts val="400"/>
-                        </a:spcBef>
-                        <a:spcAft>
-                          <a:spcPts val="400"/>
-                        </a:spcAft>
-                      </a:pPr>
-                      <a:r>
-                        <a:rPr lang="en-US" sz="1600">
-                          <a:solidFill>
-                            <a:srgbClr val="000000"/>
-                          </a:solidFill>
-                          <a:effectLst/>
-                          <a:latin typeface="Calibri"/>
-                          <a:ea typeface="MS Mincho"/>
-                          <a:cs typeface="Arial"/>
-                        </a:rPr>
-                        <a:t>All team</a:t>
-                      </a:r>
-                    </a:p>
-                  </a:txBody>
-                  <a:tcPr marL="68580" marR="68580" marT="0" marB="0">
-                    <a:lnL w="12700" cap="flat" cmpd="sng" algn="ctr">
-                      <a:solidFill>
-                        <a:srgbClr val="A6A6A6"/>
-                      </a:solidFill>
-                      <a:prstDash val="solid"/>
-                      <a:round/>
-                      <a:headEnd type="none" w="med" len="med"/>
-                      <a:tailEnd type="none" w="med" len="med"/>
-                    </a:lnL>
-                    <a:lnR w="12700" cap="flat" cmpd="sng" algn="ctr">
-                      <a:solidFill>
-                        <a:srgbClr val="A6A6A6"/>
-                      </a:solidFill>
-                      <a:prstDash val="solid"/>
-                      <a:round/>
-                      <a:headEnd type="none" w="med" len="med"/>
-                      <a:tailEnd type="none" w="med" len="med"/>
-                    </a:lnR>
-                    <a:lnT w="12700" cap="flat" cmpd="sng" algn="ctr">
-                      <a:solidFill>
-                        <a:srgbClr val="A6A6A6"/>
-                      </a:solidFill>
-                      <a:prstDash val="solid"/>
-                      <a:round/>
-                      <a:headEnd type="none" w="med" len="med"/>
-                      <a:tailEnd type="none" w="med" len="med"/>
-                    </a:lnT>
-                    <a:lnB w="12700" cap="flat" cmpd="sng" algn="ctr">
-                      <a:solidFill>
-                        <a:srgbClr val="A6A6A6"/>
-                      </a:solidFill>
-                      <a:prstDash val="solid"/>
-                      <a:round/>
-                      <a:headEnd type="none" w="med" len="med"/>
-                      <a:tailEnd type="none" w="med" len="med"/>
-                    </a:lnB>
-                  </a:tcPr>
-                </a:tc>
-                <a:tc>
-                  <a:txBody>
-                    <a:bodyPr/>
-                    <a:lstStyle/>
-                    <a:p>
-                      <a:pPr marL="0" marR="0">
-                        <a:lnSpc>
-                          <a:spcPct val="115000"/>
-                        </a:lnSpc>
-                        <a:spcBef>
-                          <a:spcPts val="400"/>
-                        </a:spcBef>
-                        <a:spcAft>
-                          <a:spcPts val="400"/>
-                        </a:spcAft>
-                      </a:pPr>
-                      <a:r>
-                        <a:rPr lang="en-US" sz="1600">
-                          <a:solidFill>
-                            <a:srgbClr val="000000"/>
-                          </a:solidFill>
-                          <a:effectLst/>
-                          <a:latin typeface="Calibri"/>
-                          <a:ea typeface="MS Mincho"/>
-                          <a:cs typeface="Arial"/>
-                        </a:rPr>
-                        <a:t>Execute System testing</a:t>
-                      </a:r>
-                    </a:p>
-                  </a:txBody>
-                  <a:tcPr marL="68580" marR="68580" marT="0" marB="0">
-                    <a:lnL w="12700" cap="flat" cmpd="sng" algn="ctr">
-                      <a:solidFill>
-                        <a:srgbClr val="A6A6A6"/>
-                      </a:solidFill>
-                      <a:prstDash val="solid"/>
-                      <a:round/>
-                      <a:headEnd type="none" w="med" len="med"/>
-                      <a:tailEnd type="none" w="med" len="med"/>
-                    </a:lnL>
-                    <a:lnR w="12700" cap="flat" cmpd="sng" algn="ctr">
-                      <a:solidFill>
-                        <a:srgbClr val="A6A6A6"/>
-                      </a:solidFill>
-                      <a:prstDash val="solid"/>
-                      <a:round/>
-                      <a:headEnd type="none" w="med" len="med"/>
-                      <a:tailEnd type="none" w="med" len="med"/>
-                    </a:lnR>
-                    <a:lnT w="12700" cap="flat" cmpd="sng" algn="ctr">
-                      <a:solidFill>
-                        <a:srgbClr val="A6A6A6"/>
-                      </a:solidFill>
-                      <a:prstDash val="solid"/>
-                      <a:round/>
-                      <a:headEnd type="none" w="med" len="med"/>
-                      <a:tailEnd type="none" w="med" len="med"/>
-                    </a:lnT>
-                    <a:lnB w="12700" cap="flat" cmpd="sng" algn="ctr">
-                      <a:solidFill>
-                        <a:srgbClr val="A6A6A6"/>
-                      </a:solidFill>
-                      <a:prstDash val="solid"/>
-                      <a:round/>
-                      <a:headEnd type="none" w="med" len="med"/>
-                      <a:tailEnd type="none" w="med" len="med"/>
-                    </a:lnB>
-                  </a:tcPr>
-                </a:tc>
-              </a:tr>
-              <a:tr h="318239">
-                <a:tc>
-                  <a:txBody>
-                    <a:bodyPr/>
-                    <a:lstStyle/>
-                    <a:p>
-                      <a:pPr marL="0" marR="0">
-                        <a:lnSpc>
-                          <a:spcPct val="115000"/>
-                        </a:lnSpc>
-                        <a:spcBef>
-                          <a:spcPts val="400"/>
-                        </a:spcBef>
-                        <a:spcAft>
-                          <a:spcPts val="400"/>
-                        </a:spcAft>
-                      </a:pPr>
-                      <a:r>
-                        <a:rPr lang="en-US" sz="1600">
-                          <a:solidFill>
-                            <a:srgbClr val="000000"/>
-                          </a:solidFill>
-                          <a:effectLst/>
-                          <a:latin typeface="Calibri"/>
-                          <a:ea typeface="MS Mincho"/>
-                          <a:cs typeface="Arial"/>
-                        </a:rPr>
-                        <a:t>All team</a:t>
-                      </a:r>
-                    </a:p>
-                  </a:txBody>
-                  <a:tcPr marL="68580" marR="68580" marT="0" marB="0">
-                    <a:lnL w="12700" cap="flat" cmpd="sng" algn="ctr">
-                      <a:solidFill>
-                        <a:srgbClr val="A6A6A6"/>
-                      </a:solidFill>
-                      <a:prstDash val="solid"/>
-                      <a:round/>
-                      <a:headEnd type="none" w="med" len="med"/>
-                      <a:tailEnd type="none" w="med" len="med"/>
-                    </a:lnL>
-                    <a:lnR w="12700" cap="flat" cmpd="sng" algn="ctr">
-                      <a:solidFill>
-                        <a:srgbClr val="A6A6A6"/>
-                      </a:solidFill>
-                      <a:prstDash val="solid"/>
-                      <a:round/>
-                      <a:headEnd type="none" w="med" len="med"/>
-                      <a:tailEnd type="none" w="med" len="med"/>
-                    </a:lnR>
-                    <a:lnT w="12700" cap="flat" cmpd="sng" algn="ctr">
-                      <a:solidFill>
-                        <a:srgbClr val="A6A6A6"/>
-                      </a:solidFill>
-                      <a:prstDash val="solid"/>
-                      <a:round/>
-                      <a:headEnd type="none" w="med" len="med"/>
-                      <a:tailEnd type="none" w="med" len="med"/>
-                    </a:lnT>
-                    <a:lnB w="12700" cap="flat" cmpd="sng" algn="ctr">
-                      <a:solidFill>
-                        <a:srgbClr val="A6A6A6"/>
-                      </a:solidFill>
-                      <a:prstDash val="solid"/>
-                      <a:round/>
-                      <a:headEnd type="none" w="med" len="med"/>
-                      <a:tailEnd type="none" w="med" len="med"/>
-                    </a:lnB>
-                  </a:tcPr>
-                </a:tc>
-                <a:tc>
-                  <a:txBody>
-                    <a:bodyPr/>
-                    <a:lstStyle/>
-                    <a:p>
-                      <a:pPr marL="0" marR="0">
-                        <a:lnSpc>
-                          <a:spcPct val="115000"/>
-                        </a:lnSpc>
-                        <a:spcBef>
-                          <a:spcPts val="400"/>
-                        </a:spcBef>
-                        <a:spcAft>
-                          <a:spcPts val="400"/>
-                        </a:spcAft>
-                      </a:pPr>
-                      <a:r>
-                        <a:rPr lang="en-US" sz="1600" dirty="0">
-                          <a:solidFill>
-                            <a:srgbClr val="000000"/>
-                          </a:solidFill>
-                          <a:effectLst/>
-                          <a:latin typeface="Calibri"/>
-                          <a:ea typeface="MS Mincho"/>
-                          <a:cs typeface="Arial"/>
-                        </a:rPr>
-                        <a:t>Execute Acceptance testing</a:t>
-                      </a:r>
-                    </a:p>
-                  </a:txBody>
-                  <a:tcPr marL="68580" marR="68580" marT="0" marB="0">
-                    <a:lnL w="12700" cap="flat" cmpd="sng" algn="ctr">
-                      <a:solidFill>
-                        <a:srgbClr val="A6A6A6"/>
-                      </a:solidFill>
-                      <a:prstDash val="solid"/>
-                      <a:round/>
-                      <a:headEnd type="none" w="med" len="med"/>
-                      <a:tailEnd type="none" w="med" len="med"/>
-                    </a:lnL>
-                    <a:lnR w="12700" cap="flat" cmpd="sng" algn="ctr">
-                      <a:solidFill>
-                        <a:srgbClr val="A6A6A6"/>
-                      </a:solidFill>
-                      <a:prstDash val="solid"/>
-                      <a:round/>
-                      <a:headEnd type="none" w="med" len="med"/>
-                      <a:tailEnd type="none" w="med" len="med"/>
-                    </a:lnR>
-                    <a:lnT w="12700" cap="flat" cmpd="sng" algn="ctr">
-                      <a:solidFill>
-                        <a:srgbClr val="A6A6A6"/>
-                      </a:solidFill>
-                      <a:prstDash val="solid"/>
-                      <a:round/>
-                      <a:headEnd type="none" w="med" len="med"/>
-                      <a:tailEnd type="none" w="med" len="med"/>
-                    </a:lnT>
-                    <a:lnB w="12700" cap="flat" cmpd="sng" algn="ctr">
-                      <a:solidFill>
-                        <a:srgbClr val="A6A6A6"/>
-                      </a:solidFill>
-                      <a:prstDash val="solid"/>
-                      <a:round/>
-                      <a:headEnd type="none" w="med" len="med"/>
-                      <a:tailEnd type="none" w="med" len="med"/>
-                    </a:lnB>
-                  </a:tcPr>
-                </a:tc>
-              </a:tr>
-            </a:tbl>
-          </a:graphicData>
-        </a:graphic>
-      </p:graphicFrame>
     </p:spTree>
     <p:extLst>
       <p:ext uri="{BB962C8B-B14F-4D97-AF65-F5344CB8AC3E}">
-        <p14:creationId xmlns:p14="http://schemas.microsoft.com/office/powerpoint/2010/main" val="1101196137"/>
+        <p14:creationId xmlns:p14="http://schemas.microsoft.com/office/powerpoint/2010/main" val="3780229799"/>
       </p:ext>
     </p:extLst>
   </p:cSld>
@@ -39567,13 +38720,6 @@
       </p:transition>
     </mc:Fallback>
   </mc:AlternateContent>
-  <p:timing>
-    <p:tnLst>
-      <p:par>
-        <p:cTn id="1" dur="indefinite" restart="never" nodeType="tmRoot"/>
-      </p:par>
-    </p:tnLst>
-  </p:timing>
 </p:sld>
 </file>
 
@@ -39666,13 +38812,20 @@
           <a:lstStyle/>
           <a:p>
             <a:r>
-              <a:rPr lang="en-US" dirty="0" smtClean="0">
-                <a:latin typeface="Century Gothic"/>
-                <a:cs typeface="Century Gothic"/>
-              </a:rPr>
-              <a:t>Bugs List</a:t>
-            </a:r>
-            <a:endParaRPr lang="en-US" dirty="0" smtClean="0">
+              <a:rPr lang="en-US" b="1" dirty="0" smtClean="0">
+                <a:latin typeface="Century Gothic"/>
+                <a:cs typeface="Century Gothic"/>
+              </a:rPr>
+              <a:t>Test </a:t>
+            </a:r>
+            <a:r>
+              <a:rPr lang="en-US" b="1" dirty="0" smtClean="0">
+                <a:latin typeface="Century Gothic"/>
+                <a:cs typeface="Century Gothic"/>
+              </a:rPr>
+              <a:t>Result:</a:t>
+            </a:r>
+            <a:endParaRPr lang="en-US" b="1" dirty="0" smtClean="0">
               <a:solidFill>
                 <a:schemeClr val="tx1">
                   <a:lumMod val="85000"/>
@@ -39710,9 +38863,9 @@
       </p:sp>
       <p:pic>
         <p:nvPicPr>
-          <p:cNvPr id="7" name="Content Placeholder 5"/>
+          <p:cNvPr id="1026" name="Picture 2"/>
           <p:cNvPicPr>
-            <a:picLocks noChangeAspect="1"/>
+            <a:picLocks noChangeAspect="1" noChangeArrowheads="1"/>
           </p:cNvPicPr>
           <p:nvPr/>
         </p:nvPicPr>
@@ -39724,24 +38877,58 @@
               </a:ext>
             </a:extLst>
           </a:blip>
+          <a:srcRect/>
           <a:stretch>
             <a:fillRect/>
           </a:stretch>
         </p:blipFill>
-        <p:spPr>
+        <p:spPr bwMode="auto">
           <a:xfrm>
-            <a:off x="1066800" y="2209800"/>
-            <a:ext cx="7241675" cy="4343400"/>
+            <a:off x="1143000" y="2438400"/>
+            <a:ext cx="5945952" cy="1033463"/>
           </a:xfrm>
           <a:prstGeom prst="rect">
             <a:avLst/>
           </a:prstGeom>
+          <a:noFill/>
+          <a:ln>
+            <a:noFill/>
+          </a:ln>
+          <a:effectLst/>
+          <a:extLst>
+            <a:ext uri="{909E8E84-426E-40DD-AFC4-6F175D3DCCD1}">
+              <a14:hiddenFill xmlns:a14="http://schemas.microsoft.com/office/drawing/2010/main">
+                <a:solidFill>
+                  <a:schemeClr val="accent1"/>
+                </a:solidFill>
+              </a14:hiddenFill>
+            </a:ext>
+            <a:ext uri="{91240B29-F687-4F45-9708-019B960494DF}">
+              <a14:hiddenLine xmlns:a14="http://schemas.microsoft.com/office/drawing/2010/main" w="9525">
+                <a:solidFill>
+                  <a:schemeClr val="tx1"/>
+                </a:solidFill>
+                <a:miter lim="800000"/>
+                <a:headEnd/>
+                <a:tailEnd/>
+              </a14:hiddenLine>
+            </a:ext>
+            <a:ext uri="{AF507438-7753-43E0-B8FC-AC1667EBCBE1}">
+              <a14:hiddenEffects xmlns:a14="http://schemas.microsoft.com/office/drawing/2010/main">
+                <a:effectLst>
+                  <a:outerShdw dist="35921" dir="2700000" algn="ctr" rotWithShape="0">
+                    <a:schemeClr val="bg2"/>
+                  </a:outerShdw>
+                </a:effectLst>
+              </a14:hiddenEffects>
+            </a:ext>
+          </a:extLst>
         </p:spPr>
       </p:pic>
     </p:spTree>
     <p:extLst>
       <p:ext uri="{BB962C8B-B14F-4D97-AF65-F5344CB8AC3E}">
-        <p14:creationId xmlns:p14="http://schemas.microsoft.com/office/powerpoint/2010/main" val="1496606532"/>
+        <p14:creationId xmlns:p14="http://schemas.microsoft.com/office/powerpoint/2010/main" val="2449388730"/>
       </p:ext>
     </p:extLst>
   </p:cSld>
@@ -40215,20 +39402,13 @@
           <a:lstStyle/>
           <a:p>
             <a:r>
-              <a:rPr lang="en-US" smtClean="0">
-                <a:latin typeface="Century Gothic"/>
-                <a:cs typeface="Century Gothic"/>
-              </a:rPr>
-              <a:t>Bugs </a:t>
-            </a:r>
-            <a:r>
-              <a:rPr lang="en-US" dirty="0" smtClean="0">
-                <a:latin typeface="Century Gothic"/>
-                <a:cs typeface="Century Gothic"/>
-              </a:rPr>
-              <a:t>List</a:t>
-            </a:r>
-            <a:endParaRPr lang="en-US" dirty="0" smtClean="0">
+              <a:rPr lang="en-US" b="1" dirty="0" smtClean="0">
+                <a:latin typeface="Century Gothic"/>
+                <a:cs typeface="Century Gothic"/>
+              </a:rPr>
+              <a:t>Bugs List</a:t>
+            </a:r>
+            <a:endParaRPr lang="en-US" b="1" dirty="0" smtClean="0">
               <a:solidFill>
                 <a:schemeClr val="tx1">
                   <a:lumMod val="85000"/>
@@ -40259,6 +39439,199 @@
             <a:fld id="{34C99D79-8A4B-4031-B1E0-AF26F8EDF2BC}" type="slidenum">
               <a:rPr lang="en-US" smtClean="0"/>
               <a:t>50</a:t>
+            </a:fld>
+            <a:endParaRPr lang="en-US"/>
+          </a:p>
+        </p:txBody>
+      </p:sp>
+      <p:pic>
+        <p:nvPicPr>
+          <p:cNvPr id="7" name="Content Placeholder 5"/>
+          <p:cNvPicPr>
+            <a:picLocks noChangeAspect="1"/>
+          </p:cNvPicPr>
+          <p:nvPr/>
+        </p:nvPicPr>
+        <p:blipFill>
+          <a:blip r:embed="rId2">
+            <a:extLst>
+              <a:ext uri="{28A0092B-C50C-407E-A947-70E740481C1C}">
+                <a14:useLocalDpi xmlns:a14="http://schemas.microsoft.com/office/drawing/2010/main" val="0"/>
+              </a:ext>
+            </a:extLst>
+          </a:blip>
+          <a:stretch>
+            <a:fillRect/>
+          </a:stretch>
+        </p:blipFill>
+        <p:spPr>
+          <a:xfrm>
+            <a:off x="1066800" y="2209800"/>
+            <a:ext cx="7241675" cy="4343400"/>
+          </a:xfrm>
+          <a:prstGeom prst="rect">
+            <a:avLst/>
+          </a:prstGeom>
+        </p:spPr>
+      </p:pic>
+    </p:spTree>
+    <p:extLst>
+      <p:ext uri="{BB962C8B-B14F-4D97-AF65-F5344CB8AC3E}">
+        <p14:creationId xmlns:p14="http://schemas.microsoft.com/office/powerpoint/2010/main" val="1496606532"/>
+      </p:ext>
+    </p:extLst>
+  </p:cSld>
+  <p:clrMapOvr>
+    <a:masterClrMapping/>
+  </p:clrMapOvr>
+  <mc:AlternateContent xmlns:mc="http://schemas.openxmlformats.org/markup-compatibility/2006" xmlns:p14="http://schemas.microsoft.com/office/powerpoint/2010/main">
+    <mc:Choice Requires="p14">
+      <p:transition spd="med" p14:dur="700">
+        <p:fade/>
+      </p:transition>
+    </mc:Choice>
+    <mc:Fallback xmlns="">
+      <p:transition spd="med">
+        <p:fade/>
+      </p:transition>
+    </mc:Fallback>
+  </mc:AlternateContent>
+  <p:timing>
+    <p:tnLst>
+      <p:par>
+        <p:cTn id="1" dur="indefinite" restart="never" nodeType="tmRoot"/>
+      </p:par>
+    </p:tnLst>
+  </p:timing>
+</p:sld>
+</file>
+
+<file path=ppt/slides/slide51.xml><?xml version="1.0" encoding="utf-8"?>
+<p:sld xmlns:a="http://schemas.openxmlformats.org/drawingml/2006/main" xmlns:r="http://schemas.openxmlformats.org/officeDocument/2006/relationships" xmlns:p="http://schemas.openxmlformats.org/presentationml/2006/main">
+  <p:cSld>
+    <p:spTree>
+      <p:nvGrpSpPr>
+        <p:cNvPr id="1" name=""/>
+        <p:cNvGrpSpPr/>
+        <p:nvPr/>
+      </p:nvGrpSpPr>
+      <p:grpSpPr>
+        <a:xfrm>
+          <a:off x="0" y="0"/>
+          <a:ext cx="0" cy="0"/>
+          <a:chOff x="0" y="0"/>
+          <a:chExt cx="0" cy="0"/>
+        </a:xfrm>
+      </p:grpSpPr>
+      <p:sp>
+        <p:nvSpPr>
+          <p:cNvPr id="5" name="Title 4"/>
+          <p:cNvSpPr>
+            <a:spLocks noGrp="1"/>
+          </p:cNvSpPr>
+          <p:nvPr>
+            <p:ph type="title"/>
+          </p:nvPr>
+        </p:nvSpPr>
+        <p:spPr/>
+        <p:txBody>
+          <a:bodyPr/>
+          <a:lstStyle/>
+          <a:p>
+            <a:r>
+              <a:rPr lang="en-US" dirty="0">
+                <a:solidFill>
+                  <a:schemeClr val="accent4">
+                    <a:lumMod val="50000"/>
+                  </a:schemeClr>
+                </a:solidFill>
+                <a:latin typeface="Century Gothic"/>
+                <a:cs typeface="Century Gothic"/>
+              </a:rPr>
+              <a:t>5</a:t>
+            </a:r>
+            <a:r>
+              <a:rPr lang="en-US" dirty="0" smtClean="0">
+                <a:solidFill>
+                  <a:schemeClr val="accent4">
+                    <a:lumMod val="50000"/>
+                  </a:schemeClr>
+                </a:solidFill>
+                <a:latin typeface="Century Gothic"/>
+                <a:cs typeface="Century Gothic"/>
+              </a:rPr>
+              <a:t>. Software Test Documentation</a:t>
+            </a:r>
+            <a:endParaRPr lang="en-US" dirty="0">
+              <a:solidFill>
+                <a:schemeClr val="accent4">
+                  <a:lumMod val="50000"/>
+                </a:schemeClr>
+              </a:solidFill>
+              <a:latin typeface="Century Gothic"/>
+              <a:cs typeface="Century Gothic"/>
+            </a:endParaRPr>
+          </a:p>
+        </p:txBody>
+      </p:sp>
+      <p:sp>
+        <p:nvSpPr>
+          <p:cNvPr id="6" name="Content Placeholder 5"/>
+          <p:cNvSpPr>
+            <a:spLocks noGrp="1"/>
+          </p:cNvSpPr>
+          <p:nvPr>
+            <p:ph idx="1"/>
+          </p:nvPr>
+        </p:nvSpPr>
+        <p:spPr>
+          <a:xfrm>
+            <a:off x="914400" y="1676400"/>
+            <a:ext cx="7315200" cy="4495800"/>
+          </a:xfrm>
+        </p:spPr>
+        <p:txBody>
+          <a:bodyPr/>
+          <a:lstStyle/>
+          <a:p>
+            <a:r>
+              <a:rPr lang="en-US" b="1" dirty="0" smtClean="0">
+                <a:latin typeface="Century Gothic"/>
+                <a:cs typeface="Century Gothic"/>
+              </a:rPr>
+              <a:t>Bugs List</a:t>
+            </a:r>
+            <a:endParaRPr lang="en-US" b="1" dirty="0" smtClean="0">
+              <a:solidFill>
+                <a:schemeClr val="tx1">
+                  <a:lumMod val="85000"/>
+                  <a:lumOff val="15000"/>
+                </a:schemeClr>
+              </a:solidFill>
+              <a:latin typeface="Century Gothic"/>
+              <a:cs typeface="Century Gothic"/>
+            </a:endParaRPr>
+          </a:p>
+        </p:txBody>
+      </p:sp>
+      <p:sp>
+        <p:nvSpPr>
+          <p:cNvPr id="2" name="Slide Number Placeholder 1"/>
+          <p:cNvSpPr>
+            <a:spLocks noGrp="1"/>
+          </p:cNvSpPr>
+          <p:nvPr>
+            <p:ph type="sldNum" sz="quarter" idx="12"/>
+          </p:nvPr>
+        </p:nvSpPr>
+        <p:spPr/>
+        <p:txBody>
+          <a:bodyPr/>
+          <a:lstStyle/>
+          <a:p>
+            <a:fld id="{34C99D79-8A4B-4031-B1E0-AF26F8EDF2BC}" type="slidenum">
+              <a:rPr lang="en-US" smtClean="0"/>
+              <a:t>51</a:t>
             </a:fld>
             <a:endParaRPr lang="en-US"/>
           </a:p>
@@ -40326,7 +39699,7 @@
 </p:sld>
 </file>
 
-<file path=ppt/slides/slide51.xml><?xml version="1.0" encoding="utf-8"?>
+<file path=ppt/slides/slide52.xml><?xml version="1.0" encoding="utf-8"?>
 <p:sld xmlns:a="http://schemas.openxmlformats.org/drawingml/2006/main" xmlns:r="http://schemas.openxmlformats.org/officeDocument/2006/relationships" xmlns:p="http://schemas.openxmlformats.org/presentationml/2006/main">
   <p:cSld>
     <p:spTree>
@@ -40419,8 +39792,17 @@
                 <a:latin typeface="Century Gothic"/>
                 <a:cs typeface="Century Gothic"/>
               </a:rPr>
-              <a:t>Test Report</a:t>
-            </a:r>
+              <a:t>Test </a:t>
+            </a:r>
+            <a:r>
+              <a:rPr lang="en-US" b="1" dirty="0" smtClean="0">
+                <a:latin typeface="Century Gothic"/>
+                <a:cs typeface="Century Gothic"/>
+              </a:rPr>
+              <a:t>Report</a:t>
+            </a:r>
+          </a:p>
+          <a:p>
             <a:endParaRPr lang="en-US" b="1" dirty="0" smtClean="0">
               <a:solidFill>
                 <a:schemeClr val="tx1">
@@ -40451,7 +39833,7 @@
           <a:p>
             <a:fld id="{34C99D79-8A4B-4031-B1E0-AF26F8EDF2BC}" type="slidenum">
               <a:rPr lang="en-US" smtClean="0"/>
-              <a:t>51</a:t>
+              <a:t>52</a:t>
             </a:fld>
             <a:endParaRPr lang="en-US"/>
           </a:p>
@@ -40459,9 +39841,9 @@
       </p:sp>
       <p:pic>
         <p:nvPicPr>
-          <p:cNvPr id="1026" name="Picture 2"/>
+          <p:cNvPr id="7" name="Picture 6"/>
           <p:cNvPicPr>
-            <a:picLocks noChangeAspect="1" noChangeArrowheads="1"/>
+            <a:picLocks noChangeAspect="1"/>
           </p:cNvPicPr>
           <p:nvPr/>
         </p:nvPicPr>
@@ -40473,54 +39855,56 @@
               </a:ext>
             </a:extLst>
           </a:blip>
-          <a:srcRect/>
           <a:stretch>
             <a:fillRect/>
           </a:stretch>
         </p:blipFill>
-        <p:spPr bwMode="auto">
+        <p:spPr>
           <a:xfrm>
-            <a:off x="2571750" y="3081338"/>
-            <a:ext cx="4000500" cy="695325"/>
+            <a:off x="942468" y="2438400"/>
+            <a:ext cx="7259064" cy="1695516"/>
+          </a:xfrm>
+          <a:prstGeom prst="rect">
+            <a:avLst/>
+          </a:prstGeom>
+        </p:spPr>
+      </p:pic>
+      <p:sp>
+        <p:nvSpPr>
+          <p:cNvPr id="3" name="TextBox 2"/>
+          <p:cNvSpPr txBox="1"/>
+          <p:nvPr/>
+        </p:nvSpPr>
+        <p:spPr>
+          <a:xfrm>
+            <a:off x="942468" y="4800600"/>
+            <a:ext cx="5205143" cy="830997"/>
           </a:xfrm>
           <a:prstGeom prst="rect">
             <a:avLst/>
           </a:prstGeom>
           <a:noFill/>
-          <a:ln>
-            <a:noFill/>
-          </a:ln>
-          <a:effectLst/>
-          <a:extLst>
-            <a:ext uri="{909E8E84-426E-40DD-AFC4-6F175D3DCCD1}">
-              <a14:hiddenFill xmlns:a14="http://schemas.microsoft.com/office/drawing/2010/main">
-                <a:solidFill>
-                  <a:schemeClr val="accent1"/>
-                </a:solidFill>
-              </a14:hiddenFill>
-            </a:ext>
-            <a:ext uri="{91240B29-F687-4F45-9708-019B960494DF}">
-              <a14:hiddenLine xmlns:a14="http://schemas.microsoft.com/office/drawing/2010/main" w="9525">
-                <a:solidFill>
-                  <a:schemeClr val="tx1"/>
-                </a:solidFill>
-                <a:miter lim="800000"/>
-                <a:headEnd/>
-                <a:tailEnd/>
-              </a14:hiddenLine>
-            </a:ext>
-            <a:ext uri="{AF507438-7753-43E0-B8FC-AC1667EBCBE1}">
-              <a14:hiddenEffects xmlns:a14="http://schemas.microsoft.com/office/drawing/2010/main">
-                <a:effectLst>
-                  <a:outerShdw dist="35921" dir="2700000" algn="ctr" rotWithShape="0">
-                    <a:schemeClr val="bg2"/>
-                  </a:outerShdw>
-                </a:effectLst>
-              </a14:hiddenEffects>
-            </a:ext>
-          </a:extLst>
         </p:spPr>
-      </p:pic>
+        <p:txBody>
+          <a:bodyPr wrap="none" rtlCol="0">
+            <a:spAutoFit/>
+          </a:bodyPr>
+          <a:lstStyle/>
+          <a:p>
+            <a:pPr marL="342900" indent="-342900">
+              <a:buFont typeface="Wingdings" pitchFamily="2" charset="2"/>
+              <a:buChar char="ü"/>
+            </a:pPr>
+            <a:r>
+              <a:rPr lang="en-US" dirty="0"/>
+              <a:t>Number of fail test cases: 18 (fix all)</a:t>
+            </a:r>
+          </a:p>
+          <a:p>
+            <a:endParaRPr lang="en-US" dirty="0"/>
+          </a:p>
+        </p:txBody>
+      </p:sp>
     </p:spTree>
     <p:extLst>
       <p:ext uri="{BB962C8B-B14F-4D97-AF65-F5344CB8AC3E}">
@@ -40553,7 +39937,7 @@
 </p:sld>
 </file>
 
-<file path=ppt/slides/slide52.xml><?xml version="1.0" encoding="utf-8"?>
+<file path=ppt/slides/slide53.xml><?xml version="1.0" encoding="utf-8"?>
 <p:sld xmlns:a="http://schemas.openxmlformats.org/drawingml/2006/main" xmlns:r="http://schemas.openxmlformats.org/officeDocument/2006/relationships" xmlns:p="http://schemas.openxmlformats.org/presentationml/2006/main">
   <p:cSld>
     <p:spTree>
@@ -40685,7 +40069,7 @@
           <a:p>
             <a:fld id="{34C99D79-8A4B-4031-B1E0-AF26F8EDF2BC}" type="slidenum">
               <a:rPr lang="en-US" smtClean="0"/>
-              <a:t>52</a:t>
+              <a:t>53</a:t>
             </a:fld>
             <a:endParaRPr lang="en-US"/>
           </a:p>
@@ -40753,7 +40137,7 @@
 </p:sld>
 </file>
 
-<file path=ppt/slides/slide53.xml><?xml version="1.0" encoding="utf-8"?>
+<file path=ppt/slides/slide54.xml><?xml version="1.0" encoding="utf-8"?>
 <p:sld xmlns:a="http://schemas.openxmlformats.org/drawingml/2006/main" xmlns:r="http://schemas.openxmlformats.org/officeDocument/2006/relationships" xmlns:p="http://schemas.openxmlformats.org/presentationml/2006/main">
   <p:cSld>
     <p:spTree>
@@ -40838,7 +40222,7 @@
           <a:p>
             <a:fld id="{34C99D79-8A4B-4031-B1E0-AF26F8EDF2BC}" type="slidenum">
               <a:rPr lang="en-US" smtClean="0"/>
-              <a:t>53</a:t>
+              <a:t>54</a:t>
             </a:fld>
             <a:endParaRPr lang="en-US"/>
           </a:p>
@@ -40906,7 +40290,7 @@
 </p:sld>
 </file>
 
-<file path=ppt/slides/slide54.xml><?xml version="1.0" encoding="utf-8"?>
+<file path=ppt/slides/slide55.xml><?xml version="1.0" encoding="utf-8"?>
 <p:sld xmlns:a="http://schemas.openxmlformats.org/drawingml/2006/main" xmlns:r="http://schemas.openxmlformats.org/officeDocument/2006/relationships" xmlns:p="http://schemas.openxmlformats.org/presentationml/2006/main">
   <p:cSld>
     <p:spTree>
@@ -40967,7 +40351,7 @@
           <a:p>
             <a:fld id="{34C99D79-8A4B-4031-B1E0-AF26F8EDF2BC}" type="slidenum">
               <a:rPr lang="en-US" smtClean="0"/>
-              <a:t>54</a:t>
+              <a:t>55</a:t>
             </a:fld>
             <a:endParaRPr lang="en-US"/>
           </a:p>

--- a/Document/Documentation/Final Document & Report/RHF_Presentation_Final_v1.0.pptx
+++ b/Document/Documentation/Final Document & Report/RHF_Presentation_Final_v1.0.pptx
@@ -166,7 +166,7 @@
   </p:defaultTextStyle>
   <p:extLst>
     <p:ext uri="{EFAFB233-063F-42B5-8137-9DF3F51BA10A}">
-      <p15:sldGuideLst xmlns:p15="http://schemas.microsoft.com/office/powerpoint/2012/main" xmlns="">
+      <p15:sldGuideLst xmlns="" xmlns:p15="http://schemas.microsoft.com/office/powerpoint/2012/main">
         <p15:guide id="1" orient="horz" pos="2160">
           <p15:clr>
             <a:srgbClr val="A4A3A4"/>
@@ -180,7 +180,7 @@
       </p15:sldGuideLst>
     </p:ext>
     <p:ext uri="{2D200454-40CA-4A62-9FC3-DE9A4176ACB9}">
-      <p15:notesGuideLst xmlns:p15="http://schemas.microsoft.com/office/powerpoint/2012/main" xmlns="">
+      <p15:notesGuideLst xmlns="" xmlns:p15="http://schemas.microsoft.com/office/powerpoint/2012/main">
         <p15:guide id="1" orient="horz" pos="2880">
           <p15:clr>
             <a:srgbClr val="A4A3A4"/>
@@ -4038,1285 +4038,6 @@
       <dsp:cNvGrpSpPr/>
     </dsp:nvGrpSpPr>
     <dsp:grpSpPr/>
-    <dsp:sp modelId="{0D35EC2F-9609-7145-B868-645430020EE8}">
-      <dsp:nvSpPr>
-        <dsp:cNvPr id="0" name=""/>
-        <dsp:cNvSpPr/>
-      </dsp:nvSpPr>
-      <dsp:spPr>
-        <a:xfrm>
-          <a:off x="6126547" y="2566770"/>
-          <a:ext cx="91440" cy="676069"/>
-        </a:xfrm>
-        <a:custGeom>
-          <a:avLst/>
-          <a:gdLst/>
-          <a:ahLst/>
-          <a:cxnLst/>
-          <a:rect l="0" t="0" r="0" b="0"/>
-          <a:pathLst>
-            <a:path>
-              <a:moveTo>
-                <a:pt x="52915" y="0"/>
-              </a:moveTo>
-              <a:lnTo>
-                <a:pt x="52915" y="512686"/>
-              </a:lnTo>
-              <a:lnTo>
-                <a:pt x="45720" y="512686"/>
-              </a:lnTo>
-              <a:lnTo>
-                <a:pt x="45720" y="676069"/>
-              </a:lnTo>
-            </a:path>
-          </a:pathLst>
-        </a:custGeom>
-        <a:noFill/>
-        <a:ln w="9525" cap="flat" cmpd="sng" algn="ctr">
-          <a:solidFill>
-            <a:schemeClr val="accent1">
-              <a:shade val="80000"/>
-              <a:hueOff val="0"/>
-              <a:satOff val="0"/>
-              <a:lumOff val="0"/>
-              <a:alphaOff val="0"/>
-            </a:schemeClr>
-          </a:solidFill>
-          <a:prstDash val="solid"/>
-        </a:ln>
-        <a:effectLst/>
-      </dsp:spPr>
-      <dsp:style>
-        <a:lnRef idx="1">
-          <a:scrgbClr r="0" g="0" b="0"/>
-        </a:lnRef>
-        <a:fillRef idx="0">
-          <a:scrgbClr r="0" g="0" b="0"/>
-        </a:fillRef>
-        <a:effectRef idx="0">
-          <a:scrgbClr r="0" g="0" b="0"/>
-        </a:effectRef>
-        <a:fontRef idx="minor"/>
-      </dsp:style>
-    </dsp:sp>
-    <dsp:sp modelId="{735D5FD5-3A06-0B45-BCDF-8B5F3D2F8149}">
-      <dsp:nvSpPr>
-        <dsp:cNvPr id="0" name=""/>
-        <dsp:cNvSpPr/>
-      </dsp:nvSpPr>
-      <dsp:spPr>
-        <a:xfrm>
-          <a:off x="4212814" y="1120026"/>
-          <a:ext cx="1966649" cy="326821"/>
-        </a:xfrm>
-        <a:custGeom>
-          <a:avLst/>
-          <a:gdLst/>
-          <a:ahLst/>
-          <a:cxnLst/>
-          <a:rect l="0" t="0" r="0" b="0"/>
-          <a:pathLst>
-            <a:path>
-              <a:moveTo>
-                <a:pt x="0" y="0"/>
-              </a:moveTo>
-              <a:lnTo>
-                <a:pt x="0" y="163438"/>
-              </a:lnTo>
-              <a:lnTo>
-                <a:pt x="1966649" y="163438"/>
-              </a:lnTo>
-              <a:lnTo>
-                <a:pt x="1966649" y="326821"/>
-              </a:lnTo>
-            </a:path>
-          </a:pathLst>
-        </a:custGeom>
-        <a:noFill/>
-        <a:ln w="9525" cap="flat" cmpd="sng" algn="ctr">
-          <a:solidFill>
-            <a:schemeClr val="accent1">
-              <a:shade val="60000"/>
-              <a:hueOff val="0"/>
-              <a:satOff val="0"/>
-              <a:lumOff val="0"/>
-              <a:alphaOff val="0"/>
-            </a:schemeClr>
-          </a:solidFill>
-          <a:prstDash val="solid"/>
-        </a:ln>
-        <a:effectLst/>
-      </dsp:spPr>
-      <dsp:style>
-        <a:lnRef idx="1">
-          <a:scrgbClr r="0" g="0" b="0"/>
-        </a:lnRef>
-        <a:fillRef idx="0">
-          <a:scrgbClr r="0" g="0" b="0"/>
-        </a:fillRef>
-        <a:effectRef idx="0">
-          <a:scrgbClr r="0" g="0" b="0"/>
-        </a:effectRef>
-        <a:fontRef idx="minor"/>
-      </dsp:style>
-    </dsp:sp>
-    <dsp:sp modelId="{682D5EE5-05B7-1343-A558-4AEA1E787A4F}">
-      <dsp:nvSpPr>
-        <dsp:cNvPr id="0" name=""/>
-        <dsp:cNvSpPr/>
-      </dsp:nvSpPr>
-      <dsp:spPr>
-        <a:xfrm>
-          <a:off x="1754827" y="2566770"/>
-          <a:ext cx="1220594" cy="699142"/>
-        </a:xfrm>
-        <a:custGeom>
-          <a:avLst/>
-          <a:gdLst/>
-          <a:ahLst/>
-          <a:cxnLst/>
-          <a:rect l="0" t="0" r="0" b="0"/>
-          <a:pathLst>
-            <a:path>
-              <a:moveTo>
-                <a:pt x="0" y="0"/>
-              </a:moveTo>
-              <a:lnTo>
-                <a:pt x="0" y="535759"/>
-              </a:lnTo>
-              <a:lnTo>
-                <a:pt x="1220594" y="535759"/>
-              </a:lnTo>
-              <a:lnTo>
-                <a:pt x="1220594" y="699142"/>
-              </a:lnTo>
-            </a:path>
-          </a:pathLst>
-        </a:custGeom>
-        <a:noFill/>
-        <a:ln w="9525" cap="flat" cmpd="sng" algn="ctr">
-          <a:solidFill>
-            <a:schemeClr val="accent1">
-              <a:shade val="80000"/>
-              <a:hueOff val="0"/>
-              <a:satOff val="0"/>
-              <a:lumOff val="0"/>
-              <a:alphaOff val="0"/>
-            </a:schemeClr>
-          </a:solidFill>
-          <a:prstDash val="solid"/>
-        </a:ln>
-        <a:effectLst/>
-      </dsp:spPr>
-      <dsp:style>
-        <a:lnRef idx="1">
-          <a:scrgbClr r="0" g="0" b="0"/>
-        </a:lnRef>
-        <a:fillRef idx="0">
-          <a:scrgbClr r="0" g="0" b="0"/>
-        </a:fillRef>
-        <a:effectRef idx="0">
-          <a:scrgbClr r="0" g="0" b="0"/>
-        </a:effectRef>
-        <a:fontRef idx="minor"/>
-      </dsp:style>
-    </dsp:sp>
-    <dsp:sp modelId="{CEC58CC1-CF43-714B-9104-237906AE5F28}">
-      <dsp:nvSpPr>
-        <dsp:cNvPr id="0" name=""/>
-        <dsp:cNvSpPr/>
-      </dsp:nvSpPr>
-      <dsp:spPr>
-        <a:xfrm>
-          <a:off x="685866" y="2566770"/>
-          <a:ext cx="1068960" cy="699142"/>
-        </a:xfrm>
-        <a:custGeom>
-          <a:avLst/>
-          <a:gdLst/>
-          <a:ahLst/>
-          <a:cxnLst/>
-          <a:rect l="0" t="0" r="0" b="0"/>
-          <a:pathLst>
-            <a:path>
-              <a:moveTo>
-                <a:pt x="1068960" y="0"/>
-              </a:moveTo>
-              <a:lnTo>
-                <a:pt x="1068960" y="535759"/>
-              </a:lnTo>
-              <a:lnTo>
-                <a:pt x="0" y="535759"/>
-              </a:lnTo>
-              <a:lnTo>
-                <a:pt x="0" y="699142"/>
-              </a:lnTo>
-            </a:path>
-          </a:pathLst>
-        </a:custGeom>
-        <a:noFill/>
-        <a:ln w="9525" cap="flat" cmpd="sng" algn="ctr">
-          <a:solidFill>
-            <a:schemeClr val="accent1">
-              <a:shade val="80000"/>
-              <a:hueOff val="0"/>
-              <a:satOff val="0"/>
-              <a:lumOff val="0"/>
-              <a:alphaOff val="0"/>
-            </a:schemeClr>
-          </a:solidFill>
-          <a:prstDash val="solid"/>
-        </a:ln>
-        <a:effectLst/>
-      </dsp:spPr>
-      <dsp:style>
-        <a:lnRef idx="1">
-          <a:scrgbClr r="0" g="0" b="0"/>
-        </a:lnRef>
-        <a:fillRef idx="0">
-          <a:scrgbClr r="0" g="0" b="0"/>
-        </a:fillRef>
-        <a:effectRef idx="0">
-          <a:scrgbClr r="0" g="0" b="0"/>
-        </a:effectRef>
-        <a:fontRef idx="minor"/>
-      </dsp:style>
-    </dsp:sp>
-    <dsp:sp modelId="{FC927066-522E-1743-A961-1980D48371B2}">
-      <dsp:nvSpPr>
-        <dsp:cNvPr id="0" name=""/>
-        <dsp:cNvSpPr/>
-      </dsp:nvSpPr>
-      <dsp:spPr>
-        <a:xfrm>
-          <a:off x="1754827" y="1120026"/>
-          <a:ext cx="2457986" cy="326821"/>
-        </a:xfrm>
-        <a:custGeom>
-          <a:avLst/>
-          <a:gdLst/>
-          <a:ahLst/>
-          <a:cxnLst/>
-          <a:rect l="0" t="0" r="0" b="0"/>
-          <a:pathLst>
-            <a:path>
-              <a:moveTo>
-                <a:pt x="2457986" y="0"/>
-              </a:moveTo>
-              <a:lnTo>
-                <a:pt x="2457986" y="163438"/>
-              </a:lnTo>
-              <a:lnTo>
-                <a:pt x="0" y="163438"/>
-              </a:lnTo>
-              <a:lnTo>
-                <a:pt x="0" y="326821"/>
-              </a:lnTo>
-            </a:path>
-          </a:pathLst>
-        </a:custGeom>
-        <a:noFill/>
-        <a:ln w="9525" cap="flat" cmpd="sng" algn="ctr">
-          <a:solidFill>
-            <a:schemeClr val="accent1">
-              <a:shade val="60000"/>
-              <a:hueOff val="0"/>
-              <a:satOff val="0"/>
-              <a:lumOff val="0"/>
-              <a:alphaOff val="0"/>
-            </a:schemeClr>
-          </a:solidFill>
-          <a:prstDash val="solid"/>
-        </a:ln>
-        <a:effectLst/>
-      </dsp:spPr>
-      <dsp:style>
-        <a:lnRef idx="1">
-          <a:scrgbClr r="0" g="0" b="0"/>
-        </a:lnRef>
-        <a:fillRef idx="0">
-          <a:scrgbClr r="0" g="0" b="0"/>
-        </a:fillRef>
-        <a:effectRef idx="0">
-          <a:scrgbClr r="0" g="0" b="0"/>
-        </a:effectRef>
-        <a:fontRef idx="minor"/>
-      </dsp:style>
-    </dsp:sp>
-    <dsp:sp modelId="{855C2EBD-AB7E-0340-B0C4-F8B33DB245F6}">
-      <dsp:nvSpPr>
-        <dsp:cNvPr id="0" name=""/>
-        <dsp:cNvSpPr/>
-      </dsp:nvSpPr>
-      <dsp:spPr>
-        <a:xfrm>
-          <a:off x="3330985" y="103"/>
-          <a:ext cx="1763657" cy="1119922"/>
-        </a:xfrm>
-        <a:prstGeom prst="roundRect">
-          <a:avLst>
-            <a:gd name="adj" fmla="val 10000"/>
-          </a:avLst>
-        </a:prstGeom>
-        <a:solidFill>
-          <a:schemeClr val="accent1">
-            <a:hueOff val="0"/>
-            <a:satOff val="0"/>
-            <a:lumOff val="0"/>
-            <a:alphaOff val="0"/>
-          </a:schemeClr>
-        </a:solidFill>
-        <a:ln>
-          <a:noFill/>
-        </a:ln>
-        <a:effectLst/>
-      </dsp:spPr>
-      <dsp:style>
-        <a:lnRef idx="0">
-          <a:scrgbClr r="0" g="0" b="0"/>
-        </a:lnRef>
-        <a:fillRef idx="3">
-          <a:scrgbClr r="0" g="0" b="0"/>
-        </a:fillRef>
-        <a:effectRef idx="2">
-          <a:scrgbClr r="0" g="0" b="0"/>
-        </a:effectRef>
-        <a:fontRef idx="minor">
-          <a:schemeClr val="lt1"/>
-        </a:fontRef>
-      </dsp:style>
-    </dsp:sp>
-    <dsp:sp modelId="{A1158BEB-4729-DF4A-A460-58CD5DAA15C1}">
-      <dsp:nvSpPr>
-        <dsp:cNvPr id="0" name=""/>
-        <dsp:cNvSpPr/>
-      </dsp:nvSpPr>
-      <dsp:spPr>
-        <a:xfrm>
-          <a:off x="3526947" y="186267"/>
-          <a:ext cx="1763657" cy="1119922"/>
-        </a:xfrm>
-        <a:prstGeom prst="roundRect">
-          <a:avLst>
-            <a:gd name="adj" fmla="val 10000"/>
-          </a:avLst>
-        </a:prstGeom>
-        <a:solidFill>
-          <a:schemeClr val="lt1">
-            <a:alpha val="90000"/>
-            <a:hueOff val="0"/>
-            <a:satOff val="0"/>
-            <a:lumOff val="0"/>
-            <a:alphaOff val="0"/>
-          </a:schemeClr>
-        </a:solidFill>
-        <a:ln w="9525" cap="flat" cmpd="sng" algn="ctr">
-          <a:solidFill>
-            <a:schemeClr val="accent1">
-              <a:hueOff val="0"/>
-              <a:satOff val="0"/>
-              <a:lumOff val="0"/>
-              <a:alphaOff val="0"/>
-            </a:schemeClr>
-          </a:solidFill>
-          <a:prstDash val="solid"/>
-        </a:ln>
-        <a:effectLst/>
-      </dsp:spPr>
-      <dsp:style>
-        <a:lnRef idx="1">
-          <a:scrgbClr r="0" g="0" b="0"/>
-        </a:lnRef>
-        <a:fillRef idx="1">
-          <a:scrgbClr r="0" g="0" b="0"/>
-        </a:fillRef>
-        <a:effectRef idx="0">
-          <a:scrgbClr r="0" g="0" b="0"/>
-        </a:effectRef>
-        <a:fontRef idx="minor"/>
-      </dsp:style>
-      <dsp:txBody>
-        <a:bodyPr spcFirstLastPara="0" vert="horz" wrap="square" lIns="53340" tIns="53340" rIns="53340" bIns="53340" numCol="1" spcCol="1270" anchor="ctr" anchorCtr="0">
-          <a:noAutofit/>
-        </a:bodyPr>
-        <a:lstStyle/>
-        <a:p>
-          <a:pPr lvl="0" algn="ctr" defTabSz="622300">
-            <a:lnSpc>
-              <a:spcPct val="90000"/>
-            </a:lnSpc>
-            <a:spcBef>
-              <a:spcPct val="0"/>
-            </a:spcBef>
-            <a:spcAft>
-              <a:spcPct val="35000"/>
-            </a:spcAft>
-          </a:pPr>
-          <a:r>
-            <a:rPr lang="en-US" sz="1400" b="1" kern="1200" dirty="0" smtClean="0">
-              <a:latin typeface="Century Gothic"/>
-              <a:cs typeface="Century Gothic"/>
-            </a:rPr>
-            <a:t>Nguyen Viet Nam</a:t>
-          </a:r>
-        </a:p>
-        <a:p>
-          <a:pPr lvl="0" algn="ctr" defTabSz="622300">
-            <a:lnSpc>
-              <a:spcPct val="90000"/>
-            </a:lnSpc>
-            <a:spcBef>
-              <a:spcPct val="0"/>
-            </a:spcBef>
-            <a:spcAft>
-              <a:spcPct val="35000"/>
-            </a:spcAft>
-          </a:pPr>
-          <a:r>
-            <a:rPr lang="en-US" sz="1000" b="1" kern="1200" dirty="0" smtClean="0">
-              <a:latin typeface="Century Gothic"/>
-              <a:cs typeface="Century Gothic"/>
-            </a:rPr>
-            <a:t>PM</a:t>
-          </a:r>
-          <a:endParaRPr lang="en-US" sz="1000" b="1" kern="1200" dirty="0">
-            <a:latin typeface="Century Gothic"/>
-            <a:cs typeface="Century Gothic"/>
-          </a:endParaRPr>
-        </a:p>
-      </dsp:txBody>
-      <dsp:txXfrm>
-        <a:off x="3559748" y="219068"/>
-        <a:ext cx="1698055" cy="1054320"/>
-      </dsp:txXfrm>
-    </dsp:sp>
-    <dsp:sp modelId="{BF37AD63-5C93-8645-9ADE-8ABE9956EEFE}">
-      <dsp:nvSpPr>
-        <dsp:cNvPr id="0" name=""/>
-        <dsp:cNvSpPr/>
-      </dsp:nvSpPr>
-      <dsp:spPr>
-        <a:xfrm>
-          <a:off x="872998" y="1446847"/>
-          <a:ext cx="1763657" cy="1119922"/>
-        </a:xfrm>
-        <a:prstGeom prst="roundRect">
-          <a:avLst>
-            <a:gd name="adj" fmla="val 10000"/>
-          </a:avLst>
-        </a:prstGeom>
-        <a:solidFill>
-          <a:schemeClr val="accent1">
-            <a:hueOff val="0"/>
-            <a:satOff val="0"/>
-            <a:lumOff val="0"/>
-            <a:alphaOff val="0"/>
-          </a:schemeClr>
-        </a:solidFill>
-        <a:ln>
-          <a:noFill/>
-        </a:ln>
-        <a:effectLst/>
-      </dsp:spPr>
-      <dsp:style>
-        <a:lnRef idx="0">
-          <a:scrgbClr r="0" g="0" b="0"/>
-        </a:lnRef>
-        <a:fillRef idx="3">
-          <a:scrgbClr r="0" g="0" b="0"/>
-        </a:fillRef>
-        <a:effectRef idx="2">
-          <a:scrgbClr r="0" g="0" b="0"/>
-        </a:effectRef>
-        <a:fontRef idx="minor">
-          <a:schemeClr val="lt1"/>
-        </a:fontRef>
-      </dsp:style>
-    </dsp:sp>
-    <dsp:sp modelId="{7E086E52-FF5C-924B-B838-BB7F2FCD6A9E}">
-      <dsp:nvSpPr>
-        <dsp:cNvPr id="0" name=""/>
-        <dsp:cNvSpPr/>
-      </dsp:nvSpPr>
-      <dsp:spPr>
-        <a:xfrm>
-          <a:off x="1068960" y="1633011"/>
-          <a:ext cx="1763657" cy="1119922"/>
-        </a:xfrm>
-        <a:prstGeom prst="roundRect">
-          <a:avLst>
-            <a:gd name="adj" fmla="val 10000"/>
-          </a:avLst>
-        </a:prstGeom>
-        <a:solidFill>
-          <a:schemeClr val="lt1">
-            <a:alpha val="90000"/>
-            <a:hueOff val="0"/>
-            <a:satOff val="0"/>
-            <a:lumOff val="0"/>
-            <a:alphaOff val="0"/>
-          </a:schemeClr>
-        </a:solidFill>
-        <a:ln w="9525" cap="flat" cmpd="sng" algn="ctr">
-          <a:solidFill>
-            <a:schemeClr val="accent1">
-              <a:hueOff val="0"/>
-              <a:satOff val="0"/>
-              <a:lumOff val="0"/>
-              <a:alphaOff val="0"/>
-            </a:schemeClr>
-          </a:solidFill>
-          <a:prstDash val="solid"/>
-        </a:ln>
-        <a:effectLst/>
-      </dsp:spPr>
-      <dsp:style>
-        <a:lnRef idx="1">
-          <a:scrgbClr r="0" g="0" b="0"/>
-        </a:lnRef>
-        <a:fillRef idx="1">
-          <a:scrgbClr r="0" g="0" b="0"/>
-        </a:fillRef>
-        <a:effectRef idx="0">
-          <a:scrgbClr r="0" g="0" b="0"/>
-        </a:effectRef>
-        <a:fontRef idx="minor"/>
-      </dsp:style>
-      <dsp:txBody>
-        <a:bodyPr spcFirstLastPara="0" vert="horz" wrap="square" lIns="53340" tIns="53340" rIns="53340" bIns="53340" numCol="1" spcCol="1270" anchor="ctr" anchorCtr="0">
-          <a:noAutofit/>
-        </a:bodyPr>
-        <a:lstStyle/>
-        <a:p>
-          <a:pPr lvl="0" algn="ctr" defTabSz="622300">
-            <a:lnSpc>
-              <a:spcPct val="90000"/>
-            </a:lnSpc>
-            <a:spcBef>
-              <a:spcPct val="0"/>
-            </a:spcBef>
-            <a:spcAft>
-              <a:spcPct val="35000"/>
-            </a:spcAft>
-          </a:pPr>
-          <a:r>
-            <a:rPr lang="en-US" sz="1400" b="1" kern="1200" dirty="0" smtClean="0">
-              <a:latin typeface="Century Gothic"/>
-              <a:cs typeface="Century Gothic"/>
-            </a:rPr>
-            <a:t>Cao Quoc Hung</a:t>
-          </a:r>
-        </a:p>
-        <a:p>
-          <a:pPr lvl="0" algn="ctr" defTabSz="622300">
-            <a:lnSpc>
-              <a:spcPct val="90000"/>
-            </a:lnSpc>
-            <a:spcBef>
-              <a:spcPct val="0"/>
-            </a:spcBef>
-            <a:spcAft>
-              <a:spcPct val="35000"/>
-            </a:spcAft>
-          </a:pPr>
-          <a:r>
-            <a:rPr lang="en-US" sz="1000" b="1" kern="1200" dirty="0" smtClean="0">
-              <a:latin typeface="Century Gothic"/>
-              <a:cs typeface="Century Gothic"/>
-            </a:rPr>
-            <a:t>Tech Lead, CM</a:t>
-          </a:r>
-          <a:endParaRPr lang="en-US" sz="1000" b="1" kern="1200" dirty="0">
-            <a:latin typeface="Century Gothic"/>
-            <a:cs typeface="Century Gothic"/>
-          </a:endParaRPr>
-        </a:p>
-      </dsp:txBody>
-      <dsp:txXfrm>
-        <a:off x="1101761" y="1665812"/>
-        <a:ext cx="1698055" cy="1054320"/>
-      </dsp:txXfrm>
-    </dsp:sp>
-    <dsp:sp modelId="{5436F4B4-9770-5248-9D9D-E9E4F5ED7DED}">
-      <dsp:nvSpPr>
-        <dsp:cNvPr id="0" name=""/>
-        <dsp:cNvSpPr/>
-      </dsp:nvSpPr>
-      <dsp:spPr>
-        <a:xfrm>
-          <a:off x="-195961" y="3265913"/>
-          <a:ext cx="1763657" cy="1119922"/>
-        </a:xfrm>
-        <a:prstGeom prst="roundRect">
-          <a:avLst>
-            <a:gd name="adj" fmla="val 10000"/>
-          </a:avLst>
-        </a:prstGeom>
-        <a:solidFill>
-          <a:schemeClr val="accent1">
-            <a:hueOff val="0"/>
-            <a:satOff val="0"/>
-            <a:lumOff val="0"/>
-            <a:alphaOff val="0"/>
-          </a:schemeClr>
-        </a:solidFill>
-        <a:ln>
-          <a:noFill/>
-        </a:ln>
-        <a:effectLst/>
-      </dsp:spPr>
-      <dsp:style>
-        <a:lnRef idx="0">
-          <a:scrgbClr r="0" g="0" b="0"/>
-        </a:lnRef>
-        <a:fillRef idx="3">
-          <a:scrgbClr r="0" g="0" b="0"/>
-        </a:fillRef>
-        <a:effectRef idx="2">
-          <a:scrgbClr r="0" g="0" b="0"/>
-        </a:effectRef>
-        <a:fontRef idx="minor">
-          <a:schemeClr val="lt1"/>
-        </a:fontRef>
-      </dsp:style>
-    </dsp:sp>
-    <dsp:sp modelId="{EA2F87AA-0235-CB49-B234-2DE1E1F4F0C1}">
-      <dsp:nvSpPr>
-        <dsp:cNvPr id="0" name=""/>
-        <dsp:cNvSpPr/>
-      </dsp:nvSpPr>
-      <dsp:spPr>
-        <a:xfrm>
-          <a:off x="0" y="3452077"/>
-          <a:ext cx="1763657" cy="1119922"/>
-        </a:xfrm>
-        <a:prstGeom prst="roundRect">
-          <a:avLst>
-            <a:gd name="adj" fmla="val 10000"/>
-          </a:avLst>
-        </a:prstGeom>
-        <a:solidFill>
-          <a:schemeClr val="lt1">
-            <a:alpha val="90000"/>
-            <a:hueOff val="0"/>
-            <a:satOff val="0"/>
-            <a:lumOff val="0"/>
-            <a:alphaOff val="0"/>
-          </a:schemeClr>
-        </a:solidFill>
-        <a:ln w="9525" cap="flat" cmpd="sng" algn="ctr">
-          <a:solidFill>
-            <a:schemeClr val="accent1">
-              <a:hueOff val="0"/>
-              <a:satOff val="0"/>
-              <a:lumOff val="0"/>
-              <a:alphaOff val="0"/>
-            </a:schemeClr>
-          </a:solidFill>
-          <a:prstDash val="solid"/>
-        </a:ln>
-        <a:effectLst/>
-      </dsp:spPr>
-      <dsp:style>
-        <a:lnRef idx="1">
-          <a:scrgbClr r="0" g="0" b="0"/>
-        </a:lnRef>
-        <a:fillRef idx="1">
-          <a:scrgbClr r="0" g="0" b="0"/>
-        </a:fillRef>
-        <a:effectRef idx="0">
-          <a:scrgbClr r="0" g="0" b="0"/>
-        </a:effectRef>
-        <a:fontRef idx="minor"/>
-      </dsp:style>
-      <dsp:txBody>
-        <a:bodyPr spcFirstLastPara="0" vert="horz" wrap="square" lIns="53340" tIns="53340" rIns="53340" bIns="53340" numCol="1" spcCol="1270" anchor="ctr" anchorCtr="0">
-          <a:noAutofit/>
-        </a:bodyPr>
-        <a:lstStyle/>
-        <a:p>
-          <a:pPr lvl="0" algn="ctr" defTabSz="622300">
-            <a:lnSpc>
-              <a:spcPct val="90000"/>
-            </a:lnSpc>
-            <a:spcBef>
-              <a:spcPct val="0"/>
-            </a:spcBef>
-            <a:spcAft>
-              <a:spcPct val="35000"/>
-            </a:spcAft>
-          </a:pPr>
-          <a:r>
-            <a:rPr lang="en-US" sz="1400" b="1" kern="1200" dirty="0" smtClean="0">
-              <a:latin typeface="Century Gothic"/>
-              <a:cs typeface="Century Gothic"/>
-            </a:rPr>
-            <a:t>Nguyen Viet Nam</a:t>
-          </a:r>
-        </a:p>
-        <a:p>
-          <a:pPr lvl="0" algn="ctr" defTabSz="622300">
-            <a:lnSpc>
-              <a:spcPct val="90000"/>
-            </a:lnSpc>
-            <a:spcBef>
-              <a:spcPct val="0"/>
-            </a:spcBef>
-            <a:spcAft>
-              <a:spcPct val="35000"/>
-            </a:spcAft>
-          </a:pPr>
-          <a:r>
-            <a:rPr lang="en-US" sz="1000" b="1" kern="1200" dirty="0" smtClean="0">
-              <a:latin typeface="Century Gothic"/>
-              <a:cs typeface="Century Gothic"/>
-            </a:rPr>
-            <a:t>Designer</a:t>
-          </a:r>
-          <a:endParaRPr lang="en-US" sz="1000" b="1" kern="1200" dirty="0">
-            <a:latin typeface="Century Gothic"/>
-            <a:cs typeface="Century Gothic"/>
-          </a:endParaRPr>
-        </a:p>
-      </dsp:txBody>
-      <dsp:txXfrm>
-        <a:off x="32801" y="3484878"/>
-        <a:ext cx="1698055" cy="1054320"/>
-      </dsp:txXfrm>
-    </dsp:sp>
-    <dsp:sp modelId="{188E7AF6-5FC0-E049-9DCF-DCC781994E02}">
-      <dsp:nvSpPr>
-        <dsp:cNvPr id="0" name=""/>
-        <dsp:cNvSpPr/>
-      </dsp:nvSpPr>
-      <dsp:spPr>
-        <a:xfrm>
-          <a:off x="2093593" y="3265913"/>
-          <a:ext cx="1763657" cy="1119922"/>
-        </a:xfrm>
-        <a:prstGeom prst="roundRect">
-          <a:avLst>
-            <a:gd name="adj" fmla="val 10000"/>
-          </a:avLst>
-        </a:prstGeom>
-        <a:solidFill>
-          <a:schemeClr val="accent1">
-            <a:hueOff val="0"/>
-            <a:satOff val="0"/>
-            <a:lumOff val="0"/>
-            <a:alphaOff val="0"/>
-          </a:schemeClr>
-        </a:solidFill>
-        <a:ln>
-          <a:noFill/>
-        </a:ln>
-        <a:effectLst/>
-      </dsp:spPr>
-      <dsp:style>
-        <a:lnRef idx="0">
-          <a:scrgbClr r="0" g="0" b="0"/>
-        </a:lnRef>
-        <a:fillRef idx="3">
-          <a:scrgbClr r="0" g="0" b="0"/>
-        </a:fillRef>
-        <a:effectRef idx="2">
-          <a:scrgbClr r="0" g="0" b="0"/>
-        </a:effectRef>
-        <a:fontRef idx="minor">
-          <a:schemeClr val="lt1"/>
-        </a:fontRef>
-      </dsp:style>
-    </dsp:sp>
-    <dsp:sp modelId="{66C76779-FA22-3848-8124-6A4D7D2FDD6C}">
-      <dsp:nvSpPr>
-        <dsp:cNvPr id="0" name=""/>
-        <dsp:cNvSpPr/>
-      </dsp:nvSpPr>
-      <dsp:spPr>
-        <a:xfrm>
-          <a:off x="2289555" y="3452077"/>
-          <a:ext cx="1763657" cy="1119922"/>
-        </a:xfrm>
-        <a:prstGeom prst="roundRect">
-          <a:avLst>
-            <a:gd name="adj" fmla="val 10000"/>
-          </a:avLst>
-        </a:prstGeom>
-        <a:solidFill>
-          <a:schemeClr val="lt1">
-            <a:alpha val="90000"/>
-            <a:hueOff val="0"/>
-            <a:satOff val="0"/>
-            <a:lumOff val="0"/>
-            <a:alphaOff val="0"/>
-          </a:schemeClr>
-        </a:solidFill>
-        <a:ln w="9525" cap="flat" cmpd="sng" algn="ctr">
-          <a:solidFill>
-            <a:schemeClr val="accent1">
-              <a:hueOff val="0"/>
-              <a:satOff val="0"/>
-              <a:lumOff val="0"/>
-              <a:alphaOff val="0"/>
-            </a:schemeClr>
-          </a:solidFill>
-          <a:prstDash val="solid"/>
-        </a:ln>
-        <a:effectLst/>
-      </dsp:spPr>
-      <dsp:style>
-        <a:lnRef idx="1">
-          <a:scrgbClr r="0" g="0" b="0"/>
-        </a:lnRef>
-        <a:fillRef idx="1">
-          <a:scrgbClr r="0" g="0" b="0"/>
-        </a:fillRef>
-        <a:effectRef idx="0">
-          <a:scrgbClr r="0" g="0" b="0"/>
-        </a:effectRef>
-        <a:fontRef idx="minor"/>
-      </dsp:style>
-      <dsp:txBody>
-        <a:bodyPr spcFirstLastPara="0" vert="horz" wrap="square" lIns="53340" tIns="53340" rIns="53340" bIns="53340" numCol="1" spcCol="1270" anchor="ctr" anchorCtr="0">
-          <a:noAutofit/>
-        </a:bodyPr>
-        <a:lstStyle/>
-        <a:p>
-          <a:pPr lvl="0" algn="ctr" defTabSz="622300">
-            <a:lnSpc>
-              <a:spcPct val="90000"/>
-            </a:lnSpc>
-            <a:spcBef>
-              <a:spcPct val="0"/>
-            </a:spcBef>
-            <a:spcAft>
-              <a:spcPct val="35000"/>
-            </a:spcAft>
-          </a:pPr>
-          <a:r>
-            <a:rPr lang="en-US" sz="1400" b="1" kern="1200" dirty="0" smtClean="0">
-              <a:latin typeface="Century Gothic"/>
-              <a:cs typeface="Century Gothic"/>
-            </a:rPr>
-            <a:t>DEV TEAM</a:t>
-          </a:r>
-        </a:p>
-        <a:p>
-          <a:pPr lvl="0" algn="ctr" defTabSz="622300">
-            <a:lnSpc>
-              <a:spcPct val="90000"/>
-            </a:lnSpc>
-            <a:spcBef>
-              <a:spcPct val="0"/>
-            </a:spcBef>
-            <a:spcAft>
-              <a:spcPct val="35000"/>
-            </a:spcAft>
-          </a:pPr>
-          <a:r>
-            <a:rPr lang="en-US" sz="1000" b="1" i="1" kern="1200" dirty="0" smtClean="0">
-              <a:latin typeface="Century Gothic"/>
-              <a:cs typeface="Century Gothic"/>
-            </a:rPr>
-            <a:t>Vo Hoang Viet</a:t>
-          </a:r>
-        </a:p>
-        <a:p>
-          <a:pPr lvl="0" algn="ctr" defTabSz="622300">
-            <a:lnSpc>
-              <a:spcPct val="90000"/>
-            </a:lnSpc>
-            <a:spcBef>
-              <a:spcPct val="0"/>
-            </a:spcBef>
-            <a:spcAft>
-              <a:spcPct val="35000"/>
-            </a:spcAft>
-          </a:pPr>
-          <a:r>
-            <a:rPr lang="en-US" sz="1000" b="1" i="1" kern="1200" dirty="0" smtClean="0">
-              <a:latin typeface="Century Gothic"/>
-              <a:cs typeface="Century Gothic"/>
-            </a:rPr>
-            <a:t>Nguyen Tien Chung</a:t>
-          </a:r>
-        </a:p>
-        <a:p>
-          <a:pPr lvl="0" algn="ctr" defTabSz="622300">
-            <a:lnSpc>
-              <a:spcPct val="90000"/>
-            </a:lnSpc>
-            <a:spcBef>
-              <a:spcPct val="0"/>
-            </a:spcBef>
-            <a:spcAft>
-              <a:spcPct val="35000"/>
-            </a:spcAft>
-          </a:pPr>
-          <a:r>
-            <a:rPr lang="en-US" sz="1000" b="1" i="1" kern="1200" dirty="0" smtClean="0">
-              <a:latin typeface="Century Gothic"/>
-              <a:cs typeface="Century Gothic"/>
-            </a:rPr>
-            <a:t>Nguyen Viet Nam</a:t>
-          </a:r>
-        </a:p>
-      </dsp:txBody>
-      <dsp:txXfrm>
-        <a:off x="2322356" y="3484878"/>
-        <a:ext cx="1698055" cy="1054320"/>
-      </dsp:txXfrm>
-    </dsp:sp>
-    <dsp:sp modelId="{87A63437-C14A-0945-80D9-CF2A5BDEC031}">
-      <dsp:nvSpPr>
-        <dsp:cNvPr id="0" name=""/>
-        <dsp:cNvSpPr/>
-      </dsp:nvSpPr>
-      <dsp:spPr>
-        <a:xfrm>
-          <a:off x="5297634" y="1446847"/>
-          <a:ext cx="1763657" cy="1119922"/>
-        </a:xfrm>
-        <a:prstGeom prst="roundRect">
-          <a:avLst>
-            <a:gd name="adj" fmla="val 10000"/>
-          </a:avLst>
-        </a:prstGeom>
-        <a:solidFill>
-          <a:schemeClr val="accent1">
-            <a:hueOff val="0"/>
-            <a:satOff val="0"/>
-            <a:lumOff val="0"/>
-            <a:alphaOff val="0"/>
-          </a:schemeClr>
-        </a:solidFill>
-        <a:ln>
-          <a:noFill/>
-        </a:ln>
-        <a:effectLst/>
-      </dsp:spPr>
-      <dsp:style>
-        <a:lnRef idx="0">
-          <a:scrgbClr r="0" g="0" b="0"/>
-        </a:lnRef>
-        <a:fillRef idx="3">
-          <a:scrgbClr r="0" g="0" b="0"/>
-        </a:fillRef>
-        <a:effectRef idx="2">
-          <a:scrgbClr r="0" g="0" b="0"/>
-        </a:effectRef>
-        <a:fontRef idx="minor">
-          <a:schemeClr val="lt1"/>
-        </a:fontRef>
-      </dsp:style>
-    </dsp:sp>
-    <dsp:sp modelId="{1C113E6F-09C3-FB4A-8918-50C5B9D557B4}">
-      <dsp:nvSpPr>
-        <dsp:cNvPr id="0" name=""/>
-        <dsp:cNvSpPr/>
-      </dsp:nvSpPr>
-      <dsp:spPr>
-        <a:xfrm>
-          <a:off x="5493596" y="1633011"/>
-          <a:ext cx="1763657" cy="1119922"/>
-        </a:xfrm>
-        <a:prstGeom prst="roundRect">
-          <a:avLst>
-            <a:gd name="adj" fmla="val 10000"/>
-          </a:avLst>
-        </a:prstGeom>
-        <a:solidFill>
-          <a:schemeClr val="lt1">
-            <a:alpha val="90000"/>
-            <a:hueOff val="0"/>
-            <a:satOff val="0"/>
-            <a:lumOff val="0"/>
-            <a:alphaOff val="0"/>
-          </a:schemeClr>
-        </a:solidFill>
-        <a:ln w="9525" cap="flat" cmpd="sng" algn="ctr">
-          <a:solidFill>
-            <a:schemeClr val="accent1">
-              <a:hueOff val="0"/>
-              <a:satOff val="0"/>
-              <a:lumOff val="0"/>
-              <a:alphaOff val="0"/>
-            </a:schemeClr>
-          </a:solidFill>
-          <a:prstDash val="solid"/>
-        </a:ln>
-        <a:effectLst/>
-      </dsp:spPr>
-      <dsp:style>
-        <a:lnRef idx="1">
-          <a:scrgbClr r="0" g="0" b="0"/>
-        </a:lnRef>
-        <a:fillRef idx="1">
-          <a:scrgbClr r="0" g="0" b="0"/>
-        </a:fillRef>
-        <a:effectRef idx="0">
-          <a:scrgbClr r="0" g="0" b="0"/>
-        </a:effectRef>
-        <a:fontRef idx="minor"/>
-      </dsp:style>
-      <dsp:txBody>
-        <a:bodyPr spcFirstLastPara="0" vert="horz" wrap="square" lIns="53340" tIns="53340" rIns="53340" bIns="53340" numCol="1" spcCol="1270" anchor="ctr" anchorCtr="0">
-          <a:noAutofit/>
-        </a:bodyPr>
-        <a:lstStyle/>
-        <a:p>
-          <a:pPr lvl="0" algn="ctr" defTabSz="622300">
-            <a:lnSpc>
-              <a:spcPct val="90000"/>
-            </a:lnSpc>
-            <a:spcBef>
-              <a:spcPct val="0"/>
-            </a:spcBef>
-            <a:spcAft>
-              <a:spcPct val="35000"/>
-            </a:spcAft>
-          </a:pPr>
-          <a:r>
-            <a:rPr lang="en-US" sz="1400" b="1" kern="1200" dirty="0" smtClean="0">
-              <a:latin typeface="Century Gothic"/>
-              <a:cs typeface="Century Gothic"/>
-            </a:rPr>
-            <a:t>Tran Thi Bich</a:t>
-          </a:r>
-        </a:p>
-        <a:p>
-          <a:pPr lvl="0" algn="ctr" defTabSz="622300">
-            <a:lnSpc>
-              <a:spcPct val="90000"/>
-            </a:lnSpc>
-            <a:spcBef>
-              <a:spcPct val="0"/>
-            </a:spcBef>
-            <a:spcAft>
-              <a:spcPct val="35000"/>
-            </a:spcAft>
-          </a:pPr>
-          <a:r>
-            <a:rPr lang="en-US" sz="1000" b="1" kern="1200" dirty="0" smtClean="0">
-              <a:latin typeface="Century Gothic"/>
-              <a:cs typeface="Century Gothic"/>
-            </a:rPr>
-            <a:t>Test Lead</a:t>
-          </a:r>
-          <a:endParaRPr lang="en-US" sz="1000" b="1" kern="1200" dirty="0">
-            <a:latin typeface="Century Gothic"/>
-            <a:cs typeface="Century Gothic"/>
-          </a:endParaRPr>
-        </a:p>
-      </dsp:txBody>
-      <dsp:txXfrm>
-        <a:off x="5526397" y="1665812"/>
-        <a:ext cx="1698055" cy="1054320"/>
-      </dsp:txXfrm>
-    </dsp:sp>
-    <dsp:sp modelId="{0EEB99EE-745D-C34E-83F5-E097501839F1}">
-      <dsp:nvSpPr>
-        <dsp:cNvPr id="0" name=""/>
-        <dsp:cNvSpPr/>
-      </dsp:nvSpPr>
-      <dsp:spPr>
-        <a:xfrm>
-          <a:off x="5290438" y="3242840"/>
-          <a:ext cx="1763657" cy="1119922"/>
-        </a:xfrm>
-        <a:prstGeom prst="roundRect">
-          <a:avLst>
-            <a:gd name="adj" fmla="val 10000"/>
-          </a:avLst>
-        </a:prstGeom>
-        <a:solidFill>
-          <a:schemeClr val="accent1">
-            <a:hueOff val="0"/>
-            <a:satOff val="0"/>
-            <a:lumOff val="0"/>
-            <a:alphaOff val="0"/>
-          </a:schemeClr>
-        </a:solidFill>
-        <a:ln>
-          <a:noFill/>
-        </a:ln>
-        <a:effectLst/>
-      </dsp:spPr>
-      <dsp:style>
-        <a:lnRef idx="0">
-          <a:scrgbClr r="0" g="0" b="0"/>
-        </a:lnRef>
-        <a:fillRef idx="3">
-          <a:scrgbClr r="0" g="0" b="0"/>
-        </a:fillRef>
-        <a:effectRef idx="2">
-          <a:scrgbClr r="0" g="0" b="0"/>
-        </a:effectRef>
-        <a:fontRef idx="minor">
-          <a:schemeClr val="lt1"/>
-        </a:fontRef>
-      </dsp:style>
-    </dsp:sp>
-    <dsp:sp modelId="{FF5BD11E-E39A-6E4A-A941-F6A951C76A85}">
-      <dsp:nvSpPr>
-        <dsp:cNvPr id="0" name=""/>
-        <dsp:cNvSpPr/>
-      </dsp:nvSpPr>
-      <dsp:spPr>
-        <a:xfrm>
-          <a:off x="5486400" y="3429004"/>
-          <a:ext cx="1763657" cy="1119922"/>
-        </a:xfrm>
-        <a:prstGeom prst="roundRect">
-          <a:avLst>
-            <a:gd name="adj" fmla="val 10000"/>
-          </a:avLst>
-        </a:prstGeom>
-        <a:solidFill>
-          <a:schemeClr val="lt1">
-            <a:alpha val="90000"/>
-            <a:hueOff val="0"/>
-            <a:satOff val="0"/>
-            <a:lumOff val="0"/>
-            <a:alphaOff val="0"/>
-          </a:schemeClr>
-        </a:solidFill>
-        <a:ln w="9525" cap="flat" cmpd="sng" algn="ctr">
-          <a:solidFill>
-            <a:schemeClr val="accent1">
-              <a:hueOff val="0"/>
-              <a:satOff val="0"/>
-              <a:lumOff val="0"/>
-              <a:alphaOff val="0"/>
-            </a:schemeClr>
-          </a:solidFill>
-          <a:prstDash val="solid"/>
-        </a:ln>
-        <a:effectLst/>
-      </dsp:spPr>
-      <dsp:style>
-        <a:lnRef idx="1">
-          <a:scrgbClr r="0" g="0" b="0"/>
-        </a:lnRef>
-        <a:fillRef idx="1">
-          <a:scrgbClr r="0" g="0" b="0"/>
-        </a:fillRef>
-        <a:effectRef idx="0">
-          <a:scrgbClr r="0" g="0" b="0"/>
-        </a:effectRef>
-        <a:fontRef idx="minor"/>
-      </dsp:style>
-      <dsp:txBody>
-        <a:bodyPr spcFirstLastPara="0" vert="horz" wrap="square" lIns="53340" tIns="53340" rIns="53340" bIns="53340" numCol="1" spcCol="1270" anchor="ctr" anchorCtr="0">
-          <a:noAutofit/>
-        </a:bodyPr>
-        <a:lstStyle/>
-        <a:p>
-          <a:pPr lvl="0" algn="ctr" defTabSz="622300">
-            <a:lnSpc>
-              <a:spcPct val="90000"/>
-            </a:lnSpc>
-            <a:spcBef>
-              <a:spcPct val="0"/>
-            </a:spcBef>
-            <a:spcAft>
-              <a:spcPct val="35000"/>
-            </a:spcAft>
-          </a:pPr>
-          <a:r>
-            <a:rPr lang="en-US" sz="1400" b="1" kern="1200" dirty="0" smtClean="0">
-              <a:latin typeface="Century Gothic"/>
-              <a:cs typeface="Century Gothic"/>
-            </a:rPr>
-            <a:t>TEST TEAM</a:t>
-          </a:r>
-        </a:p>
-        <a:p>
-          <a:pPr lvl="0" algn="ctr" defTabSz="622300">
-            <a:lnSpc>
-              <a:spcPct val="90000"/>
-            </a:lnSpc>
-            <a:spcBef>
-              <a:spcPct val="0"/>
-            </a:spcBef>
-            <a:spcAft>
-              <a:spcPct val="35000"/>
-            </a:spcAft>
-          </a:pPr>
-          <a:r>
-            <a:rPr lang="en-US" sz="1000" b="1" i="1" kern="1200" dirty="0" smtClean="0">
-              <a:latin typeface="Century Gothic"/>
-              <a:cs typeface="Century Gothic"/>
-            </a:rPr>
-            <a:t>Vo Hoang Viet</a:t>
-          </a:r>
-        </a:p>
-        <a:p>
-          <a:pPr lvl="0" algn="ctr" defTabSz="622300">
-            <a:lnSpc>
-              <a:spcPct val="90000"/>
-            </a:lnSpc>
-            <a:spcBef>
-              <a:spcPct val="0"/>
-            </a:spcBef>
-            <a:spcAft>
-              <a:spcPct val="35000"/>
-            </a:spcAft>
-          </a:pPr>
-          <a:r>
-            <a:rPr lang="en-US" sz="1000" b="1" i="1" kern="1200" dirty="0" smtClean="0">
-              <a:latin typeface="Century Gothic"/>
-              <a:cs typeface="Century Gothic"/>
-            </a:rPr>
-            <a:t>Cao Quoc  Hung</a:t>
-          </a:r>
-        </a:p>
-        <a:p>
-          <a:pPr lvl="0" algn="ctr" defTabSz="622300">
-            <a:lnSpc>
-              <a:spcPct val="90000"/>
-            </a:lnSpc>
-            <a:spcBef>
-              <a:spcPct val="0"/>
-            </a:spcBef>
-            <a:spcAft>
-              <a:spcPct val="35000"/>
-            </a:spcAft>
-          </a:pPr>
-          <a:r>
-            <a:rPr lang="en-US" sz="1000" b="1" i="1" kern="1200" dirty="0" smtClean="0">
-              <a:latin typeface="Century Gothic"/>
-              <a:cs typeface="Century Gothic"/>
-            </a:rPr>
-            <a:t>Nguyen Tien Chung</a:t>
-          </a:r>
-        </a:p>
-        <a:p>
-          <a:pPr lvl="0" algn="ctr" defTabSz="622300">
-            <a:lnSpc>
-              <a:spcPct val="90000"/>
-            </a:lnSpc>
-            <a:spcBef>
-              <a:spcPct val="0"/>
-            </a:spcBef>
-            <a:spcAft>
-              <a:spcPct val="35000"/>
-            </a:spcAft>
-          </a:pPr>
-          <a:r>
-            <a:rPr lang="en-US" sz="1000" b="1" i="1" kern="1200" dirty="0" smtClean="0">
-              <a:latin typeface="Century Gothic"/>
-              <a:cs typeface="Century Gothic"/>
-            </a:rPr>
-            <a:t>Nguyen Viet Nam</a:t>
-          </a:r>
-        </a:p>
-      </dsp:txBody>
-      <dsp:txXfrm>
-        <a:off x="5519201" y="3461805"/>
-        <a:ext cx="1698055" cy="1054320"/>
-      </dsp:txXfrm>
-    </dsp:sp>
   </dsp:spTree>
 </dsp:drawing>
 </file>
@@ -25000,7 +23721,7 @@
   </p:txStyles>
   <p:extLst mod="1">
     <p:ext uri="{27BBF7A9-308A-43DC-89C8-2F10F3537804}">
-      <p15:sldGuideLst xmlns:p15="http://schemas.microsoft.com/office/powerpoint/2012/main" xmlns="">
+      <p15:sldGuideLst xmlns="" xmlns:p15="http://schemas.microsoft.com/office/powerpoint/2012/main">
         <p15:guide id="1" orient="horz" pos="2160" userDrawn="1">
           <p15:clr>
             <a:srgbClr val="F26B43"/>
@@ -25466,7 +24187,7 @@
               <a:t>Instructor: 	Mr. </a:t>
             </a:r>
             <a:r>
-              <a:rPr lang="en-US" sz="1400" b="1" dirty="0" smtClean="0">
+              <a:rPr lang="en-US" sz="1400" b="1" dirty="0" err="1" smtClean="0">
                 <a:solidFill>
                   <a:schemeClr val="tx1">
                     <a:lumMod val="85000"/>
@@ -25476,8 +24197,70 @@
                 <a:latin typeface="Century Gothic"/>
                 <a:cs typeface="Century Gothic"/>
               </a:rPr>
-              <a:t>Phan Truong Lam</a:t>
-            </a:r>
+              <a:t>Phan</a:t>
+            </a:r>
+            <a:r>
+              <a:rPr lang="en-US" sz="1400" b="1" dirty="0" smtClean="0">
+                <a:solidFill>
+                  <a:schemeClr val="tx1">
+                    <a:lumMod val="85000"/>
+                    <a:lumOff val="15000"/>
+                  </a:schemeClr>
+                </a:solidFill>
+                <a:latin typeface="Century Gothic"/>
+                <a:cs typeface="Century Gothic"/>
+              </a:rPr>
+              <a:t> </a:t>
+            </a:r>
+            <a:r>
+              <a:rPr lang="en-US" sz="1400" b="1" dirty="0" err="1" smtClean="0">
+                <a:solidFill>
+                  <a:schemeClr val="tx1">
+                    <a:lumMod val="85000"/>
+                    <a:lumOff val="15000"/>
+                  </a:schemeClr>
+                </a:solidFill>
+                <a:latin typeface="Century Gothic"/>
+                <a:cs typeface="Century Gothic"/>
+              </a:rPr>
+              <a:t>Trường</a:t>
+            </a:r>
+            <a:r>
+              <a:rPr lang="en-US" sz="1400" b="1" dirty="0" smtClean="0">
+                <a:solidFill>
+                  <a:schemeClr val="tx1">
+                    <a:lumMod val="85000"/>
+                    <a:lumOff val="15000"/>
+                  </a:schemeClr>
+                </a:solidFill>
+                <a:latin typeface="Century Gothic"/>
+                <a:cs typeface="Century Gothic"/>
+              </a:rPr>
+              <a:t> </a:t>
+            </a:r>
+            <a:r>
+              <a:rPr lang="en-US" sz="1400" b="1" dirty="0" err="1" smtClean="0">
+                <a:solidFill>
+                  <a:schemeClr val="tx1">
+                    <a:lumMod val="85000"/>
+                    <a:lumOff val="15000"/>
+                  </a:schemeClr>
+                </a:solidFill>
+                <a:latin typeface="Century Gothic"/>
+                <a:cs typeface="Century Gothic"/>
+              </a:rPr>
+              <a:t>Lâm</a:t>
+            </a:r>
+            <a:endParaRPr lang="en-US" sz="1400" b="1" dirty="0" smtClean="0">
+              <a:solidFill>
+                <a:schemeClr val="tx1">
+                  <a:lumMod val="85000"/>
+                  <a:lumOff val="15000"/>
+                </a:schemeClr>
+              </a:solidFill>
+              <a:latin typeface="Century Gothic"/>
+              <a:cs typeface="Century Gothic"/>
+            </a:endParaRPr>
           </a:p>
           <a:p>
             <a:pPr>
@@ -25499,7 +24282,7 @@
               <a:t>Students:	</a:t>
             </a:r>
             <a:r>
-              <a:rPr lang="en-US" sz="1400" b="1" dirty="0" smtClean="0">
+              <a:rPr lang="en-US" sz="1400" b="1" dirty="0" err="1" smtClean="0">
                 <a:solidFill>
                   <a:schemeClr val="tx1">
                     <a:lumMod val="85000"/>
@@ -25509,7 +24292,59 @@
                 <a:latin typeface="Century Gothic"/>
                 <a:cs typeface="Century Gothic"/>
               </a:rPr>
-              <a:t>Nguyen Viet Nam </a:t>
+              <a:t>Nguyễn</a:t>
+            </a:r>
+            <a:r>
+              <a:rPr lang="en-US" sz="1400" b="1" dirty="0" smtClean="0">
+                <a:solidFill>
+                  <a:schemeClr val="tx1">
+                    <a:lumMod val="85000"/>
+                    <a:lumOff val="15000"/>
+                  </a:schemeClr>
+                </a:solidFill>
+                <a:latin typeface="Century Gothic"/>
+                <a:cs typeface="Century Gothic"/>
+              </a:rPr>
+              <a:t> </a:t>
+            </a:r>
+            <a:r>
+              <a:rPr lang="en-US" sz="1400" b="1" dirty="0" err="1" smtClean="0">
+                <a:solidFill>
+                  <a:schemeClr val="tx1">
+                    <a:lumMod val="85000"/>
+                    <a:lumOff val="15000"/>
+                  </a:schemeClr>
+                </a:solidFill>
+                <a:latin typeface="Century Gothic"/>
+                <a:cs typeface="Century Gothic"/>
+              </a:rPr>
+              <a:t>Việt</a:t>
+            </a:r>
+            <a:r>
+              <a:rPr lang="en-US" sz="1400" b="1" dirty="0" smtClean="0">
+                <a:solidFill>
+                  <a:schemeClr val="tx1">
+                    <a:lumMod val="85000"/>
+                    <a:lumOff val="15000"/>
+                  </a:schemeClr>
+                </a:solidFill>
+                <a:latin typeface="Century Gothic"/>
+                <a:cs typeface="Century Gothic"/>
+              </a:rPr>
+              <a:t> </a:t>
+            </a:r>
+            <a:r>
+              <a:rPr lang="en-US" sz="1400" b="1" dirty="0" smtClean="0">
+                <a:solidFill>
+                  <a:schemeClr val="tx1">
+                    <a:lumMod val="85000"/>
+                    <a:lumOff val="15000"/>
+                  </a:schemeClr>
+                </a:solidFill>
+                <a:latin typeface="Century Gothic"/>
+                <a:cs typeface="Century Gothic"/>
+              </a:rPr>
+              <a:t>Nam </a:t>
             </a:r>
             <a:r>
               <a:rPr lang="en-US" sz="1400" dirty="0" smtClean="0">
@@ -25555,10 +24390,10 @@
                 <a:latin typeface="Century Gothic"/>
                 <a:cs typeface="Century Gothic"/>
               </a:rPr>
-              <a:t>Cao Quoc Hung</a:t>
-            </a:r>
-            <a:r>
-              <a:rPr lang="en-US" sz="1400" dirty="0" smtClean="0">
+              <a:t>Cao </a:t>
+            </a:r>
+            <a:r>
+              <a:rPr lang="en-US" sz="1400" b="1" dirty="0" err="1" smtClean="0">
                 <a:solidFill>
                   <a:schemeClr val="tx1">
                     <a:lumMod val="85000"/>
@@ -25568,7 +24403,59 @@
                 <a:latin typeface="Century Gothic"/>
                 <a:cs typeface="Century Gothic"/>
               </a:rPr>
-              <a:t> | 01766</a:t>
+              <a:t>Quốc</a:t>
+            </a:r>
+            <a:r>
+              <a:rPr lang="en-US" sz="1400" b="1" dirty="0" smtClean="0">
+                <a:solidFill>
+                  <a:schemeClr val="tx1">
+                    <a:lumMod val="85000"/>
+                    <a:lumOff val="15000"/>
+                  </a:schemeClr>
+                </a:solidFill>
+                <a:latin typeface="Century Gothic"/>
+                <a:cs typeface="Century Gothic"/>
+              </a:rPr>
+              <a:t> </a:t>
+            </a:r>
+            <a:r>
+              <a:rPr lang="en-US" sz="1400" b="1" dirty="0" err="1" smtClean="0">
+                <a:solidFill>
+                  <a:schemeClr val="tx1">
+                    <a:lumMod val="85000"/>
+                    <a:lumOff val="15000"/>
+                  </a:schemeClr>
+                </a:solidFill>
+                <a:latin typeface="Century Gothic"/>
+                <a:cs typeface="Century Gothic"/>
+              </a:rPr>
+              <a:t>Hưng</a:t>
+            </a:r>
+            <a:r>
+              <a:rPr lang="en-US" sz="1400" dirty="0" smtClean="0">
+                <a:solidFill>
+                  <a:schemeClr val="tx1">
+                    <a:lumMod val="85000"/>
+                    <a:lumOff val="15000"/>
+                  </a:schemeClr>
+                </a:solidFill>
+                <a:latin typeface="Century Gothic"/>
+                <a:cs typeface="Century Gothic"/>
+              </a:rPr>
+              <a:t> </a:t>
+            </a:r>
+            <a:r>
+              <a:rPr lang="en-US" sz="1400" dirty="0" smtClean="0">
+                <a:solidFill>
+                  <a:schemeClr val="tx1">
+                    <a:lumMod val="85000"/>
+                    <a:lumOff val="15000"/>
+                  </a:schemeClr>
+                </a:solidFill>
+                <a:latin typeface="Century Gothic"/>
+                <a:cs typeface="Century Gothic"/>
+              </a:rPr>
+              <a:t>| 01766</a:t>
             </a:r>
           </a:p>
           <a:p>
@@ -25591,7 +24478,7 @@
               <a:t>	</a:t>
             </a:r>
             <a:r>
-              <a:rPr lang="en-US" sz="1400" b="1" dirty="0" smtClean="0">
+              <a:rPr lang="en-US" sz="1400" b="1" dirty="0" err="1" smtClean="0">
                 <a:solidFill>
                   <a:schemeClr val="tx1">
                     <a:lumMod val="85000"/>
@@ -25601,7 +24488,72 @@
                 <a:latin typeface="Century Gothic"/>
                 <a:cs typeface="Century Gothic"/>
               </a:rPr>
-              <a:t>Vo Hoang Viet </a:t>
+              <a:t>Võ</a:t>
+            </a:r>
+            <a:r>
+              <a:rPr lang="en-US" sz="1400" b="1" dirty="0" smtClean="0">
+                <a:solidFill>
+                  <a:schemeClr val="tx1">
+                    <a:lumMod val="85000"/>
+                    <a:lumOff val="15000"/>
+                  </a:schemeClr>
+                </a:solidFill>
+                <a:latin typeface="Century Gothic"/>
+                <a:cs typeface="Century Gothic"/>
+              </a:rPr>
+              <a:t>  </a:t>
+            </a:r>
+            <a:r>
+              <a:rPr lang="en-US" sz="1400" b="1" dirty="0" err="1" smtClean="0">
+                <a:solidFill>
+                  <a:schemeClr val="tx1">
+                    <a:lumMod val="85000"/>
+                    <a:lumOff val="15000"/>
+                  </a:schemeClr>
+                </a:solidFill>
+                <a:latin typeface="Century Gothic"/>
+                <a:cs typeface="Century Gothic"/>
+              </a:rPr>
+              <a:t>Hoàng</a:t>
+            </a:r>
+            <a:r>
+              <a:rPr lang="en-US" sz="1400" b="1" dirty="0" smtClean="0">
+                <a:solidFill>
+                  <a:schemeClr val="tx1">
+                    <a:lumMod val="85000"/>
+                    <a:lumOff val="15000"/>
+                  </a:schemeClr>
+                </a:solidFill>
+                <a:latin typeface="Century Gothic"/>
+                <a:cs typeface="Century Gothic"/>
+              </a:rPr>
+              <a:t> </a:t>
+            </a:r>
+            <a:r>
+              <a:rPr lang="en-US" sz="1400" b="1" dirty="0" err="1" smtClean="0">
+                <a:solidFill>
+                  <a:schemeClr val="tx1">
+                    <a:lumMod val="85000"/>
+                    <a:lumOff val="15000"/>
+                  </a:schemeClr>
+                </a:solidFill>
+                <a:latin typeface="Century Gothic"/>
+                <a:cs typeface="Century Gothic"/>
+              </a:rPr>
+              <a:t>Việt</a:t>
+            </a:r>
+            <a:r>
+              <a:rPr lang="en-US" sz="1400" b="1" dirty="0" smtClean="0">
+                <a:solidFill>
+                  <a:schemeClr val="tx1">
+                    <a:lumMod val="85000"/>
+                    <a:lumOff val="15000"/>
+                  </a:schemeClr>
+                </a:solidFill>
+                <a:latin typeface="Century Gothic"/>
+                <a:cs typeface="Century Gothic"/>
+              </a:rPr>
+              <a:t> </a:t>
             </a:r>
             <a:r>
               <a:rPr lang="en-US" sz="1400" dirty="0" smtClean="0">
@@ -25637,7 +24589,7 @@
               <a:t>	</a:t>
             </a:r>
             <a:r>
-              <a:rPr lang="en-US" sz="1400" b="1" dirty="0">
+              <a:rPr lang="en-US" sz="1400" b="1" dirty="0" err="1" smtClean="0">
                 <a:solidFill>
                   <a:schemeClr val="tx1">
                     <a:lumMod val="85000"/>
@@ -25647,7 +24599,59 @@
                 <a:latin typeface="Century Gothic"/>
                 <a:cs typeface="Century Gothic"/>
               </a:rPr>
-              <a:t>Nguyen Tien Chung </a:t>
+              <a:t>Nguyễn</a:t>
+            </a:r>
+            <a:r>
+              <a:rPr lang="en-US" sz="1400" b="1" dirty="0" smtClean="0">
+                <a:solidFill>
+                  <a:schemeClr val="tx1">
+                    <a:lumMod val="85000"/>
+                    <a:lumOff val="15000"/>
+                  </a:schemeClr>
+                </a:solidFill>
+                <a:latin typeface="Century Gothic"/>
+                <a:cs typeface="Century Gothic"/>
+              </a:rPr>
+              <a:t> </a:t>
+            </a:r>
+            <a:r>
+              <a:rPr lang="en-US" sz="1400" b="1" dirty="0" err="1" smtClean="0">
+                <a:solidFill>
+                  <a:schemeClr val="tx1">
+                    <a:lumMod val="85000"/>
+                    <a:lumOff val="15000"/>
+                  </a:schemeClr>
+                </a:solidFill>
+                <a:latin typeface="Century Gothic"/>
+                <a:cs typeface="Century Gothic"/>
+              </a:rPr>
+              <a:t>Tiến</a:t>
+            </a:r>
+            <a:r>
+              <a:rPr lang="en-US" sz="1400" b="1" dirty="0" smtClean="0">
+                <a:solidFill>
+                  <a:schemeClr val="tx1">
+                    <a:lumMod val="85000"/>
+                    <a:lumOff val="15000"/>
+                  </a:schemeClr>
+                </a:solidFill>
+                <a:latin typeface="Century Gothic"/>
+                <a:cs typeface="Century Gothic"/>
+              </a:rPr>
+              <a:t> </a:t>
+            </a:r>
+            <a:r>
+              <a:rPr lang="en-US" sz="1400" b="1" dirty="0">
+                <a:solidFill>
+                  <a:schemeClr val="tx1">
+                    <a:lumMod val="85000"/>
+                    <a:lumOff val="15000"/>
+                  </a:schemeClr>
+                </a:solidFill>
+                <a:latin typeface="Century Gothic"/>
+                <a:cs typeface="Century Gothic"/>
+              </a:rPr>
+              <a:t>Chung </a:t>
             </a:r>
             <a:r>
               <a:rPr lang="en-US" sz="1400" dirty="0">
@@ -25693,7 +24697,7 @@
               <a:t>	</a:t>
             </a:r>
             <a:r>
-              <a:rPr lang="en-US" sz="1400" b="1" dirty="0" smtClean="0">
+              <a:rPr lang="en-US" sz="1400" b="1" dirty="0" err="1" smtClean="0">
                 <a:solidFill>
                   <a:schemeClr val="tx1">
                     <a:lumMod val="85000"/>
@@ -25703,10 +24707,62 @@
                 <a:latin typeface="Century Gothic"/>
                 <a:cs typeface="Century Gothic"/>
               </a:rPr>
-              <a:t>Tran Thi Bich</a:t>
-            </a:r>
-            <a:r>
-              <a:rPr lang="en-US" sz="1400" b="1" dirty="0">
+              <a:t>Trần</a:t>
+            </a:r>
+            <a:r>
+              <a:rPr lang="en-US" sz="1400" b="1" dirty="0" smtClean="0">
+                <a:solidFill>
+                  <a:schemeClr val="tx1">
+                    <a:lumMod val="85000"/>
+                    <a:lumOff val="15000"/>
+                  </a:schemeClr>
+                </a:solidFill>
+                <a:latin typeface="Century Gothic"/>
+                <a:cs typeface="Century Gothic"/>
+              </a:rPr>
+              <a:t> </a:t>
+            </a:r>
+            <a:r>
+              <a:rPr lang="en-US" sz="1400" b="1" dirty="0" err="1" smtClean="0">
+                <a:solidFill>
+                  <a:schemeClr val="tx1">
+                    <a:lumMod val="85000"/>
+                    <a:lumOff val="15000"/>
+                  </a:schemeClr>
+                </a:solidFill>
+                <a:latin typeface="Century Gothic"/>
+                <a:cs typeface="Century Gothic"/>
+              </a:rPr>
+              <a:t>Thị</a:t>
+            </a:r>
+            <a:r>
+              <a:rPr lang="en-US" sz="1400" b="1" dirty="0" smtClean="0">
+                <a:solidFill>
+                  <a:schemeClr val="tx1">
+                    <a:lumMod val="85000"/>
+                    <a:lumOff val="15000"/>
+                  </a:schemeClr>
+                </a:solidFill>
+                <a:latin typeface="Century Gothic"/>
+                <a:cs typeface="Century Gothic"/>
+              </a:rPr>
+              <a:t> </a:t>
+            </a:r>
+            <a:r>
+              <a:rPr lang="en-US" sz="1400" b="1" dirty="0" err="1" smtClean="0">
+                <a:solidFill>
+                  <a:schemeClr val="tx1">
+                    <a:lumMod val="85000"/>
+                    <a:lumOff val="15000"/>
+                  </a:schemeClr>
+                </a:solidFill>
+                <a:latin typeface="Century Gothic"/>
+                <a:cs typeface="Century Gothic"/>
+              </a:rPr>
+              <a:t>Bích</a:t>
+            </a:r>
+            <a:r>
+              <a:rPr lang="en-US" sz="1400" b="1" dirty="0" smtClean="0">
                 <a:solidFill>
                   <a:schemeClr val="tx1">
                     <a:lumMod val="85000"/>
@@ -38105,19 +37161,8 @@
                 <a:latin typeface="Century Gothic"/>
                 <a:cs typeface="Century Gothic"/>
               </a:rPr>
-              <a:t>Unit </a:t>
-            </a:r>
-            <a:r>
-              <a:rPr lang="en-US" sz="2400" dirty="0" smtClean="0">
-                <a:latin typeface="Century Gothic"/>
-                <a:cs typeface="Century Gothic"/>
-              </a:rPr>
-              <a:t>Testing </a:t>
-            </a:r>
-            <a:endParaRPr lang="en-US" sz="2400" dirty="0" smtClean="0">
-              <a:latin typeface="Century Gothic"/>
-              <a:cs typeface="Century Gothic"/>
-            </a:endParaRPr>
+              <a:t>Unit Testing </a:t>
+            </a:r>
           </a:p>
           <a:p>
             <a:pPr marL="285750" indent="-285750">
@@ -38435,14 +37480,7 @@
                 <a:latin typeface="Century Gothic"/>
                 <a:cs typeface="Century Gothic"/>
               </a:rPr>
-              <a:t>Performance </a:t>
-            </a:r>
-            <a:r>
-              <a:rPr lang="en-US" sz="2400" dirty="0" smtClean="0">
-                <a:latin typeface="Century Gothic"/>
-                <a:cs typeface="Century Gothic"/>
-              </a:rPr>
-              <a:t>Testing </a:t>
+              <a:t>Performance Testing </a:t>
             </a:r>
           </a:p>
           <a:p>
@@ -38816,14 +37854,7 @@
                 <a:latin typeface="Century Gothic"/>
                 <a:cs typeface="Century Gothic"/>
               </a:rPr>
-              <a:t>Test </a:t>
-            </a:r>
-            <a:r>
-              <a:rPr lang="en-US" b="1" dirty="0" smtClean="0">
-                <a:latin typeface="Century Gothic"/>
-                <a:cs typeface="Century Gothic"/>
-              </a:rPr>
-              <a:t>Result:</a:t>
+              <a:t>Test Result:</a:t>
             </a:r>
             <a:endParaRPr lang="en-US" b="1" dirty="0" smtClean="0">
               <a:solidFill>
@@ -39792,14 +38823,7 @@
                 <a:latin typeface="Century Gothic"/>
                 <a:cs typeface="Century Gothic"/>
               </a:rPr>
-              <a:t>Test </a:t>
-            </a:r>
-            <a:r>
-              <a:rPr lang="en-US" b="1" dirty="0" smtClean="0">
-                <a:latin typeface="Century Gothic"/>
-                <a:cs typeface="Century Gothic"/>
-              </a:rPr>
-              <a:t>Report</a:t>
+              <a:t>Test Report</a:t>
             </a:r>
           </a:p>
           <a:p>

--- a/Document/Documentation/Final Document & Report/RHF_Presentation_Final_v1.0.pptx
+++ b/Document/Documentation/Final Document & Report/RHF_Presentation_Final_v1.0.pptx
@@ -5,10 +5,10 @@
     <p:sldMasterId id="2147483648" r:id="rId2"/>
   </p:sldMasterIdLst>
   <p:notesMasterIdLst>
-    <p:notesMasterId r:id="rId59"/>
+    <p:notesMasterId r:id="rId60"/>
   </p:notesMasterIdLst>
   <p:handoutMasterIdLst>
-    <p:handoutMasterId r:id="rId60"/>
+    <p:handoutMasterId r:id="rId61"/>
   </p:handoutMasterIdLst>
   <p:sldIdLst>
     <p:sldId id="256" r:id="rId3"/>
@@ -59,14 +59,15 @@
     <p:sldId id="315" r:id="rId48"/>
     <p:sldId id="316" r:id="rId49"/>
     <p:sldId id="341" r:id="rId50"/>
-    <p:sldId id="352" r:id="rId51"/>
-    <p:sldId id="353" r:id="rId52"/>
-    <p:sldId id="357" r:id="rId53"/>
-    <p:sldId id="355" r:id="rId54"/>
-    <p:sldId id="356" r:id="rId55"/>
-    <p:sldId id="323" r:id="rId56"/>
-    <p:sldId id="324" r:id="rId57"/>
-    <p:sldId id="325" r:id="rId58"/>
+    <p:sldId id="358" r:id="rId51"/>
+    <p:sldId id="352" r:id="rId52"/>
+    <p:sldId id="353" r:id="rId53"/>
+    <p:sldId id="357" r:id="rId54"/>
+    <p:sldId id="355" r:id="rId55"/>
+    <p:sldId id="356" r:id="rId56"/>
+    <p:sldId id="323" r:id="rId57"/>
+    <p:sldId id="324" r:id="rId58"/>
+    <p:sldId id="325" r:id="rId59"/>
   </p:sldIdLst>
   <p:sldSz cx="9144000" cy="6858000" type="screen4x3"/>
   <p:notesSz cx="6858000" cy="9144000"/>
@@ -167,7 +168,7 @@
   </p:defaultTextStyle>
   <p:extLst>
     <p:ext uri="{EFAFB233-063F-42B5-8137-9DF3F51BA10A}">
-      <p15:sldGuideLst xmlns:p15="http://schemas.microsoft.com/office/powerpoint/2012/main" xmlns="">
+      <p15:sldGuideLst xmlns="" xmlns:p15="http://schemas.microsoft.com/office/powerpoint/2012/main">
         <p15:guide id="1" orient="horz" pos="2160">
           <p15:clr>
             <a:srgbClr val="A4A3A4"/>
@@ -181,7 +182,7 @@
       </p15:sldGuideLst>
     </p:ext>
     <p:ext uri="{2D200454-40CA-4A62-9FC3-DE9A4176ACB9}">
-      <p15:notesGuideLst xmlns:p15="http://schemas.microsoft.com/office/powerpoint/2012/main" xmlns="">
+      <p15:notesGuideLst xmlns="" xmlns:p15="http://schemas.microsoft.com/office/powerpoint/2012/main">
         <p15:guide id="1" orient="horz" pos="2880">
           <p15:clr>
             <a:srgbClr val="A4A3A4"/>
@@ -11440,7 +11441,7 @@
           <a:p>
             <a:fld id="{31D24505-5952-9F4D-8D8B-2336C8EB20B9}" type="datetime1">
               <a:rPr lang="en-US" smtClean="0"/>
-              <a:t>4/24/2013</a:t>
+              <a:t>4/25/2013</a:t>
             </a:fld>
             <a:endParaRPr/>
           </a:p>
@@ -11610,7 +11611,7 @@
           <a:p>
             <a:fld id="{284015DC-5F96-954A-9EED-D782A6E52C73}" type="datetime1">
               <a:rPr lang="en-US" smtClean="0"/>
-              <a:t>4/24/2013</a:t>
+              <a:t>4/25/2013</a:t>
             </a:fld>
             <a:endParaRPr/>
           </a:p>
@@ -23500,7 +23501,7 @@
           <a:p>
             <a:fld id="{D3303BC9-FB29-004B-BC4D-89213D013D3F}" type="datetime1">
               <a:rPr lang="en-US" smtClean="0"/>
-              <a:t>4/24/2013</a:t>
+              <a:t>4/25/2013</a:t>
             </a:fld>
             <a:endParaRPr/>
           </a:p>
@@ -23705,7 +23706,7 @@
           <a:p>
             <a:fld id="{FFAF123D-C883-E84F-A9DE-8B6FC3EBD7E3}" type="datetime1">
               <a:rPr lang="en-US" smtClean="0"/>
-              <a:t>4/24/2013</a:t>
+              <a:t>4/25/2013</a:t>
             </a:fld>
             <a:endParaRPr/>
           </a:p>
@@ -24259,7 +24260,7 @@
           <a:p>
             <a:fld id="{765A1929-0C17-AC4E-B8B9-6781CFF75F4F}" type="datetime1">
               <a:rPr lang="en-US" smtClean="0"/>
-              <a:t>4/24/2013</a:t>
+              <a:t>4/25/2013</a:t>
             </a:fld>
             <a:endParaRPr/>
           </a:p>
@@ -24464,7 +24465,7 @@
           <a:p>
             <a:fld id="{9175B5EE-014F-104E-82CC-1EC9B9FF2BA5}" type="datetime1">
               <a:rPr lang="en-US" smtClean="0"/>
-              <a:t>4/24/2013</a:t>
+              <a:t>4/25/2013</a:t>
             </a:fld>
             <a:endParaRPr/>
           </a:p>
@@ -25070,7 +25071,7 @@
           <a:p>
             <a:fld id="{4B5C3362-F4E1-5844-BEF5-841B74A8A6CA}" type="datetime1">
               <a:rPr lang="en-US" smtClean="0"/>
-              <a:t>4/24/2013</a:t>
+              <a:t>4/25/2013</a:t>
             </a:fld>
             <a:endParaRPr/>
           </a:p>
@@ -25381,7 +25382,7 @@
           <a:p>
             <a:fld id="{6ED0A902-A85E-784F-8B5C-D3CDBE92DA1C}" type="datetime1">
               <a:rPr lang="en-US" smtClean="0"/>
-              <a:t>4/24/2013</a:t>
+              <a:t>4/25/2013</a:t>
             </a:fld>
             <a:endParaRPr/>
           </a:p>
@@ -25838,7 +25839,7 @@
           <a:p>
             <a:fld id="{712BA10E-00CC-AE4B-A34F-9BDF8FF6B887}" type="datetime1">
               <a:rPr lang="en-US" smtClean="0"/>
-              <a:t>4/24/2013</a:t>
+              <a:t>4/25/2013</a:t>
             </a:fld>
             <a:endParaRPr/>
           </a:p>
@@ -25975,7 +25976,7 @@
           <a:p>
             <a:fld id="{864D1FAF-54CB-DF48-BBE5-4FCDDEF269E6}" type="datetime1">
               <a:rPr lang="en-US" smtClean="0"/>
-              <a:t>4/24/2013</a:t>
+              <a:t>4/25/2013</a:t>
             </a:fld>
             <a:endParaRPr/>
           </a:p>
@@ -26272,7 +26273,7 @@
           <a:p>
             <a:fld id="{D6AD6605-5E8E-5147-A7AA-55C74B7AA62D}" type="datetime1">
               <a:rPr lang="en-US" smtClean="0"/>
-              <a:t>4/24/2013</a:t>
+              <a:t>4/25/2013</a:t>
             </a:fld>
             <a:endParaRPr/>
           </a:p>
@@ -26573,7 +26574,7 @@
           <a:p>
             <a:fld id="{A391EAF7-3E9E-324F-88EC-CDA045EB3A93}" type="datetime1">
               <a:rPr lang="en-US" smtClean="0"/>
-              <a:t>4/24/2013</a:t>
+              <a:t>4/25/2013</a:t>
             </a:fld>
             <a:endParaRPr/>
           </a:p>
@@ -26859,7 +26860,7 @@
           <a:p>
             <a:fld id="{3B12044E-4ECE-3E43-86AF-ADBB1533E1A5}" type="datetime1">
               <a:rPr lang="en-US" smtClean="0"/>
-              <a:t>4/24/2013</a:t>
+              <a:t>4/25/2013</a:t>
             </a:fld>
             <a:endParaRPr/>
           </a:p>
@@ -27463,7 +27464,7 @@
           <a:p>
             <a:fld id="{80179AFB-4FD3-8847-851A-9B5245F653DD}" type="datetime1">
               <a:rPr lang="en-US" smtClean="0"/>
-              <a:t>4/24/2013</a:t>
+              <a:t>4/25/2013</a:t>
             </a:fld>
             <a:endParaRPr/>
           </a:p>
@@ -27856,7 +27857,7 @@
   </p:txStyles>
   <p:extLst mod="1">
     <p:ext uri="{27BBF7A9-308A-43DC-89C8-2F10F3537804}">
-      <p15:sldGuideLst xmlns:p15="http://schemas.microsoft.com/office/powerpoint/2012/main" xmlns="">
+      <p15:sldGuideLst xmlns="" xmlns:p15="http://schemas.microsoft.com/office/powerpoint/2012/main">
         <p15:guide id="1" orient="horz" pos="2160" userDrawn="1">
           <p15:clr>
             <a:srgbClr val="F26B43"/>
@@ -30407,31 +30408,8 @@
                 <a:latin typeface="Century Gothic"/>
                 <a:cs typeface="Century Gothic"/>
               </a:rPr>
-              <a:t>Project </a:t>
-            </a:r>
-            <a:r>
-              <a:rPr lang="en-US" dirty="0" smtClean="0">
-                <a:solidFill>
-                  <a:schemeClr val="tx1">
-                    <a:lumMod val="85000"/>
-                    <a:lumOff val="15000"/>
-                  </a:schemeClr>
-                </a:solidFill>
-                <a:latin typeface="Century Gothic"/>
-                <a:cs typeface="Century Gothic"/>
-              </a:rPr>
-              <a:t>planning</a:t>
-            </a:r>
-            <a:endParaRPr lang="en-US" dirty="0" smtClean="0">
-              <a:solidFill>
-                <a:schemeClr val="tx1">
-                  <a:lumMod val="85000"/>
-                  <a:lumOff val="15000"/>
-                </a:schemeClr>
-              </a:solidFill>
-              <a:latin typeface="Century Gothic"/>
-              <a:cs typeface="Century Gothic"/>
-            </a:endParaRPr>
+              <a:t>Project planning</a:t>
+            </a:r>
           </a:p>
           <a:p>
             <a:pPr marL="965375" lvl="1" indent="-514350">
@@ -31927,19 +31905,7 @@
                 <a:latin typeface="Century Gothic"/>
                 <a:cs typeface="Century Gothic"/>
               </a:rPr>
-              <a:t>2.4 Project </a:t>
-            </a:r>
-            <a:r>
-              <a:rPr lang="en-US" dirty="0" smtClean="0">
-                <a:solidFill>
-                  <a:schemeClr val="accent4">
-                    <a:lumMod val="50000"/>
-                  </a:schemeClr>
-                </a:solidFill>
-                <a:latin typeface="Century Gothic"/>
-                <a:cs typeface="Century Gothic"/>
-              </a:rPr>
-              <a:t>Planning</a:t>
+              <a:t>2.4 Project Planning</a:t>
             </a:r>
             <a:endParaRPr lang="en-US" dirty="0">
               <a:solidFill>
@@ -32746,13 +32712,7 @@
                         <a:rPr lang="en-US" sz="1600" dirty="0" smtClean="0">
                           <a:latin typeface="Century Gothic" pitchFamily="34" charset="0"/>
                         </a:rPr>
-                        <a:t>Failure to meet </a:t>
-                      </a:r>
-                      <a:r>
-                        <a:rPr lang="en-US" sz="1600" dirty="0" smtClean="0">
-                          <a:latin typeface="Century Gothic" pitchFamily="34" charset="0"/>
-                        </a:rPr>
-                        <a:t>committed schedule</a:t>
+                        <a:t>Failure to meet committed schedule</a:t>
                       </a:r>
                       <a:endParaRPr lang="en-US" sz="1600" dirty="0">
                         <a:latin typeface="Century Gothic" pitchFamily="34" charset="0"/>
@@ -32818,13 +32778,7 @@
                         <a:rPr lang="en-US" sz="1600" baseline="0" dirty="0" smtClean="0">
                           <a:latin typeface="Century Gothic" pitchFamily="34" charset="0"/>
                         </a:rPr>
-                        <a:t> time: Saturday &amp; </a:t>
-                      </a:r>
-                      <a:r>
-                        <a:rPr lang="en-US" sz="1600" baseline="0" dirty="0" smtClean="0">
-                          <a:latin typeface="Century Gothic" pitchFamily="34" charset="0"/>
-                        </a:rPr>
-                        <a:t>Sunday</a:t>
+                        <a:t> time: Saturday &amp; Sunday</a:t>
                       </a:r>
                       <a:endParaRPr lang="en-US" sz="1600" dirty="0">
                         <a:latin typeface="Century Gothic" pitchFamily="34" charset="0"/>
@@ -36556,31 +36510,8 @@
                 <a:latin typeface="Century Gothic"/>
                 <a:cs typeface="Century Gothic"/>
               </a:rPr>
-              <a:t>Software design </a:t>
-            </a:r>
-            <a:r>
-              <a:rPr lang="en-US" dirty="0" smtClean="0">
-                <a:solidFill>
-                  <a:schemeClr val="tx1">
-                    <a:lumMod val="85000"/>
-                    <a:lumOff val="15000"/>
-                  </a:schemeClr>
-                </a:solidFill>
-                <a:latin typeface="Century Gothic"/>
-                <a:cs typeface="Century Gothic"/>
-              </a:rPr>
-              <a:t>specification</a:t>
-            </a:r>
-            <a:endParaRPr lang="en-US" dirty="0" smtClean="0">
-              <a:solidFill>
-                <a:schemeClr val="tx1">
-                  <a:lumMod val="85000"/>
-                  <a:lumOff val="15000"/>
-                </a:schemeClr>
-              </a:solidFill>
-              <a:latin typeface="Century Gothic"/>
-              <a:cs typeface="Century Gothic"/>
-            </a:endParaRPr>
+              <a:t>Software design specification</a:t>
+            </a:r>
           </a:p>
           <a:p>
             <a:pPr marL="514350" indent="-514350">
@@ -39143,57 +39074,18 @@
                 <a:latin typeface="Century Gothic"/>
                 <a:cs typeface="Century Gothic"/>
               </a:rPr>
-              <a:t>The system should provide elegant responses for nowadays common screen </a:t>
-            </a:r>
+              <a:t>The system should provide elegant responses for nowadays common screen resolutions: 1024*768, 1280*800.</a:t>
+            </a:r>
+          </a:p>
+          <a:p>
+            <a:pPr lvl="1"/>
             <a:r>
               <a:rPr lang="en-US" sz="1400" dirty="0" smtClean="0">
                 <a:latin typeface="Century Gothic"/>
                 <a:cs typeface="Century Gothic"/>
               </a:rPr>
-              <a:t>resolutions: </a:t>
-            </a:r>
-            <a:r>
-              <a:rPr lang="en-US" sz="1400" dirty="0" smtClean="0">
-                <a:latin typeface="Century Gothic"/>
-                <a:cs typeface="Century Gothic"/>
-              </a:rPr>
-              <a:t>1024*768, 1280*800.</a:t>
-            </a:r>
-          </a:p>
-          <a:p>
-            <a:pPr lvl="1"/>
-            <a:r>
-              <a:rPr lang="en-US" sz="1400" dirty="0" smtClean="0">
-                <a:latin typeface="Century Gothic"/>
-                <a:cs typeface="Century Gothic"/>
-              </a:rPr>
-              <a:t>The output must be compatible with all common                               browsers with recent build: Mozilla </a:t>
-            </a:r>
-            <a:r>
-              <a:rPr lang="en-US" sz="1400" dirty="0" smtClean="0">
-                <a:latin typeface="Century Gothic"/>
-                <a:cs typeface="Century Gothic"/>
-              </a:rPr>
-              <a:t>Firefox 10+, </a:t>
-            </a:r>
-            <a:r>
-              <a:rPr lang="en-US" sz="1400" dirty="0" smtClean="0">
-                <a:latin typeface="Century Gothic"/>
-                <a:cs typeface="Century Gothic"/>
-              </a:rPr>
-              <a:t>Internet Explorer 9+,         Google Chrome </a:t>
-            </a:r>
-            <a:r>
-              <a:rPr lang="en-US" sz="1400" dirty="0" smtClean="0">
-                <a:latin typeface="Century Gothic"/>
-                <a:cs typeface="Century Gothic"/>
-              </a:rPr>
-              <a:t>20+</a:t>
-            </a:r>
-            <a:endParaRPr lang="en-US" sz="1400" dirty="0" smtClean="0">
-              <a:latin typeface="Century Gothic"/>
-              <a:cs typeface="Century Gothic"/>
-            </a:endParaRPr>
+              <a:t>The output must be compatible with all common                               browsers with recent build: Mozilla Firefox 10+, Internet Explorer 9+,         Google Chrome 20+</a:t>
+            </a:r>
           </a:p>
           <a:p>
             <a:pPr>
@@ -39646,31 +39538,8 @@
                 <a:latin typeface="Century Gothic"/>
                 <a:cs typeface="Century Gothic"/>
               </a:rPr>
-              <a:t> </a:t>
-            </a:r>
-            <a:r>
-              <a:rPr lang="en-US" dirty="0" smtClean="0">
-                <a:solidFill>
-                  <a:schemeClr val="tx1">
-                    <a:lumMod val="85000"/>
-                    <a:lumOff val="15000"/>
-                  </a:schemeClr>
-                </a:solidFill>
-                <a:latin typeface="Century Gothic"/>
-                <a:cs typeface="Century Gothic"/>
-              </a:rPr>
-              <a:t>Background</a:t>
-            </a:r>
-            <a:endParaRPr lang="en-US" dirty="0" smtClean="0">
-              <a:solidFill>
-                <a:schemeClr val="tx1">
-                  <a:lumMod val="85000"/>
-                  <a:lumOff val="15000"/>
-                </a:schemeClr>
-              </a:solidFill>
-              <a:latin typeface="Century Gothic"/>
-              <a:cs typeface="Century Gothic"/>
-            </a:endParaRPr>
+              <a:t> Background</a:t>
+            </a:r>
           </a:p>
           <a:p>
             <a:pPr marL="965375" lvl="1" indent="-514350">
@@ -41041,14 +40910,7 @@
                 <a:latin typeface="Century Gothic"/>
                 <a:cs typeface="Century Gothic"/>
               </a:rPr>
-              <a:t>Class </a:t>
-            </a:r>
-            <a:r>
-              <a:rPr lang="en-US" dirty="0" smtClean="0">
-                <a:latin typeface="Century Gothic"/>
-                <a:cs typeface="Century Gothic"/>
-              </a:rPr>
-              <a:t>diagram</a:t>
+              <a:t>Class diagram</a:t>
             </a:r>
           </a:p>
           <a:p>
@@ -41405,8 +41267,39 @@
                 <a:latin typeface="Century Gothic"/>
                 <a:cs typeface="Century Gothic"/>
               </a:rPr>
-              <a:t>3NF normalization</a:t>
-            </a:r>
+              <a:t>3NF </a:t>
+            </a:r>
+            <a:r>
+              <a:rPr lang="en-US" dirty="0" smtClean="0">
+                <a:latin typeface="Century Gothic"/>
+                <a:cs typeface="Century Gothic"/>
+              </a:rPr>
+              <a:t>normalization</a:t>
+            </a:r>
+          </a:p>
+          <a:p>
+            <a:pPr lvl="1"/>
+            <a:r>
+              <a:rPr lang="en-US" dirty="0" smtClean="0">
+                <a:latin typeface="Century Gothic"/>
+                <a:cs typeface="Century Gothic"/>
+              </a:rPr>
+              <a:t>Every table has a primary key named ‘Id’.</a:t>
+            </a:r>
+          </a:p>
+          <a:p>
+            <a:pPr lvl="1"/>
+            <a:r>
+              <a:rPr lang="en-US" dirty="0" smtClean="0">
+                <a:latin typeface="Century Gothic"/>
+                <a:cs typeface="Century Gothic"/>
+              </a:rPr>
+              <a:t>Max length and null ability strictly follow field definitions.</a:t>
+            </a:r>
+            <a:endParaRPr lang="en-US" dirty="0">
+              <a:latin typeface="Century Gothic"/>
+              <a:cs typeface="Century Gothic"/>
+            </a:endParaRPr>
           </a:p>
           <a:p>
             <a:endParaRPr lang="en-US" dirty="0" smtClean="0">
@@ -41545,8 +41438,8 @@
         </p:blipFill>
         <p:spPr>
           <a:xfrm>
-            <a:off x="3810000" y="2819400"/>
-            <a:ext cx="1651000" cy="1320800"/>
+            <a:off x="3810000" y="3886200"/>
+            <a:ext cx="2222500" cy="1778000"/>
           </a:xfrm>
           <a:prstGeom prst="rect">
             <a:avLst/>
@@ -41825,63 +41718,10 @@
             <p:ph type="title"/>
           </p:nvPr>
         </p:nvSpPr>
-        <p:spPr/>
-        <p:txBody>
-          <a:bodyPr>
-            <a:normAutofit/>
-          </a:bodyPr>
-          <a:lstStyle/>
-          <a:p>
-            <a:r>
-              <a:rPr lang="en-US" dirty="0">
-                <a:solidFill>
-                  <a:schemeClr val="accent4">
-                    <a:lumMod val="50000"/>
-                  </a:schemeClr>
-                </a:solidFill>
-                <a:latin typeface="Century Gothic"/>
-                <a:cs typeface="Century Gothic"/>
-              </a:rPr>
-              <a:t>5</a:t>
-            </a:r>
-            <a:r>
-              <a:rPr lang="en-US" dirty="0" smtClean="0">
-                <a:solidFill>
-                  <a:schemeClr val="accent4">
-                    <a:lumMod val="50000"/>
-                  </a:schemeClr>
-                </a:solidFill>
-                <a:latin typeface="Century Gothic"/>
-                <a:cs typeface="Century Gothic"/>
-              </a:rPr>
-              <a:t>. Software Test Documentation</a:t>
-            </a:r>
-            <a:endParaRPr lang="en-US" dirty="0">
-              <a:solidFill>
-                <a:schemeClr val="accent4">
-                  <a:lumMod val="50000"/>
-                </a:schemeClr>
-              </a:solidFill>
-              <a:latin typeface="Century Gothic"/>
-              <a:cs typeface="Century Gothic"/>
-            </a:endParaRPr>
-          </a:p>
-        </p:txBody>
-      </p:sp>
-      <p:sp>
-        <p:nvSpPr>
-          <p:cNvPr id="6" name="Content Placeholder 5"/>
-          <p:cNvSpPr>
-            <a:spLocks noGrp="1"/>
-          </p:cNvSpPr>
-          <p:nvPr>
-            <p:ph idx="1"/>
-          </p:nvPr>
-        </p:nvSpPr>
         <p:spPr>
           <a:xfrm>
-            <a:off x="914400" y="1676400"/>
-            <a:ext cx="7315200" cy="4495800"/>
+            <a:off x="914400" y="152400"/>
+            <a:ext cx="8229600" cy="1295400"/>
           </a:xfrm>
         </p:spPr>
         <p:txBody>
@@ -41889,26 +41729,21 @@
           <a:lstStyle/>
           <a:p>
             <a:r>
-              <a:rPr lang="en-US" b="1" dirty="0" smtClean="0">
+              <a:rPr lang="en-US" dirty="0" smtClean="0">
+                <a:solidFill>
+                  <a:schemeClr val="accent4">
+                    <a:lumMod val="50000"/>
+                  </a:schemeClr>
+                </a:solidFill>
                 <a:latin typeface="Century Gothic"/>
                 <a:cs typeface="Century Gothic"/>
               </a:rPr>
-              <a:t>Test model:</a:t>
-            </a:r>
-            <a:endParaRPr lang="en-US" b="1" dirty="0">
-              <a:latin typeface="Century Gothic"/>
-              <a:cs typeface="Century Gothic"/>
-            </a:endParaRPr>
-          </a:p>
-          <a:p>
-            <a:pPr marL="451025" lvl="1" indent="0">
-              <a:buNone/>
-            </a:pPr>
-            <a:endParaRPr lang="en-US" dirty="0" smtClean="0">
+              <a:t>4.4 Database Design</a:t>
+            </a:r>
+            <a:endParaRPr lang="en-US" dirty="0">
               <a:solidFill>
-                <a:schemeClr val="tx1">
-                  <a:lumMod val="85000"/>
-                  <a:lumOff val="15000"/>
+                <a:schemeClr val="accent4">
+                  <a:lumMod val="50000"/>
                 </a:schemeClr>
               </a:solidFill>
               <a:latin typeface="Century Gothic"/>
@@ -41940,11 +41775,45 @@
           </a:p>
         </p:txBody>
       </p:sp>
+      <p:sp>
+        <p:nvSpPr>
+          <p:cNvPr id="7" name="Footer Placeholder 2"/>
+          <p:cNvSpPr>
+            <a:spLocks noGrp="1"/>
+          </p:cNvSpPr>
+          <p:nvPr>
+            <p:ph type="ftr" sz="quarter" idx="11"/>
+          </p:nvPr>
+        </p:nvSpPr>
+        <p:spPr>
+          <a:xfrm>
+            <a:off x="914400" y="6448425"/>
+            <a:ext cx="7086599" cy="180975"/>
+          </a:xfrm>
+        </p:spPr>
+        <p:txBody>
+          <a:bodyPr/>
+          <a:lstStyle/>
+          <a:p>
+            <a:r>
+              <a:rPr lang="en-US" sz="1800" i="1" dirty="0" smtClean="0">
+                <a:latin typeface="Century Gothic"/>
+                <a:cs typeface="Century Gothic"/>
+              </a:rPr>
+              <a:t>Software Design Description</a:t>
+            </a:r>
+            <a:endParaRPr lang="en-US" sz="1800" i="1" dirty="0">
+              <a:latin typeface="Century Gothic"/>
+              <a:cs typeface="Century Gothic"/>
+            </a:endParaRPr>
+          </a:p>
+        </p:txBody>
+      </p:sp>
       <p:pic>
         <p:nvPicPr>
-          <p:cNvPr id="3" name="Picture 2"/>
+          <p:cNvPr id="1026" name="Picture 2" descr="C:\Users\White Eagle\Desktop\table.png"/>
           <p:cNvPicPr>
-            <a:picLocks noChangeAspect="1"/>
+            <a:picLocks noChangeAspect="1" noChangeArrowheads="1"/>
           </p:cNvPicPr>
           <p:nvPr/>
         </p:nvPicPr>
@@ -41956,95 +41825,199 @@
               </a:ext>
             </a:extLst>
           </a:blip>
+          <a:srcRect/>
           <a:stretch>
             <a:fillRect/>
           </a:stretch>
         </p:blipFill>
-        <p:spPr>
+        <p:spPr bwMode="auto">
           <a:xfrm>
-            <a:off x="851065" y="2133600"/>
-            <a:ext cx="7620000" cy="3648509"/>
-          </a:xfrm>
-          <a:prstGeom prst="rect">
-            <a:avLst/>
-          </a:prstGeom>
-        </p:spPr>
-      </p:pic>
-      <p:sp>
-        <p:nvSpPr>
-          <p:cNvPr id="4" name="TextBox 3"/>
-          <p:cNvSpPr txBox="1"/>
-          <p:nvPr/>
-        </p:nvSpPr>
-        <p:spPr>
-          <a:xfrm>
-            <a:off x="256050" y="6062582"/>
-            <a:ext cx="4086632" cy="276999"/>
+            <a:off x="1066801" y="14608"/>
+            <a:ext cx="6781800" cy="6843391"/>
           </a:xfrm>
           <a:prstGeom prst="rect">
             <a:avLst/>
           </a:prstGeom>
           <a:noFill/>
+          <a:extLst>
+            <a:ext uri="{909E8E84-426E-40DD-AFC4-6F175D3DCCD1}">
+              <a14:hiddenFill xmlns:a14="http://schemas.microsoft.com/office/drawing/2010/main">
+                <a:solidFill>
+                  <a:srgbClr val="FFFFFF"/>
+                </a:solidFill>
+              </a14:hiddenFill>
+            </a:ext>
+          </a:extLst>
         </p:spPr>
-        <p:txBody>
-          <a:bodyPr wrap="none" rtlCol="0">
-            <a:spAutoFit/>
-          </a:bodyPr>
-          <a:lstStyle/>
-          <a:p>
-            <a:r>
-              <a:rPr lang="en-US" sz="1200" i="1" dirty="0"/>
-              <a:t>Source: http://swtmentorsite.appspot.com/sdlc/vmodel.php</a:t>
-            </a:r>
-          </a:p>
-        </p:txBody>
-      </p:sp>
-      <p:sp>
-        <p:nvSpPr>
-          <p:cNvPr id="7" name="Rectangle 6"/>
-          <p:cNvSpPr/>
+      </p:pic>
+      <p:pic>
+        <p:nvPicPr>
+          <p:cNvPr id="1027" name="Picture 3" descr="C:\Users\White Eagle\Desktop\Untitled.png"/>
+          <p:cNvPicPr>
+            <a:picLocks noChangeAspect="1" noChangeArrowheads="1"/>
+          </p:cNvPicPr>
           <p:nvPr/>
-        </p:nvSpPr>
-        <p:spPr>
+        </p:nvPicPr>
+        <p:blipFill>
+          <a:blip r:embed="rId3">
+            <a:extLst>
+              <a:ext uri="{28A0092B-C50C-407E-A947-70E740481C1C}">
+                <a14:useLocalDpi xmlns:a14="http://schemas.microsoft.com/office/drawing/2010/main" val="0"/>
+              </a:ext>
+            </a:extLst>
+          </a:blip>
+          <a:srcRect/>
+          <a:stretch>
+            <a:fillRect/>
+          </a:stretch>
+        </p:blipFill>
+        <p:spPr bwMode="auto">
           <a:xfrm>
-            <a:off x="609600" y="6324600"/>
-            <a:ext cx="3116559" cy="338554"/>
+            <a:off x="0" y="5766511"/>
+            <a:ext cx="1255360" cy="1027113"/>
           </a:xfrm>
           <a:prstGeom prst="rect">
             <a:avLst/>
           </a:prstGeom>
+          <a:noFill/>
+          <a:extLst>
+            <a:ext uri="{909E8E84-426E-40DD-AFC4-6F175D3DCCD1}">
+              <a14:hiddenFill xmlns:a14="http://schemas.microsoft.com/office/drawing/2010/main">
+                <a:solidFill>
+                  <a:srgbClr val="FFFFFF"/>
+                </a:solidFill>
+              </a14:hiddenFill>
+            </a:ext>
+          </a:extLst>
         </p:spPr>
-        <p:txBody>
-          <a:bodyPr wrap="none">
-            <a:spAutoFit/>
-          </a:bodyPr>
-          <a:lstStyle/>
-          <a:p>
-            <a:r>
-              <a:rPr lang="en-US" sz="1600" i="1" dirty="0">
-                <a:latin typeface="Century Gothic"/>
-                <a:cs typeface="Century Gothic"/>
-              </a:rPr>
-              <a:t>Software </a:t>
-            </a:r>
-            <a:r>
-              <a:rPr lang="en-US" sz="1600" i="1" dirty="0" smtClean="0">
-                <a:latin typeface="Century Gothic"/>
-                <a:cs typeface="Century Gothic"/>
-              </a:rPr>
-              <a:t>Test Documentation</a:t>
-            </a:r>
-            <a:endParaRPr lang="en-US" sz="1600" i="1" dirty="0">
-              <a:latin typeface="Century Gothic"/>
-              <a:cs typeface="Century Gothic"/>
-            </a:endParaRPr>
-          </a:p>
-        </p:txBody>
-      </p:sp>
+      </p:pic>
+      <p:pic>
+        <p:nvPicPr>
+          <p:cNvPr id="9" name="Picture 3" descr="C:\Users\White Eagle\Desktop\Untitled.png"/>
+          <p:cNvPicPr>
+            <a:picLocks noChangeAspect="1" noChangeArrowheads="1"/>
+          </p:cNvPicPr>
+          <p:nvPr/>
+        </p:nvPicPr>
+        <p:blipFill>
+          <a:blip r:embed="rId3">
+            <a:extLst>
+              <a:ext uri="{28A0092B-C50C-407E-A947-70E740481C1C}">
+                <a14:useLocalDpi xmlns:a14="http://schemas.microsoft.com/office/drawing/2010/main" val="0"/>
+              </a:ext>
+            </a:extLst>
+          </a:blip>
+          <a:srcRect/>
+          <a:stretch>
+            <a:fillRect/>
+          </a:stretch>
+        </p:blipFill>
+        <p:spPr bwMode="auto">
+          <a:xfrm>
+            <a:off x="0" y="609600"/>
+            <a:ext cx="1255360" cy="1027113"/>
+          </a:xfrm>
+          <a:prstGeom prst="rect">
+            <a:avLst/>
+          </a:prstGeom>
+          <a:noFill/>
+          <a:extLst>
+            <a:ext uri="{909E8E84-426E-40DD-AFC4-6F175D3DCCD1}">
+              <a14:hiddenFill xmlns:a14="http://schemas.microsoft.com/office/drawing/2010/main">
+                <a:solidFill>
+                  <a:srgbClr val="FFFFFF"/>
+                </a:solidFill>
+              </a14:hiddenFill>
+            </a:ext>
+          </a:extLst>
+        </p:spPr>
+      </p:pic>
+      <p:pic>
+        <p:nvPicPr>
+          <p:cNvPr id="10" name="Picture 3" descr="C:\Users\White Eagle\Desktop\Untitled.png"/>
+          <p:cNvPicPr>
+            <a:picLocks noChangeAspect="1" noChangeArrowheads="1"/>
+          </p:cNvPicPr>
+          <p:nvPr/>
+        </p:nvPicPr>
+        <p:blipFill>
+          <a:blip r:embed="rId3">
+            <a:extLst>
+              <a:ext uri="{28A0092B-C50C-407E-A947-70E740481C1C}">
+                <a14:useLocalDpi xmlns:a14="http://schemas.microsoft.com/office/drawing/2010/main" val="0"/>
+              </a:ext>
+            </a:extLst>
+          </a:blip>
+          <a:srcRect/>
+          <a:stretch>
+            <a:fillRect/>
+          </a:stretch>
+        </p:blipFill>
+        <p:spPr bwMode="auto">
+          <a:xfrm>
+            <a:off x="7848601" y="5410200"/>
+            <a:ext cx="1295399" cy="1027113"/>
+          </a:xfrm>
+          <a:prstGeom prst="rect">
+            <a:avLst/>
+          </a:prstGeom>
+          <a:noFill/>
+          <a:extLst>
+            <a:ext uri="{909E8E84-426E-40DD-AFC4-6F175D3DCCD1}">
+              <a14:hiddenFill xmlns:a14="http://schemas.microsoft.com/office/drawing/2010/main">
+                <a:solidFill>
+                  <a:srgbClr val="FFFFFF"/>
+                </a:solidFill>
+              </a14:hiddenFill>
+            </a:ext>
+          </a:extLst>
+        </p:spPr>
+      </p:pic>
+      <p:pic>
+        <p:nvPicPr>
+          <p:cNvPr id="11" name="Picture 3" descr="C:\Users\White Eagle\Desktop\Untitled.png"/>
+          <p:cNvPicPr>
+            <a:picLocks noChangeAspect="1" noChangeArrowheads="1"/>
+          </p:cNvPicPr>
+          <p:nvPr/>
+        </p:nvPicPr>
+        <p:blipFill>
+          <a:blip r:embed="rId3">
+            <a:extLst>
+              <a:ext uri="{28A0092B-C50C-407E-A947-70E740481C1C}">
+                <a14:useLocalDpi xmlns:a14="http://schemas.microsoft.com/office/drawing/2010/main" val="0"/>
+              </a:ext>
+            </a:extLst>
+          </a:blip>
+          <a:srcRect/>
+          <a:stretch>
+            <a:fillRect/>
+          </a:stretch>
+        </p:blipFill>
+        <p:spPr bwMode="auto">
+          <a:xfrm>
+            <a:off x="7842168" y="5830886"/>
+            <a:ext cx="1295399" cy="1027113"/>
+          </a:xfrm>
+          <a:prstGeom prst="rect">
+            <a:avLst/>
+          </a:prstGeom>
+          <a:noFill/>
+          <a:extLst>
+            <a:ext uri="{909E8E84-426E-40DD-AFC4-6F175D3DCCD1}">
+              <a14:hiddenFill xmlns:a14="http://schemas.microsoft.com/office/drawing/2010/main">
+                <a:solidFill>
+                  <a:srgbClr val="FFFFFF"/>
+                </a:solidFill>
+              </a14:hiddenFill>
+            </a:ext>
+          </a:extLst>
+        </p:spPr>
+      </p:pic>
     </p:spTree>
     <p:extLst>
       <p:ext uri="{BB962C8B-B14F-4D97-AF65-F5344CB8AC3E}">
-        <p14:creationId xmlns:p14="http://schemas.microsoft.com/office/powerpoint/2010/main" val="1721569754"/>
+        <p14:creationId xmlns:p14="http://schemas.microsoft.com/office/powerpoint/2010/main" val="2993179544"/>
       </p:ext>
     </p:extLst>
   </p:cSld>
@@ -42282,20 +42255,7 @@
                 <a:latin typeface="Century Gothic"/>
                 <a:cs typeface="Century Gothic"/>
               </a:rPr>
-              <a:t>the population density was 949 </a:t>
-            </a:r>
-            <a:r>
-              <a:rPr lang="en-US" sz="1800" dirty="0" smtClean="0">
-                <a:solidFill>
-                  <a:schemeClr val="tx1">
-                    <a:lumMod val="85000"/>
-                    <a:lumOff val="15000"/>
-                  </a:schemeClr>
-                </a:solidFill>
-                <a:latin typeface="Century Gothic"/>
-                <a:cs typeface="Century Gothic"/>
-              </a:rPr>
-              <a:t>people/km2</a:t>
+              <a:t>the population density was 949 people/km2</a:t>
             </a:r>
             <a:r>
               <a:rPr lang="en-US" sz="1800" i="1" dirty="0" smtClean="0">
@@ -42569,7 +42529,60 @@
       </p:grpSpPr>
       <p:sp>
         <p:nvSpPr>
-          <p:cNvPr id="3" name="Content Placeholder 2"/>
+          <p:cNvPr id="5" name="Title 4"/>
+          <p:cNvSpPr>
+            <a:spLocks noGrp="1"/>
+          </p:cNvSpPr>
+          <p:nvPr>
+            <p:ph type="title"/>
+          </p:nvPr>
+        </p:nvSpPr>
+        <p:spPr/>
+        <p:txBody>
+          <a:bodyPr>
+            <a:normAutofit/>
+          </a:bodyPr>
+          <a:lstStyle/>
+          <a:p>
+            <a:r>
+              <a:rPr lang="en-US" dirty="0">
+                <a:solidFill>
+                  <a:schemeClr val="accent4">
+                    <a:lumMod val="50000"/>
+                  </a:schemeClr>
+                </a:solidFill>
+                <a:latin typeface="Century Gothic"/>
+                <a:cs typeface="Century Gothic"/>
+              </a:rPr>
+              <a:t>5</a:t>
+            </a:r>
+            <a:r>
+              <a:rPr lang="en-US" dirty="0" smtClean="0">
+                <a:solidFill>
+                  <a:schemeClr val="accent4">
+                    <a:lumMod val="50000"/>
+                  </a:schemeClr>
+                </a:solidFill>
+                <a:latin typeface="Century Gothic"/>
+                <a:cs typeface="Century Gothic"/>
+              </a:rPr>
+              <a:t>. Software Test Documentation</a:t>
+            </a:r>
+            <a:endParaRPr lang="en-US" dirty="0">
+              <a:solidFill>
+                <a:schemeClr val="accent4">
+                  <a:lumMod val="50000"/>
+                </a:schemeClr>
+              </a:solidFill>
+              <a:latin typeface="Century Gothic"/>
+              <a:cs typeface="Century Gothic"/>
+            </a:endParaRPr>
+          </a:p>
+        </p:txBody>
+      </p:sp>
+      <p:sp>
+        <p:nvSpPr>
+          <p:cNvPr id="6" name="Content Placeholder 5"/>
           <p:cNvSpPr>
             <a:spLocks noGrp="1"/>
           </p:cNvSpPr>
@@ -42579,8 +42592,8 @@
         </p:nvSpPr>
         <p:spPr>
           <a:xfrm>
-            <a:off x="914400" y="914400"/>
-            <a:ext cx="7315200" cy="4572000"/>
+            <a:off x="914400" y="1676400"/>
+            <a:ext cx="7315200" cy="4495800"/>
           </a:xfrm>
         </p:spPr>
         <p:txBody>
@@ -42589,24 +42602,36 @@
           <a:p>
             <a:r>
               <a:rPr lang="en-US" b="1" dirty="0" smtClean="0">
-                <a:latin typeface="Century Gothic" pitchFamily="34" charset="0"/>
-              </a:rPr>
-              <a:t>Test process:</a:t>
-            </a:r>
-          </a:p>
-          <a:p>
-            <a:pPr marL="0" indent="0">
+                <a:latin typeface="Century Gothic"/>
+                <a:cs typeface="Century Gothic"/>
+              </a:rPr>
+              <a:t>Test model:</a:t>
+            </a:r>
+            <a:endParaRPr lang="en-US" b="1" dirty="0">
+              <a:latin typeface="Century Gothic"/>
+              <a:cs typeface="Century Gothic"/>
+            </a:endParaRPr>
+          </a:p>
+          <a:p>
+            <a:pPr marL="451025" lvl="1" indent="0">
               <a:buNone/>
             </a:pPr>
-            <a:endParaRPr lang="en-US" dirty="0">
-              <a:latin typeface="Century Gothic" pitchFamily="34" charset="0"/>
+            <a:endParaRPr lang="en-US" dirty="0" smtClean="0">
+              <a:solidFill>
+                <a:schemeClr val="tx1">
+                  <a:lumMod val="85000"/>
+                  <a:lumOff val="15000"/>
+                </a:schemeClr>
+              </a:solidFill>
+              <a:latin typeface="Century Gothic"/>
+              <a:cs typeface="Century Gothic"/>
             </a:endParaRPr>
           </a:p>
         </p:txBody>
       </p:sp>
       <p:sp>
         <p:nvSpPr>
-          <p:cNvPr id="4" name="Slide Number Placeholder 3"/>
+          <p:cNvPr id="2" name="Slide Number Placeholder 1"/>
           <p:cNvSpPr>
             <a:spLocks noGrp="1"/>
           </p:cNvSpPr>
@@ -42627,44 +42652,62 @@
           </a:p>
         </p:txBody>
       </p:sp>
-      <p:graphicFrame>
-        <p:nvGraphicFramePr>
-          <p:cNvPr id="5" name="Diagram 4"/>
-          <p:cNvGraphicFramePr/>
-          <p:nvPr>
-            <p:extLst>
-              <p:ext uri="{D42A27DB-BD31-4B8C-83A1-F6EECF244321}">
-                <p14:modId xmlns:p14="http://schemas.microsoft.com/office/powerpoint/2010/main" val="3937293538"/>
-              </p:ext>
-            </p:extLst>
-          </p:nvPr>
-        </p:nvGraphicFramePr>
-        <p:xfrm>
-          <a:off x="1143000" y="1600200"/>
-          <a:ext cx="6705600" cy="3175000"/>
-        </p:xfrm>
-        <a:graphic>
-          <a:graphicData uri="http://schemas.openxmlformats.org/drawingml/2006/diagram">
-            <dgm:relIds xmlns:dgm="http://schemas.openxmlformats.org/drawingml/2006/diagram" xmlns:r="http://schemas.openxmlformats.org/officeDocument/2006/relationships" r:dm="rId2" r:lo="rId3" r:qs="rId4" r:cs="rId5"/>
-          </a:graphicData>
-        </a:graphic>
-      </p:graphicFrame>
+      <p:pic>
+        <p:nvPicPr>
+          <p:cNvPr id="3" name="Picture 2"/>
+          <p:cNvPicPr>
+            <a:picLocks noChangeAspect="1"/>
+          </p:cNvPicPr>
+          <p:nvPr/>
+        </p:nvPicPr>
+        <p:blipFill>
+          <a:blip r:embed="rId2">
+            <a:extLst>
+              <a:ext uri="{28A0092B-C50C-407E-A947-70E740481C1C}">
+                <a14:useLocalDpi xmlns:a14="http://schemas.microsoft.com/office/drawing/2010/main" val="0"/>
+              </a:ext>
+            </a:extLst>
+          </a:blip>
+          <a:stretch>
+            <a:fillRect/>
+          </a:stretch>
+        </p:blipFill>
+        <p:spPr>
+          <a:xfrm>
+            <a:off x="851065" y="2133600"/>
+            <a:ext cx="7620000" cy="3648509"/>
+          </a:xfrm>
+          <a:prstGeom prst="rect">
+            <a:avLst/>
+          </a:prstGeom>
+        </p:spPr>
+      </p:pic>
       <p:sp>
         <p:nvSpPr>
-          <p:cNvPr id="6" name="Title 5"/>
-          <p:cNvSpPr>
-            <a:spLocks noGrp="1"/>
-          </p:cNvSpPr>
-          <p:nvPr>
-            <p:ph type="title"/>
-          </p:nvPr>
+          <p:cNvPr id="4" name="TextBox 3"/>
+          <p:cNvSpPr txBox="1"/>
+          <p:nvPr/>
         </p:nvSpPr>
-        <p:spPr/>
+        <p:spPr>
+          <a:xfrm>
+            <a:off x="256050" y="6062582"/>
+            <a:ext cx="4086632" cy="276999"/>
+          </a:xfrm>
+          <a:prstGeom prst="rect">
+            <a:avLst/>
+          </a:prstGeom>
+          <a:noFill/>
+        </p:spPr>
         <p:txBody>
-          <a:bodyPr/>
+          <a:bodyPr wrap="none" rtlCol="0">
+            <a:spAutoFit/>
+          </a:bodyPr>
           <a:lstStyle/>
           <a:p>
-            <a:endParaRPr lang="en-US"/>
+            <a:r>
+              <a:rPr lang="en-US" sz="1200" i="1" dirty="0"/>
+              <a:t>Source: http://swtmentorsite.appspot.com/sdlc/vmodel.php</a:t>
+            </a:r>
           </a:p>
         </p:txBody>
       </p:sp>
@@ -42713,7 +42756,7 @@
     </p:spTree>
     <p:extLst>
       <p:ext uri="{BB962C8B-B14F-4D97-AF65-F5344CB8AC3E}">
-        <p14:creationId xmlns:p14="http://schemas.microsoft.com/office/powerpoint/2010/main" val="549633491"/>
+        <p14:creationId xmlns:p14="http://schemas.microsoft.com/office/powerpoint/2010/main" val="1721569754"/>
       </p:ext>
     </p:extLst>
   </p:cSld>
@@ -42783,49 +42826,8 @@
               <a:rPr lang="en-US" b="1" dirty="0" smtClean="0">
                 <a:latin typeface="Century Gothic" pitchFamily="34" charset="0"/>
               </a:rPr>
-              <a:t>Test </a:t>
-            </a:r>
-            <a:r>
-              <a:rPr lang="en-US" b="1" dirty="0" smtClean="0">
-                <a:latin typeface="Century Gothic" pitchFamily="34" charset="0"/>
-              </a:rPr>
-              <a:t>technique:</a:t>
-            </a:r>
-          </a:p>
-          <a:p>
-            <a:pPr marL="1193975" lvl="2" indent="-342900"/>
-            <a:r>
-              <a:rPr lang="en-US" dirty="0">
-                <a:latin typeface="Century Gothic" pitchFamily="34" charset="0"/>
-              </a:rPr>
-              <a:t>Specification-based testing</a:t>
-            </a:r>
-          </a:p>
-          <a:p>
-            <a:pPr marL="1193975" lvl="2" indent="-342900"/>
-            <a:r>
-              <a:rPr lang="en-US" dirty="0">
-                <a:latin typeface="Century Gothic" pitchFamily="34" charset="0"/>
-              </a:rPr>
-              <a:t>Exploratory testing</a:t>
-            </a:r>
-          </a:p>
-          <a:p>
-            <a:pPr marL="1193975" lvl="2" indent="-342900"/>
-            <a:r>
-              <a:rPr lang="en-US" dirty="0">
-                <a:latin typeface="Century Gothic" pitchFamily="34" charset="0"/>
-              </a:rPr>
-              <a:t>Partitioning &amp; Boundary value analysis</a:t>
-            </a:r>
-          </a:p>
-          <a:p>
-            <a:pPr marL="0" indent="0">
-              <a:buNone/>
-            </a:pPr>
-            <a:endParaRPr lang="en-US" b="1" dirty="0" smtClean="0">
-              <a:latin typeface="Century Gothic" pitchFamily="34" charset="0"/>
-            </a:endParaRPr>
+              <a:t>Test process:</a:t>
+            </a:r>
           </a:p>
           <a:p>
             <a:pPr marL="0" indent="0">
@@ -42860,6 +42862,28 @@
           </a:p>
         </p:txBody>
       </p:sp>
+      <p:graphicFrame>
+        <p:nvGraphicFramePr>
+          <p:cNvPr id="5" name="Diagram 4"/>
+          <p:cNvGraphicFramePr/>
+          <p:nvPr>
+            <p:extLst>
+              <p:ext uri="{D42A27DB-BD31-4B8C-83A1-F6EECF244321}">
+                <p14:modId xmlns:p14="http://schemas.microsoft.com/office/powerpoint/2010/main" val="3937293538"/>
+              </p:ext>
+            </p:extLst>
+          </p:nvPr>
+        </p:nvGraphicFramePr>
+        <p:xfrm>
+          <a:off x="1143000" y="1600200"/>
+          <a:ext cx="6705600" cy="3175000"/>
+        </p:xfrm>
+        <a:graphic>
+          <a:graphicData uri="http://schemas.openxmlformats.org/drawingml/2006/diagram">
+            <dgm:relIds xmlns:dgm="http://schemas.openxmlformats.org/drawingml/2006/diagram" xmlns:r="http://schemas.openxmlformats.org/officeDocument/2006/relationships" r:dm="rId2" r:lo="rId3" r:qs="rId4" r:cs="rId5"/>
+          </a:graphicData>
+        </a:graphic>
+      </p:graphicFrame>
       <p:sp>
         <p:nvSpPr>
           <p:cNvPr id="6" name="Title 5"/>
@@ -42924,7 +42948,7 @@
     </p:spTree>
     <p:extLst>
       <p:ext uri="{BB962C8B-B14F-4D97-AF65-F5344CB8AC3E}">
-        <p14:creationId xmlns:p14="http://schemas.microsoft.com/office/powerpoint/2010/main" val="3233598568"/>
+        <p14:creationId xmlns:p14="http://schemas.microsoft.com/office/powerpoint/2010/main" val="549633491"/>
       </p:ext>
     </p:extLst>
   </p:cSld>
@@ -42972,7 +42996,7 @@
       </p:grpSpPr>
       <p:sp>
         <p:nvSpPr>
-          <p:cNvPr id="6" name="Content Placeholder 5"/>
+          <p:cNvPr id="3" name="Content Placeholder 2"/>
           <p:cNvSpPr>
             <a:spLocks noGrp="1"/>
           </p:cNvSpPr>
@@ -42982,8 +43006,8 @@
         </p:nvSpPr>
         <p:spPr>
           <a:xfrm>
-            <a:off x="988325" y="914400"/>
-            <a:ext cx="7315200" cy="4876800"/>
+            <a:off x="914400" y="914400"/>
+            <a:ext cx="7315200" cy="4572000"/>
           </a:xfrm>
         </p:spPr>
         <p:txBody>
@@ -42992,27 +43016,59 @@
           <a:p>
             <a:r>
               <a:rPr lang="en-US" b="1" dirty="0" smtClean="0">
-                <a:latin typeface="Century Gothic"/>
-                <a:cs typeface="Century Gothic"/>
-              </a:rPr>
-              <a:t>Defect log sample</a:t>
-            </a:r>
+                <a:latin typeface="Century Gothic" pitchFamily="34" charset="0"/>
+              </a:rPr>
+              <a:t>Test technique:</a:t>
+            </a:r>
+          </a:p>
+          <a:p>
+            <a:pPr marL="1193975" lvl="2" indent="-342900"/>
+            <a:r>
+              <a:rPr lang="en-US" dirty="0">
+                <a:latin typeface="Century Gothic" pitchFamily="34" charset="0"/>
+              </a:rPr>
+              <a:t>Specification-based testing</a:t>
+            </a:r>
+          </a:p>
+          <a:p>
+            <a:pPr marL="1193975" lvl="2" indent="-342900"/>
+            <a:r>
+              <a:rPr lang="en-US" dirty="0">
+                <a:latin typeface="Century Gothic" pitchFamily="34" charset="0"/>
+              </a:rPr>
+              <a:t>Exploratory testing</a:t>
+            </a:r>
+          </a:p>
+          <a:p>
+            <a:pPr marL="1193975" lvl="2" indent="-342900"/>
+            <a:r>
+              <a:rPr lang="en-US" dirty="0">
+                <a:latin typeface="Century Gothic" pitchFamily="34" charset="0"/>
+              </a:rPr>
+              <a:t>Partitioning &amp; Boundary value analysis</a:t>
+            </a:r>
+          </a:p>
+          <a:p>
+            <a:pPr marL="0" indent="0">
+              <a:buNone/>
+            </a:pPr>
             <a:endParaRPr lang="en-US" b="1" dirty="0" smtClean="0">
-              <a:solidFill>
-                <a:schemeClr val="tx1">
-                  <a:lumMod val="85000"/>
-                  <a:lumOff val="15000"/>
-                </a:schemeClr>
-              </a:solidFill>
-              <a:latin typeface="Century Gothic"/>
-              <a:cs typeface="Century Gothic"/>
+              <a:latin typeface="Century Gothic" pitchFamily="34" charset="0"/>
+            </a:endParaRPr>
+          </a:p>
+          <a:p>
+            <a:pPr marL="0" indent="0">
+              <a:buNone/>
+            </a:pPr>
+            <a:endParaRPr lang="en-US" dirty="0">
+              <a:latin typeface="Century Gothic" pitchFamily="34" charset="0"/>
             </a:endParaRPr>
           </a:p>
         </p:txBody>
       </p:sp>
       <p:sp>
         <p:nvSpPr>
-          <p:cNvPr id="2" name="Slide Number Placeholder 1"/>
+          <p:cNvPr id="4" name="Slide Number Placeholder 3"/>
           <p:cNvSpPr>
             <a:spLocks noGrp="1"/>
           </p:cNvSpPr>
@@ -43033,39 +43089,9 @@
           </a:p>
         </p:txBody>
       </p:sp>
-      <p:pic>
-        <p:nvPicPr>
-          <p:cNvPr id="7" name="Content Placeholder 5"/>
-          <p:cNvPicPr>
-            <a:picLocks noChangeAspect="1"/>
-          </p:cNvPicPr>
-          <p:nvPr/>
-        </p:nvPicPr>
-        <p:blipFill>
-          <a:blip r:embed="rId2">
-            <a:extLst>
-              <a:ext uri="{28A0092B-C50C-407E-A947-70E740481C1C}">
-                <a14:useLocalDpi xmlns:a14="http://schemas.microsoft.com/office/drawing/2010/main" val="0"/>
-              </a:ext>
-            </a:extLst>
-          </a:blip>
-          <a:stretch>
-            <a:fillRect/>
-          </a:stretch>
-        </p:blipFill>
-        <p:spPr>
-          <a:xfrm>
-            <a:off x="1066798" y="1524000"/>
-            <a:ext cx="7241675" cy="4419600"/>
-          </a:xfrm>
-          <a:prstGeom prst="rect">
-            <a:avLst/>
-          </a:prstGeom>
-        </p:spPr>
-      </p:pic>
       <p:sp>
         <p:nvSpPr>
-          <p:cNvPr id="3" name="Title 2"/>
+          <p:cNvPr id="6" name="Title 5"/>
           <p:cNvSpPr>
             <a:spLocks noGrp="1"/>
           </p:cNvSpPr>
@@ -43084,7 +43110,7 @@
       </p:sp>
       <p:sp>
         <p:nvSpPr>
-          <p:cNvPr id="8" name="Rectangle 7"/>
+          <p:cNvPr id="7" name="Rectangle 6"/>
           <p:cNvSpPr/>
           <p:nvPr/>
         </p:nvSpPr>
@@ -43127,7 +43153,7 @@
     </p:spTree>
     <p:extLst>
       <p:ext uri="{BB962C8B-B14F-4D97-AF65-F5344CB8AC3E}">
-        <p14:creationId xmlns:p14="http://schemas.microsoft.com/office/powerpoint/2010/main" val="3773911723"/>
+        <p14:creationId xmlns:p14="http://schemas.microsoft.com/office/powerpoint/2010/main" val="3233598568"/>
       </p:ext>
     </p:extLst>
   </p:cSld>
@@ -43185,8 +43211,8 @@
         </p:nvSpPr>
         <p:spPr>
           <a:xfrm>
-            <a:off x="914400" y="914400"/>
-            <a:ext cx="7315200" cy="4495800"/>
+            <a:off x="988325" y="914400"/>
+            <a:ext cx="7315200" cy="4876800"/>
           </a:xfrm>
         </p:spPr>
         <p:txBody>
@@ -43198,10 +43224,8 @@
                 <a:latin typeface="Century Gothic"/>
                 <a:cs typeface="Century Gothic"/>
               </a:rPr>
-              <a:t>Test Report</a:t>
-            </a:r>
-          </a:p>
-          <a:p>
+              <a:t>Defect log sample</a:t>
+            </a:r>
             <a:endParaRPr lang="en-US" b="1" dirty="0" smtClean="0">
               <a:solidFill>
                 <a:schemeClr val="tx1">
@@ -43233,6 +43257,211 @@
             <a:fld id="{34C99D79-8A4B-4031-B1E0-AF26F8EDF2BC}" type="slidenum">
               <a:rPr lang="en-US" smtClean="0"/>
               <a:t>53</a:t>
+            </a:fld>
+            <a:endParaRPr lang="en-US"/>
+          </a:p>
+        </p:txBody>
+      </p:sp>
+      <p:pic>
+        <p:nvPicPr>
+          <p:cNvPr id="7" name="Content Placeholder 5"/>
+          <p:cNvPicPr>
+            <a:picLocks noChangeAspect="1"/>
+          </p:cNvPicPr>
+          <p:nvPr/>
+        </p:nvPicPr>
+        <p:blipFill>
+          <a:blip r:embed="rId2">
+            <a:extLst>
+              <a:ext uri="{28A0092B-C50C-407E-A947-70E740481C1C}">
+                <a14:useLocalDpi xmlns:a14="http://schemas.microsoft.com/office/drawing/2010/main" val="0"/>
+              </a:ext>
+            </a:extLst>
+          </a:blip>
+          <a:stretch>
+            <a:fillRect/>
+          </a:stretch>
+        </p:blipFill>
+        <p:spPr>
+          <a:xfrm>
+            <a:off x="1066798" y="1524000"/>
+            <a:ext cx="7241675" cy="4419600"/>
+          </a:xfrm>
+          <a:prstGeom prst="rect">
+            <a:avLst/>
+          </a:prstGeom>
+        </p:spPr>
+      </p:pic>
+      <p:sp>
+        <p:nvSpPr>
+          <p:cNvPr id="3" name="Title 2"/>
+          <p:cNvSpPr>
+            <a:spLocks noGrp="1"/>
+          </p:cNvSpPr>
+          <p:nvPr>
+            <p:ph type="title"/>
+          </p:nvPr>
+        </p:nvSpPr>
+        <p:spPr/>
+        <p:txBody>
+          <a:bodyPr/>
+          <a:lstStyle/>
+          <a:p>
+            <a:endParaRPr lang="en-US"/>
+          </a:p>
+        </p:txBody>
+      </p:sp>
+      <p:sp>
+        <p:nvSpPr>
+          <p:cNvPr id="8" name="Rectangle 7"/>
+          <p:cNvSpPr/>
+          <p:nvPr/>
+        </p:nvSpPr>
+        <p:spPr>
+          <a:xfrm>
+            <a:off x="609600" y="6324600"/>
+            <a:ext cx="3116559" cy="338554"/>
+          </a:xfrm>
+          <a:prstGeom prst="rect">
+            <a:avLst/>
+          </a:prstGeom>
+        </p:spPr>
+        <p:txBody>
+          <a:bodyPr wrap="none">
+            <a:spAutoFit/>
+          </a:bodyPr>
+          <a:lstStyle/>
+          <a:p>
+            <a:r>
+              <a:rPr lang="en-US" sz="1600" i="1" dirty="0">
+                <a:latin typeface="Century Gothic"/>
+                <a:cs typeface="Century Gothic"/>
+              </a:rPr>
+              <a:t>Software </a:t>
+            </a:r>
+            <a:r>
+              <a:rPr lang="en-US" sz="1600" i="1" dirty="0" smtClean="0">
+                <a:latin typeface="Century Gothic"/>
+                <a:cs typeface="Century Gothic"/>
+              </a:rPr>
+              <a:t>Test Documentation</a:t>
+            </a:r>
+            <a:endParaRPr lang="en-US" sz="1600" i="1" dirty="0">
+              <a:latin typeface="Century Gothic"/>
+              <a:cs typeface="Century Gothic"/>
+            </a:endParaRPr>
+          </a:p>
+        </p:txBody>
+      </p:sp>
+    </p:spTree>
+    <p:extLst>
+      <p:ext uri="{BB962C8B-B14F-4D97-AF65-F5344CB8AC3E}">
+        <p14:creationId xmlns:p14="http://schemas.microsoft.com/office/powerpoint/2010/main" val="3773911723"/>
+      </p:ext>
+    </p:extLst>
+  </p:cSld>
+  <p:clrMapOvr>
+    <a:masterClrMapping/>
+  </p:clrMapOvr>
+  <mc:AlternateContent xmlns:mc="http://schemas.openxmlformats.org/markup-compatibility/2006" xmlns:p14="http://schemas.microsoft.com/office/powerpoint/2010/main">
+    <mc:Choice Requires="p14">
+      <p:transition spd="med" p14:dur="700">
+        <p:fade/>
+      </p:transition>
+    </mc:Choice>
+    <mc:Fallback xmlns="">
+      <p:transition spd="med">
+        <p:fade/>
+      </p:transition>
+    </mc:Fallback>
+  </mc:AlternateContent>
+  <p:timing>
+    <p:tnLst>
+      <p:par>
+        <p:cTn id="1" dur="indefinite" restart="never" nodeType="tmRoot"/>
+      </p:par>
+    </p:tnLst>
+  </p:timing>
+</p:sld>
+</file>
+
+<file path=ppt/slides/slide54.xml><?xml version="1.0" encoding="utf-8"?>
+<p:sld xmlns:a="http://schemas.openxmlformats.org/drawingml/2006/main" xmlns:r="http://schemas.openxmlformats.org/officeDocument/2006/relationships" xmlns:p="http://schemas.openxmlformats.org/presentationml/2006/main">
+  <p:cSld>
+    <p:spTree>
+      <p:nvGrpSpPr>
+        <p:cNvPr id="1" name=""/>
+        <p:cNvGrpSpPr/>
+        <p:nvPr/>
+      </p:nvGrpSpPr>
+      <p:grpSpPr>
+        <a:xfrm>
+          <a:off x="0" y="0"/>
+          <a:ext cx="0" cy="0"/>
+          <a:chOff x="0" y="0"/>
+          <a:chExt cx="0" cy="0"/>
+        </a:xfrm>
+      </p:grpSpPr>
+      <p:sp>
+        <p:nvSpPr>
+          <p:cNvPr id="6" name="Content Placeholder 5"/>
+          <p:cNvSpPr>
+            <a:spLocks noGrp="1"/>
+          </p:cNvSpPr>
+          <p:nvPr>
+            <p:ph idx="1"/>
+          </p:nvPr>
+        </p:nvSpPr>
+        <p:spPr>
+          <a:xfrm>
+            <a:off x="914400" y="914400"/>
+            <a:ext cx="7315200" cy="4495800"/>
+          </a:xfrm>
+        </p:spPr>
+        <p:txBody>
+          <a:bodyPr/>
+          <a:lstStyle/>
+          <a:p>
+            <a:r>
+              <a:rPr lang="en-US" b="1" dirty="0" smtClean="0">
+                <a:latin typeface="Century Gothic"/>
+                <a:cs typeface="Century Gothic"/>
+              </a:rPr>
+              <a:t>Test Report</a:t>
+            </a:r>
+          </a:p>
+          <a:p>
+            <a:endParaRPr lang="en-US" b="1" dirty="0" smtClean="0">
+              <a:solidFill>
+                <a:schemeClr val="tx1">
+                  <a:lumMod val="85000"/>
+                  <a:lumOff val="15000"/>
+                </a:schemeClr>
+              </a:solidFill>
+              <a:latin typeface="Century Gothic"/>
+              <a:cs typeface="Century Gothic"/>
+            </a:endParaRPr>
+          </a:p>
+        </p:txBody>
+      </p:sp>
+      <p:sp>
+        <p:nvSpPr>
+          <p:cNvPr id="2" name="Slide Number Placeholder 1"/>
+          <p:cNvSpPr>
+            <a:spLocks noGrp="1"/>
+          </p:cNvSpPr>
+          <p:nvPr>
+            <p:ph type="sldNum" sz="quarter" idx="12"/>
+          </p:nvPr>
+        </p:nvSpPr>
+        <p:spPr/>
+        <p:txBody>
+          <a:bodyPr/>
+          <a:lstStyle/>
+          <a:p>
+            <a:fld id="{34C99D79-8A4B-4031-B1E0-AF26F8EDF2BC}" type="slidenum">
+              <a:rPr lang="en-US" smtClean="0"/>
+              <a:t>54</a:t>
             </a:fld>
             <a:endParaRPr lang="en-US"/>
           </a:p>
@@ -43405,7 +43634,7 @@
 </p:sld>
 </file>
 
-<file path=ppt/slides/slide54.xml><?xml version="1.0" encoding="utf-8"?>
+<file path=ppt/slides/slide55.xml><?xml version="1.0" encoding="utf-8"?>
 <p:sld xmlns:a="http://schemas.openxmlformats.org/drawingml/2006/main" xmlns:r="http://schemas.openxmlformats.org/officeDocument/2006/relationships" xmlns:p="http://schemas.openxmlformats.org/presentationml/2006/main">
   <p:cSld>
     <p:spTree>
@@ -43537,7 +43766,7 @@
           <a:p>
             <a:fld id="{34C99D79-8A4B-4031-B1E0-AF26F8EDF2BC}" type="slidenum">
               <a:rPr lang="en-US" smtClean="0"/>
-              <a:t>54</a:t>
+              <a:t>55</a:t>
             </a:fld>
             <a:endParaRPr lang="en-US"/>
           </a:p>
@@ -43605,7 +43834,7 @@
 </p:sld>
 </file>
 
-<file path=ppt/slides/slide55.xml><?xml version="1.0" encoding="utf-8"?>
+<file path=ppt/slides/slide56.xml><?xml version="1.0" encoding="utf-8"?>
 <p:sld xmlns:a="http://schemas.openxmlformats.org/drawingml/2006/main" xmlns:r="http://schemas.openxmlformats.org/officeDocument/2006/relationships" xmlns:p="http://schemas.openxmlformats.org/presentationml/2006/main">
   <p:cSld>
     <p:spTree>
@@ -43690,7 +43919,7 @@
           <a:p>
             <a:fld id="{34C99D79-8A4B-4031-B1E0-AF26F8EDF2BC}" type="slidenum">
               <a:rPr lang="en-US" smtClean="0"/>
-              <a:t>55</a:t>
+              <a:t>56</a:t>
             </a:fld>
             <a:endParaRPr lang="en-US"/>
           </a:p>
@@ -43758,7 +43987,7 @@
 </p:sld>
 </file>
 
-<file path=ppt/slides/slide56.xml><?xml version="1.0" encoding="utf-8"?>
+<file path=ppt/slides/slide57.xml><?xml version="1.0" encoding="utf-8"?>
 <p:sld xmlns:a="http://schemas.openxmlformats.org/drawingml/2006/main" xmlns:r="http://schemas.openxmlformats.org/officeDocument/2006/relationships" xmlns:p="http://schemas.openxmlformats.org/presentationml/2006/main">
   <p:cSld>
     <p:spTree>
@@ -43819,7 +44048,7 @@
           <a:p>
             <a:fld id="{34C99D79-8A4B-4031-B1E0-AF26F8EDF2BC}" type="slidenum">
               <a:rPr lang="en-US" smtClean="0"/>
-              <a:t>56</a:t>
+              <a:t>57</a:t>
             </a:fld>
             <a:endParaRPr lang="en-US"/>
           </a:p>

--- a/Document/Documentation/Final Document & Report/RHF_Presentation_Final_v1.0.pptx
+++ b/Document/Documentation/Final Document & Report/RHF_Presentation_Final_v1.0.pptx
@@ -5,10 +5,10 @@
     <p:sldMasterId id="2147483648" r:id="rId2"/>
   </p:sldMasterIdLst>
   <p:notesMasterIdLst>
-    <p:notesMasterId r:id="rId64"/>
+    <p:notesMasterId r:id="rId63"/>
   </p:notesMasterIdLst>
   <p:handoutMasterIdLst>
-    <p:handoutMasterId r:id="rId65"/>
+    <p:handoutMasterId r:id="rId64"/>
   </p:handoutMasterIdLst>
   <p:sldIdLst>
     <p:sldId id="256" r:id="rId3"/>
@@ -57,21 +57,20 @@
     <p:sldId id="367" r:id="rId46"/>
     <p:sldId id="314" r:id="rId47"/>
     <p:sldId id="315" r:id="rId48"/>
-    <p:sldId id="364" r:id="rId49"/>
-    <p:sldId id="361" r:id="rId50"/>
+    <p:sldId id="361" r:id="rId49"/>
+    <p:sldId id="364" r:id="rId50"/>
     <p:sldId id="362" r:id="rId51"/>
-    <p:sldId id="363" r:id="rId52"/>
-    <p:sldId id="352" r:id="rId53"/>
-    <p:sldId id="353" r:id="rId54"/>
-    <p:sldId id="357" r:id="rId55"/>
-    <p:sldId id="355" r:id="rId56"/>
-    <p:sldId id="356" r:id="rId57"/>
-    <p:sldId id="323" r:id="rId58"/>
-    <p:sldId id="358" r:id="rId59"/>
-    <p:sldId id="359" r:id="rId60"/>
-    <p:sldId id="360" r:id="rId61"/>
-    <p:sldId id="324" r:id="rId62"/>
-    <p:sldId id="325" r:id="rId63"/>
+    <p:sldId id="352" r:id="rId52"/>
+    <p:sldId id="353" r:id="rId53"/>
+    <p:sldId id="357" r:id="rId54"/>
+    <p:sldId id="355" r:id="rId55"/>
+    <p:sldId id="356" r:id="rId56"/>
+    <p:sldId id="323" r:id="rId57"/>
+    <p:sldId id="358" r:id="rId58"/>
+    <p:sldId id="359" r:id="rId59"/>
+    <p:sldId id="360" r:id="rId60"/>
+    <p:sldId id="324" r:id="rId61"/>
+    <p:sldId id="325" r:id="rId62"/>
   </p:sldIdLst>
   <p:sldSz cx="9144000" cy="6858000" type="screen4x3"/>
   <p:notesSz cx="6858000" cy="9144000"/>
@@ -172,7 +171,7 @@
   </p:defaultTextStyle>
   <p:extLst>
     <p:ext uri="{EFAFB233-063F-42B5-8137-9DF3F51BA10A}">
-      <p15:sldGuideLst xmlns="" xmlns:p15="http://schemas.microsoft.com/office/powerpoint/2012/main">
+      <p15:sldGuideLst xmlns:p15="http://schemas.microsoft.com/office/powerpoint/2012/main" xmlns="">
         <p15:guide id="1" orient="horz" pos="2160">
           <p15:clr>
             <a:srgbClr val="A4A3A4"/>
@@ -186,7 +185,7 @@
       </p15:sldGuideLst>
     </p:ext>
     <p:ext uri="{2D200454-40CA-4A62-9FC3-DE9A4176ACB9}">
-      <p15:notesGuideLst xmlns="" xmlns:p15="http://schemas.microsoft.com/office/powerpoint/2012/main">
+      <p15:notesGuideLst xmlns:p15="http://schemas.microsoft.com/office/powerpoint/2012/main" xmlns="">
         <p15:guide id="1" orient="horz" pos="2880">
           <p15:clr>
             <a:srgbClr val="A4A3A4"/>
@@ -12887,7 +12886,7 @@
             </a:r>
             <a:r>
               <a:rPr lang="en-US" sz="2000" baseline="0" dirty="0" err="1" smtClean="0"/>
-              <a:t>kèm</a:t>
+              <a:t>theo</a:t>
             </a:r>
             <a:r>
               <a:rPr lang="en-US" sz="2000" baseline="0" dirty="0" smtClean="0"/>
@@ -12911,7 +12910,7 @@
             </a:r>
             <a:r>
               <a:rPr lang="en-US" sz="2000" baseline="0" dirty="0" err="1" smtClean="0"/>
-              <a:t>cho</a:t>
+              <a:t>giúp</a:t>
             </a:r>
             <a:r>
               <a:rPr lang="en-US" sz="2000" baseline="0" dirty="0" smtClean="0"/>
@@ -12943,11 +12942,609 @@
             </a:r>
             <a:r>
               <a:rPr lang="en-US" sz="2000" baseline="0" dirty="0" err="1" smtClean="0"/>
+              <a:t>được</a:t>
+            </a:r>
+            <a:r>
+              <a:rPr lang="en-US" sz="2000" baseline="0" dirty="0" smtClean="0"/>
+              <a:t> </a:t>
+            </a:r>
+            <a:r>
+              <a:rPr lang="en-US" sz="2000" baseline="0" dirty="0" err="1" smtClean="0"/>
+              <a:t>ngôi</a:t>
+            </a:r>
+            <a:r>
+              <a:rPr lang="en-US" sz="2000" baseline="0" dirty="0" smtClean="0"/>
+              <a:t> </a:t>
+            </a:r>
+            <a:r>
+              <a:rPr lang="en-US" sz="2000" baseline="0" dirty="0" err="1" smtClean="0"/>
+              <a:t>nhà</a:t>
+            </a:r>
+            <a:r>
+              <a:rPr lang="en-US" sz="2000" baseline="0" dirty="0" smtClean="0"/>
+              <a:t>, </a:t>
+            </a:r>
+            <a:r>
+              <a:rPr lang="en-US" sz="2000" baseline="0" dirty="0" err="1" smtClean="0"/>
+              <a:t>căn</a:t>
+            </a:r>
+            <a:r>
+              <a:rPr lang="en-US" sz="2000" baseline="0" dirty="0" smtClean="0"/>
+              <a:t> </a:t>
+            </a:r>
+            <a:r>
+              <a:rPr lang="en-US" sz="2000" baseline="0" dirty="0" err="1" smtClean="0"/>
+              <a:t>phòng</a:t>
+            </a:r>
+            <a:r>
+              <a:rPr lang="en-US" sz="2000" baseline="0" dirty="0" smtClean="0"/>
+              <a:t> </a:t>
+            </a:r>
+            <a:r>
+              <a:rPr lang="en-US" sz="2000" baseline="0" dirty="0" err="1" smtClean="0"/>
+              <a:t>phù</a:t>
+            </a:r>
+            <a:r>
+              <a:rPr lang="en-US" sz="2000" baseline="0" dirty="0" smtClean="0"/>
+              <a:t> </a:t>
+            </a:r>
+            <a:r>
+              <a:rPr lang="en-US" sz="2000" baseline="0" dirty="0" err="1" smtClean="0"/>
+              <a:t>hợp</a:t>
+            </a:r>
+            <a:r>
+              <a:rPr lang="en-US" sz="2000" baseline="0" dirty="0" smtClean="0"/>
+              <a:t>.</a:t>
+            </a:r>
+            <a:endParaRPr lang="en-US" sz="2000" baseline="0" dirty="0" smtClean="0"/>
+          </a:p>
+          <a:p>
+            <a:endParaRPr lang="en-US" sz="2000" baseline="0" dirty="0" smtClean="0"/>
+          </a:p>
+          <a:p>
+            <a:r>
+              <a:rPr lang="en-US" sz="2000" baseline="0" dirty="0" smtClean="0"/>
+              <a:t>Advanced Search: </a:t>
+            </a:r>
+            <a:r>
+              <a:rPr lang="en-US" sz="2000" baseline="0" dirty="0" err="1" smtClean="0"/>
+              <a:t>chức</a:t>
+            </a:r>
+            <a:r>
+              <a:rPr lang="en-US" sz="2000" baseline="0" dirty="0" smtClean="0"/>
+              <a:t> </a:t>
+            </a:r>
+            <a:r>
+              <a:rPr lang="en-US" sz="2000" baseline="0" dirty="0" err="1" smtClean="0"/>
+              <a:t>năng</a:t>
+            </a:r>
+            <a:r>
+              <a:rPr lang="en-US" sz="2000" baseline="0" dirty="0" smtClean="0"/>
+              <a:t> </a:t>
+            </a:r>
+            <a:r>
+              <a:rPr lang="en-US" sz="2000" baseline="0" dirty="0" err="1" smtClean="0"/>
+              <a:t>tìm</a:t>
+            </a:r>
+            <a:r>
+              <a:rPr lang="en-US" sz="2000" baseline="0" dirty="0" smtClean="0"/>
+              <a:t> </a:t>
+            </a:r>
+            <a:r>
+              <a:rPr lang="en-US" sz="2000" baseline="0" dirty="0" err="1" smtClean="0"/>
               <a:t>kiếm</a:t>
             </a:r>
             <a:r>
               <a:rPr lang="en-US" sz="2000" baseline="0" dirty="0" smtClean="0"/>
               <a:t> </a:t>
+            </a:r>
+            <a:r>
+              <a:rPr lang="en-US" sz="2000" baseline="0" dirty="0" err="1" smtClean="0"/>
+              <a:t>nâng</a:t>
+            </a:r>
+            <a:r>
+              <a:rPr lang="en-US" sz="2000" baseline="0" dirty="0" smtClean="0"/>
+              <a:t> </a:t>
+            </a:r>
+            <a:r>
+              <a:rPr lang="en-US" sz="2000" baseline="0" dirty="0" err="1" smtClean="0"/>
+              <a:t>cao</a:t>
+            </a:r>
+            <a:r>
+              <a:rPr lang="en-US" sz="2000" baseline="0" dirty="0" smtClean="0"/>
+              <a:t>, </a:t>
+            </a:r>
+            <a:r>
+              <a:rPr lang="en-US" sz="2000" baseline="0" dirty="0" err="1" smtClean="0"/>
+              <a:t>đưa</a:t>
+            </a:r>
+            <a:r>
+              <a:rPr lang="en-US" sz="2000" baseline="0" dirty="0" smtClean="0"/>
+              <a:t> </a:t>
+            </a:r>
+            <a:r>
+              <a:rPr lang="en-US" sz="2000" baseline="0" dirty="0" err="1" smtClean="0"/>
+              <a:t>ra</a:t>
+            </a:r>
+            <a:r>
+              <a:rPr lang="en-US" sz="2000" baseline="0" dirty="0" smtClean="0"/>
+              <a:t> </a:t>
+            </a:r>
+            <a:r>
+              <a:rPr lang="en-US" sz="2000" baseline="0" dirty="0" err="1" smtClean="0"/>
+              <a:t>nhiều</a:t>
+            </a:r>
+            <a:r>
+              <a:rPr lang="en-US" sz="2000" baseline="0" dirty="0" smtClean="0"/>
+              <a:t> </a:t>
+            </a:r>
+            <a:r>
+              <a:rPr lang="en-US" sz="2000" baseline="0" dirty="0" err="1" smtClean="0"/>
+              <a:t>lựa</a:t>
+            </a:r>
+            <a:r>
+              <a:rPr lang="en-US" sz="2000" baseline="0" dirty="0" smtClean="0"/>
+              <a:t> </a:t>
+            </a:r>
+            <a:r>
+              <a:rPr lang="en-US" sz="2000" baseline="0" dirty="0" err="1" smtClean="0"/>
+              <a:t>chọn</a:t>
+            </a:r>
+            <a:r>
+              <a:rPr lang="en-US" sz="2000" baseline="0" dirty="0" smtClean="0"/>
+              <a:t> </a:t>
+            </a:r>
+            <a:r>
+              <a:rPr lang="en-US" sz="2000" baseline="0" dirty="0" err="1" smtClean="0"/>
+              <a:t>tiện</a:t>
+            </a:r>
+            <a:r>
+              <a:rPr lang="en-US" sz="2000" baseline="0" dirty="0" smtClean="0"/>
+              <a:t> </a:t>
+            </a:r>
+            <a:r>
+              <a:rPr lang="en-US" sz="2000" baseline="0" dirty="0" err="1" smtClean="0"/>
+              <a:t>nghi</a:t>
+            </a:r>
+            <a:r>
+              <a:rPr lang="en-US" sz="2000" baseline="0" dirty="0" smtClean="0"/>
+              <a:t> </a:t>
+            </a:r>
+            <a:r>
+              <a:rPr lang="en-US" sz="2000" baseline="0" dirty="0" err="1" smtClean="0"/>
+              <a:t>giúp</a:t>
+            </a:r>
+            <a:r>
+              <a:rPr lang="en-US" sz="2000" baseline="0" dirty="0" smtClean="0"/>
+              <a:t> </a:t>
+            </a:r>
+            <a:r>
+              <a:rPr lang="en-US" sz="2000" baseline="0" dirty="0" err="1" smtClean="0"/>
+              <a:t>người</a:t>
+            </a:r>
+            <a:r>
+              <a:rPr lang="en-US" sz="2000" baseline="0" dirty="0" smtClean="0"/>
+              <a:t> </a:t>
+            </a:r>
+            <a:r>
+              <a:rPr lang="en-US" sz="2000" baseline="0" dirty="0" err="1" smtClean="0"/>
+              <a:t>dùng</a:t>
+            </a:r>
+            <a:r>
+              <a:rPr lang="en-US" sz="2000" baseline="0" dirty="0" smtClean="0"/>
+              <a:t> </a:t>
+            </a:r>
+            <a:r>
+              <a:rPr lang="en-US" sz="2000" baseline="0" dirty="0" err="1" smtClean="0"/>
+              <a:t>tìm</a:t>
+            </a:r>
+            <a:r>
+              <a:rPr lang="en-US" sz="2000" baseline="0" dirty="0" smtClean="0"/>
+              <a:t> </a:t>
+            </a:r>
+            <a:r>
+              <a:rPr lang="en-US" sz="2000" baseline="0" dirty="0" err="1" smtClean="0"/>
+              <a:t>kiếm</a:t>
+            </a:r>
+            <a:r>
+              <a:rPr lang="en-US" sz="2000" baseline="0" dirty="0" smtClean="0"/>
+              <a:t> </a:t>
+            </a:r>
+            <a:r>
+              <a:rPr lang="en-US" sz="2000" baseline="0" dirty="0" err="1" smtClean="0"/>
+              <a:t>theo</a:t>
+            </a:r>
+            <a:r>
+              <a:rPr lang="en-US" sz="2000" baseline="0" dirty="0" smtClean="0"/>
+              <a:t> </a:t>
+            </a:r>
+            <a:r>
+              <a:rPr lang="en-US" sz="2000" baseline="0" dirty="0" err="1" smtClean="0"/>
+              <a:t>nhu</a:t>
+            </a:r>
+            <a:r>
+              <a:rPr lang="en-US" sz="2000" baseline="0" dirty="0" smtClean="0"/>
+              <a:t> </a:t>
+            </a:r>
+            <a:r>
+              <a:rPr lang="en-US" sz="2000" baseline="0" dirty="0" err="1" smtClean="0"/>
+              <a:t>cầu</a:t>
+            </a:r>
+            <a:r>
+              <a:rPr lang="en-US" sz="2000" baseline="0" dirty="0" smtClean="0"/>
+              <a:t> </a:t>
+            </a:r>
+            <a:r>
+              <a:rPr lang="en-US" sz="2000" baseline="0" dirty="0" err="1" smtClean="0"/>
+              <a:t>của</a:t>
+            </a:r>
+            <a:r>
+              <a:rPr lang="en-US" sz="2000" baseline="0" dirty="0" smtClean="0"/>
+              <a:t> </a:t>
+            </a:r>
+            <a:r>
+              <a:rPr lang="en-US" sz="2000" baseline="0" dirty="0" err="1" smtClean="0"/>
+              <a:t>mình</a:t>
+            </a:r>
+            <a:r>
+              <a:rPr lang="en-US" sz="2000" baseline="0" dirty="0" smtClean="0"/>
+              <a:t> </a:t>
+            </a:r>
+            <a:r>
+              <a:rPr lang="en-US" sz="2000" baseline="0" dirty="0" err="1" smtClean="0"/>
+              <a:t>chính</a:t>
+            </a:r>
+            <a:r>
+              <a:rPr lang="en-US" sz="2000" baseline="0" dirty="0" smtClean="0"/>
+              <a:t> </a:t>
+            </a:r>
+            <a:r>
+              <a:rPr lang="en-US" sz="2000" baseline="0" dirty="0" err="1" smtClean="0"/>
+              <a:t>xác</a:t>
+            </a:r>
+            <a:r>
+              <a:rPr lang="en-US" sz="2000" baseline="0" dirty="0" smtClean="0"/>
+              <a:t> </a:t>
+            </a:r>
+            <a:r>
+              <a:rPr lang="en-US" sz="2000" baseline="0" dirty="0" err="1" smtClean="0"/>
+              <a:t>hơn</a:t>
+            </a:r>
+            <a:r>
+              <a:rPr lang="en-US" sz="2000" baseline="0" dirty="0" smtClean="0"/>
+              <a:t>.</a:t>
+            </a:r>
+            <a:endParaRPr lang="en-US" sz="2000" baseline="0" dirty="0" smtClean="0"/>
+          </a:p>
+          <a:p>
+            <a:endParaRPr lang="en-US" sz="2000" baseline="0" dirty="0" smtClean="0"/>
+          </a:p>
+          <a:p>
+            <a:r>
+              <a:rPr lang="en-US" sz="2000" baseline="0" dirty="0" smtClean="0"/>
+              <a:t>Visualization: </a:t>
+            </a:r>
+            <a:r>
+              <a:rPr lang="en-US" sz="2000" baseline="0" dirty="0" err="1" smtClean="0"/>
+              <a:t>chức</a:t>
+            </a:r>
+            <a:r>
+              <a:rPr lang="en-US" sz="2000" baseline="0" dirty="0" smtClean="0"/>
+              <a:t> </a:t>
+            </a:r>
+            <a:r>
+              <a:rPr lang="en-US" sz="2000" baseline="0" dirty="0" err="1" smtClean="0"/>
+              <a:t>tương</a:t>
+            </a:r>
+            <a:r>
+              <a:rPr lang="en-US" sz="2000" baseline="0" dirty="0" smtClean="0"/>
+              <a:t> </a:t>
+            </a:r>
+            <a:r>
+              <a:rPr lang="en-US" sz="2000" baseline="0" dirty="0" err="1" smtClean="0"/>
+              <a:t>tác</a:t>
+            </a:r>
+            <a:r>
+              <a:rPr lang="en-US" sz="2000" baseline="0" dirty="0" smtClean="0"/>
+              <a:t> </a:t>
+            </a:r>
+            <a:r>
+              <a:rPr lang="en-US" sz="2000" baseline="0" dirty="0" err="1" smtClean="0"/>
+              <a:t>trực</a:t>
+            </a:r>
+            <a:r>
+              <a:rPr lang="en-US" sz="2000" baseline="0" dirty="0" smtClean="0"/>
+              <a:t> </a:t>
+            </a:r>
+            <a:r>
+              <a:rPr lang="en-US" sz="2000" baseline="0" dirty="0" err="1" smtClean="0"/>
+              <a:t>quan</a:t>
+            </a:r>
+            <a:r>
+              <a:rPr lang="en-US" sz="2000" baseline="0" dirty="0" smtClean="0"/>
+              <a:t> </a:t>
+            </a:r>
+            <a:r>
+              <a:rPr lang="en-US" sz="2000" baseline="0" dirty="0" err="1" smtClean="0"/>
+              <a:t>trên</a:t>
+            </a:r>
+            <a:r>
+              <a:rPr lang="en-US" sz="2000" baseline="0" dirty="0" smtClean="0"/>
+              <a:t> </a:t>
+            </a:r>
+            <a:r>
+              <a:rPr lang="en-US" sz="2000" baseline="0" dirty="0" err="1" smtClean="0"/>
+              <a:t>bản</a:t>
+            </a:r>
+            <a:r>
+              <a:rPr lang="en-US" sz="2000" baseline="0" dirty="0" smtClean="0"/>
+              <a:t> </a:t>
+            </a:r>
+            <a:r>
+              <a:rPr lang="en-US" sz="2000" baseline="0" dirty="0" err="1" smtClean="0"/>
+              <a:t>đồ</a:t>
+            </a:r>
+            <a:r>
+              <a:rPr lang="en-US" sz="2000" baseline="0" dirty="0" smtClean="0"/>
+              <a:t> </a:t>
+            </a:r>
+            <a:r>
+              <a:rPr lang="en-US" sz="2000" baseline="0" dirty="0" err="1" smtClean="0"/>
+              <a:t>giúp</a:t>
+            </a:r>
+            <a:r>
+              <a:rPr lang="en-US" sz="2000" baseline="0" dirty="0" smtClean="0"/>
+              <a:t> </a:t>
+            </a:r>
+            <a:r>
+              <a:rPr lang="en-US" sz="2000" baseline="0" dirty="0" err="1" smtClean="0"/>
+              <a:t>người</a:t>
+            </a:r>
+            <a:r>
+              <a:rPr lang="en-US" sz="2000" baseline="0" dirty="0" smtClean="0"/>
+              <a:t> </a:t>
+            </a:r>
+            <a:r>
+              <a:rPr lang="en-US" sz="2000" baseline="0" dirty="0" err="1" smtClean="0"/>
+              <a:t>dùng</a:t>
+            </a:r>
+            <a:r>
+              <a:rPr lang="en-US" sz="2000" baseline="0" dirty="0" smtClean="0"/>
+              <a:t> </a:t>
+            </a:r>
+            <a:r>
+              <a:rPr lang="en-US" sz="2000" baseline="0" dirty="0" err="1" smtClean="0"/>
+              <a:t>dễ</a:t>
+            </a:r>
+            <a:r>
+              <a:rPr lang="en-US" sz="2000" baseline="0" dirty="0" smtClean="0"/>
+              <a:t> </a:t>
+            </a:r>
+            <a:r>
+              <a:rPr lang="en-US" sz="2000" baseline="0" dirty="0" err="1" smtClean="0"/>
+              <a:t>dàng</a:t>
+            </a:r>
+            <a:r>
+              <a:rPr lang="en-US" sz="2000" baseline="0" dirty="0" smtClean="0"/>
+              <a:t> </a:t>
+            </a:r>
+            <a:r>
+              <a:rPr lang="en-US" sz="2000" baseline="0" dirty="0" err="1" smtClean="0"/>
+              <a:t>hình</a:t>
+            </a:r>
+            <a:r>
+              <a:rPr lang="en-US" sz="2000" baseline="0" dirty="0" smtClean="0"/>
+              <a:t> dung </a:t>
+            </a:r>
+            <a:r>
+              <a:rPr lang="en-US" sz="2000" baseline="0" dirty="0" err="1" smtClean="0"/>
+              <a:t>ra</a:t>
+            </a:r>
+            <a:r>
+              <a:rPr lang="en-US" sz="2000" baseline="0" dirty="0" smtClean="0"/>
+              <a:t> </a:t>
+            </a:r>
+            <a:r>
+              <a:rPr lang="en-US" sz="2000" baseline="0" dirty="0" err="1" smtClean="0"/>
+              <a:t>vị</a:t>
+            </a:r>
+            <a:r>
+              <a:rPr lang="en-US" sz="2000" baseline="0" dirty="0" smtClean="0"/>
+              <a:t> </a:t>
+            </a:r>
+            <a:r>
+              <a:rPr lang="en-US" sz="2000" baseline="0" dirty="0" err="1" smtClean="0"/>
+              <a:t>trí</a:t>
+            </a:r>
+            <a:r>
+              <a:rPr lang="en-US" sz="2000" baseline="0" dirty="0" smtClean="0"/>
+              <a:t> </a:t>
+            </a:r>
+            <a:r>
+              <a:rPr lang="en-US" sz="2000" baseline="0" dirty="0" err="1" smtClean="0"/>
+              <a:t>của</a:t>
+            </a:r>
+            <a:r>
+              <a:rPr lang="en-US" sz="2000" baseline="0" dirty="0" smtClean="0"/>
+              <a:t> </a:t>
+            </a:r>
+            <a:r>
+              <a:rPr lang="en-US" sz="2000" baseline="0" dirty="0" err="1" smtClean="0"/>
+              <a:t>căn</a:t>
+            </a:r>
+            <a:r>
+              <a:rPr lang="en-US" sz="2000" baseline="0" dirty="0" smtClean="0"/>
+              <a:t> </a:t>
+            </a:r>
+            <a:r>
+              <a:rPr lang="en-US" sz="2000" baseline="0" dirty="0" err="1" smtClean="0"/>
+              <a:t>nhà</a:t>
+            </a:r>
+            <a:endParaRPr lang="en-US" sz="2000" baseline="0" dirty="0" smtClean="0"/>
+          </a:p>
+          <a:p>
+            <a:endParaRPr lang="en-US" sz="2000" baseline="0" dirty="0" smtClean="0"/>
+          </a:p>
+          <a:p>
+            <a:r>
+              <a:rPr lang="en-US" sz="2000" baseline="0" dirty="0" smtClean="0"/>
+              <a:t> Simple interaction : </a:t>
+            </a:r>
+            <a:r>
+              <a:rPr lang="en-US" sz="2000" baseline="0" dirty="0" err="1" smtClean="0"/>
+              <a:t>Thiết</a:t>
+            </a:r>
+            <a:r>
+              <a:rPr lang="en-US" sz="2000" baseline="0" dirty="0" smtClean="0"/>
+              <a:t> </a:t>
+            </a:r>
+            <a:r>
+              <a:rPr lang="en-US" sz="2000" baseline="0" dirty="0" err="1" smtClean="0"/>
+              <a:t>kế</a:t>
+            </a:r>
+            <a:r>
+              <a:rPr lang="en-US" sz="2000" baseline="0" dirty="0" smtClean="0"/>
+              <a:t> </a:t>
+            </a:r>
+            <a:r>
+              <a:rPr lang="en-US" sz="2000" baseline="0" dirty="0" err="1" smtClean="0"/>
+              <a:t>sản</a:t>
+            </a:r>
+            <a:r>
+              <a:rPr lang="en-US" sz="2000" baseline="0" dirty="0" smtClean="0"/>
+              <a:t> </a:t>
+            </a:r>
+            <a:r>
+              <a:rPr lang="en-US" sz="2000" baseline="0" dirty="0" err="1" smtClean="0"/>
+              <a:t>phẩm</a:t>
+            </a:r>
+            <a:r>
+              <a:rPr lang="en-US" sz="2000" baseline="0" dirty="0" smtClean="0"/>
+              <a:t> </a:t>
+            </a:r>
+            <a:r>
+              <a:rPr lang="en-US" sz="2000" baseline="0" dirty="0" err="1" smtClean="0"/>
+              <a:t>thân</a:t>
+            </a:r>
+            <a:r>
+              <a:rPr lang="en-US" sz="2000" baseline="0" dirty="0" smtClean="0"/>
+              <a:t> </a:t>
+            </a:r>
+            <a:r>
+              <a:rPr lang="en-US" sz="2000" baseline="0" dirty="0" err="1" smtClean="0"/>
+              <a:t>thiện</a:t>
+            </a:r>
+            <a:r>
+              <a:rPr lang="en-US" sz="2000" baseline="0" dirty="0" smtClean="0"/>
+              <a:t>, </a:t>
+            </a:r>
+            <a:r>
+              <a:rPr lang="en-US" sz="2000" baseline="0" dirty="0" err="1" smtClean="0"/>
+              <a:t>giúp</a:t>
+            </a:r>
+            <a:r>
+              <a:rPr lang="en-US" sz="2000" baseline="0" dirty="0" smtClean="0"/>
+              <a:t> </a:t>
+            </a:r>
+            <a:r>
+              <a:rPr lang="en-US" sz="2000" baseline="0" dirty="0" err="1" smtClean="0"/>
+              <a:t>người</a:t>
+            </a:r>
+            <a:r>
+              <a:rPr lang="en-US" sz="2000" baseline="0" dirty="0" smtClean="0"/>
+              <a:t> </a:t>
+            </a:r>
+            <a:r>
+              <a:rPr lang="en-US" sz="2000" baseline="0" dirty="0" err="1" smtClean="0"/>
+              <a:t>dùng</a:t>
+            </a:r>
+            <a:r>
+              <a:rPr lang="en-US" sz="2000" baseline="0" dirty="0" smtClean="0"/>
+              <a:t> </a:t>
+            </a:r>
+            <a:r>
+              <a:rPr lang="en-US" sz="2000" baseline="0" dirty="0" err="1" smtClean="0"/>
+              <a:t>có</a:t>
+            </a:r>
+            <a:r>
+              <a:rPr lang="en-US" sz="2000" baseline="0" dirty="0" smtClean="0"/>
+              <a:t> </a:t>
+            </a:r>
+            <a:r>
+              <a:rPr lang="en-US" sz="2000" baseline="0" dirty="0" err="1" smtClean="0"/>
+              <a:t>thể</a:t>
+            </a:r>
+            <a:r>
+              <a:rPr lang="en-US" sz="2000" baseline="0" dirty="0" smtClean="0"/>
+              <a:t> </a:t>
+            </a:r>
+            <a:r>
+              <a:rPr lang="en-US" sz="2000" baseline="0" dirty="0" err="1" smtClean="0"/>
+              <a:t>tiếp</a:t>
+            </a:r>
+            <a:r>
+              <a:rPr lang="en-US" sz="2000" baseline="0" dirty="0" smtClean="0"/>
+              <a:t> </a:t>
+            </a:r>
+            <a:r>
+              <a:rPr lang="en-US" sz="2000" baseline="0" dirty="0" err="1" smtClean="0"/>
+              <a:t>cận</a:t>
+            </a:r>
+            <a:r>
+              <a:rPr lang="en-US" sz="2000" baseline="0" dirty="0" smtClean="0"/>
+              <a:t> </a:t>
+            </a:r>
+            <a:r>
+              <a:rPr lang="en-US" sz="2000" baseline="0" dirty="0" err="1" smtClean="0"/>
+              <a:t>các</a:t>
+            </a:r>
+            <a:r>
+              <a:rPr lang="en-US" sz="2000" baseline="0" dirty="0" smtClean="0"/>
+              <a:t> </a:t>
+            </a:r>
+            <a:r>
+              <a:rPr lang="en-US" sz="2000" baseline="0" dirty="0" err="1" smtClean="0"/>
+              <a:t>chức</a:t>
+            </a:r>
+            <a:r>
+              <a:rPr lang="en-US" sz="2000" baseline="0" dirty="0" smtClean="0"/>
+              <a:t> </a:t>
+            </a:r>
+            <a:r>
+              <a:rPr lang="en-US" sz="2000" baseline="0" dirty="0" err="1" smtClean="0"/>
+              <a:t>năng</a:t>
+            </a:r>
+            <a:r>
+              <a:rPr lang="en-US" sz="2000" baseline="0" dirty="0" smtClean="0"/>
+              <a:t> </a:t>
+            </a:r>
+            <a:r>
+              <a:rPr lang="en-US" sz="2000" baseline="0" dirty="0" err="1" smtClean="0"/>
+              <a:t>cốt</a:t>
+            </a:r>
+            <a:r>
+              <a:rPr lang="en-US" sz="2000" baseline="0" dirty="0" smtClean="0"/>
+              <a:t> </a:t>
+            </a:r>
+            <a:r>
+              <a:rPr lang="en-US" sz="2000" baseline="0" dirty="0" err="1" smtClean="0"/>
+              <a:t>lỗi</a:t>
+            </a:r>
+            <a:r>
+              <a:rPr lang="en-US" sz="2000" baseline="0" dirty="0" smtClean="0"/>
+              <a:t> </a:t>
+            </a:r>
+            <a:r>
+              <a:rPr lang="en-US" sz="2000" baseline="0" dirty="0" err="1" smtClean="0"/>
+              <a:t>của</a:t>
+            </a:r>
+            <a:r>
+              <a:rPr lang="en-US" sz="2000" baseline="0" dirty="0" smtClean="0"/>
+              <a:t> </a:t>
+            </a:r>
+            <a:r>
+              <a:rPr lang="en-US" sz="2000" baseline="0" dirty="0" smtClean="0"/>
+              <a:t>website </a:t>
             </a:r>
             <a:r>
               <a:rPr lang="en-US" sz="2000" baseline="0" dirty="0" err="1" smtClean="0"/>
@@ -12967,7 +13564,7 @@
             </a:r>
             <a:r>
               <a:rPr lang="en-US" sz="2000" baseline="0" dirty="0" err="1" smtClean="0"/>
-              <a:t>ngôi</a:t>
+              <a:t>và</a:t>
             </a:r>
             <a:r>
               <a:rPr lang="en-US" sz="2000" baseline="0" dirty="0" smtClean="0"/>
@@ -12975,7 +13572,188 @@
             </a:r>
             <a:r>
               <a:rPr lang="en-US" sz="2000" baseline="0" dirty="0" err="1" smtClean="0"/>
-              <a:t>nhà</a:t>
+              <a:t>dễ</a:t>
+            </a:r>
+            <a:r>
+              <a:rPr lang="en-US" sz="2000" baseline="0" dirty="0" smtClean="0"/>
+              <a:t> </a:t>
+            </a:r>
+            <a:r>
+              <a:rPr lang="en-US" sz="2000" baseline="0" dirty="0" err="1" smtClean="0"/>
+              <a:t>dàng</a:t>
+            </a:r>
+            <a:r>
+              <a:rPr lang="en-US" sz="2000" baseline="0" dirty="0" smtClean="0"/>
+              <a:t> </a:t>
+            </a:r>
+            <a:r>
+              <a:rPr lang="en-US" sz="2000" baseline="0" dirty="0" err="1" smtClean="0"/>
+              <a:t>hơn</a:t>
+            </a:r>
+            <a:r>
+              <a:rPr lang="en-US" sz="2000" baseline="0" dirty="0" smtClean="0"/>
+              <a:t>.</a:t>
+            </a:r>
+          </a:p>
+          <a:p>
+            <a:endParaRPr lang="en-US" sz="2000" baseline="0" dirty="0" smtClean="0"/>
+          </a:p>
+          <a:p>
+            <a:r>
+              <a:rPr lang="en-US" sz="2000" baseline="0" dirty="0" err="1" smtClean="0"/>
+              <a:t>Chức</a:t>
+            </a:r>
+            <a:r>
+              <a:rPr lang="en-US" sz="2000" baseline="0" dirty="0" smtClean="0"/>
+              <a:t> </a:t>
+            </a:r>
+            <a:r>
+              <a:rPr lang="en-US" sz="2000" baseline="0" dirty="0" err="1" smtClean="0"/>
+              <a:t>năng</a:t>
+            </a:r>
+            <a:r>
+              <a:rPr lang="en-US" sz="2000" baseline="0" dirty="0" smtClean="0"/>
+              <a:t> </a:t>
+            </a:r>
+            <a:r>
+              <a:rPr lang="en-US" sz="2000" baseline="0" dirty="0" err="1" smtClean="0"/>
+              <a:t>lọc</a:t>
+            </a:r>
+            <a:r>
+              <a:rPr lang="en-US" sz="2000" baseline="0" dirty="0" smtClean="0"/>
+              <a:t> &amp; </a:t>
+            </a:r>
+            <a:r>
+              <a:rPr lang="en-US" sz="2000" baseline="0" dirty="0" err="1" smtClean="0"/>
+              <a:t>báo</a:t>
+            </a:r>
+            <a:r>
+              <a:rPr lang="en-US" sz="2000" baseline="0" dirty="0" smtClean="0"/>
+              <a:t> </a:t>
+            </a:r>
+            <a:r>
+              <a:rPr lang="en-US" sz="2000" baseline="0" dirty="0" err="1" smtClean="0"/>
+              <a:t>cáo</a:t>
+            </a:r>
+            <a:r>
+              <a:rPr lang="en-US" sz="2000" baseline="0" dirty="0" smtClean="0"/>
+              <a:t> </a:t>
+            </a:r>
+            <a:r>
+              <a:rPr lang="en-US" sz="2000" baseline="0" dirty="0" err="1" smtClean="0"/>
+              <a:t>bài</a:t>
+            </a:r>
+            <a:r>
+              <a:rPr lang="en-US" sz="2000" baseline="0" dirty="0" smtClean="0"/>
+              <a:t> post </a:t>
+            </a:r>
+            <a:r>
+              <a:rPr lang="en-US" sz="2000" baseline="0" dirty="0" err="1" smtClean="0"/>
+              <a:t>ko</a:t>
+            </a:r>
+            <a:r>
+              <a:rPr lang="en-US" sz="2000" baseline="0" dirty="0" smtClean="0"/>
+              <a:t> </a:t>
+            </a:r>
+            <a:r>
+              <a:rPr lang="en-US" sz="2000" baseline="0" dirty="0" err="1" smtClean="0"/>
+              <a:t>phù</a:t>
+            </a:r>
+            <a:r>
+              <a:rPr lang="en-US" sz="2000" baseline="0" dirty="0" smtClean="0"/>
+              <a:t> </a:t>
+            </a:r>
+            <a:r>
+              <a:rPr lang="en-US" sz="2000" baseline="0" dirty="0" err="1" smtClean="0"/>
+              <a:t>hợp</a:t>
+            </a:r>
+            <a:r>
+              <a:rPr lang="en-US" sz="2000" baseline="0" dirty="0" smtClean="0"/>
+              <a:t>: </a:t>
+            </a:r>
+            <a:r>
+              <a:rPr lang="en-US" sz="2000" baseline="0" dirty="0" err="1" smtClean="0"/>
+              <a:t>giúp</a:t>
+            </a:r>
+            <a:r>
+              <a:rPr lang="en-US" sz="2000" baseline="0" dirty="0" smtClean="0"/>
+              <a:t> </a:t>
+            </a:r>
+            <a:r>
+              <a:rPr lang="en-US" sz="2000" baseline="0" dirty="0" err="1" smtClean="0"/>
+              <a:t>loại</a:t>
+            </a:r>
+            <a:r>
+              <a:rPr lang="en-US" sz="2000" baseline="0" dirty="0" smtClean="0"/>
+              <a:t> </a:t>
+            </a:r>
+            <a:r>
+              <a:rPr lang="en-US" sz="2000" baseline="0" dirty="0" err="1" smtClean="0"/>
+              <a:t>bỏ</a:t>
+            </a:r>
+            <a:r>
+              <a:rPr lang="en-US" sz="2000" baseline="0" dirty="0" smtClean="0"/>
+              <a:t> </a:t>
+            </a:r>
+            <a:r>
+              <a:rPr lang="en-US" sz="2000" baseline="0" dirty="0" err="1" smtClean="0"/>
+              <a:t>các</a:t>
+            </a:r>
+            <a:r>
+              <a:rPr lang="en-US" sz="2000" baseline="0" dirty="0" smtClean="0"/>
+              <a:t> </a:t>
+            </a:r>
+            <a:r>
+              <a:rPr lang="en-US" sz="2000" baseline="0" dirty="0" err="1" smtClean="0"/>
+              <a:t>bài</a:t>
+            </a:r>
+            <a:r>
+              <a:rPr lang="en-US" sz="2000" baseline="0" dirty="0" smtClean="0"/>
+              <a:t> </a:t>
+            </a:r>
+            <a:r>
+              <a:rPr lang="en-US" sz="2000" baseline="0" dirty="0" err="1" smtClean="0"/>
+              <a:t>viết</a:t>
+            </a:r>
+            <a:r>
+              <a:rPr lang="en-US" sz="2000" baseline="0" dirty="0" smtClean="0"/>
+              <a:t> </a:t>
+            </a:r>
+            <a:r>
+              <a:rPr lang="en-US" sz="2000" baseline="0" dirty="0" err="1" smtClean="0"/>
+              <a:t>sai</a:t>
+            </a:r>
+            <a:r>
+              <a:rPr lang="en-US" sz="2000" baseline="0" dirty="0" smtClean="0"/>
+              <a:t> </a:t>
+            </a:r>
+            <a:r>
+              <a:rPr lang="en-US" sz="2000" baseline="0" dirty="0" err="1" smtClean="0"/>
+              <a:t>phạm</a:t>
+            </a:r>
+            <a:r>
+              <a:rPr lang="en-US" sz="2000" baseline="0" dirty="0" smtClean="0"/>
+              <a:t> hay </a:t>
+            </a:r>
+            <a:r>
+              <a:rPr lang="en-US" sz="2000" baseline="0" dirty="0" err="1" smtClean="0"/>
+              <a:t>thông</a:t>
+            </a:r>
+            <a:r>
+              <a:rPr lang="en-US" sz="2000" baseline="0" dirty="0" smtClean="0"/>
+              <a:t> tin </a:t>
+            </a:r>
+            <a:r>
+              <a:rPr lang="en-US" sz="2000" baseline="0" dirty="0" err="1" smtClean="0"/>
+              <a:t>sai</a:t>
+            </a:r>
+            <a:r>
+              <a:rPr lang="en-US" sz="2000" baseline="0" dirty="0" smtClean="0"/>
+              <a:t> </a:t>
+            </a:r>
+            <a:r>
+              <a:rPr lang="en-US" sz="2000" baseline="0" dirty="0" err="1" smtClean="0"/>
+              <a:t>lệch</a:t>
             </a:r>
             <a:r>
               <a:rPr lang="en-US" sz="2000" baseline="0" dirty="0" smtClean="0"/>
@@ -12983,7 +13761,7 @@
             </a:r>
             <a:r>
               <a:rPr lang="en-US" sz="2000" baseline="0" dirty="0" err="1" smtClean="0"/>
-              <a:t>căn</a:t>
+              <a:t>đảm</a:t>
             </a:r>
             <a:r>
               <a:rPr lang="en-US" sz="2000" baseline="0" dirty="0" smtClean="0"/>
@@ -12991,7 +13769,7 @@
             </a:r>
             <a:r>
               <a:rPr lang="en-US" sz="2000" baseline="0" dirty="0" err="1" smtClean="0"/>
-              <a:t>phòng</a:t>
+              <a:t>bảo</a:t>
             </a:r>
             <a:r>
               <a:rPr lang="en-US" sz="2000" baseline="0" dirty="0" smtClean="0"/>
@@ -12999,15 +13777,15 @@
             </a:r>
             <a:r>
               <a:rPr lang="en-US" sz="2000" baseline="0" dirty="0" err="1" smtClean="0"/>
-              <a:t>phù</a:t>
+              <a:t>độ</a:t>
             </a:r>
             <a:r>
               <a:rPr lang="en-US" sz="2000" baseline="0" dirty="0" smtClean="0"/>
-              <a:t> </a:t>
+              <a:t> tin </a:t>
             </a:r>
             <a:r>
               <a:rPr lang="en-US" sz="2000" baseline="0" dirty="0" err="1" smtClean="0"/>
-              <a:t>hợp</a:t>
+              <a:t>cậy</a:t>
             </a:r>
             <a:r>
               <a:rPr lang="en-US" sz="2000" baseline="0" dirty="0" smtClean="0"/>
@@ -13015,144 +13793,7 @@
             </a:r>
             <a:r>
               <a:rPr lang="en-US" sz="2000" baseline="0" dirty="0" err="1" smtClean="0"/>
-              <a:t>cho</a:t>
-            </a:r>
-            <a:r>
-              <a:rPr lang="en-US" sz="2000" baseline="0" dirty="0" smtClean="0"/>
-              <a:t> </a:t>
-            </a:r>
-            <a:r>
-              <a:rPr lang="en-US" sz="2000" baseline="0" dirty="0" err="1" smtClean="0"/>
-              <a:t>mình</a:t>
-            </a:r>
-            <a:r>
-              <a:rPr lang="en-US" sz="2000" baseline="0" dirty="0" smtClean="0"/>
-              <a:t> </a:t>
-            </a:r>
-          </a:p>
-          <a:p>
-            <a:endParaRPr lang="en-US" sz="2000" baseline="0" dirty="0" smtClean="0"/>
-          </a:p>
-          <a:p>
-            <a:r>
-              <a:rPr lang="en-US" sz="2000" baseline="0" dirty="0" smtClean="0"/>
-              <a:t>Advanced Search: </a:t>
-            </a:r>
-            <a:r>
-              <a:rPr lang="en-US" sz="2000" baseline="0" dirty="0" err="1" smtClean="0"/>
-              <a:t>chức</a:t>
-            </a:r>
-            <a:r>
-              <a:rPr lang="en-US" sz="2000" baseline="0" dirty="0" smtClean="0"/>
-              <a:t> </a:t>
-            </a:r>
-            <a:r>
-              <a:rPr lang="en-US" sz="2000" baseline="0" dirty="0" err="1" smtClean="0"/>
-              <a:t>năng</a:t>
-            </a:r>
-            <a:r>
-              <a:rPr lang="en-US" sz="2000" baseline="0" dirty="0" smtClean="0"/>
-              <a:t> </a:t>
-            </a:r>
-            <a:r>
-              <a:rPr lang="en-US" sz="2000" baseline="0" dirty="0" err="1" smtClean="0"/>
-              <a:t>tìm</a:t>
-            </a:r>
-            <a:r>
-              <a:rPr lang="en-US" sz="2000" baseline="0" dirty="0" smtClean="0"/>
-              <a:t> </a:t>
-            </a:r>
-            <a:r>
-              <a:rPr lang="en-US" sz="2000" baseline="0" dirty="0" err="1" smtClean="0"/>
-              <a:t>kiếm</a:t>
-            </a:r>
-            <a:r>
-              <a:rPr lang="en-US" sz="2000" baseline="0" dirty="0" smtClean="0"/>
-              <a:t> </a:t>
-            </a:r>
-            <a:r>
-              <a:rPr lang="en-US" sz="2000" baseline="0" dirty="0" err="1" smtClean="0"/>
-              <a:t>nâng</a:t>
-            </a:r>
-            <a:r>
-              <a:rPr lang="en-US" sz="2000" baseline="0" dirty="0" smtClean="0"/>
-              <a:t> </a:t>
-            </a:r>
-            <a:r>
-              <a:rPr lang="en-US" sz="2000" baseline="0" dirty="0" err="1" smtClean="0"/>
-              <a:t>cao</a:t>
-            </a:r>
-            <a:r>
-              <a:rPr lang="en-US" sz="2000" baseline="0" dirty="0" smtClean="0"/>
-              <a:t>, </a:t>
-            </a:r>
-            <a:r>
-              <a:rPr lang="en-US" sz="2000" baseline="0" dirty="0" err="1" smtClean="0"/>
-              <a:t>cung</a:t>
-            </a:r>
-            <a:r>
-              <a:rPr lang="en-US" sz="2000" baseline="0" dirty="0" smtClean="0"/>
-              <a:t> </a:t>
-            </a:r>
-            <a:r>
-              <a:rPr lang="en-US" sz="2000" baseline="0" dirty="0" err="1" smtClean="0"/>
-              <a:t>cấp</a:t>
-            </a:r>
-            <a:r>
-              <a:rPr lang="en-US" sz="2000" baseline="0" dirty="0" smtClean="0"/>
-              <a:t> </a:t>
-            </a:r>
-            <a:r>
-              <a:rPr lang="en-US" sz="2000" baseline="0" dirty="0" err="1" smtClean="0"/>
-              <a:t>thêm</a:t>
-            </a:r>
-            <a:r>
-              <a:rPr lang="en-US" sz="2000" baseline="0" dirty="0" smtClean="0"/>
-              <a:t> </a:t>
-            </a:r>
-            <a:r>
-              <a:rPr lang="en-US" sz="2000" baseline="0" dirty="0" err="1" smtClean="0"/>
-              <a:t>nhiều</a:t>
-            </a:r>
-            <a:r>
-              <a:rPr lang="en-US" sz="2000" baseline="0" dirty="0" smtClean="0"/>
-              <a:t> </a:t>
-            </a:r>
-            <a:r>
-              <a:rPr lang="en-US" sz="2000" baseline="0" dirty="0" err="1" smtClean="0"/>
-              <a:t>lựa</a:t>
-            </a:r>
-            <a:r>
-              <a:rPr lang="en-US" sz="2000" baseline="0" dirty="0" smtClean="0"/>
-              <a:t> </a:t>
-            </a:r>
-            <a:r>
-              <a:rPr lang="en-US" sz="2000" baseline="0" dirty="0" err="1" smtClean="0"/>
-              <a:t>chọn</a:t>
-            </a:r>
-            <a:r>
-              <a:rPr lang="en-US" sz="2000" baseline="0" dirty="0" smtClean="0"/>
-              <a:t> </a:t>
-            </a:r>
-            <a:r>
-              <a:rPr lang="en-US" sz="2000" baseline="0" dirty="0" err="1" smtClean="0"/>
-              <a:t>tiện</a:t>
-            </a:r>
-            <a:r>
-              <a:rPr lang="en-US" sz="2000" baseline="0" dirty="0" smtClean="0"/>
-              <a:t> </a:t>
-            </a:r>
-            <a:r>
-              <a:rPr lang="en-US" sz="2000" baseline="0" dirty="0" err="1" smtClean="0"/>
-              <a:t>nghi</a:t>
-            </a:r>
-            <a:r>
-              <a:rPr lang="en-US" sz="2000" baseline="0" dirty="0" smtClean="0"/>
-              <a:t> </a:t>
-            </a:r>
-            <a:r>
-              <a:rPr lang="en-US" sz="2000" baseline="0" dirty="0" err="1" smtClean="0"/>
-              <a:t>giúp</a:t>
+              <a:t>với</a:t>
             </a:r>
             <a:r>
               <a:rPr lang="en-US" sz="2000" baseline="0" dirty="0" smtClean="0"/>
@@ -13172,728 +13813,7 @@
             </a:r>
             <a:r>
               <a:rPr lang="en-US" sz="2000" baseline="0" dirty="0" smtClean="0"/>
-              <a:t> </a:t>
-            </a:r>
-            <a:r>
-              <a:rPr lang="en-US" sz="2000" baseline="0" dirty="0" err="1" smtClean="0"/>
-              <a:t>tìm</a:t>
-            </a:r>
-            <a:r>
-              <a:rPr lang="en-US" sz="2000" baseline="0" dirty="0" smtClean="0"/>
-              <a:t> </a:t>
-            </a:r>
-            <a:r>
-              <a:rPr lang="en-US" sz="2000" baseline="0" dirty="0" err="1" smtClean="0"/>
-              <a:t>kiếm</a:t>
-            </a:r>
-            <a:r>
-              <a:rPr lang="en-US" sz="2000" baseline="0" dirty="0" smtClean="0"/>
-              <a:t> </a:t>
-            </a:r>
-            <a:r>
-              <a:rPr lang="en-US" sz="2000" baseline="0" dirty="0" err="1" smtClean="0"/>
-              <a:t>chính</a:t>
-            </a:r>
-            <a:r>
-              <a:rPr lang="en-US" sz="2000" baseline="0" dirty="0" smtClean="0"/>
-              <a:t> </a:t>
-            </a:r>
-            <a:r>
-              <a:rPr lang="en-US" sz="2000" baseline="0" dirty="0" err="1" smtClean="0"/>
-              <a:t>xác</a:t>
-            </a:r>
-            <a:r>
-              <a:rPr lang="en-US" sz="2000" baseline="0" dirty="0" smtClean="0"/>
-              <a:t> </a:t>
-            </a:r>
-            <a:r>
-              <a:rPr lang="en-US" sz="2000" baseline="0" dirty="0" err="1" smtClean="0"/>
-              <a:t>theo</a:t>
-            </a:r>
-            <a:r>
-              <a:rPr lang="en-US" sz="2000" baseline="0" dirty="0" smtClean="0"/>
-              <a:t> </a:t>
-            </a:r>
-            <a:r>
-              <a:rPr lang="en-US" sz="2000" baseline="0" dirty="0" err="1" smtClean="0"/>
-              <a:t>nhu</a:t>
-            </a:r>
-            <a:r>
-              <a:rPr lang="en-US" sz="2000" baseline="0" dirty="0" smtClean="0"/>
-              <a:t> </a:t>
-            </a:r>
-            <a:r>
-              <a:rPr lang="en-US" sz="2000" baseline="0" dirty="0" err="1" smtClean="0"/>
-              <a:t>cầu</a:t>
-            </a:r>
-            <a:r>
-              <a:rPr lang="en-US" sz="2000" baseline="0" dirty="0" smtClean="0"/>
-              <a:t> </a:t>
-            </a:r>
-            <a:r>
-              <a:rPr lang="en-US" sz="2000" baseline="0" dirty="0" err="1" smtClean="0"/>
-              <a:t>của</a:t>
-            </a:r>
-            <a:r>
-              <a:rPr lang="en-US" sz="2000" baseline="0" dirty="0" smtClean="0"/>
-              <a:t> </a:t>
-            </a:r>
-            <a:r>
-              <a:rPr lang="en-US" sz="2000" baseline="0" dirty="0" err="1" smtClean="0"/>
-              <a:t>mình</a:t>
-            </a:r>
-            <a:r>
-              <a:rPr lang="en-US" sz="2000" baseline="0" dirty="0" smtClean="0"/>
-              <a:t> </a:t>
-            </a:r>
-            <a:r>
-              <a:rPr lang="en-US" sz="2000" baseline="0" dirty="0" err="1" smtClean="0"/>
-              <a:t>hơn</a:t>
-            </a:r>
-            <a:endParaRPr lang="en-US" sz="2000" baseline="0" dirty="0" smtClean="0"/>
-          </a:p>
-          <a:p>
-            <a:endParaRPr lang="en-US" sz="2000" baseline="0" dirty="0" smtClean="0"/>
-          </a:p>
-          <a:p>
-            <a:r>
-              <a:rPr lang="en-US" sz="2000" baseline="0" dirty="0" smtClean="0"/>
-              <a:t>Visualization: </a:t>
-            </a:r>
-            <a:r>
-              <a:rPr lang="en-US" sz="2000" baseline="0" dirty="0" err="1" smtClean="0"/>
-              <a:t>chức</a:t>
-            </a:r>
-            <a:r>
-              <a:rPr lang="en-US" sz="2000" baseline="0" dirty="0" smtClean="0"/>
-              <a:t> </a:t>
-            </a:r>
-            <a:r>
-              <a:rPr lang="en-US" sz="2000" baseline="0" dirty="0" err="1" smtClean="0"/>
-              <a:t>tương</a:t>
-            </a:r>
-            <a:r>
-              <a:rPr lang="en-US" sz="2000" baseline="0" dirty="0" smtClean="0"/>
-              <a:t> </a:t>
-            </a:r>
-            <a:r>
-              <a:rPr lang="en-US" sz="2000" baseline="0" dirty="0" err="1" smtClean="0"/>
-              <a:t>tác</a:t>
-            </a:r>
-            <a:r>
-              <a:rPr lang="en-US" sz="2000" baseline="0" dirty="0" smtClean="0"/>
-              <a:t> </a:t>
-            </a:r>
-            <a:r>
-              <a:rPr lang="en-US" sz="2000" baseline="0" dirty="0" err="1" smtClean="0"/>
-              <a:t>trực</a:t>
-            </a:r>
-            <a:r>
-              <a:rPr lang="en-US" sz="2000" baseline="0" dirty="0" smtClean="0"/>
-              <a:t> </a:t>
-            </a:r>
-            <a:r>
-              <a:rPr lang="en-US" sz="2000" baseline="0" dirty="0" err="1" smtClean="0"/>
-              <a:t>quan</a:t>
-            </a:r>
-            <a:r>
-              <a:rPr lang="en-US" sz="2000" baseline="0" dirty="0" smtClean="0"/>
-              <a:t> </a:t>
-            </a:r>
-            <a:r>
-              <a:rPr lang="en-US" sz="2000" baseline="0" dirty="0" err="1" smtClean="0"/>
-              <a:t>trên</a:t>
-            </a:r>
-            <a:r>
-              <a:rPr lang="en-US" sz="2000" baseline="0" dirty="0" smtClean="0"/>
-              <a:t> </a:t>
-            </a:r>
-            <a:r>
-              <a:rPr lang="en-US" sz="2000" baseline="0" dirty="0" err="1" smtClean="0"/>
-              <a:t>bản</a:t>
-            </a:r>
-            <a:r>
-              <a:rPr lang="en-US" sz="2000" baseline="0" dirty="0" smtClean="0"/>
-              <a:t> </a:t>
-            </a:r>
-            <a:r>
-              <a:rPr lang="en-US" sz="2000" baseline="0" dirty="0" err="1" smtClean="0"/>
-              <a:t>đồ</a:t>
-            </a:r>
-            <a:r>
-              <a:rPr lang="en-US" sz="2000" baseline="0" dirty="0" smtClean="0"/>
-              <a:t> </a:t>
-            </a:r>
-            <a:r>
-              <a:rPr lang="en-US" sz="2000" baseline="0" dirty="0" err="1" smtClean="0"/>
-              <a:t>cho</a:t>
-            </a:r>
-            <a:r>
-              <a:rPr lang="en-US" sz="2000" baseline="0" dirty="0" smtClean="0"/>
-              <a:t> </a:t>
-            </a:r>
-            <a:r>
-              <a:rPr lang="en-US" sz="2000" baseline="0" dirty="0" err="1" smtClean="0"/>
-              <a:t>người</a:t>
-            </a:r>
-            <a:r>
-              <a:rPr lang="en-US" sz="2000" baseline="0" dirty="0" smtClean="0"/>
-              <a:t> </a:t>
-            </a:r>
-            <a:r>
-              <a:rPr lang="en-US" sz="2000" baseline="0" dirty="0" err="1" smtClean="0"/>
-              <a:t>dùng</a:t>
-            </a:r>
-            <a:r>
-              <a:rPr lang="en-US" sz="2000" baseline="0" dirty="0" smtClean="0"/>
-              <a:t> </a:t>
-            </a:r>
-            <a:r>
-              <a:rPr lang="en-US" sz="2000" baseline="0" dirty="0" err="1" smtClean="0"/>
-              <a:t>giúp</a:t>
-            </a:r>
-            <a:r>
-              <a:rPr lang="en-US" sz="2000" baseline="0" dirty="0" smtClean="0"/>
-              <a:t> </a:t>
-            </a:r>
-            <a:r>
-              <a:rPr lang="en-US" sz="2000" baseline="0" dirty="0" err="1" smtClean="0"/>
-              <a:t>họ</a:t>
-            </a:r>
-            <a:r>
-              <a:rPr lang="en-US" sz="2000" baseline="0" dirty="0" smtClean="0"/>
-              <a:t> </a:t>
-            </a:r>
-            <a:r>
-              <a:rPr lang="en-US" sz="2000" baseline="0" dirty="0" err="1" smtClean="0"/>
-              <a:t>dễ</a:t>
-            </a:r>
-            <a:r>
-              <a:rPr lang="en-US" sz="2000" baseline="0" dirty="0" smtClean="0"/>
-              <a:t> </a:t>
-            </a:r>
-            <a:r>
-              <a:rPr lang="en-US" sz="2000" baseline="0" dirty="0" err="1" smtClean="0"/>
-              <a:t>dàng</a:t>
-            </a:r>
-            <a:r>
-              <a:rPr lang="en-US" sz="2000" baseline="0" dirty="0" smtClean="0"/>
-              <a:t> </a:t>
-            </a:r>
-            <a:r>
-              <a:rPr lang="en-US" sz="2000" baseline="0" dirty="0" err="1" smtClean="0"/>
-              <a:t>hình</a:t>
-            </a:r>
-            <a:r>
-              <a:rPr lang="en-US" sz="2000" baseline="0" dirty="0" smtClean="0"/>
-              <a:t> dung </a:t>
-            </a:r>
-            <a:r>
-              <a:rPr lang="en-US" sz="2000" baseline="0" dirty="0" err="1" smtClean="0"/>
-              <a:t>ra</a:t>
-            </a:r>
-            <a:r>
-              <a:rPr lang="en-US" sz="2000" baseline="0" dirty="0" smtClean="0"/>
-              <a:t> </a:t>
-            </a:r>
-            <a:r>
-              <a:rPr lang="en-US" sz="2000" baseline="0" dirty="0" err="1" smtClean="0"/>
-              <a:t>vị</a:t>
-            </a:r>
-            <a:r>
-              <a:rPr lang="en-US" sz="2000" baseline="0" dirty="0" smtClean="0"/>
-              <a:t> </a:t>
-            </a:r>
-            <a:r>
-              <a:rPr lang="en-US" sz="2000" baseline="0" dirty="0" err="1" smtClean="0"/>
-              <a:t>trí</a:t>
-            </a:r>
-            <a:r>
-              <a:rPr lang="en-US" sz="2000" baseline="0" dirty="0" smtClean="0"/>
-              <a:t> </a:t>
-            </a:r>
-            <a:r>
-              <a:rPr lang="en-US" sz="2000" baseline="0" dirty="0" err="1" smtClean="0"/>
-              <a:t>của</a:t>
-            </a:r>
-            <a:r>
-              <a:rPr lang="en-US" sz="2000" baseline="0" dirty="0" smtClean="0"/>
-              <a:t> </a:t>
-            </a:r>
-            <a:r>
-              <a:rPr lang="en-US" sz="2000" baseline="0" dirty="0" err="1" smtClean="0"/>
-              <a:t>căn</a:t>
-            </a:r>
-            <a:r>
-              <a:rPr lang="en-US" sz="2000" baseline="0" dirty="0" smtClean="0"/>
-              <a:t> </a:t>
-            </a:r>
-            <a:r>
-              <a:rPr lang="en-US" sz="2000" baseline="0" dirty="0" err="1" smtClean="0"/>
-              <a:t>nhà</a:t>
-            </a:r>
-            <a:endParaRPr lang="en-US" sz="2000" baseline="0" dirty="0" smtClean="0"/>
-          </a:p>
-          <a:p>
-            <a:endParaRPr lang="en-US" sz="2000" baseline="0" dirty="0" smtClean="0"/>
-          </a:p>
-          <a:p>
-            <a:r>
-              <a:rPr lang="en-US" sz="2000" baseline="0" dirty="0" smtClean="0"/>
-              <a:t> Simple interaction : </a:t>
-            </a:r>
-            <a:r>
-              <a:rPr lang="en-US" sz="2000" baseline="0" dirty="0" err="1" smtClean="0"/>
-              <a:t>Thiết</a:t>
-            </a:r>
-            <a:r>
-              <a:rPr lang="en-US" sz="2000" baseline="0" dirty="0" smtClean="0"/>
-              <a:t> </a:t>
-            </a:r>
-            <a:r>
-              <a:rPr lang="en-US" sz="2000" baseline="0" dirty="0" err="1" smtClean="0"/>
-              <a:t>kế</a:t>
-            </a:r>
-            <a:r>
-              <a:rPr lang="en-US" sz="2000" baseline="0" dirty="0" smtClean="0"/>
-              <a:t> </a:t>
-            </a:r>
-            <a:r>
-              <a:rPr lang="en-US" sz="2000" baseline="0" dirty="0" err="1" smtClean="0"/>
-              <a:t>sản</a:t>
-            </a:r>
-            <a:r>
-              <a:rPr lang="en-US" sz="2000" baseline="0" dirty="0" smtClean="0"/>
-              <a:t> </a:t>
-            </a:r>
-            <a:r>
-              <a:rPr lang="en-US" sz="2000" baseline="0" dirty="0" err="1" smtClean="0"/>
-              <a:t>phẩm</a:t>
-            </a:r>
-            <a:r>
-              <a:rPr lang="en-US" sz="2000" baseline="0" dirty="0" smtClean="0"/>
-              <a:t> </a:t>
-            </a:r>
-            <a:r>
-              <a:rPr lang="en-US" sz="2000" baseline="0" dirty="0" err="1" smtClean="0"/>
-              <a:t>dễ</a:t>
-            </a:r>
-            <a:r>
-              <a:rPr lang="en-US" sz="2000" baseline="0" dirty="0" smtClean="0"/>
-              <a:t> </a:t>
-            </a:r>
-            <a:r>
-              <a:rPr lang="en-US" sz="2000" baseline="0" dirty="0" err="1" smtClean="0"/>
-              <a:t>sử</a:t>
-            </a:r>
-            <a:r>
-              <a:rPr lang="en-US" sz="2000" baseline="0" dirty="0" smtClean="0"/>
-              <a:t> </a:t>
-            </a:r>
-            <a:r>
-              <a:rPr lang="en-US" sz="2000" baseline="0" dirty="0" err="1" smtClean="0"/>
-              <a:t>dụng</a:t>
-            </a:r>
-            <a:r>
-              <a:rPr lang="en-US" sz="2000" baseline="0" dirty="0" smtClean="0"/>
-              <a:t>, </a:t>
-            </a:r>
-            <a:r>
-              <a:rPr lang="en-US" sz="2000" baseline="0" dirty="0" err="1" smtClean="0"/>
-              <a:t>giúp</a:t>
-            </a:r>
-            <a:r>
-              <a:rPr lang="en-US" sz="2000" baseline="0" dirty="0" smtClean="0"/>
-              <a:t> </a:t>
-            </a:r>
-            <a:r>
-              <a:rPr lang="en-US" sz="2000" baseline="0" dirty="0" err="1" smtClean="0"/>
-              <a:t>người</a:t>
-            </a:r>
-            <a:r>
-              <a:rPr lang="en-US" sz="2000" baseline="0" dirty="0" smtClean="0"/>
-              <a:t> </a:t>
-            </a:r>
-            <a:r>
-              <a:rPr lang="en-US" sz="2000" baseline="0" dirty="0" err="1" smtClean="0"/>
-              <a:t>dùng</a:t>
-            </a:r>
-            <a:r>
-              <a:rPr lang="en-US" sz="2000" baseline="0" dirty="0" smtClean="0"/>
-              <a:t> </a:t>
-            </a:r>
-            <a:r>
-              <a:rPr lang="en-US" sz="2000" baseline="0" dirty="0" err="1" smtClean="0"/>
-              <a:t>có</a:t>
-            </a:r>
-            <a:r>
-              <a:rPr lang="en-US" sz="2000" baseline="0" dirty="0" smtClean="0"/>
-              <a:t> </a:t>
-            </a:r>
-            <a:r>
-              <a:rPr lang="en-US" sz="2000" baseline="0" dirty="0" err="1" smtClean="0"/>
-              <a:t>thể</a:t>
-            </a:r>
-            <a:r>
-              <a:rPr lang="en-US" sz="2000" baseline="0" dirty="0" smtClean="0"/>
-              <a:t> </a:t>
-            </a:r>
-            <a:r>
-              <a:rPr lang="en-US" sz="2000" baseline="0" dirty="0" err="1" smtClean="0"/>
-              <a:t>tiếp</a:t>
-            </a:r>
-            <a:r>
-              <a:rPr lang="en-US" sz="2000" baseline="0" dirty="0" smtClean="0"/>
-              <a:t> </a:t>
-            </a:r>
-            <a:r>
-              <a:rPr lang="en-US" sz="2000" baseline="0" dirty="0" err="1" smtClean="0"/>
-              <a:t>cận</a:t>
-            </a:r>
-            <a:r>
-              <a:rPr lang="en-US" sz="2000" baseline="0" dirty="0" smtClean="0"/>
-              <a:t> </a:t>
-            </a:r>
-            <a:r>
-              <a:rPr lang="en-US" sz="2000" baseline="0" dirty="0" err="1" smtClean="0"/>
-              <a:t>các</a:t>
-            </a:r>
-            <a:r>
-              <a:rPr lang="en-US" sz="2000" baseline="0" dirty="0" smtClean="0"/>
-              <a:t> </a:t>
-            </a:r>
-            <a:r>
-              <a:rPr lang="en-US" sz="2000" baseline="0" dirty="0" err="1" smtClean="0"/>
-              <a:t>chức</a:t>
-            </a:r>
-            <a:r>
-              <a:rPr lang="en-US" sz="2000" baseline="0" dirty="0" smtClean="0"/>
-              <a:t> </a:t>
-            </a:r>
-            <a:r>
-              <a:rPr lang="en-US" sz="2000" baseline="0" dirty="0" err="1" smtClean="0"/>
-              <a:t>năng</a:t>
-            </a:r>
-            <a:r>
-              <a:rPr lang="en-US" sz="2000" baseline="0" dirty="0" smtClean="0"/>
-              <a:t> </a:t>
-            </a:r>
-            <a:r>
-              <a:rPr lang="en-US" sz="2000" baseline="0" dirty="0" err="1" smtClean="0"/>
-              <a:t>cốt</a:t>
-            </a:r>
-            <a:r>
-              <a:rPr lang="en-US" sz="2000" baseline="0" dirty="0" smtClean="0"/>
-              <a:t> </a:t>
-            </a:r>
-            <a:r>
-              <a:rPr lang="en-US" sz="2000" baseline="0" dirty="0" err="1" smtClean="0"/>
-              <a:t>lỗi</a:t>
-            </a:r>
-            <a:r>
-              <a:rPr lang="en-US" sz="2000" baseline="0" dirty="0" smtClean="0"/>
-              <a:t> </a:t>
-            </a:r>
-            <a:r>
-              <a:rPr lang="en-US" sz="2000" baseline="0" dirty="0" err="1" smtClean="0"/>
-              <a:t>của</a:t>
-            </a:r>
-            <a:r>
-              <a:rPr lang="en-US" sz="2000" baseline="0" dirty="0" smtClean="0"/>
-              <a:t> website 1 </a:t>
-            </a:r>
-            <a:r>
-              <a:rPr lang="en-US" sz="2000" baseline="0" dirty="0" err="1" smtClean="0"/>
-              <a:t>cách</a:t>
-            </a:r>
-            <a:r>
-              <a:rPr lang="en-US" sz="2000" baseline="0" dirty="0" smtClean="0"/>
-              <a:t> </a:t>
-            </a:r>
-            <a:r>
-              <a:rPr lang="en-US" sz="2000" baseline="0" dirty="0" err="1" smtClean="0"/>
-              <a:t>nhanh</a:t>
-            </a:r>
-            <a:r>
-              <a:rPr lang="en-US" sz="2000" baseline="0" dirty="0" smtClean="0"/>
-              <a:t> </a:t>
-            </a:r>
-            <a:r>
-              <a:rPr lang="en-US" sz="2000" baseline="0" dirty="0" err="1" smtClean="0"/>
-              <a:t>chóng</a:t>
-            </a:r>
-            <a:r>
-              <a:rPr lang="en-US" sz="2000" baseline="0" dirty="0" smtClean="0"/>
-              <a:t> </a:t>
-            </a:r>
-            <a:r>
-              <a:rPr lang="en-US" sz="2000" baseline="0" dirty="0" err="1" smtClean="0"/>
-              <a:t>và</a:t>
-            </a:r>
-            <a:r>
-              <a:rPr lang="en-US" sz="2000" baseline="0" dirty="0" smtClean="0"/>
-              <a:t> </a:t>
-            </a:r>
-            <a:r>
-              <a:rPr lang="en-US" sz="2000" baseline="0" dirty="0" err="1" smtClean="0"/>
-              <a:t>dễ</a:t>
-            </a:r>
-            <a:r>
-              <a:rPr lang="en-US" sz="2000" baseline="0" dirty="0" smtClean="0"/>
-              <a:t> </a:t>
-            </a:r>
-            <a:r>
-              <a:rPr lang="en-US" sz="2000" baseline="0" dirty="0" err="1" smtClean="0"/>
-              <a:t>dàng</a:t>
-            </a:r>
-            <a:r>
-              <a:rPr lang="en-US" sz="2000" baseline="0" dirty="0" smtClean="0"/>
-              <a:t> </a:t>
-            </a:r>
-            <a:r>
-              <a:rPr lang="en-US" sz="2000" baseline="0" dirty="0" err="1" smtClean="0"/>
-              <a:t>hơn</a:t>
-            </a:r>
-            <a:r>
-              <a:rPr lang="en-US" sz="2000" baseline="0" dirty="0" smtClean="0"/>
               <a:t>.</a:t>
-            </a:r>
-          </a:p>
-          <a:p>
-            <a:endParaRPr lang="en-US" sz="2000" baseline="0" dirty="0" smtClean="0"/>
-          </a:p>
-          <a:p>
-            <a:r>
-              <a:rPr lang="en-US" sz="2000" baseline="0" dirty="0" smtClean="0"/>
-              <a:t>- </a:t>
-            </a:r>
-            <a:r>
-              <a:rPr lang="en-US" sz="2000" baseline="0" dirty="0" err="1" smtClean="0"/>
-              <a:t>Chức</a:t>
-            </a:r>
-            <a:r>
-              <a:rPr lang="en-US" sz="2000" baseline="0" dirty="0" smtClean="0"/>
-              <a:t> </a:t>
-            </a:r>
-            <a:r>
-              <a:rPr lang="en-US" sz="2000" baseline="0" dirty="0" err="1" smtClean="0"/>
-              <a:t>năng</a:t>
-            </a:r>
-            <a:r>
-              <a:rPr lang="en-US" sz="2000" baseline="0" dirty="0" smtClean="0"/>
-              <a:t> </a:t>
-            </a:r>
-            <a:r>
-              <a:rPr lang="en-US" sz="2000" baseline="0" dirty="0" err="1" smtClean="0"/>
-              <a:t>lọc</a:t>
-            </a:r>
-            <a:r>
-              <a:rPr lang="en-US" sz="2000" baseline="0" dirty="0" smtClean="0"/>
-              <a:t> &amp; </a:t>
-            </a:r>
-            <a:r>
-              <a:rPr lang="en-US" sz="2000" baseline="0" dirty="0" err="1" smtClean="0"/>
-              <a:t>báo</a:t>
-            </a:r>
-            <a:r>
-              <a:rPr lang="en-US" sz="2000" baseline="0" dirty="0" smtClean="0"/>
-              <a:t> </a:t>
-            </a:r>
-            <a:r>
-              <a:rPr lang="en-US" sz="2000" baseline="0" dirty="0" err="1" smtClean="0"/>
-              <a:t>cáo</a:t>
-            </a:r>
-            <a:r>
-              <a:rPr lang="en-US" sz="2000" baseline="0" dirty="0" smtClean="0"/>
-              <a:t> </a:t>
-            </a:r>
-            <a:r>
-              <a:rPr lang="en-US" sz="2000" baseline="0" dirty="0" err="1" smtClean="0"/>
-              <a:t>bài</a:t>
-            </a:r>
-            <a:r>
-              <a:rPr lang="en-US" sz="2000" baseline="0" dirty="0" smtClean="0"/>
-              <a:t> post </a:t>
-            </a:r>
-            <a:r>
-              <a:rPr lang="en-US" sz="2000" baseline="0" dirty="0" err="1" smtClean="0"/>
-              <a:t>ko</a:t>
-            </a:r>
-            <a:r>
-              <a:rPr lang="en-US" sz="2000" baseline="0" dirty="0" smtClean="0"/>
-              <a:t> </a:t>
-            </a:r>
-            <a:r>
-              <a:rPr lang="en-US" sz="2000" baseline="0" dirty="0" err="1" smtClean="0"/>
-              <a:t>phù</a:t>
-            </a:r>
-            <a:r>
-              <a:rPr lang="en-US" sz="2000" baseline="0" dirty="0" smtClean="0"/>
-              <a:t> </a:t>
-            </a:r>
-            <a:r>
-              <a:rPr lang="en-US" sz="2000" baseline="0" dirty="0" err="1" smtClean="0"/>
-              <a:t>hợp</a:t>
-            </a:r>
-            <a:r>
-              <a:rPr lang="en-US" sz="2000" baseline="0" dirty="0" smtClean="0"/>
-              <a:t>: </a:t>
-            </a:r>
-            <a:r>
-              <a:rPr lang="en-US" sz="2000" baseline="0" dirty="0" err="1" smtClean="0"/>
-              <a:t>giúp</a:t>
-            </a:r>
-            <a:r>
-              <a:rPr lang="en-US" sz="2000" baseline="0" dirty="0" smtClean="0"/>
-              <a:t> </a:t>
-            </a:r>
-            <a:r>
-              <a:rPr lang="en-US" sz="2000" baseline="0" dirty="0" err="1" smtClean="0"/>
-              <a:t>loại</a:t>
-            </a:r>
-            <a:r>
-              <a:rPr lang="en-US" sz="2000" baseline="0" dirty="0" smtClean="0"/>
-              <a:t> </a:t>
-            </a:r>
-            <a:r>
-              <a:rPr lang="en-US" sz="2000" baseline="0" dirty="0" err="1" smtClean="0"/>
-              <a:t>bỏ</a:t>
-            </a:r>
-            <a:r>
-              <a:rPr lang="en-US" sz="2000" baseline="0" dirty="0" smtClean="0"/>
-              <a:t> </a:t>
-            </a:r>
-            <a:r>
-              <a:rPr lang="en-US" sz="2000" baseline="0" dirty="0" err="1" smtClean="0"/>
-              <a:t>các</a:t>
-            </a:r>
-            <a:r>
-              <a:rPr lang="en-US" sz="2000" baseline="0" dirty="0" smtClean="0"/>
-              <a:t> </a:t>
-            </a:r>
-            <a:r>
-              <a:rPr lang="en-US" sz="2000" baseline="0" dirty="0" err="1" smtClean="0"/>
-              <a:t>bài</a:t>
-            </a:r>
-            <a:r>
-              <a:rPr lang="en-US" sz="2000" baseline="0" dirty="0" smtClean="0"/>
-              <a:t> </a:t>
-            </a:r>
-            <a:r>
-              <a:rPr lang="en-US" sz="2000" baseline="0" dirty="0" err="1" smtClean="0"/>
-              <a:t>viết</a:t>
-            </a:r>
-            <a:r>
-              <a:rPr lang="en-US" sz="2000" baseline="0" dirty="0" smtClean="0"/>
-              <a:t> </a:t>
-            </a:r>
-            <a:r>
-              <a:rPr lang="en-US" sz="2000" baseline="0" dirty="0" err="1" smtClean="0"/>
-              <a:t>sai</a:t>
-            </a:r>
-            <a:r>
-              <a:rPr lang="en-US" sz="2000" baseline="0" dirty="0" smtClean="0"/>
-              <a:t> </a:t>
-            </a:r>
-            <a:r>
-              <a:rPr lang="en-US" sz="2000" baseline="0" dirty="0" err="1" smtClean="0"/>
-              <a:t>phạm</a:t>
-            </a:r>
-            <a:r>
-              <a:rPr lang="en-US" sz="2000" baseline="0" dirty="0" smtClean="0"/>
-              <a:t>, </a:t>
-            </a:r>
-            <a:r>
-              <a:rPr lang="en-US" sz="2000" baseline="0" dirty="0" err="1" smtClean="0"/>
-              <a:t>không</a:t>
-            </a:r>
-            <a:r>
-              <a:rPr lang="en-US" sz="2000" baseline="0" dirty="0" smtClean="0"/>
-              <a:t> </a:t>
-            </a:r>
-            <a:r>
-              <a:rPr lang="en-US" sz="2000" baseline="0" dirty="0" err="1" smtClean="0"/>
-              <a:t>phù</a:t>
-            </a:r>
-            <a:r>
-              <a:rPr lang="en-US" sz="2000" baseline="0" dirty="0" smtClean="0"/>
-              <a:t> </a:t>
-            </a:r>
-            <a:r>
-              <a:rPr lang="en-US" sz="2000" baseline="0" dirty="0" err="1" smtClean="0"/>
-              <a:t>hợp</a:t>
-            </a:r>
-            <a:r>
-              <a:rPr lang="en-US" sz="2000" baseline="0" dirty="0" smtClean="0"/>
-              <a:t>, </a:t>
-            </a:r>
-            <a:r>
-              <a:rPr lang="en-US" sz="2000" baseline="0" dirty="0" err="1" smtClean="0"/>
-              <a:t>thông</a:t>
-            </a:r>
-            <a:r>
-              <a:rPr lang="en-US" sz="2000" baseline="0" dirty="0" smtClean="0"/>
-              <a:t> tin </a:t>
-            </a:r>
-            <a:r>
-              <a:rPr lang="en-US" sz="2000" baseline="0" dirty="0" err="1" smtClean="0"/>
-              <a:t>sai</a:t>
-            </a:r>
-            <a:r>
-              <a:rPr lang="en-US" sz="2000" baseline="0" dirty="0" smtClean="0"/>
-              <a:t> </a:t>
-            </a:r>
-            <a:r>
-              <a:rPr lang="en-US" sz="2000" baseline="0" dirty="0" err="1" smtClean="0"/>
-              <a:t>lệch</a:t>
-            </a:r>
-            <a:r>
-              <a:rPr lang="en-US" sz="2000" baseline="0" dirty="0" smtClean="0"/>
-              <a:t>, </a:t>
-            </a:r>
-            <a:r>
-              <a:rPr lang="en-US" sz="2000" baseline="0" dirty="0" err="1" smtClean="0"/>
-              <a:t>tăng</a:t>
-            </a:r>
-            <a:r>
-              <a:rPr lang="en-US" sz="2000" baseline="0" dirty="0" smtClean="0"/>
-              <a:t> </a:t>
-            </a:r>
-            <a:r>
-              <a:rPr lang="en-US" sz="2000" baseline="0" dirty="0" err="1" smtClean="0"/>
-              <a:t>sự</a:t>
-            </a:r>
-            <a:r>
-              <a:rPr lang="en-US" sz="2000" baseline="0" dirty="0" smtClean="0"/>
-              <a:t> tin </a:t>
-            </a:r>
-            <a:r>
-              <a:rPr lang="en-US" sz="2000" baseline="0" dirty="0" err="1" smtClean="0"/>
-              <a:t>tưởng</a:t>
-            </a:r>
-            <a:r>
-              <a:rPr lang="en-US" sz="2000" baseline="0" dirty="0" smtClean="0"/>
-              <a:t> </a:t>
-            </a:r>
-            <a:r>
-              <a:rPr lang="en-US" sz="2000" baseline="0" dirty="0" err="1" smtClean="0"/>
-              <a:t>cho</a:t>
-            </a:r>
-            <a:r>
-              <a:rPr lang="en-US" sz="2000" baseline="0" dirty="0" smtClean="0"/>
-              <a:t> </a:t>
-            </a:r>
-            <a:r>
-              <a:rPr lang="en-US" sz="2000" baseline="0" dirty="0" err="1" smtClean="0"/>
-              <a:t>người</a:t>
-            </a:r>
-            <a:r>
-              <a:rPr lang="en-US" sz="2000" baseline="0" dirty="0" smtClean="0"/>
-              <a:t> </a:t>
-            </a:r>
-            <a:r>
-              <a:rPr lang="en-US" sz="2000" baseline="0" dirty="0" err="1" smtClean="0"/>
-              <a:t>dùng</a:t>
             </a:r>
             <a:endParaRPr lang="en-US" sz="2000" baseline="0" dirty="0" smtClean="0"/>
           </a:p>
@@ -16451,6 +16371,393 @@
             </a:r>
             <a:r>
               <a:rPr lang="en-US" baseline="0" dirty="0" smtClean="0"/>
+              <a:t>: </a:t>
+            </a:r>
+            <a:r>
+              <a:rPr lang="en-US" baseline="0" dirty="0" err="1" smtClean="0"/>
+              <a:t>giới</a:t>
+            </a:r>
+            <a:r>
+              <a:rPr lang="en-US" baseline="0" dirty="0" smtClean="0"/>
+              <a:t> </a:t>
+            </a:r>
+            <a:r>
+              <a:rPr lang="en-US" baseline="0" dirty="0" err="1" smtClean="0"/>
+              <a:t>thiệu</a:t>
+            </a:r>
+            <a:r>
+              <a:rPr lang="en-US" baseline="0" dirty="0" smtClean="0"/>
+              <a:t> </a:t>
+            </a:r>
+            <a:r>
+              <a:rPr lang="en-US" baseline="0" dirty="0" err="1" smtClean="0"/>
+              <a:t>chung</a:t>
+            </a:r>
+            <a:r>
+              <a:rPr lang="en-US" baseline="0" dirty="0" smtClean="0"/>
+              <a:t> </a:t>
+            </a:r>
+            <a:r>
+              <a:rPr lang="en-US" baseline="0" dirty="0" err="1" smtClean="0"/>
+              <a:t>đồ</a:t>
+            </a:r>
+            <a:r>
+              <a:rPr lang="en-US" baseline="0" dirty="0" smtClean="0"/>
+              <a:t> </a:t>
+            </a:r>
+            <a:r>
+              <a:rPr lang="en-US" baseline="0" dirty="0" err="1" smtClean="0"/>
+              <a:t>án</a:t>
+            </a:r>
+            <a:endParaRPr lang="en-US" baseline="0" dirty="0" smtClean="0"/>
+          </a:p>
+          <a:p>
+            <a:r>
+              <a:rPr lang="en-US" baseline="0" dirty="0" err="1" smtClean="0"/>
+              <a:t>Phần</a:t>
+            </a:r>
+            <a:r>
+              <a:rPr lang="en-US" baseline="0" dirty="0" smtClean="0"/>
+              <a:t> 2: </a:t>
+            </a:r>
+            <a:r>
+              <a:rPr lang="en-US" baseline="0" dirty="0" err="1" smtClean="0"/>
+              <a:t>kế</a:t>
+            </a:r>
+            <a:r>
+              <a:rPr lang="en-US" baseline="0" dirty="0" smtClean="0"/>
+              <a:t> </a:t>
+            </a:r>
+            <a:r>
+              <a:rPr lang="en-US" baseline="0" dirty="0" err="1" smtClean="0"/>
+              <a:t>hoạch</a:t>
+            </a:r>
+            <a:r>
+              <a:rPr lang="en-US" baseline="0" dirty="0" smtClean="0"/>
+              <a:t> </a:t>
+            </a:r>
+            <a:r>
+              <a:rPr lang="en-US" baseline="0" dirty="0" err="1" smtClean="0"/>
+              <a:t>triển</a:t>
+            </a:r>
+            <a:r>
+              <a:rPr lang="en-US" baseline="0" dirty="0" smtClean="0"/>
+              <a:t> </a:t>
+            </a:r>
+            <a:r>
+              <a:rPr lang="en-US" baseline="0" dirty="0" err="1" smtClean="0"/>
+              <a:t>khai</a:t>
+            </a:r>
+            <a:r>
+              <a:rPr lang="en-US" baseline="0" dirty="0" smtClean="0"/>
+              <a:t> </a:t>
+            </a:r>
+            <a:r>
+              <a:rPr lang="en-US" baseline="0" dirty="0" err="1" smtClean="0"/>
+              <a:t>đồ</a:t>
+            </a:r>
+            <a:r>
+              <a:rPr lang="en-US" baseline="0" dirty="0" smtClean="0"/>
+              <a:t> </a:t>
+            </a:r>
+            <a:r>
+              <a:rPr lang="en-US" baseline="0" dirty="0" err="1" smtClean="0"/>
+              <a:t>án</a:t>
+            </a:r>
+            <a:endParaRPr lang="en-US" baseline="0" dirty="0" smtClean="0"/>
+          </a:p>
+          <a:p>
+            <a:r>
+              <a:rPr lang="en-US" baseline="0" dirty="0" err="1" smtClean="0"/>
+              <a:t>Phần</a:t>
+            </a:r>
+            <a:r>
+              <a:rPr lang="en-US" baseline="0" dirty="0" smtClean="0"/>
+              <a:t> 3 :</a:t>
+            </a:r>
+            <a:r>
+              <a:rPr lang="en-US" baseline="0" dirty="0" err="1" smtClean="0"/>
+              <a:t>đặc</a:t>
+            </a:r>
+            <a:r>
+              <a:rPr lang="en-US" baseline="0" dirty="0" smtClean="0"/>
+              <a:t> </a:t>
+            </a:r>
+            <a:r>
+              <a:rPr lang="en-US" baseline="0" dirty="0" err="1" smtClean="0"/>
+              <a:t>tả</a:t>
+            </a:r>
+            <a:r>
+              <a:rPr lang="en-US" baseline="0" dirty="0" smtClean="0"/>
+              <a:t> chi </a:t>
+            </a:r>
+            <a:r>
+              <a:rPr lang="en-US" baseline="0" dirty="0" err="1" smtClean="0"/>
+              <a:t>tiết</a:t>
+            </a:r>
+            <a:r>
+              <a:rPr lang="en-US" baseline="0" dirty="0" smtClean="0"/>
+              <a:t> </a:t>
+            </a:r>
+            <a:r>
+              <a:rPr lang="en-US" baseline="0" dirty="0" err="1" smtClean="0"/>
+              <a:t>yêu</a:t>
+            </a:r>
+            <a:r>
+              <a:rPr lang="en-US" baseline="0" dirty="0" smtClean="0"/>
+              <a:t> </a:t>
+            </a:r>
+            <a:r>
+              <a:rPr lang="en-US" baseline="0" dirty="0" err="1" smtClean="0"/>
+              <a:t>cầu</a:t>
+            </a:r>
+            <a:r>
+              <a:rPr lang="en-US" baseline="0" dirty="0" smtClean="0"/>
+              <a:t> </a:t>
+            </a:r>
+            <a:r>
+              <a:rPr lang="en-US" baseline="0" dirty="0" err="1" smtClean="0"/>
+              <a:t>phần</a:t>
+            </a:r>
+            <a:r>
+              <a:rPr lang="en-US" baseline="0" dirty="0" smtClean="0"/>
+              <a:t> </a:t>
+            </a:r>
+            <a:r>
+              <a:rPr lang="en-US" baseline="0" dirty="0" err="1" smtClean="0"/>
+              <a:t>mềm</a:t>
+            </a:r>
+            <a:endParaRPr lang="en-US" baseline="0" dirty="0" smtClean="0"/>
+          </a:p>
+          <a:p>
+            <a:r>
+              <a:rPr lang="en-US" baseline="0" dirty="0" smtClean="0"/>
+              <a:t>Ở </a:t>
+            </a:r>
+            <a:r>
+              <a:rPr lang="en-US" baseline="0" dirty="0" err="1" smtClean="0"/>
+              <a:t>phần</a:t>
+            </a:r>
+            <a:r>
+              <a:rPr lang="en-US" baseline="0" dirty="0" smtClean="0"/>
+              <a:t> </a:t>
+            </a:r>
+            <a:r>
+              <a:rPr lang="en-US" baseline="0" dirty="0" smtClean="0"/>
+              <a:t>4, ta </a:t>
+            </a:r>
+            <a:r>
+              <a:rPr lang="en-US" baseline="0" dirty="0" err="1" smtClean="0"/>
+              <a:t>sẽ</a:t>
+            </a:r>
+            <a:r>
+              <a:rPr lang="en-US" baseline="0" dirty="0" smtClean="0"/>
+              <a:t> </a:t>
+            </a:r>
+            <a:r>
+              <a:rPr lang="en-US" baseline="0" dirty="0" err="1" smtClean="0"/>
+              <a:t>đi</a:t>
+            </a:r>
+            <a:r>
+              <a:rPr lang="en-US" baseline="0" dirty="0" smtClean="0"/>
+              <a:t> </a:t>
+            </a:r>
+            <a:r>
+              <a:rPr lang="en-US" baseline="0" dirty="0" err="1" smtClean="0"/>
+              <a:t>vào</a:t>
+            </a:r>
+            <a:r>
+              <a:rPr lang="en-US" baseline="0" dirty="0" smtClean="0"/>
+              <a:t> </a:t>
+            </a:r>
+            <a:r>
+              <a:rPr lang="en-US" baseline="0" dirty="0" err="1" smtClean="0"/>
+              <a:t>thiết</a:t>
+            </a:r>
+            <a:r>
+              <a:rPr lang="en-US" baseline="0" dirty="0" smtClean="0"/>
+              <a:t> </a:t>
+            </a:r>
+            <a:r>
+              <a:rPr lang="en-US" baseline="0" dirty="0" err="1" smtClean="0"/>
+              <a:t>kế</a:t>
+            </a:r>
+            <a:r>
+              <a:rPr lang="en-US" baseline="0" dirty="0" smtClean="0"/>
+              <a:t> chi </a:t>
+            </a:r>
+            <a:r>
+              <a:rPr lang="en-US" baseline="0" dirty="0" err="1" smtClean="0"/>
+              <a:t>tiết</a:t>
+            </a:r>
+            <a:r>
+              <a:rPr lang="en-US" baseline="0" dirty="0" smtClean="0"/>
+              <a:t> </a:t>
+            </a:r>
+            <a:r>
+              <a:rPr lang="en-US" baseline="0" dirty="0" err="1" smtClean="0"/>
+              <a:t>của</a:t>
+            </a:r>
+            <a:r>
+              <a:rPr lang="en-US" baseline="0" dirty="0" smtClean="0"/>
+              <a:t> </a:t>
+            </a:r>
+            <a:r>
+              <a:rPr lang="en-US" baseline="0" dirty="0" err="1" smtClean="0"/>
+              <a:t>phần</a:t>
+            </a:r>
+            <a:r>
+              <a:rPr lang="en-US" baseline="0" dirty="0" smtClean="0"/>
+              <a:t> </a:t>
+            </a:r>
+            <a:r>
+              <a:rPr lang="en-US" baseline="0" dirty="0" err="1" smtClean="0"/>
+              <a:t>mềm</a:t>
+            </a:r>
+            <a:endParaRPr lang="en-US" baseline="0" dirty="0" smtClean="0"/>
+          </a:p>
+          <a:p>
+            <a:r>
+              <a:rPr lang="en-US" baseline="0" dirty="0" err="1" smtClean="0"/>
+              <a:t>Trong</a:t>
+            </a:r>
+            <a:r>
+              <a:rPr lang="en-US" baseline="0" dirty="0" smtClean="0"/>
+              <a:t> </a:t>
+            </a:r>
+            <a:r>
+              <a:rPr lang="en-US" baseline="0" dirty="0" err="1" smtClean="0"/>
+              <a:t>phần</a:t>
+            </a:r>
+            <a:r>
+              <a:rPr lang="en-US" baseline="0" dirty="0" smtClean="0"/>
+              <a:t> 5 </a:t>
+            </a:r>
+            <a:r>
+              <a:rPr lang="en-US" baseline="0" dirty="0" err="1" smtClean="0"/>
+              <a:t>chúng</a:t>
+            </a:r>
+            <a:r>
+              <a:rPr lang="en-US" baseline="0" dirty="0" smtClean="0"/>
+              <a:t> ta </a:t>
+            </a:r>
+            <a:r>
+              <a:rPr lang="en-US" baseline="0" dirty="0" err="1" smtClean="0"/>
+              <a:t>sẽ</a:t>
+            </a:r>
+            <a:r>
+              <a:rPr lang="en-US" baseline="0" dirty="0" smtClean="0"/>
+              <a:t> </a:t>
+            </a:r>
+            <a:r>
+              <a:rPr lang="en-US" baseline="0" dirty="0" err="1" smtClean="0"/>
+              <a:t>đến</a:t>
+            </a:r>
+            <a:r>
+              <a:rPr lang="en-US" baseline="0" dirty="0" smtClean="0"/>
+              <a:t> </a:t>
+            </a:r>
+            <a:r>
+              <a:rPr lang="en-US" baseline="0" dirty="0" err="1" smtClean="0"/>
+              <a:t>với</a:t>
+            </a:r>
+            <a:r>
+              <a:rPr lang="en-US" baseline="0" dirty="0" smtClean="0"/>
+              <a:t> </a:t>
+            </a:r>
+            <a:r>
+              <a:rPr lang="en-US" baseline="0" dirty="0" err="1" smtClean="0"/>
+              <a:t>các</a:t>
+            </a:r>
+            <a:r>
+              <a:rPr lang="en-US" baseline="0" dirty="0" smtClean="0"/>
+              <a:t> </a:t>
+            </a:r>
+            <a:r>
+              <a:rPr lang="en-US" baseline="0" dirty="0" err="1" smtClean="0"/>
+              <a:t>hoạt</a:t>
+            </a:r>
+            <a:r>
+              <a:rPr lang="en-US" baseline="0" dirty="0" smtClean="0"/>
+              <a:t> </a:t>
+            </a:r>
+            <a:r>
+              <a:rPr lang="en-US" baseline="0" dirty="0" err="1" smtClean="0"/>
+              <a:t>động</a:t>
+            </a:r>
+            <a:r>
+              <a:rPr lang="en-US" baseline="0" dirty="0" smtClean="0"/>
+              <a:t> </a:t>
+            </a:r>
+            <a:r>
+              <a:rPr lang="en-US" baseline="0" dirty="0" err="1" smtClean="0"/>
+              <a:t>đảm</a:t>
+            </a:r>
+            <a:r>
+              <a:rPr lang="en-US" baseline="0" dirty="0" smtClean="0"/>
+              <a:t> </a:t>
+            </a:r>
+            <a:r>
+              <a:rPr lang="en-US" baseline="0" dirty="0" err="1" smtClean="0"/>
+              <a:t>bảo</a:t>
+            </a:r>
+            <a:r>
+              <a:rPr lang="en-US" baseline="0" dirty="0" smtClean="0"/>
+              <a:t> </a:t>
+            </a:r>
+            <a:r>
+              <a:rPr lang="en-US" baseline="0" dirty="0" err="1" smtClean="0"/>
+              <a:t>chất</a:t>
+            </a:r>
+            <a:r>
+              <a:rPr lang="en-US" baseline="0" dirty="0" smtClean="0"/>
+              <a:t> </a:t>
+            </a:r>
+            <a:r>
+              <a:rPr lang="en-US" baseline="0" dirty="0" err="1" smtClean="0"/>
+              <a:t>lượng</a:t>
+            </a:r>
+            <a:r>
+              <a:rPr lang="en-US" baseline="0" dirty="0" smtClean="0"/>
+              <a:t> </a:t>
+            </a:r>
+            <a:r>
+              <a:rPr lang="en-US" baseline="0" dirty="0" err="1" smtClean="0"/>
+              <a:t>của</a:t>
+            </a:r>
+            <a:r>
+              <a:rPr lang="en-US" baseline="0" dirty="0" smtClean="0"/>
+              <a:t> </a:t>
+            </a:r>
+            <a:r>
+              <a:rPr lang="en-US" baseline="0" dirty="0" err="1" smtClean="0"/>
+              <a:t>phần</a:t>
+            </a:r>
+            <a:r>
+              <a:rPr lang="en-US" baseline="0" dirty="0" smtClean="0"/>
+              <a:t> </a:t>
+            </a:r>
+            <a:r>
+              <a:rPr lang="en-US" baseline="0" dirty="0" err="1" smtClean="0"/>
+              <a:t>mềm</a:t>
+            </a:r>
+            <a:endParaRPr lang="en-US" baseline="0" dirty="0" smtClean="0"/>
+          </a:p>
+          <a:p>
+            <a:r>
+              <a:rPr lang="en-US" baseline="0" dirty="0" err="1" smtClean="0"/>
+              <a:t>Cuối</a:t>
+            </a:r>
+            <a:r>
+              <a:rPr lang="en-US" baseline="0" dirty="0" smtClean="0"/>
+              <a:t> </a:t>
+            </a:r>
+            <a:r>
+              <a:rPr lang="en-US" baseline="0" dirty="0" err="1" smtClean="0"/>
+              <a:t>cùng</a:t>
+            </a:r>
+            <a:r>
+              <a:rPr lang="en-US" baseline="0" dirty="0" smtClean="0"/>
               <a:t> </a:t>
             </a:r>
             <a:r>
@@ -16459,7 +16766,7 @@
             </a:r>
             <a:r>
               <a:rPr lang="en-US" baseline="0" dirty="0" smtClean="0"/>
-              <a:t> </a:t>
+              <a:t> 1 </a:t>
             </a:r>
             <a:r>
               <a:rPr lang="en-US" baseline="0" dirty="0" err="1" smtClean="0"/>
@@ -16471,7 +16778,7 @@
             </a:r>
             <a:r>
               <a:rPr lang="en-US" baseline="0" dirty="0" err="1" smtClean="0"/>
-              <a:t>giới</a:t>
+              <a:t>rất</a:t>
             </a:r>
             <a:r>
               <a:rPr lang="en-US" baseline="0" dirty="0" smtClean="0"/>
@@ -16479,7 +16786,7 @@
             </a:r>
             <a:r>
               <a:rPr lang="en-US" baseline="0" dirty="0" err="1" smtClean="0"/>
-              <a:t>thiệu</a:t>
+              <a:t>thú</a:t>
             </a:r>
             <a:r>
               <a:rPr lang="en-US" baseline="0" dirty="0" smtClean="0"/>
@@ -16487,42 +16794,19 @@
             </a:r>
             <a:r>
               <a:rPr lang="en-US" baseline="0" dirty="0" err="1" smtClean="0"/>
-              <a:t>chung</a:t>
+              <a:t>vị</a:t>
             </a:r>
             <a:r>
               <a:rPr lang="en-US" baseline="0" dirty="0" smtClean="0"/>
-              <a:t> </a:t>
+              <a:t>. </a:t>
             </a:r>
             <a:r>
               <a:rPr lang="en-US" baseline="0" dirty="0" err="1" smtClean="0"/>
-              <a:t>đồ</a:t>
+              <a:t>Đó</a:t>
             </a:r>
             <a:r>
               <a:rPr lang="en-US" baseline="0" dirty="0" smtClean="0"/>
               <a:t> </a:t>
-            </a:r>
-            <a:r>
-              <a:rPr lang="en-US" baseline="0" dirty="0" err="1" smtClean="0"/>
-              <a:t>án</a:t>
-            </a:r>
-            <a:endParaRPr lang="en-US" baseline="0" dirty="0" smtClean="0"/>
-          </a:p>
-          <a:p>
-            <a:r>
-              <a:rPr lang="en-US" baseline="0" dirty="0" err="1" smtClean="0"/>
-              <a:t>Phần</a:t>
-            </a:r>
-            <a:r>
-              <a:rPr lang="en-US" baseline="0" dirty="0" smtClean="0"/>
-              <a:t> </a:t>
-            </a:r>
-            <a:r>
-              <a:rPr lang="en-US" baseline="0" dirty="0" err="1" smtClean="0"/>
-              <a:t>thứ</a:t>
-            </a:r>
-            <a:r>
-              <a:rPr lang="en-US" baseline="0" dirty="0" smtClean="0"/>
-              <a:t> 2 </a:t>
             </a:r>
             <a:r>
               <a:rPr lang="en-US" baseline="0" dirty="0" err="1" smtClean="0"/>
@@ -16530,406 +16814,6 @@
             </a:r>
             <a:r>
               <a:rPr lang="en-US" baseline="0" dirty="0" smtClean="0"/>
-              <a:t> </a:t>
-            </a:r>
-            <a:r>
-              <a:rPr lang="en-US" baseline="0" dirty="0" err="1" smtClean="0"/>
-              <a:t>kế</a:t>
-            </a:r>
-            <a:r>
-              <a:rPr lang="en-US" baseline="0" dirty="0" smtClean="0"/>
-              <a:t> </a:t>
-            </a:r>
-            <a:r>
-              <a:rPr lang="en-US" baseline="0" dirty="0" err="1" smtClean="0"/>
-              <a:t>hoạch</a:t>
-            </a:r>
-            <a:r>
-              <a:rPr lang="en-US" baseline="0" dirty="0" smtClean="0"/>
-              <a:t> </a:t>
-            </a:r>
-            <a:r>
-              <a:rPr lang="en-US" baseline="0" dirty="0" err="1" smtClean="0"/>
-              <a:t>triển</a:t>
-            </a:r>
-            <a:r>
-              <a:rPr lang="en-US" baseline="0" dirty="0" smtClean="0"/>
-              <a:t> </a:t>
-            </a:r>
-            <a:r>
-              <a:rPr lang="en-US" baseline="0" dirty="0" err="1" smtClean="0"/>
-              <a:t>khai</a:t>
-            </a:r>
-            <a:r>
-              <a:rPr lang="en-US" baseline="0" dirty="0" smtClean="0"/>
-              <a:t> </a:t>
-            </a:r>
-            <a:r>
-              <a:rPr lang="en-US" baseline="0" dirty="0" err="1" smtClean="0"/>
-              <a:t>đồ</a:t>
-            </a:r>
-            <a:r>
-              <a:rPr lang="en-US" baseline="0" dirty="0" smtClean="0"/>
-              <a:t> </a:t>
-            </a:r>
-            <a:r>
-              <a:rPr lang="en-US" baseline="0" dirty="0" err="1" smtClean="0"/>
-              <a:t>án</a:t>
-            </a:r>
-            <a:endParaRPr lang="en-US" baseline="0" dirty="0" smtClean="0"/>
-          </a:p>
-          <a:p>
-            <a:r>
-              <a:rPr lang="en-US" baseline="0" dirty="0" smtClean="0"/>
-              <a:t>3 </a:t>
-            </a:r>
-            <a:r>
-              <a:rPr lang="en-US" baseline="0" dirty="0" err="1" smtClean="0"/>
-              <a:t>là</a:t>
-            </a:r>
-            <a:r>
-              <a:rPr lang="en-US" baseline="0" dirty="0" smtClean="0"/>
-              <a:t> </a:t>
-            </a:r>
-            <a:r>
-              <a:rPr lang="en-US" baseline="0" dirty="0" err="1" smtClean="0"/>
-              <a:t>đặc</a:t>
-            </a:r>
-            <a:r>
-              <a:rPr lang="en-US" baseline="0" dirty="0" smtClean="0"/>
-              <a:t> </a:t>
-            </a:r>
-            <a:r>
-              <a:rPr lang="en-US" baseline="0" dirty="0" err="1" smtClean="0"/>
-              <a:t>tả</a:t>
-            </a:r>
-            <a:r>
-              <a:rPr lang="en-US" baseline="0" dirty="0" smtClean="0"/>
-              <a:t> chi </a:t>
-            </a:r>
-            <a:r>
-              <a:rPr lang="en-US" baseline="0" dirty="0" err="1" smtClean="0"/>
-              <a:t>tiết</a:t>
-            </a:r>
-            <a:r>
-              <a:rPr lang="en-US" baseline="0" dirty="0" smtClean="0"/>
-              <a:t> </a:t>
-            </a:r>
-            <a:r>
-              <a:rPr lang="en-US" baseline="0" dirty="0" err="1" smtClean="0"/>
-              <a:t>yêu</a:t>
-            </a:r>
-            <a:r>
-              <a:rPr lang="en-US" baseline="0" dirty="0" smtClean="0"/>
-              <a:t> </a:t>
-            </a:r>
-            <a:r>
-              <a:rPr lang="en-US" baseline="0" dirty="0" err="1" smtClean="0"/>
-              <a:t>cầu</a:t>
-            </a:r>
-            <a:r>
-              <a:rPr lang="en-US" baseline="0" dirty="0" smtClean="0"/>
-              <a:t> </a:t>
-            </a:r>
-            <a:r>
-              <a:rPr lang="en-US" baseline="0" dirty="0" err="1" smtClean="0"/>
-              <a:t>phần</a:t>
-            </a:r>
-            <a:r>
-              <a:rPr lang="en-US" baseline="0" dirty="0" smtClean="0"/>
-              <a:t> </a:t>
-            </a:r>
-            <a:r>
-              <a:rPr lang="en-US" baseline="0" dirty="0" err="1" smtClean="0"/>
-              <a:t>mềm</a:t>
-            </a:r>
-            <a:endParaRPr lang="en-US" baseline="0" dirty="0" smtClean="0"/>
-          </a:p>
-          <a:p>
-            <a:r>
-              <a:rPr lang="en-US" baseline="0" dirty="0" err="1" smtClean="0"/>
-              <a:t>Đến</a:t>
-            </a:r>
-            <a:r>
-              <a:rPr lang="en-US" baseline="0" dirty="0" smtClean="0"/>
-              <a:t> </a:t>
-            </a:r>
-            <a:r>
-              <a:rPr lang="en-US" baseline="0" dirty="0" err="1" smtClean="0"/>
-              <a:t>với</a:t>
-            </a:r>
-            <a:r>
-              <a:rPr lang="en-US" baseline="0" dirty="0" smtClean="0"/>
-              <a:t> </a:t>
-            </a:r>
-            <a:r>
-              <a:rPr lang="en-US" baseline="0" dirty="0" err="1" smtClean="0"/>
-              <a:t>phần</a:t>
-            </a:r>
-            <a:r>
-              <a:rPr lang="en-US" baseline="0" dirty="0" smtClean="0"/>
-              <a:t> 4, ta </a:t>
-            </a:r>
-            <a:r>
-              <a:rPr lang="en-US" baseline="0" dirty="0" err="1" smtClean="0"/>
-              <a:t>sẽ</a:t>
-            </a:r>
-            <a:r>
-              <a:rPr lang="en-US" baseline="0" dirty="0" smtClean="0"/>
-              <a:t> </a:t>
-            </a:r>
-            <a:r>
-              <a:rPr lang="en-US" baseline="0" dirty="0" err="1" smtClean="0"/>
-              <a:t>đi</a:t>
-            </a:r>
-            <a:r>
-              <a:rPr lang="en-US" baseline="0" dirty="0" smtClean="0"/>
-              <a:t> </a:t>
-            </a:r>
-            <a:r>
-              <a:rPr lang="en-US" baseline="0" dirty="0" err="1" smtClean="0"/>
-              <a:t>vào</a:t>
-            </a:r>
-            <a:r>
-              <a:rPr lang="en-US" baseline="0" dirty="0" smtClean="0"/>
-              <a:t> </a:t>
-            </a:r>
-            <a:r>
-              <a:rPr lang="en-US" baseline="0" dirty="0" err="1" smtClean="0"/>
-              <a:t>thiết</a:t>
-            </a:r>
-            <a:r>
-              <a:rPr lang="en-US" baseline="0" dirty="0" smtClean="0"/>
-              <a:t> </a:t>
-            </a:r>
-            <a:r>
-              <a:rPr lang="en-US" baseline="0" dirty="0" err="1" smtClean="0"/>
-              <a:t>kế</a:t>
-            </a:r>
-            <a:r>
-              <a:rPr lang="en-US" baseline="0" dirty="0" smtClean="0"/>
-              <a:t> chi </a:t>
-            </a:r>
-            <a:r>
-              <a:rPr lang="en-US" baseline="0" dirty="0" err="1" smtClean="0"/>
-              <a:t>tiết</a:t>
-            </a:r>
-            <a:r>
-              <a:rPr lang="en-US" baseline="0" dirty="0" smtClean="0"/>
-              <a:t> </a:t>
-            </a:r>
-            <a:r>
-              <a:rPr lang="en-US" baseline="0" dirty="0" err="1" smtClean="0"/>
-              <a:t>của</a:t>
-            </a:r>
-            <a:r>
-              <a:rPr lang="en-US" baseline="0" dirty="0" smtClean="0"/>
-              <a:t> </a:t>
-            </a:r>
-            <a:r>
-              <a:rPr lang="en-US" baseline="0" dirty="0" err="1" smtClean="0"/>
-              <a:t>phần</a:t>
-            </a:r>
-            <a:r>
-              <a:rPr lang="en-US" baseline="0" dirty="0" smtClean="0"/>
-              <a:t> </a:t>
-            </a:r>
-            <a:r>
-              <a:rPr lang="en-US" baseline="0" dirty="0" err="1" smtClean="0"/>
-              <a:t>mềm</a:t>
-            </a:r>
-            <a:endParaRPr lang="en-US" baseline="0" dirty="0" smtClean="0"/>
-          </a:p>
-          <a:p>
-            <a:r>
-              <a:rPr lang="en-US" baseline="0" dirty="0" err="1" smtClean="0"/>
-              <a:t>Phần</a:t>
-            </a:r>
-            <a:r>
-              <a:rPr lang="en-US" baseline="0" dirty="0" smtClean="0"/>
-              <a:t> 5 </a:t>
-            </a:r>
-            <a:r>
-              <a:rPr lang="en-US" baseline="0" dirty="0" err="1" smtClean="0"/>
-              <a:t>chúng</a:t>
-            </a:r>
-            <a:r>
-              <a:rPr lang="en-US" baseline="0" dirty="0" smtClean="0"/>
-              <a:t> ta </a:t>
-            </a:r>
-            <a:r>
-              <a:rPr lang="en-US" baseline="0" dirty="0" err="1" smtClean="0"/>
-              <a:t>sẽ</a:t>
-            </a:r>
-            <a:r>
-              <a:rPr lang="en-US" baseline="0" dirty="0" smtClean="0"/>
-              <a:t> </a:t>
-            </a:r>
-            <a:r>
-              <a:rPr lang="en-US" baseline="0" dirty="0" err="1" smtClean="0"/>
-              <a:t>đến</a:t>
-            </a:r>
-            <a:r>
-              <a:rPr lang="en-US" baseline="0" dirty="0" smtClean="0"/>
-              <a:t> </a:t>
-            </a:r>
-            <a:r>
-              <a:rPr lang="en-US" baseline="0" dirty="0" err="1" smtClean="0"/>
-              <a:t>với</a:t>
-            </a:r>
-            <a:r>
-              <a:rPr lang="en-US" baseline="0" dirty="0" smtClean="0"/>
-              <a:t> </a:t>
-            </a:r>
-            <a:r>
-              <a:rPr lang="en-US" baseline="0" dirty="0" err="1" smtClean="0"/>
-              <a:t>các</a:t>
-            </a:r>
-            <a:r>
-              <a:rPr lang="en-US" baseline="0" dirty="0" smtClean="0"/>
-              <a:t> </a:t>
-            </a:r>
-            <a:r>
-              <a:rPr lang="en-US" baseline="0" dirty="0" err="1" smtClean="0"/>
-              <a:t>hoạt</a:t>
-            </a:r>
-            <a:r>
-              <a:rPr lang="en-US" baseline="0" dirty="0" smtClean="0"/>
-              <a:t> </a:t>
-            </a:r>
-            <a:r>
-              <a:rPr lang="en-US" baseline="0" dirty="0" err="1" smtClean="0"/>
-              <a:t>động</a:t>
-            </a:r>
-            <a:r>
-              <a:rPr lang="en-US" baseline="0" dirty="0" smtClean="0"/>
-              <a:t> </a:t>
-            </a:r>
-            <a:r>
-              <a:rPr lang="en-US" baseline="0" dirty="0" err="1" smtClean="0"/>
-              <a:t>đảm</a:t>
-            </a:r>
-            <a:r>
-              <a:rPr lang="en-US" baseline="0" dirty="0" smtClean="0"/>
-              <a:t> </a:t>
-            </a:r>
-            <a:r>
-              <a:rPr lang="en-US" baseline="0" dirty="0" err="1" smtClean="0"/>
-              <a:t>bảo</a:t>
-            </a:r>
-            <a:r>
-              <a:rPr lang="en-US" baseline="0" dirty="0" smtClean="0"/>
-              <a:t> </a:t>
-            </a:r>
-            <a:r>
-              <a:rPr lang="en-US" baseline="0" dirty="0" err="1" smtClean="0"/>
-              <a:t>chất</a:t>
-            </a:r>
-            <a:r>
-              <a:rPr lang="en-US" baseline="0" dirty="0" smtClean="0"/>
-              <a:t> </a:t>
-            </a:r>
-            <a:r>
-              <a:rPr lang="en-US" baseline="0" dirty="0" err="1" smtClean="0"/>
-              <a:t>lượng</a:t>
-            </a:r>
-            <a:r>
-              <a:rPr lang="en-US" baseline="0" dirty="0" smtClean="0"/>
-              <a:t> </a:t>
-            </a:r>
-            <a:r>
-              <a:rPr lang="en-US" baseline="0" dirty="0" err="1" smtClean="0"/>
-              <a:t>của</a:t>
-            </a:r>
-            <a:r>
-              <a:rPr lang="en-US" baseline="0" dirty="0" smtClean="0"/>
-              <a:t> </a:t>
-            </a:r>
-            <a:r>
-              <a:rPr lang="en-US" baseline="0" dirty="0" err="1" smtClean="0"/>
-              <a:t>phần</a:t>
-            </a:r>
-            <a:r>
-              <a:rPr lang="en-US" baseline="0" dirty="0" smtClean="0"/>
-              <a:t> </a:t>
-            </a:r>
-            <a:r>
-              <a:rPr lang="en-US" baseline="0" dirty="0" err="1" smtClean="0"/>
-              <a:t>mềm</a:t>
-            </a:r>
-            <a:endParaRPr lang="en-US" baseline="0" dirty="0" smtClean="0"/>
-          </a:p>
-          <a:p>
-            <a:r>
-              <a:rPr lang="en-US" baseline="0" dirty="0" err="1" smtClean="0"/>
-              <a:t>Cuối</a:t>
-            </a:r>
-            <a:r>
-              <a:rPr lang="en-US" baseline="0" dirty="0" smtClean="0"/>
-              <a:t> </a:t>
-            </a:r>
-            <a:r>
-              <a:rPr lang="en-US" baseline="0" dirty="0" err="1" smtClean="0"/>
-              <a:t>cùng</a:t>
-            </a:r>
-            <a:r>
-              <a:rPr lang="en-US" baseline="0" dirty="0" smtClean="0"/>
-              <a:t> </a:t>
-            </a:r>
-            <a:r>
-              <a:rPr lang="en-US" baseline="0" dirty="0" err="1" smtClean="0"/>
-              <a:t>là</a:t>
-            </a:r>
-            <a:r>
-              <a:rPr lang="en-US" baseline="0" dirty="0" smtClean="0"/>
-              <a:t> 1 </a:t>
-            </a:r>
-            <a:r>
-              <a:rPr lang="en-US" baseline="0" dirty="0" err="1" smtClean="0"/>
-              <a:t>phần</a:t>
-            </a:r>
-            <a:r>
-              <a:rPr lang="en-US" baseline="0" dirty="0" smtClean="0"/>
-              <a:t> </a:t>
-            </a:r>
-            <a:r>
-              <a:rPr lang="en-US" baseline="0" dirty="0" err="1" smtClean="0"/>
-              <a:t>rất</a:t>
-            </a:r>
-            <a:r>
-              <a:rPr lang="en-US" baseline="0" dirty="0" smtClean="0"/>
-              <a:t> </a:t>
-            </a:r>
-            <a:r>
-              <a:rPr lang="en-US" baseline="0" dirty="0" err="1" smtClean="0"/>
-              <a:t>thú</a:t>
-            </a:r>
-            <a:r>
-              <a:rPr lang="en-US" baseline="0" dirty="0" smtClean="0"/>
-              <a:t> </a:t>
-            </a:r>
-            <a:r>
-              <a:rPr lang="en-US" baseline="0" dirty="0" err="1" smtClean="0"/>
-              <a:t>vị</a:t>
-            </a:r>
-            <a:r>
-              <a:rPr lang="en-US" baseline="0" dirty="0" smtClean="0"/>
-              <a:t>. </a:t>
-            </a:r>
-            <a:r>
-              <a:rPr lang="en-US" baseline="0" dirty="0" err="1" smtClean="0"/>
-              <a:t>Đó</a:t>
-            </a:r>
-            <a:r>
-              <a:rPr lang="en-US" baseline="0" dirty="0" smtClean="0"/>
-              <a:t> </a:t>
-            </a:r>
-            <a:r>
-              <a:rPr lang="en-US" baseline="0" dirty="0" err="1" smtClean="0"/>
-              <a:t>là</a:t>
-            </a:r>
-            <a:r>
-              <a:rPr lang="en-US" baseline="0" dirty="0" smtClean="0"/>
               <a:t> demo </a:t>
             </a:r>
             <a:r>
@@ -16991,14 +16875,6 @@
             <a:r>
               <a:rPr lang="en-US" baseline="0" dirty="0" err="1" smtClean="0"/>
               <a:t>và</a:t>
-            </a:r>
-            <a:r>
-              <a:rPr lang="en-US" baseline="0" dirty="0" smtClean="0"/>
-              <a:t> </a:t>
-            </a:r>
-            <a:r>
-              <a:rPr lang="en-US" baseline="0" dirty="0" err="1" smtClean="0"/>
-              <a:t>phần</a:t>
             </a:r>
             <a:r>
               <a:rPr lang="en-US" baseline="0" dirty="0" smtClean="0"/>
@@ -17434,7 +17310,7 @@
           <a:p>
             <a:fld id="{B045B7DE-1198-4F2F-B574-CA8CAE341642}" type="slidenum">
               <a:rPr lang="en-US" smtClean="0"/>
-              <a:t>47</a:t>
+              <a:t>48</a:t>
             </a:fld>
             <a:endParaRPr lang="en-US"/>
           </a:p>
@@ -18090,7 +17966,7 @@
                 </a:solidFill>
                 <a:sym typeface="Wingdings"/>
               </a:rPr>
-              <a:t>, </a:t>
+              <a:t> / </a:t>
             </a:r>
             <a:r>
               <a:rPr lang="en-US" sz="2000" baseline="0" dirty="0" err="1" smtClean="0">
@@ -18198,7 +18074,7 @@
                 </a:solidFill>
                 <a:sym typeface="Wingdings"/>
               </a:rPr>
-              <a:t>, </a:t>
+              <a:t> </a:t>
             </a:r>
             <a:r>
               <a:rPr lang="en-US" sz="2000" baseline="0" dirty="0" err="1" smtClean="0">
@@ -18207,7 +18083,7 @@
                 </a:solidFill>
                 <a:sym typeface="Wingdings"/>
               </a:rPr>
-              <a:t>mạnh</a:t>
+              <a:t>tại</a:t>
             </a:r>
             <a:r>
               <a:rPr lang="en-US" sz="2000" baseline="0" dirty="0" smtClean="0">
@@ -18219,13 +18095,22 @@
               <a:t> </a:t>
             </a:r>
             <a:r>
+              <a:rPr lang="en-US" sz="2000" baseline="0" dirty="0" smtClean="0">
+                <a:solidFill>
+                  <a:srgbClr val="FF0000"/>
+                </a:solidFill>
+                <a:sym typeface="Wingdings"/>
+              </a:rPr>
+              <a:t>HN </a:t>
+            </a:r>
+            <a:r>
               <a:rPr lang="en-US" sz="2000" baseline="0" dirty="0" err="1" smtClean="0">
                 <a:solidFill>
                   <a:srgbClr val="FF0000"/>
                 </a:solidFill>
                 <a:sym typeface="Wingdings"/>
               </a:rPr>
-              <a:t>tại</a:t>
+              <a:t>và</a:t>
             </a:r>
             <a:r>
               <a:rPr lang="en-US" sz="2000" baseline="0" dirty="0" smtClean="0">
@@ -18234,7 +18119,7 @@
                 </a:solidFill>
                 <a:sym typeface="Wingdings"/>
               </a:rPr>
-              <a:t> HN </a:t>
+              <a:t> </a:t>
             </a:r>
             <a:r>
               <a:rPr lang="en-US" sz="2000" baseline="0" dirty="0" err="1" smtClean="0">
@@ -18243,7 +18128,7 @@
                 </a:solidFill>
                 <a:sym typeface="Wingdings"/>
               </a:rPr>
-              <a:t>và</a:t>
+              <a:t>các</a:t>
             </a:r>
             <a:r>
               <a:rPr lang="en-US" sz="2000" baseline="0" dirty="0" smtClean="0">
@@ -18252,7 +18137,7 @@
                 </a:solidFill>
                 <a:sym typeface="Wingdings"/>
               </a:rPr>
-              <a:t> </a:t>
+              <a:t> TP </a:t>
             </a:r>
             <a:r>
               <a:rPr lang="en-US" sz="2000" baseline="0" dirty="0" err="1" smtClean="0">
@@ -18261,7 +18146,7 @@
                 </a:solidFill>
                 <a:sym typeface="Wingdings"/>
               </a:rPr>
-              <a:t>các</a:t>
+              <a:t>khác</a:t>
             </a:r>
             <a:r>
               <a:rPr lang="en-US" sz="2000" baseline="0" dirty="0" smtClean="0">
@@ -18270,7 +18155,7 @@
                 </a:solidFill>
                 <a:sym typeface="Wingdings"/>
               </a:rPr>
-              <a:t> TP </a:t>
+              <a:t> </a:t>
             </a:r>
             <a:r>
               <a:rPr lang="en-US" sz="2000" baseline="0" dirty="0" err="1" smtClean="0">
@@ -18279,7 +18164,7 @@
                 </a:solidFill>
                 <a:sym typeface="Wingdings"/>
               </a:rPr>
-              <a:t>khác</a:t>
+              <a:t>trên</a:t>
             </a:r>
             <a:r>
               <a:rPr lang="en-US" sz="2000" baseline="0" dirty="0" smtClean="0">
@@ -18297,7 +18182,7 @@
                 </a:solidFill>
                 <a:sym typeface="Wingdings"/>
               </a:rPr>
-              <a:t>trên</a:t>
+              <a:t>cả</a:t>
             </a:r>
             <a:r>
               <a:rPr lang="en-US" sz="2000" baseline="0" dirty="0" smtClean="0">
@@ -18315,7 +18200,7 @@
                 </a:solidFill>
                 <a:sym typeface="Wingdings"/>
               </a:rPr>
-              <a:t>cả</a:t>
+              <a:t>nước</a:t>
             </a:r>
             <a:r>
               <a:rPr lang="en-US" sz="2000" baseline="0" dirty="0" smtClean="0">
@@ -18333,7 +18218,7 @@
                 </a:solidFill>
                 <a:sym typeface="Wingdings"/>
               </a:rPr>
-              <a:t>nước</a:t>
+              <a:t>đã</a:t>
             </a:r>
             <a:r>
               <a:rPr lang="en-US" sz="2000" baseline="0" dirty="0" smtClean="0">
@@ -18351,7 +18236,7 @@
                 </a:solidFill>
                 <a:sym typeface="Wingdings"/>
               </a:rPr>
-              <a:t>đã</a:t>
+              <a:t>dẫn</a:t>
             </a:r>
             <a:r>
               <a:rPr lang="en-US" sz="2000" baseline="0" dirty="0" smtClean="0">
@@ -18369,7 +18254,7 @@
                 </a:solidFill>
                 <a:sym typeface="Wingdings"/>
               </a:rPr>
-              <a:t>dẫn</a:t>
+              <a:t>tới</a:t>
             </a:r>
             <a:r>
               <a:rPr lang="en-US" sz="2000" baseline="0" dirty="0" smtClean="0">
@@ -18387,7 +18272,7 @@
                 </a:solidFill>
                 <a:sym typeface="Wingdings"/>
               </a:rPr>
-              <a:t>tới</a:t>
+              <a:t>nhu</a:t>
             </a:r>
             <a:r>
               <a:rPr lang="en-US" sz="2000" baseline="0" dirty="0" smtClean="0">
@@ -18405,7 +18290,7 @@
                 </a:solidFill>
                 <a:sym typeface="Wingdings"/>
               </a:rPr>
-              <a:t>nhu</a:t>
+              <a:t>cầu</a:t>
             </a:r>
             <a:r>
               <a:rPr lang="en-US" sz="2000" baseline="0" dirty="0" smtClean="0">
@@ -18423,7 +18308,7 @@
                 </a:solidFill>
                 <a:sym typeface="Wingdings"/>
               </a:rPr>
-              <a:t>cầu</a:t>
+              <a:t>về</a:t>
             </a:r>
             <a:r>
               <a:rPr lang="en-US" sz="2000" baseline="0" dirty="0" smtClean="0">
@@ -18441,7 +18326,7 @@
                 </a:solidFill>
                 <a:sym typeface="Wingdings"/>
               </a:rPr>
-              <a:t>về</a:t>
+              <a:t>nhà</a:t>
             </a:r>
             <a:r>
               <a:rPr lang="en-US" sz="2000" baseline="0" dirty="0" smtClean="0">
@@ -18453,13 +18338,22 @@
               <a:t> </a:t>
             </a:r>
             <a:r>
+              <a:rPr lang="en-US" sz="2000" baseline="0" dirty="0" smtClean="0">
+                <a:solidFill>
+                  <a:srgbClr val="FF0000"/>
+                </a:solidFill>
+                <a:sym typeface="Wingdings"/>
+              </a:rPr>
+              <a:t>ở </a:t>
+            </a:r>
+            <a:r>
               <a:rPr lang="en-US" sz="2000" baseline="0" dirty="0" err="1" smtClean="0">
                 <a:solidFill>
                   <a:srgbClr val="FF0000"/>
                 </a:solidFill>
                 <a:sym typeface="Wingdings"/>
               </a:rPr>
-              <a:t>nhà</a:t>
+              <a:t>tăng</a:t>
             </a:r>
             <a:r>
               <a:rPr lang="en-US" sz="2000" baseline="0" dirty="0" smtClean="0">
@@ -18477,7 +18371,16 @@
                 </a:solidFill>
                 <a:sym typeface="Wingdings"/>
               </a:rPr>
-              <a:t>đất</a:t>
+              <a:t>theo</a:t>
+            </a:r>
+            <a:r>
+              <a:rPr lang="en-US" sz="2000" baseline="0" dirty="0" err="1" smtClean="0">
+                <a:solidFill>
+                  <a:srgbClr val="FF0000"/>
+                </a:solidFill>
+                <a:sym typeface="Wingdings"/>
+              </a:rPr>
+              <a:t>.</a:t>
             </a:r>
             <a:r>
               <a:rPr lang="en-US" sz="2000" baseline="0" dirty="0" smtClean="0">
@@ -18488,136 +18391,31 @@
               </a:rPr>
               <a:t> </a:t>
             </a:r>
-            <a:r>
-              <a:rPr lang="en-US" sz="2000" baseline="0" dirty="0" err="1" smtClean="0">
-                <a:solidFill>
-                  <a:srgbClr val="FF0000"/>
-                </a:solidFill>
-                <a:sym typeface="Wingdings"/>
-              </a:rPr>
-              <a:t>cũng</a:t>
-            </a:r>
-            <a:r>
-              <a:rPr lang="en-US" sz="2000" baseline="0" dirty="0" smtClean="0">
-                <a:solidFill>
-                  <a:srgbClr val="FF0000"/>
-                </a:solidFill>
-                <a:sym typeface="Wingdings"/>
-              </a:rPr>
-              <a:t> </a:t>
-            </a:r>
-            <a:r>
-              <a:rPr lang="en-US" sz="2000" baseline="0" dirty="0" err="1" smtClean="0">
-                <a:solidFill>
-                  <a:srgbClr val="FF0000"/>
-                </a:solidFill>
-                <a:sym typeface="Wingdings"/>
-              </a:rPr>
-              <a:t>vì</a:t>
-            </a:r>
-            <a:r>
-              <a:rPr lang="en-US" sz="2000" baseline="0" dirty="0" smtClean="0">
-                <a:solidFill>
-                  <a:srgbClr val="FF0000"/>
-                </a:solidFill>
-                <a:sym typeface="Wingdings"/>
-              </a:rPr>
-              <a:t> </a:t>
-            </a:r>
-            <a:r>
-              <a:rPr lang="en-US" sz="2000" baseline="0" dirty="0" err="1" smtClean="0">
-                <a:solidFill>
-                  <a:srgbClr val="FF0000"/>
-                </a:solidFill>
-                <a:sym typeface="Wingdings"/>
-              </a:rPr>
-              <a:t>đó</a:t>
-            </a:r>
-            <a:r>
-              <a:rPr lang="en-US" sz="2000" baseline="0" dirty="0" smtClean="0">
-                <a:solidFill>
-                  <a:srgbClr val="FF0000"/>
-                </a:solidFill>
-                <a:sym typeface="Wingdings"/>
-              </a:rPr>
-              <a:t> </a:t>
-            </a:r>
-            <a:r>
-              <a:rPr lang="en-US" sz="2000" baseline="0" dirty="0" err="1" smtClean="0">
-                <a:solidFill>
-                  <a:srgbClr val="FF0000"/>
-                </a:solidFill>
-                <a:sym typeface="Wingdings"/>
-              </a:rPr>
-              <a:t>mà</a:t>
-            </a:r>
-            <a:r>
-              <a:rPr lang="en-US" sz="2000" baseline="0" dirty="0" smtClean="0">
-                <a:solidFill>
-                  <a:srgbClr val="FF0000"/>
-                </a:solidFill>
-                <a:sym typeface="Wingdings"/>
-              </a:rPr>
-              <a:t> </a:t>
-            </a:r>
-            <a:r>
-              <a:rPr lang="en-US" sz="2000" baseline="0" dirty="0" err="1" smtClean="0">
-                <a:solidFill>
-                  <a:srgbClr val="FF0000"/>
-                </a:solidFill>
-                <a:sym typeface="Wingdings"/>
-              </a:rPr>
-              <a:t>tăng</a:t>
-            </a:r>
-            <a:r>
-              <a:rPr lang="en-US" sz="2000" baseline="0" dirty="0" smtClean="0">
-                <a:solidFill>
-                  <a:srgbClr val="FF0000"/>
-                </a:solidFill>
-                <a:sym typeface="Wingdings"/>
-              </a:rPr>
-              <a:t> </a:t>
-            </a:r>
-            <a:r>
-              <a:rPr lang="en-US" sz="2000" baseline="0" dirty="0" err="1" smtClean="0">
-                <a:solidFill>
-                  <a:srgbClr val="FF0000"/>
-                </a:solidFill>
-                <a:sym typeface="Wingdings"/>
-              </a:rPr>
-              <a:t>theo.</a:t>
-            </a:r>
-            <a:r>
-              <a:rPr lang="en-US" sz="2000" baseline="0" dirty="0" smtClean="0">
-                <a:solidFill>
-                  <a:srgbClr val="FF0000"/>
-                </a:solidFill>
-                <a:sym typeface="Wingdings"/>
-              </a:rPr>
-              <a:t> </a:t>
-            </a:r>
-          </a:p>
-          <a:p>
-            <a:endParaRPr lang="en-US" sz="2000" dirty="0" smtClean="0">
+          </a:p>
+          <a:p>
+            <a:endParaRPr lang="en-US" sz="2000" baseline="0" dirty="0" smtClean="0">
               <a:solidFill>
                 <a:srgbClr val="FF0000"/>
               </a:solidFill>
+              <a:sym typeface="Wingdings"/>
             </a:endParaRPr>
           </a:p>
           <a:p>
             <a:r>
-              <a:rPr lang="en-US" sz="2000" dirty="0" err="1" smtClean="0">
+              <a:rPr lang="en-US" sz="2000" baseline="0" dirty="0" err="1" smtClean="0">
                 <a:solidFill>
                   <a:srgbClr val="FF0000"/>
                 </a:solidFill>
-              </a:rPr>
-              <a:t>Điển</a:t>
+                <a:sym typeface="Wingdings"/>
+              </a:rPr>
+              <a:t>Đối</a:t>
             </a:r>
             <a:r>
               <a:rPr lang="en-US" sz="2000" baseline="0" dirty="0" smtClean="0">
                 <a:solidFill>
                   <a:srgbClr val="FF0000"/>
                 </a:solidFill>
+                <a:sym typeface="Wingdings"/>
               </a:rPr>
               <a:t> </a:t>
             </a:r>
@@ -18626,54 +18424,70 @@
                 <a:solidFill>
                   <a:srgbClr val="FF0000"/>
                 </a:solidFill>
-              </a:rPr>
-              <a:t>hình</a:t>
+                <a:sym typeface="Wingdings"/>
+              </a:rPr>
+              <a:t>với</a:t>
             </a:r>
             <a:r>
               <a:rPr lang="en-US" sz="2000" baseline="0" dirty="0" smtClean="0">
                 <a:solidFill>
                   <a:srgbClr val="FF0000"/>
                 </a:solidFill>
-              </a:rPr>
-              <a:t>, </a:t>
+                <a:sym typeface="Wingdings"/>
+              </a:rPr>
+              <a:t> </a:t>
             </a:r>
             <a:r>
               <a:rPr lang="en-US" sz="2000" baseline="0" dirty="0" err="1" smtClean="0">
                 <a:solidFill>
                   <a:srgbClr val="FF0000"/>
                 </a:solidFill>
-              </a:rPr>
-              <a:t>t</a:t>
-            </a:r>
-            <a:r>
-              <a:rPr lang="en-US" sz="2000" dirty="0" err="1" smtClean="0">
+                <a:sym typeface="Wingdings"/>
+              </a:rPr>
+              <a:t>những</a:t>
+            </a:r>
+            <a:r>
+              <a:rPr lang="en-US" sz="2000" baseline="0" dirty="0" smtClean="0">
                 <a:solidFill>
                   <a:srgbClr val="FF0000"/>
                 </a:solidFill>
-              </a:rPr>
-              <a:t>heo</a:t>
-            </a:r>
-            <a:r>
-              <a:rPr lang="en-US" sz="2000" dirty="0" smtClean="0">
+                <a:sym typeface="Wingdings"/>
+              </a:rPr>
+              <a:t> </a:t>
+            </a:r>
+            <a:r>
+              <a:rPr lang="en-US" sz="2000" baseline="0" dirty="0" err="1" smtClean="0">
                 <a:solidFill>
                   <a:srgbClr val="FF0000"/>
                 </a:solidFill>
-              </a:rPr>
-              <a:t> </a:t>
-            </a:r>
-            <a:r>
-              <a:rPr lang="en-US" sz="2000" dirty="0" err="1" smtClean="0">
+                <a:sym typeface="Wingdings"/>
+              </a:rPr>
+              <a:t>người</a:t>
+            </a:r>
+            <a:r>
+              <a:rPr lang="en-US" sz="2000" baseline="0" dirty="0" smtClean="0">
                 <a:solidFill>
                   <a:srgbClr val="FF0000"/>
                 </a:solidFill>
-              </a:rPr>
-              <a:t>số</a:t>
+                <a:sym typeface="Wingdings"/>
+              </a:rPr>
+              <a:t> </a:t>
+            </a:r>
+            <a:r>
+              <a:rPr lang="en-US" sz="2000" baseline="0" dirty="0" err="1" smtClean="0">
+                <a:solidFill>
+                  <a:srgbClr val="FF0000"/>
+                </a:solidFill>
+                <a:sym typeface="Wingdings"/>
+              </a:rPr>
+              <a:t>nhập</a:t>
             </a:r>
             <a:r>
               <a:rPr lang="en-US" sz="2000" baseline="0" dirty="0" smtClean="0">
                 <a:solidFill>
                   <a:srgbClr val="FF0000"/>
                 </a:solidFill>
+                <a:sym typeface="Wingdings"/>
               </a:rPr>
               <a:t> </a:t>
             </a:r>
@@ -18682,46 +18496,52 @@
                 <a:solidFill>
                   <a:srgbClr val="FF0000"/>
                 </a:solidFill>
-              </a:rPr>
-              <a:t>liệu</a:t>
+                <a:sym typeface="Wingdings"/>
+              </a:rPr>
+              <a:t>cư</a:t>
             </a:r>
             <a:r>
               <a:rPr lang="en-US" sz="2000" baseline="0" dirty="0" smtClean="0">
                 <a:solidFill>
                   <a:srgbClr val="FF0000"/>
                 </a:solidFill>
-              </a:rPr>
-              <a:t> </a:t>
-            </a:r>
-            <a:r>
-              <a:rPr lang="en-US" sz="2000" dirty="0" err="1" smtClean="0">
+                <a:sym typeface="Wingdings"/>
+              </a:rPr>
+              <a:t>/ </a:t>
+            </a:r>
+            <a:r>
+              <a:rPr lang="en-US" sz="2000" baseline="0" dirty="0" err="1" smtClean="0">
                 <a:solidFill>
                   <a:srgbClr val="FF0000"/>
                 </a:solidFill>
-              </a:rPr>
-              <a:t>năm</a:t>
-            </a:r>
-            <a:r>
-              <a:rPr lang="en-US" sz="2000" dirty="0" smtClean="0">
+                <a:sym typeface="Wingdings"/>
+              </a:rPr>
+              <a:t>việc</a:t>
+            </a:r>
+            <a:r>
+              <a:rPr lang="en-US" sz="2000" baseline="0" dirty="0" smtClean="0">
                 <a:solidFill>
                   <a:srgbClr val="FF0000"/>
                 </a:solidFill>
-              </a:rPr>
-              <a:t> 2011 </a:t>
-            </a:r>
-            <a:r>
-              <a:rPr lang="en-US" sz="2000" dirty="0" err="1" smtClean="0">
+                <a:sym typeface="Wingdings"/>
+              </a:rPr>
+              <a:t> </a:t>
+            </a:r>
+            <a:r>
+              <a:rPr lang="en-US" sz="2000" baseline="0" dirty="0" err="1" smtClean="0">
                 <a:solidFill>
                   <a:srgbClr val="FF0000"/>
                 </a:solidFill>
-              </a:rPr>
-              <a:t>của</a:t>
+                <a:sym typeface="Wingdings"/>
+              </a:rPr>
+              <a:t>tìm</a:t>
             </a:r>
             <a:r>
               <a:rPr lang="en-US" sz="2000" baseline="0" dirty="0" smtClean="0">
                 <a:solidFill>
                   <a:srgbClr val="FF0000"/>
                 </a:solidFill>
+                <a:sym typeface="Wingdings"/>
               </a:rPr>
               <a:t> </a:t>
             </a:r>
@@ -18730,14 +18550,16 @@
                 <a:solidFill>
                   <a:srgbClr val="FF0000"/>
                 </a:solidFill>
-              </a:rPr>
-              <a:t>tổng</a:t>
+                <a:sym typeface="Wingdings"/>
+              </a:rPr>
+              <a:t>kiếm</a:t>
             </a:r>
             <a:r>
               <a:rPr lang="en-US" sz="2000" baseline="0" dirty="0" smtClean="0">
                 <a:solidFill>
                   <a:srgbClr val="FF0000"/>
                 </a:solidFill>
+                <a:sym typeface="Wingdings"/>
               </a:rPr>
               <a:t> </a:t>
             </a:r>
@@ -18746,30 +18568,34 @@
                 <a:solidFill>
                   <a:srgbClr val="FF0000"/>
                 </a:solidFill>
-              </a:rPr>
-              <a:t>cục</a:t>
+                <a:sym typeface="Wingdings"/>
+              </a:rPr>
+              <a:t>nhà</a:t>
             </a:r>
             <a:r>
               <a:rPr lang="en-US" sz="2000" baseline="0" dirty="0" smtClean="0">
                 <a:solidFill>
                   <a:srgbClr val="FF0000"/>
                 </a:solidFill>
-              </a:rPr>
-              <a:t> </a:t>
+                <a:sym typeface="Wingdings"/>
+              </a:rPr>
+              <a:t> ở </a:t>
             </a:r>
             <a:r>
               <a:rPr lang="en-US" sz="2000" baseline="0" dirty="0" err="1" smtClean="0">
                 <a:solidFill>
                   <a:srgbClr val="FF0000"/>
                 </a:solidFill>
-              </a:rPr>
-              <a:t>thống</a:t>
+                <a:sym typeface="Wingdings"/>
+              </a:rPr>
+              <a:t>mất</a:t>
             </a:r>
             <a:r>
               <a:rPr lang="en-US" sz="2000" baseline="0" dirty="0" smtClean="0">
                 <a:solidFill>
                   <a:srgbClr val="FF0000"/>
                 </a:solidFill>
+                <a:sym typeface="Wingdings"/>
               </a:rPr>
               <a:t> </a:t>
             </a:r>
@@ -18778,30 +18604,34 @@
                 <a:solidFill>
                   <a:srgbClr val="FF0000"/>
                 </a:solidFill>
-              </a:rPr>
-              <a:t>kê</a:t>
-            </a:r>
-            <a:r>
-              <a:rPr lang="en-US" sz="2000" dirty="0" smtClean="0">
+                <a:sym typeface="Wingdings"/>
+              </a:rPr>
+              <a:t>rất</a:t>
+            </a:r>
+            <a:r>
+              <a:rPr lang="en-US" sz="2000" baseline="0" dirty="0" smtClean="0">
                 <a:solidFill>
                   <a:srgbClr val="FF0000"/>
                 </a:solidFill>
-              </a:rPr>
-              <a:t>, </a:t>
-            </a:r>
-            <a:r>
-              <a:rPr lang="en-US" sz="2000" dirty="0" err="1" smtClean="0">
+                <a:sym typeface="Wingdings"/>
+              </a:rPr>
+              <a:t> </a:t>
+            </a:r>
+            <a:r>
+              <a:rPr lang="en-US" sz="2000" baseline="0" dirty="0" err="1" smtClean="0">
                 <a:solidFill>
                   <a:srgbClr val="FF0000"/>
                 </a:solidFill>
-              </a:rPr>
-              <a:t>mật</a:t>
+                <a:sym typeface="Wingdings"/>
+              </a:rPr>
+              <a:t>nhiều</a:t>
             </a:r>
             <a:r>
               <a:rPr lang="en-US" sz="2000" baseline="0" dirty="0" smtClean="0">
                 <a:solidFill>
                   <a:srgbClr val="FF0000"/>
                 </a:solidFill>
+                <a:sym typeface="Wingdings"/>
               </a:rPr>
               <a:t> </a:t>
             </a:r>
@@ -18810,14 +18640,16 @@
                 <a:solidFill>
                   <a:srgbClr val="FF0000"/>
                 </a:solidFill>
-              </a:rPr>
-              <a:t>độ</a:t>
+                <a:sym typeface="Wingdings"/>
+              </a:rPr>
+              <a:t>thời</a:t>
             </a:r>
             <a:r>
               <a:rPr lang="en-US" sz="2000" baseline="0" dirty="0" smtClean="0">
                 <a:solidFill>
                   <a:srgbClr val="FF0000"/>
                 </a:solidFill>
+                <a:sym typeface="Wingdings"/>
               </a:rPr>
               <a:t> </a:t>
             </a:r>
@@ -18826,46 +18658,52 @@
                 <a:solidFill>
                   <a:srgbClr val="FF0000"/>
                 </a:solidFill>
-              </a:rPr>
-              <a:t>dân</a:t>
+                <a:sym typeface="Wingdings"/>
+              </a:rPr>
+              <a:t>gian</a:t>
             </a:r>
             <a:r>
               <a:rPr lang="en-US" sz="2000" baseline="0" dirty="0" smtClean="0">
                 <a:solidFill>
                   <a:srgbClr val="FF0000"/>
                 </a:solidFill>
-              </a:rPr>
-              <a:t> </a:t>
+                <a:sym typeface="Wingdings"/>
+              </a:rPr>
+              <a:t> / </a:t>
             </a:r>
             <a:r>
               <a:rPr lang="en-US" sz="2000" baseline="0" dirty="0" err="1" smtClean="0">
                 <a:solidFill>
                   <a:srgbClr val="FF0000"/>
                 </a:solidFill>
-              </a:rPr>
-              <a:t>số</a:t>
+                <a:sym typeface="Wingdings"/>
+              </a:rPr>
+              <a:t>tiền</a:t>
             </a:r>
             <a:r>
               <a:rPr lang="en-US" sz="2000" baseline="0" dirty="0" smtClean="0">
                 <a:solidFill>
                   <a:srgbClr val="FF0000"/>
                 </a:solidFill>
-              </a:rPr>
-              <a:t> ở </a:t>
+                <a:sym typeface="Wingdings"/>
+              </a:rPr>
+              <a:t> </a:t>
             </a:r>
             <a:r>
               <a:rPr lang="en-US" sz="2000" baseline="0" dirty="0" err="1" smtClean="0">
                 <a:solidFill>
                   <a:srgbClr val="FF0000"/>
                 </a:solidFill>
-              </a:rPr>
-              <a:t>Hà</a:t>
+                <a:sym typeface="Wingdings"/>
+              </a:rPr>
+              <a:t>bạc</a:t>
             </a:r>
             <a:r>
               <a:rPr lang="en-US" sz="2000" baseline="0" dirty="0" smtClean="0">
                 <a:solidFill>
                   <a:srgbClr val="FF0000"/>
                 </a:solidFill>
+                <a:sym typeface="Wingdings"/>
               </a:rPr>
               <a:t> </a:t>
             </a:r>
@@ -18874,14 +18712,16 @@
                 <a:solidFill>
                   <a:srgbClr val="FF0000"/>
                 </a:solidFill>
-              </a:rPr>
-              <a:t>Nội</a:t>
+                <a:sym typeface="Wingdings"/>
+              </a:rPr>
+              <a:t>và</a:t>
             </a:r>
             <a:r>
               <a:rPr lang="en-US" sz="2000" baseline="0" dirty="0" smtClean="0">
                 <a:solidFill>
                   <a:srgbClr val="FF0000"/>
                 </a:solidFill>
+                <a:sym typeface="Wingdings"/>
               </a:rPr>
               <a:t> </a:t>
             </a:r>
@@ -18890,14 +18730,16 @@
                 <a:solidFill>
                   <a:srgbClr val="FF0000"/>
                 </a:solidFill>
-              </a:rPr>
-              <a:t>đã</a:t>
+                <a:sym typeface="Wingdings"/>
+              </a:rPr>
+              <a:t>công</a:t>
             </a:r>
             <a:r>
               <a:rPr lang="en-US" sz="2000" baseline="0" dirty="0" smtClean="0">
                 <a:solidFill>
                   <a:srgbClr val="FF0000"/>
                 </a:solidFill>
+                <a:sym typeface="Wingdings"/>
               </a:rPr>
               <a:t> </a:t>
             </a:r>
@@ -18906,1001 +18748,26 @@
                 <a:solidFill>
                   <a:srgbClr val="FF0000"/>
                 </a:solidFill>
-              </a:rPr>
-              <a:t>lên</a:t>
+                <a:sym typeface="Wingdings"/>
+              </a:rPr>
+              <a:t>sức</a:t>
             </a:r>
             <a:r>
               <a:rPr lang="en-US" sz="2000" baseline="0" dirty="0" smtClean="0">
                 <a:solidFill>
                   <a:srgbClr val="FF0000"/>
                 </a:solidFill>
-              </a:rPr>
-              <a:t> </a:t>
-            </a:r>
-            <a:r>
-              <a:rPr lang="en-US" sz="2000" baseline="0" dirty="0" err="1" smtClean="0">
-                <a:solidFill>
-                  <a:srgbClr val="FF0000"/>
-                </a:solidFill>
-              </a:rPr>
-              <a:t>tới</a:t>
-            </a:r>
-            <a:r>
-              <a:rPr lang="en-US" sz="2000" baseline="0" dirty="0" smtClean="0">
-                <a:solidFill>
-                  <a:srgbClr val="FF0000"/>
-                </a:solidFill>
-              </a:rPr>
-              <a:t> </a:t>
-            </a:r>
-            <a:r>
-              <a:rPr lang="en-US" sz="2000" baseline="0" dirty="0" err="1" smtClean="0">
-                <a:solidFill>
-                  <a:srgbClr val="FF0000"/>
-                </a:solidFill>
-              </a:rPr>
-              <a:t>hơn</a:t>
-            </a:r>
-            <a:r>
-              <a:rPr lang="en-US" sz="2000" baseline="0" dirty="0" smtClean="0">
-                <a:solidFill>
-                  <a:srgbClr val="FF0000"/>
-                </a:solidFill>
-              </a:rPr>
-              <a:t> 900 </a:t>
-            </a:r>
-            <a:r>
-              <a:rPr lang="en-US" sz="2000" baseline="0" dirty="0" err="1" smtClean="0">
-                <a:solidFill>
-                  <a:srgbClr val="FF0000"/>
-                </a:solidFill>
-              </a:rPr>
-              <a:t>người</a:t>
-            </a:r>
-            <a:r>
-              <a:rPr lang="en-US" sz="2000" baseline="0" dirty="0" smtClean="0">
-                <a:solidFill>
-                  <a:srgbClr val="FF0000"/>
-                </a:solidFill>
-              </a:rPr>
-              <a:t>/km2. </a:t>
-            </a:r>
-            <a:r>
-              <a:rPr lang="en-US" sz="2000" baseline="0" dirty="0" err="1" smtClean="0">
-                <a:solidFill>
-                  <a:srgbClr val="FF0000"/>
-                </a:solidFill>
-              </a:rPr>
-              <a:t>Rất</a:t>
-            </a:r>
-            <a:r>
-              <a:rPr lang="en-US" sz="2000" baseline="0" dirty="0" smtClean="0">
-                <a:solidFill>
-                  <a:srgbClr val="FF0000"/>
-                </a:solidFill>
-              </a:rPr>
-              <a:t> </a:t>
-            </a:r>
-            <a:r>
-              <a:rPr lang="en-US" sz="2000" baseline="0" dirty="0" err="1" smtClean="0">
-                <a:solidFill>
-                  <a:srgbClr val="FF0000"/>
-                </a:solidFill>
-              </a:rPr>
-              <a:t>nhiều</a:t>
-            </a:r>
-            <a:r>
-              <a:rPr lang="en-US" sz="2000" dirty="0" smtClean="0">
-                <a:solidFill>
-                  <a:srgbClr val="FF0000"/>
-                </a:solidFill>
-              </a:rPr>
-              <a:t> </a:t>
-            </a:r>
-            <a:r>
-              <a:rPr lang="en-US" sz="2000" dirty="0" err="1" smtClean="0">
-                <a:solidFill>
-                  <a:srgbClr val="FF0000"/>
-                </a:solidFill>
-              </a:rPr>
-              <a:t>các</a:t>
-            </a:r>
-            <a:r>
-              <a:rPr lang="en-US" sz="2000" dirty="0" smtClean="0">
-                <a:solidFill>
-                  <a:srgbClr val="FF0000"/>
-                </a:solidFill>
-              </a:rPr>
-              <a:t> </a:t>
-            </a:r>
-            <a:r>
-              <a:rPr lang="en-US" sz="2000" dirty="0" err="1" smtClean="0">
-                <a:solidFill>
-                  <a:srgbClr val="FF0000"/>
-                </a:solidFill>
-              </a:rPr>
-              <a:t>gia</a:t>
-            </a:r>
-            <a:r>
-              <a:rPr lang="en-US" sz="2000" dirty="0" smtClean="0">
-                <a:solidFill>
-                  <a:srgbClr val="FF0000"/>
-                </a:solidFill>
-              </a:rPr>
-              <a:t> </a:t>
-            </a:r>
-            <a:r>
-              <a:rPr lang="en-US" sz="2000" dirty="0" err="1" smtClean="0">
-                <a:solidFill>
-                  <a:srgbClr val="FF0000"/>
-                </a:solidFill>
-              </a:rPr>
-              <a:t>đình</a:t>
-            </a:r>
-            <a:r>
-              <a:rPr lang="en-US" sz="2000" dirty="0" smtClean="0">
-                <a:solidFill>
-                  <a:srgbClr val="FF0000"/>
-                </a:solidFill>
-              </a:rPr>
-              <a:t> </a:t>
-            </a:r>
-            <a:r>
-              <a:rPr lang="en-US" sz="2000" dirty="0" err="1" smtClean="0">
-                <a:solidFill>
-                  <a:srgbClr val="FF0000"/>
-                </a:solidFill>
-              </a:rPr>
-              <a:t>trẻ</a:t>
-            </a:r>
-            <a:r>
-              <a:rPr lang="en-US" sz="2000" dirty="0" smtClean="0">
-                <a:solidFill>
-                  <a:srgbClr val="FF0000"/>
-                </a:solidFill>
-              </a:rPr>
-              <a:t> </a:t>
-            </a:r>
-            <a:r>
-              <a:rPr lang="en-US" sz="2000" dirty="0" err="1" smtClean="0">
-                <a:solidFill>
-                  <a:srgbClr val="FF0000"/>
-                </a:solidFill>
-              </a:rPr>
-              <a:t>ở</a:t>
-            </a:r>
-            <a:r>
-              <a:rPr lang="en-US" sz="2000" dirty="0" smtClean="0">
-                <a:solidFill>
-                  <a:srgbClr val="FF0000"/>
-                </a:solidFill>
-              </a:rPr>
-              <a:t> </a:t>
-            </a:r>
-            <a:r>
-              <a:rPr lang="en-US" sz="2000" dirty="0" err="1" smtClean="0">
-                <a:solidFill>
-                  <a:srgbClr val="FF0000"/>
-                </a:solidFill>
-              </a:rPr>
-              <a:t>Hà</a:t>
-            </a:r>
-            <a:r>
-              <a:rPr lang="en-US" sz="2000" dirty="0" smtClean="0">
-                <a:solidFill>
-                  <a:srgbClr val="FF0000"/>
-                </a:solidFill>
-              </a:rPr>
-              <a:t> </a:t>
-            </a:r>
-            <a:r>
-              <a:rPr lang="en-US" sz="2000" dirty="0" err="1" smtClean="0">
-                <a:solidFill>
-                  <a:srgbClr val="FF0000"/>
-                </a:solidFill>
-              </a:rPr>
-              <a:t>Nội</a:t>
-            </a:r>
-            <a:r>
-              <a:rPr lang="en-US" sz="2000" dirty="0" smtClean="0">
-                <a:solidFill>
-                  <a:srgbClr val="FF0000"/>
-                </a:solidFill>
-              </a:rPr>
-              <a:t> </a:t>
-            </a:r>
-            <a:r>
-              <a:rPr lang="en-US" sz="2000" dirty="0" err="1" smtClean="0">
-                <a:solidFill>
-                  <a:srgbClr val="FF0000"/>
-                </a:solidFill>
-              </a:rPr>
-              <a:t>chưa</a:t>
-            </a:r>
-            <a:r>
-              <a:rPr lang="en-US" sz="2000" dirty="0" smtClean="0">
-                <a:solidFill>
-                  <a:srgbClr val="FF0000"/>
-                </a:solidFill>
-              </a:rPr>
-              <a:t> </a:t>
-            </a:r>
-            <a:r>
-              <a:rPr lang="en-US" sz="2000" dirty="0" err="1" smtClean="0">
-                <a:solidFill>
-                  <a:srgbClr val="FF0000"/>
-                </a:solidFill>
-              </a:rPr>
-              <a:t>có</a:t>
-            </a:r>
-            <a:r>
-              <a:rPr lang="en-US" sz="2000" dirty="0" smtClean="0">
-                <a:solidFill>
-                  <a:srgbClr val="FF0000"/>
-                </a:solidFill>
-              </a:rPr>
-              <a:t> </a:t>
-            </a:r>
-            <a:r>
-              <a:rPr lang="en-US" sz="2000" dirty="0" err="1" smtClean="0">
-                <a:solidFill>
-                  <a:srgbClr val="FF0000"/>
-                </a:solidFill>
-              </a:rPr>
-              <a:t>nhà</a:t>
-            </a:r>
-            <a:r>
-              <a:rPr lang="en-US" sz="2000" dirty="0" smtClean="0">
-                <a:solidFill>
-                  <a:srgbClr val="FF0000"/>
-                </a:solidFill>
-              </a:rPr>
-              <a:t> </a:t>
-            </a:r>
-            <a:r>
-              <a:rPr lang="en-US" sz="2000" dirty="0" err="1" smtClean="0">
-                <a:solidFill>
-                  <a:srgbClr val="FF0000"/>
-                </a:solidFill>
-              </a:rPr>
-              <a:t>ở</a:t>
-            </a:r>
-            <a:r>
-              <a:rPr lang="en-US" sz="2000" dirty="0" smtClean="0">
-                <a:solidFill>
-                  <a:srgbClr val="FF0000"/>
-                </a:solidFill>
-              </a:rPr>
-              <a:t>, </a:t>
-            </a:r>
-            <a:r>
-              <a:rPr lang="en-US" sz="2000" dirty="0" err="1" smtClean="0">
-                <a:solidFill>
-                  <a:srgbClr val="FF0000"/>
-                </a:solidFill>
-              </a:rPr>
-              <a:t>phải</a:t>
-            </a:r>
-            <a:r>
-              <a:rPr lang="en-US" sz="2000" dirty="0" smtClean="0">
-                <a:solidFill>
-                  <a:srgbClr val="FF0000"/>
-                </a:solidFill>
-              </a:rPr>
-              <a:t> </a:t>
-            </a:r>
-            <a:r>
-              <a:rPr lang="en-US" sz="2000" dirty="0" err="1" smtClean="0">
-                <a:solidFill>
-                  <a:srgbClr val="FF0000"/>
-                </a:solidFill>
-              </a:rPr>
-              <a:t>ở</a:t>
-            </a:r>
-            <a:r>
-              <a:rPr lang="en-US" sz="2000" baseline="0" dirty="0" smtClean="0">
-                <a:solidFill>
-                  <a:srgbClr val="FF0000"/>
-                </a:solidFill>
-              </a:rPr>
-              <a:t> </a:t>
-            </a:r>
-            <a:r>
-              <a:rPr lang="en-US" sz="2000" dirty="0" err="1" smtClean="0">
-                <a:solidFill>
-                  <a:srgbClr val="FF0000"/>
-                </a:solidFill>
-              </a:rPr>
-              <a:t>ghép</a:t>
-            </a:r>
-            <a:r>
-              <a:rPr lang="en-US" sz="2000" dirty="0" smtClean="0">
-                <a:solidFill>
-                  <a:srgbClr val="FF0000"/>
-                </a:solidFill>
-              </a:rPr>
-              <a:t> </a:t>
-            </a:r>
-            <a:r>
-              <a:rPr lang="en-US" sz="2000" dirty="0" err="1" smtClean="0">
-                <a:solidFill>
-                  <a:srgbClr val="FF0000"/>
-                </a:solidFill>
-              </a:rPr>
-              <a:t>chung</a:t>
-            </a:r>
-            <a:r>
-              <a:rPr lang="en-US" sz="2000" dirty="0" smtClean="0">
-                <a:solidFill>
-                  <a:srgbClr val="FF0000"/>
-                </a:solidFill>
-              </a:rPr>
-              <a:t> </a:t>
-            </a:r>
-            <a:r>
-              <a:rPr lang="en-US" sz="2000" dirty="0" err="1" smtClean="0">
-                <a:solidFill>
-                  <a:srgbClr val="FF0000"/>
-                </a:solidFill>
-              </a:rPr>
-              <a:t>hoặc</a:t>
-            </a:r>
-            <a:r>
-              <a:rPr lang="en-US" sz="2000" dirty="0" smtClean="0">
-                <a:solidFill>
-                  <a:srgbClr val="FF0000"/>
-                </a:solidFill>
-              </a:rPr>
-              <a:t> </a:t>
-            </a:r>
-            <a:r>
-              <a:rPr lang="en-US" sz="2000" dirty="0" err="1" smtClean="0">
-                <a:solidFill>
-                  <a:srgbClr val="FF0000"/>
-                </a:solidFill>
-              </a:rPr>
-              <a:t>thuê</a:t>
-            </a:r>
-            <a:r>
-              <a:rPr lang="en-US" sz="2000" dirty="0" smtClean="0">
-                <a:solidFill>
-                  <a:srgbClr val="FF0000"/>
-                </a:solidFill>
-              </a:rPr>
-              <a:t> </a:t>
-            </a:r>
-            <a:r>
-              <a:rPr lang="en-US" sz="2000" dirty="0" err="1" smtClean="0">
-                <a:solidFill>
-                  <a:srgbClr val="FF0000"/>
-                </a:solidFill>
-              </a:rPr>
-              <a:t>nhà</a:t>
-            </a:r>
-            <a:r>
-              <a:rPr lang="en-US" sz="2000" dirty="0" smtClean="0">
-                <a:solidFill>
-                  <a:srgbClr val="FF0000"/>
-                </a:solidFill>
-              </a:rPr>
-              <a:t> </a:t>
-            </a:r>
-            <a:r>
-              <a:rPr lang="en-US" sz="2000" dirty="0" err="1" smtClean="0">
-                <a:solidFill>
-                  <a:srgbClr val="FF0000"/>
-                </a:solidFill>
-              </a:rPr>
-              <a:t>ở</a:t>
-            </a:r>
-            <a:r>
-              <a:rPr lang="en-US" sz="2000" dirty="0" smtClean="0">
-                <a:solidFill>
-                  <a:srgbClr val="FF0000"/>
-                </a:solidFill>
-              </a:rPr>
-              <a:t> </a:t>
-            </a:r>
-            <a:r>
-              <a:rPr lang="en-US" sz="2000" dirty="0" err="1" smtClean="0">
-                <a:solidFill>
-                  <a:srgbClr val="FF0000"/>
-                </a:solidFill>
-              </a:rPr>
-              <a:t>tạm</a:t>
-            </a:r>
-            <a:r>
-              <a:rPr lang="en-US" sz="2000" dirty="0" smtClean="0">
-                <a:solidFill>
-                  <a:srgbClr val="FF0000"/>
-                </a:solidFill>
-              </a:rPr>
-              <a:t>. </a:t>
-            </a:r>
-            <a:r>
-              <a:rPr lang="en-US" sz="2000" dirty="0" err="1" smtClean="0">
-                <a:solidFill>
-                  <a:srgbClr val="FF0000"/>
-                </a:solidFill>
-              </a:rPr>
-              <a:t>Với</a:t>
-            </a:r>
-            <a:r>
-              <a:rPr lang="en-US" sz="2000" dirty="0" smtClean="0">
-                <a:solidFill>
-                  <a:srgbClr val="FF0000"/>
-                </a:solidFill>
-              </a:rPr>
-              <a:t> </a:t>
-            </a:r>
-            <a:r>
-              <a:rPr lang="en-US" sz="2000" dirty="0" err="1" smtClean="0">
-                <a:solidFill>
-                  <a:srgbClr val="FF0000"/>
-                </a:solidFill>
-              </a:rPr>
-              <a:t>giá</a:t>
-            </a:r>
-            <a:r>
-              <a:rPr lang="en-US" sz="2000" dirty="0" smtClean="0">
-                <a:solidFill>
-                  <a:srgbClr val="FF0000"/>
-                </a:solidFill>
-              </a:rPr>
-              <a:t> </a:t>
-            </a:r>
-            <a:r>
-              <a:rPr lang="en-US" sz="2000" dirty="0" err="1" smtClean="0">
-                <a:solidFill>
-                  <a:srgbClr val="FF0000"/>
-                </a:solidFill>
-              </a:rPr>
-              <a:t>từ</a:t>
-            </a:r>
-            <a:r>
-              <a:rPr lang="en-US" sz="2000" dirty="0" smtClean="0">
-                <a:solidFill>
-                  <a:srgbClr val="FF0000"/>
-                </a:solidFill>
-              </a:rPr>
-              <a:t> 800 </a:t>
-            </a:r>
-            <a:r>
-              <a:rPr lang="en-US" sz="2000" dirty="0" err="1" smtClean="0">
-                <a:solidFill>
-                  <a:srgbClr val="FF0000"/>
-                </a:solidFill>
-              </a:rPr>
-              <a:t>triệu</a:t>
-            </a:r>
-            <a:r>
-              <a:rPr lang="en-US" sz="2000" dirty="0" smtClean="0">
-                <a:solidFill>
-                  <a:srgbClr val="FF0000"/>
-                </a:solidFill>
-              </a:rPr>
-              <a:t> </a:t>
-            </a:r>
-            <a:r>
-              <a:rPr lang="en-US" sz="2000" dirty="0" err="1" smtClean="0">
-                <a:solidFill>
-                  <a:srgbClr val="FF0000"/>
-                </a:solidFill>
-              </a:rPr>
-              <a:t>tới</a:t>
-            </a:r>
-            <a:r>
-              <a:rPr lang="en-US" sz="2000" dirty="0" smtClean="0">
-                <a:solidFill>
-                  <a:srgbClr val="FF0000"/>
-                </a:solidFill>
-              </a:rPr>
-              <a:t> 1,5 </a:t>
-            </a:r>
-            <a:r>
-              <a:rPr lang="en-US" sz="2000" dirty="0" err="1" smtClean="0">
-                <a:solidFill>
-                  <a:srgbClr val="FF0000"/>
-                </a:solidFill>
-              </a:rPr>
-              <a:t>tỷ</a:t>
-            </a:r>
-            <a:r>
-              <a:rPr lang="en-US" sz="2000" dirty="0" smtClean="0">
-                <a:solidFill>
-                  <a:srgbClr val="FF0000"/>
-                </a:solidFill>
-              </a:rPr>
-              <a:t> </a:t>
-            </a:r>
-            <a:r>
-              <a:rPr lang="en-US" sz="2000" dirty="0" err="1" smtClean="0">
-                <a:solidFill>
-                  <a:srgbClr val="FF0000"/>
-                </a:solidFill>
-              </a:rPr>
-              <a:t>đồng</a:t>
-            </a:r>
-            <a:r>
-              <a:rPr lang="en-US" sz="2000" dirty="0" smtClean="0">
-                <a:solidFill>
-                  <a:srgbClr val="FF0000"/>
-                </a:solidFill>
-              </a:rPr>
-              <a:t> </a:t>
-            </a:r>
-            <a:r>
-              <a:rPr lang="en-US" sz="2000" dirty="0" err="1" smtClean="0">
-                <a:solidFill>
-                  <a:srgbClr val="FF0000"/>
-                </a:solidFill>
-              </a:rPr>
-              <a:t>một</a:t>
-            </a:r>
-            <a:r>
-              <a:rPr lang="en-US" sz="2000" dirty="0" smtClean="0">
-                <a:solidFill>
-                  <a:srgbClr val="FF0000"/>
-                </a:solidFill>
-              </a:rPr>
-              <a:t> </a:t>
-            </a:r>
-            <a:r>
-              <a:rPr lang="en-US" sz="2000" dirty="0" err="1" smtClean="0">
-                <a:solidFill>
-                  <a:srgbClr val="FF0000"/>
-                </a:solidFill>
-              </a:rPr>
-              <a:t>căn</a:t>
-            </a:r>
-            <a:r>
-              <a:rPr lang="en-US" sz="2000" dirty="0" smtClean="0">
-                <a:solidFill>
-                  <a:srgbClr val="FF0000"/>
-                </a:solidFill>
-              </a:rPr>
-              <a:t> </a:t>
-            </a:r>
-            <a:r>
-              <a:rPr lang="en-US" sz="2000" dirty="0" err="1" smtClean="0">
-                <a:solidFill>
-                  <a:srgbClr val="FF0000"/>
-                </a:solidFill>
-              </a:rPr>
-              <a:t>hộ</a:t>
-            </a:r>
-            <a:r>
-              <a:rPr lang="en-US" sz="2000" dirty="0" smtClean="0">
-                <a:solidFill>
-                  <a:srgbClr val="FF0000"/>
-                </a:solidFill>
-              </a:rPr>
-              <a:t> </a:t>
-            </a:r>
-            <a:r>
-              <a:rPr lang="en-US" sz="2000" dirty="0" err="1" smtClean="0">
-                <a:solidFill>
-                  <a:srgbClr val="FF0000"/>
-                </a:solidFill>
-              </a:rPr>
-              <a:t>chung</a:t>
-            </a:r>
-            <a:r>
-              <a:rPr lang="en-US" sz="2000" dirty="0" smtClean="0">
-                <a:solidFill>
-                  <a:srgbClr val="FF0000"/>
-                </a:solidFill>
-              </a:rPr>
-              <a:t> </a:t>
-            </a:r>
-            <a:r>
-              <a:rPr lang="en-US" sz="2000" dirty="0" err="1" smtClean="0">
-                <a:solidFill>
-                  <a:srgbClr val="FF0000"/>
-                </a:solidFill>
-              </a:rPr>
-              <a:t>cư</a:t>
-            </a:r>
-            <a:r>
-              <a:rPr lang="en-US" sz="2000" dirty="0" smtClean="0">
-                <a:solidFill>
-                  <a:srgbClr val="FF0000"/>
-                </a:solidFill>
-              </a:rPr>
-              <a:t>, </a:t>
-            </a:r>
-            <a:r>
-              <a:rPr lang="en-US" sz="2000" dirty="0" err="1" smtClean="0">
-                <a:solidFill>
-                  <a:srgbClr val="FF0000"/>
-                </a:solidFill>
-              </a:rPr>
-              <a:t>một</a:t>
-            </a:r>
-            <a:r>
-              <a:rPr lang="en-US" sz="2000" dirty="0" smtClean="0">
-                <a:solidFill>
-                  <a:srgbClr val="FF0000"/>
-                </a:solidFill>
-              </a:rPr>
-              <a:t> </a:t>
-            </a:r>
-            <a:r>
-              <a:rPr lang="en-US" sz="2000" dirty="0" err="1" smtClean="0">
-                <a:solidFill>
-                  <a:srgbClr val="FF0000"/>
-                </a:solidFill>
-              </a:rPr>
-              <a:t>người</a:t>
-            </a:r>
-            <a:r>
-              <a:rPr lang="en-US" sz="2000" dirty="0" smtClean="0">
-                <a:solidFill>
-                  <a:srgbClr val="FF0000"/>
-                </a:solidFill>
-              </a:rPr>
-              <a:t> </a:t>
-            </a:r>
-            <a:r>
-              <a:rPr lang="en-US" sz="2000" dirty="0" err="1" smtClean="0">
-                <a:solidFill>
-                  <a:schemeClr val="accent2">
-                    <a:lumMod val="50000"/>
-                  </a:schemeClr>
-                </a:solidFill>
-              </a:rPr>
-              <a:t>dân</a:t>
-            </a:r>
-            <a:r>
-              <a:rPr lang="en-US" sz="2000" dirty="0" smtClean="0">
-                <a:solidFill>
-                  <a:schemeClr val="accent2">
-                    <a:lumMod val="50000"/>
-                  </a:schemeClr>
-                </a:solidFill>
-              </a:rPr>
-              <a:t> </a:t>
-            </a:r>
-            <a:r>
-              <a:rPr lang="en-US" sz="2000" dirty="0" err="1" smtClean="0">
-                <a:solidFill>
-                  <a:schemeClr val="accent2">
-                    <a:lumMod val="50000"/>
-                  </a:schemeClr>
-                </a:solidFill>
-              </a:rPr>
-              <a:t>có</a:t>
-            </a:r>
-            <a:r>
-              <a:rPr lang="en-US" sz="2000" dirty="0" smtClean="0">
-                <a:solidFill>
-                  <a:schemeClr val="accent2">
-                    <a:lumMod val="50000"/>
-                  </a:schemeClr>
-                </a:solidFill>
-              </a:rPr>
-              <a:t> </a:t>
-            </a:r>
-            <a:r>
-              <a:rPr lang="en-US" sz="2000" dirty="0" err="1" smtClean="0">
-                <a:solidFill>
-                  <a:schemeClr val="accent2">
-                    <a:lumMod val="50000"/>
-                  </a:schemeClr>
-                </a:solidFill>
-              </a:rPr>
-              <a:t>thu</a:t>
-            </a:r>
-            <a:r>
-              <a:rPr lang="en-US" sz="2000" dirty="0" smtClean="0">
-                <a:solidFill>
-                  <a:schemeClr val="accent2">
-                    <a:lumMod val="50000"/>
-                  </a:schemeClr>
-                </a:solidFill>
-              </a:rPr>
-              <a:t> </a:t>
-            </a:r>
-            <a:r>
-              <a:rPr lang="en-US" sz="2000" dirty="0" err="1" smtClean="0">
-                <a:solidFill>
-                  <a:schemeClr val="accent2">
-                    <a:lumMod val="50000"/>
-                  </a:schemeClr>
-                </a:solidFill>
-              </a:rPr>
-              <a:t>nhập</a:t>
-            </a:r>
-            <a:r>
-              <a:rPr lang="en-US" sz="2000" dirty="0" smtClean="0">
-                <a:solidFill>
-                  <a:schemeClr val="accent2">
-                    <a:lumMod val="50000"/>
-                  </a:schemeClr>
-                </a:solidFill>
-              </a:rPr>
-              <a:t> </a:t>
-            </a:r>
-            <a:r>
-              <a:rPr lang="en-US" sz="2000" dirty="0" err="1" smtClean="0">
-                <a:solidFill>
-                  <a:schemeClr val="accent2">
-                    <a:lumMod val="50000"/>
-                  </a:schemeClr>
-                </a:solidFill>
-              </a:rPr>
-              <a:t>trung</a:t>
-            </a:r>
-            <a:r>
-              <a:rPr lang="en-US" sz="2000" dirty="0" smtClean="0">
-                <a:solidFill>
-                  <a:schemeClr val="accent2">
-                    <a:lumMod val="50000"/>
-                  </a:schemeClr>
-                </a:solidFill>
-              </a:rPr>
-              <a:t> </a:t>
-            </a:r>
-            <a:r>
-              <a:rPr lang="en-US" sz="2000" dirty="0" err="1" smtClean="0">
-                <a:solidFill>
-                  <a:schemeClr val="accent2">
-                    <a:lumMod val="50000"/>
-                  </a:schemeClr>
-                </a:solidFill>
-              </a:rPr>
-              <a:t>bình</a:t>
-            </a:r>
-            <a:r>
-              <a:rPr lang="en-US" sz="2000" dirty="0" smtClean="0">
-                <a:solidFill>
-                  <a:schemeClr val="accent2">
-                    <a:lumMod val="50000"/>
-                  </a:schemeClr>
-                </a:solidFill>
-              </a:rPr>
-              <a:t> </a:t>
-            </a:r>
-            <a:r>
-              <a:rPr lang="en-US" sz="2000" dirty="0" err="1" smtClean="0">
-                <a:solidFill>
-                  <a:schemeClr val="accent2">
-                    <a:lumMod val="50000"/>
-                  </a:schemeClr>
-                </a:solidFill>
-              </a:rPr>
-              <a:t>chỉ</a:t>
-            </a:r>
-            <a:r>
-              <a:rPr lang="en-US" sz="2000" dirty="0" smtClean="0">
-                <a:solidFill>
-                  <a:schemeClr val="accent2">
-                    <a:lumMod val="50000"/>
-                  </a:schemeClr>
-                </a:solidFill>
-              </a:rPr>
-              <a:t> </a:t>
-            </a:r>
-            <a:r>
-              <a:rPr lang="en-US" sz="2000" dirty="0" err="1" smtClean="0">
-                <a:solidFill>
-                  <a:schemeClr val="accent2">
-                    <a:lumMod val="50000"/>
-                  </a:schemeClr>
-                </a:solidFill>
-              </a:rPr>
-              <a:t>có</a:t>
-            </a:r>
-            <a:r>
-              <a:rPr lang="en-US" sz="2000" dirty="0" smtClean="0">
-                <a:solidFill>
-                  <a:schemeClr val="accent2">
-                    <a:lumMod val="50000"/>
-                  </a:schemeClr>
-                </a:solidFill>
-              </a:rPr>
-              <a:t> </a:t>
-            </a:r>
-            <a:r>
-              <a:rPr lang="en-US" sz="2000" dirty="0" err="1" smtClean="0">
-                <a:solidFill>
-                  <a:schemeClr val="accent2">
-                    <a:lumMod val="50000"/>
-                  </a:schemeClr>
-                </a:solidFill>
-              </a:rPr>
-              <a:t>thể</a:t>
-            </a:r>
-            <a:r>
-              <a:rPr lang="en-US" sz="2000" dirty="0" smtClean="0">
-                <a:solidFill>
-                  <a:schemeClr val="accent2">
-                    <a:lumMod val="50000"/>
-                  </a:schemeClr>
-                </a:solidFill>
-              </a:rPr>
-              <a:t> </a:t>
-            </a:r>
-            <a:r>
-              <a:rPr lang="en-US" sz="2000" dirty="0" err="1" smtClean="0">
-                <a:solidFill>
-                  <a:schemeClr val="accent2">
-                    <a:lumMod val="50000"/>
-                  </a:schemeClr>
-                </a:solidFill>
-              </a:rPr>
-              <a:t>mua</a:t>
-            </a:r>
-            <a:r>
-              <a:rPr lang="en-US" sz="2000" dirty="0" smtClean="0">
-                <a:solidFill>
-                  <a:schemeClr val="accent2">
-                    <a:lumMod val="50000"/>
-                  </a:schemeClr>
-                </a:solidFill>
-              </a:rPr>
-              <a:t> </a:t>
-            </a:r>
-            <a:r>
-              <a:rPr lang="en-US" sz="2000" dirty="0" err="1" smtClean="0">
-                <a:solidFill>
-                  <a:schemeClr val="accent2">
-                    <a:lumMod val="50000"/>
-                  </a:schemeClr>
-                </a:solidFill>
-              </a:rPr>
-              <a:t>được</a:t>
-            </a:r>
-            <a:r>
-              <a:rPr lang="en-US" sz="2000" dirty="0" smtClean="0">
-                <a:solidFill>
-                  <a:schemeClr val="accent2">
-                    <a:lumMod val="50000"/>
-                  </a:schemeClr>
-                </a:solidFill>
-              </a:rPr>
-              <a:t> </a:t>
-            </a:r>
-            <a:r>
-              <a:rPr lang="en-US" sz="2000" dirty="0" err="1" smtClean="0">
-                <a:solidFill>
-                  <a:schemeClr val="accent2">
-                    <a:lumMod val="50000"/>
-                  </a:schemeClr>
-                </a:solidFill>
-              </a:rPr>
-              <a:t>sau</a:t>
-            </a:r>
-            <a:r>
-              <a:rPr lang="en-US" sz="2000" dirty="0" smtClean="0">
-                <a:solidFill>
-                  <a:schemeClr val="accent2">
-                    <a:lumMod val="50000"/>
-                  </a:schemeClr>
-                </a:solidFill>
-              </a:rPr>
-              <a:t> </a:t>
-            </a:r>
-            <a:r>
-              <a:rPr lang="en-US" sz="2000" dirty="0" err="1" smtClean="0">
-                <a:solidFill>
-                  <a:schemeClr val="accent2">
-                    <a:lumMod val="50000"/>
-                  </a:schemeClr>
-                </a:solidFill>
-              </a:rPr>
-              <a:t>nhiều</a:t>
-            </a:r>
-            <a:r>
-              <a:rPr lang="en-US" sz="2000" dirty="0" smtClean="0">
-                <a:solidFill>
-                  <a:schemeClr val="accent2">
-                    <a:lumMod val="50000"/>
-                  </a:schemeClr>
-                </a:solidFill>
-              </a:rPr>
-              <a:t> </a:t>
-            </a:r>
-            <a:r>
-              <a:rPr lang="en-US" sz="2000" dirty="0" err="1" smtClean="0">
-                <a:solidFill>
-                  <a:schemeClr val="accent2">
-                    <a:lumMod val="50000"/>
-                  </a:schemeClr>
-                </a:solidFill>
-              </a:rPr>
-              <a:t>năm</a:t>
-            </a:r>
-            <a:r>
-              <a:rPr lang="en-US" sz="2000" dirty="0" smtClean="0">
-                <a:solidFill>
-                  <a:schemeClr val="accent2">
-                    <a:lumMod val="50000"/>
-                  </a:schemeClr>
-                </a:solidFill>
-              </a:rPr>
-              <a:t> </a:t>
-            </a:r>
-            <a:r>
-              <a:rPr lang="en-US" sz="2000" dirty="0" err="1" smtClean="0">
-                <a:solidFill>
-                  <a:schemeClr val="accent2">
-                    <a:lumMod val="50000"/>
-                  </a:schemeClr>
-                </a:solidFill>
-              </a:rPr>
-              <a:t>tích</a:t>
-            </a:r>
-            <a:r>
-              <a:rPr lang="en-US" sz="2000" dirty="0" smtClean="0">
-                <a:solidFill>
-                  <a:schemeClr val="accent2">
-                    <a:lumMod val="50000"/>
-                  </a:schemeClr>
-                </a:solidFill>
-              </a:rPr>
-              <a:t> </a:t>
-            </a:r>
-            <a:r>
-              <a:rPr lang="en-US" sz="2000" dirty="0" err="1" smtClean="0">
-                <a:solidFill>
-                  <a:schemeClr val="accent2">
-                    <a:lumMod val="50000"/>
-                  </a:schemeClr>
-                </a:solidFill>
-              </a:rPr>
-              <a:t>lũy</a:t>
-            </a:r>
-            <a:r>
-              <a:rPr lang="en-US" sz="2000" dirty="0" smtClean="0">
-                <a:solidFill>
-                  <a:schemeClr val="accent2">
-                    <a:lumMod val="50000"/>
-                  </a:schemeClr>
-                </a:solidFill>
-              </a:rPr>
-              <a:t> </a:t>
-            </a:r>
-            <a:r>
-              <a:rPr lang="en-US" sz="2000" dirty="0" err="1" smtClean="0">
-                <a:solidFill>
-                  <a:schemeClr val="accent2">
-                    <a:lumMod val="50000"/>
-                  </a:schemeClr>
-                </a:solidFill>
-              </a:rPr>
-              <a:t>tài</a:t>
-            </a:r>
-            <a:r>
-              <a:rPr lang="en-US" sz="2000" dirty="0" smtClean="0">
-                <a:solidFill>
-                  <a:schemeClr val="accent2">
-                    <a:lumMod val="50000"/>
-                  </a:schemeClr>
-                </a:solidFill>
-              </a:rPr>
-              <a:t> </a:t>
-            </a:r>
-            <a:r>
-              <a:rPr lang="en-US" sz="2000" dirty="0" err="1" smtClean="0">
-                <a:solidFill>
-                  <a:schemeClr val="accent2">
-                    <a:lumMod val="50000"/>
-                  </a:schemeClr>
-                </a:solidFill>
-              </a:rPr>
-              <a:t>chính</a:t>
-            </a:r>
-            <a:r>
-              <a:rPr lang="en-US" sz="2000" dirty="0" smtClean="0">
-                <a:solidFill>
-                  <a:schemeClr val="accent2">
-                    <a:lumMod val="50000"/>
-                  </a:schemeClr>
-                </a:solidFill>
+                <a:sym typeface="Wingdings"/>
               </a:rPr>
               <a:t>.</a:t>
             </a:r>
+            <a:endParaRPr lang="en-US" sz="2000" dirty="0" smtClean="0">
+              <a:solidFill>
+                <a:schemeClr val="accent2">
+                  <a:lumMod val="50000"/>
+                </a:schemeClr>
+              </a:solidFill>
+            </a:endParaRPr>
           </a:p>
           <a:p>
             <a:pPr marL="0" marR="0" indent="0" algn="l" defTabSz="1218987" rtl="0" eaLnBrk="1" fontAlgn="auto" latinLnBrk="0" hangingPunct="1">
@@ -20114,7 +18981,7 @@
               <a:defRPr/>
             </a:pPr>
             <a:r>
-              <a:rPr lang="en-US" sz="2000" dirty="0" err="1" smtClean="0"/>
+              <a:rPr lang="en-US" sz="2000" baseline="0" dirty="0" err="1" smtClean="0"/>
               <a:t>Đồng</a:t>
             </a:r>
             <a:r>
@@ -20127,243 +18994,83 @@
             </a:r>
             <a:r>
               <a:rPr lang="en-US" sz="2000" baseline="0" dirty="0" smtClean="0"/>
-              <a:t>, </a:t>
+              <a:t>/ </a:t>
             </a:r>
             <a:r>
               <a:rPr lang="en-US" sz="2000" baseline="0" dirty="0" err="1" smtClean="0"/>
-              <a:t>l</a:t>
-            </a:r>
-            <a:r>
-              <a:rPr lang="en-US" sz="2000" dirty="0" err="1" smtClean="0"/>
-              <a:t>à</a:t>
-            </a:r>
-            <a:r>
-              <a:rPr lang="en-US" sz="2000" dirty="0" smtClean="0"/>
-              <a:t> </a:t>
-            </a:r>
-            <a:r>
-              <a:rPr lang="en-US" sz="2000" dirty="0" err="1" smtClean="0"/>
-              <a:t>một</a:t>
-            </a:r>
-            <a:r>
-              <a:rPr lang="en-US" sz="2000" dirty="0" smtClean="0"/>
-              <a:t> </a:t>
-            </a:r>
-            <a:r>
-              <a:rPr lang="en-US" sz="2000" dirty="0" err="1" smtClean="0"/>
-              <a:t>trong</a:t>
-            </a:r>
-            <a:r>
-              <a:rPr lang="en-US" sz="2000" dirty="0" smtClean="0"/>
-              <a:t> </a:t>
-            </a:r>
-            <a:r>
-              <a:rPr lang="en-US" sz="2000" dirty="0" err="1" smtClean="0"/>
-              <a:t>hai</a:t>
-            </a:r>
-            <a:r>
-              <a:rPr lang="en-US" sz="2000" dirty="0" smtClean="0"/>
-              <a:t> </a:t>
-            </a:r>
-            <a:r>
-              <a:rPr lang="en-US" sz="2000" dirty="0" err="1" smtClean="0"/>
+              <a:t>việc</a:t>
+            </a:r>
+            <a:r>
+              <a:rPr lang="en-US" sz="2000" baseline="0" dirty="0" smtClean="0"/>
+              <a:t> </a:t>
+            </a:r>
+            <a:r>
+              <a:rPr lang="en-US" sz="2000" baseline="0" dirty="0" err="1" smtClean="0"/>
+              <a:t>tập</a:t>
+            </a:r>
+            <a:r>
+              <a:rPr lang="en-US" sz="2000" baseline="0" dirty="0" smtClean="0"/>
+              <a:t> </a:t>
+            </a:r>
+            <a:r>
+              <a:rPr lang="en-US" sz="2000" baseline="0" dirty="0" err="1" smtClean="0"/>
               <a:t>trung</a:t>
             </a:r>
             <a:r>
-              <a:rPr lang="en-US" sz="2000" dirty="0" smtClean="0"/>
-              <a:t> </a:t>
-            </a:r>
-            <a:r>
-              <a:rPr lang="en-US" sz="2000" dirty="0" err="1" smtClean="0"/>
+              <a:rPr lang="en-US" sz="2000" baseline="0" dirty="0" smtClean="0"/>
+              <a:t> </a:t>
+            </a:r>
+            <a:r>
+              <a:rPr lang="en-US" sz="2000" baseline="0" dirty="0" err="1" smtClean="0"/>
+              <a:t>quá</a:t>
+            </a:r>
+            <a:r>
+              <a:rPr lang="en-US" sz="2000" baseline="0" dirty="0" smtClean="0"/>
+              <a:t> </a:t>
+            </a:r>
+            <a:r>
+              <a:rPr lang="en-US" sz="2000" baseline="0" dirty="0" err="1" smtClean="0"/>
+              <a:t>nhiều</a:t>
+            </a:r>
+            <a:r>
+              <a:rPr lang="en-US" sz="2000" baseline="0" dirty="0" smtClean="0"/>
+              <a:t> </a:t>
+            </a:r>
+            <a:r>
+              <a:rPr lang="en-US" sz="2000" baseline="0" dirty="0" err="1" smtClean="0"/>
+              <a:t>trường</a:t>
+            </a:r>
+            <a:r>
+              <a:rPr lang="en-US" sz="2000" baseline="0" dirty="0" smtClean="0"/>
+              <a:t> ĐH </a:t>
+            </a:r>
+            <a:r>
+              <a:rPr lang="en-US" sz="2000" baseline="0" dirty="0" err="1" smtClean="0"/>
+              <a:t>tại</a:t>
+            </a:r>
+            <a:r>
+              <a:rPr lang="en-US" sz="2000" baseline="0" dirty="0" smtClean="0"/>
+              <a:t> </a:t>
+            </a:r>
+            <a:r>
+              <a:rPr lang="en-US" sz="2000" baseline="0" dirty="0" err="1" smtClean="0"/>
+              <a:t>trung</a:t>
+            </a:r>
+            <a:r>
+              <a:rPr lang="en-US" sz="2000" baseline="0" dirty="0" smtClean="0"/>
+              <a:t> </a:t>
+            </a:r>
+            <a:r>
+              <a:rPr lang="en-US" sz="2000" baseline="0" dirty="0" err="1" smtClean="0"/>
               <a:t>tâm</a:t>
             </a:r>
             <a:r>
-              <a:rPr lang="en-US" sz="2000" dirty="0" smtClean="0"/>
-              <a:t> </a:t>
-            </a:r>
-            <a:r>
-              <a:rPr lang="en-US" sz="2000" dirty="0" err="1" smtClean="0"/>
-              <a:t>giáo</a:t>
-            </a:r>
-            <a:r>
-              <a:rPr lang="en-US" sz="2000" dirty="0" smtClean="0"/>
-              <a:t> </a:t>
-            </a:r>
-            <a:r>
-              <a:rPr lang="en-US" sz="2000" dirty="0" err="1" smtClean="0"/>
-              <a:t>dục</a:t>
-            </a:r>
-            <a:r>
-              <a:rPr lang="en-US" sz="2000" dirty="0" smtClean="0"/>
-              <a:t> </a:t>
-            </a:r>
-            <a:r>
-              <a:rPr lang="en-US" sz="2000" dirty="0" err="1" smtClean="0"/>
-              <a:t>đại</a:t>
-            </a:r>
-            <a:r>
-              <a:rPr lang="en-US" sz="2000" dirty="0" smtClean="0"/>
-              <a:t> </a:t>
-            </a:r>
-            <a:r>
-              <a:rPr lang="en-US" sz="2000" dirty="0" err="1" smtClean="0"/>
-              <a:t>học</a:t>
-            </a:r>
-            <a:r>
-              <a:rPr lang="en-US" sz="2000" dirty="0" smtClean="0"/>
-              <a:t> </a:t>
-            </a:r>
-            <a:r>
-              <a:rPr lang="en-US" sz="2000" dirty="0" err="1" smtClean="0"/>
-              <a:t>lớn</a:t>
-            </a:r>
-            <a:r>
-              <a:rPr lang="en-US" sz="2000" dirty="0" smtClean="0"/>
-              <a:t> </a:t>
-            </a:r>
-            <a:r>
-              <a:rPr lang="en-US" sz="2000" dirty="0" err="1" smtClean="0"/>
-              <a:t>nhất</a:t>
-            </a:r>
-            <a:r>
-              <a:rPr lang="en-US" sz="2000" dirty="0" smtClean="0"/>
-              <a:t> </a:t>
-            </a:r>
-            <a:r>
-              <a:rPr lang="en-US" sz="2000" dirty="0" err="1" smtClean="0"/>
-              <a:t>quốc</a:t>
-            </a:r>
-            <a:r>
-              <a:rPr lang="en-US" sz="2000" dirty="0" smtClean="0"/>
-              <a:t> </a:t>
-            </a:r>
-            <a:r>
-              <a:rPr lang="en-US" sz="2000" dirty="0" err="1" smtClean="0"/>
-              <a:t>gia</a:t>
-            </a:r>
-            <a:r>
-              <a:rPr lang="en-US" sz="2000" dirty="0" smtClean="0"/>
-              <a:t>, </a:t>
-            </a:r>
-            <a:r>
-              <a:rPr lang="en-US" sz="2000" dirty="0" err="1" smtClean="0"/>
-              <a:t>trên</a:t>
-            </a:r>
-            <a:r>
-              <a:rPr lang="en-US" sz="2000" dirty="0" smtClean="0"/>
-              <a:t> </a:t>
-            </a:r>
-            <a:r>
-              <a:rPr lang="en-US" sz="2000" dirty="0" err="1" smtClean="0"/>
-              <a:t>địa</a:t>
-            </a:r>
-            <a:r>
-              <a:rPr lang="en-US" sz="2000" dirty="0" smtClean="0"/>
-              <a:t> </a:t>
-            </a:r>
-            <a:r>
-              <a:rPr lang="en-US" sz="2000" dirty="0" err="1" smtClean="0"/>
-              <a:t>bàn</a:t>
-            </a:r>
-            <a:r>
-              <a:rPr lang="en-US" sz="2000" dirty="0" smtClean="0"/>
-              <a:t> </a:t>
-            </a:r>
-            <a:r>
-              <a:rPr lang="en-US" sz="2000" dirty="0" err="1" smtClean="0"/>
-              <a:t>trung</a:t>
-            </a:r>
-            <a:r>
-              <a:rPr lang="en-US" sz="2000" dirty="0" smtClean="0"/>
-              <a:t> </a:t>
-            </a:r>
-            <a:r>
-              <a:rPr lang="en-US" sz="2000" dirty="0" err="1" smtClean="0"/>
-              <a:t>tâm</a:t>
-            </a:r>
-            <a:r>
-              <a:rPr lang="en-US" sz="2000" dirty="0" smtClean="0"/>
-              <a:t> </a:t>
-            </a:r>
-            <a:r>
-              <a:rPr lang="en-US" sz="2000" dirty="0" err="1" smtClean="0"/>
-              <a:t>Hà</a:t>
-            </a:r>
-            <a:r>
-              <a:rPr lang="en-US" sz="2000" dirty="0" smtClean="0"/>
-              <a:t> </a:t>
-            </a:r>
-            <a:r>
-              <a:rPr lang="en-US" sz="2000" dirty="0" err="1" smtClean="0"/>
-              <a:t>Nội</a:t>
-            </a:r>
-            <a:r>
-              <a:rPr lang="en-US" sz="2000" dirty="0" smtClean="0"/>
-              <a:t> </a:t>
-            </a:r>
-            <a:r>
-              <a:rPr lang="en-US" sz="2000" dirty="0" err="1" smtClean="0"/>
-              <a:t>hiện</a:t>
-            </a:r>
-            <a:r>
               <a:rPr lang="en-US" sz="2000" baseline="0" dirty="0" smtClean="0"/>
-              <a:t> </a:t>
-            </a:r>
-            <a:r>
-              <a:rPr lang="en-US" sz="2000" dirty="0" err="1" smtClean="0"/>
-              <a:t>có</a:t>
-            </a:r>
-            <a:r>
-              <a:rPr lang="en-US" sz="2000" dirty="0" smtClean="0"/>
-              <a:t> </a:t>
-            </a:r>
-            <a:r>
-              <a:rPr lang="en-US" sz="2000" dirty="0" err="1" smtClean="0"/>
-              <a:t>trên</a:t>
-            </a:r>
-            <a:r>
-              <a:rPr lang="en-US" sz="2000" dirty="0" smtClean="0"/>
-              <a:t> 50 </a:t>
-            </a:r>
-            <a:r>
-              <a:rPr lang="en-US" sz="2000" dirty="0" err="1" smtClean="0"/>
-              <a:t>trường</a:t>
-            </a:r>
-            <a:r>
-              <a:rPr lang="en-US" sz="2000" dirty="0" smtClean="0"/>
-              <a:t> </a:t>
-            </a:r>
-            <a:r>
-              <a:rPr lang="en-US" sz="2000" dirty="0" err="1" smtClean="0"/>
-              <a:t>đại</a:t>
-            </a:r>
-            <a:r>
-              <a:rPr lang="en-US" sz="2000" dirty="0" smtClean="0"/>
-              <a:t> </a:t>
-            </a:r>
-            <a:r>
-              <a:rPr lang="en-US" sz="2000" dirty="0" err="1" smtClean="0"/>
-              <a:t>học</a:t>
-            </a:r>
-            <a:r>
-              <a:rPr lang="en-US" sz="2000" dirty="0" smtClean="0"/>
-              <a:t>, </a:t>
-            </a:r>
-            <a:r>
-              <a:rPr lang="en-US" sz="2000" dirty="0" err="1" smtClean="0"/>
-              <a:t>cao</a:t>
-            </a:r>
-            <a:r>
-              <a:rPr lang="en-US" sz="2000" dirty="0" smtClean="0"/>
-              <a:t> </a:t>
-            </a:r>
-            <a:r>
-              <a:rPr lang="en-US" sz="2000" dirty="0" err="1" smtClean="0"/>
-              <a:t>đẳng</a:t>
-            </a:r>
-            <a:r>
-              <a:rPr lang="en-US" sz="2000" dirty="0" smtClean="0"/>
-              <a:t>,</a:t>
+              <a:t> TP / </a:t>
+            </a:r>
+            <a:r>
+              <a:rPr lang="en-US" sz="2000" baseline="0" dirty="0" err="1" smtClean="0"/>
+              <a:t>dẫn</a:t>
             </a:r>
             <a:r>
               <a:rPr lang="en-US" sz="2000" baseline="0" dirty="0" smtClean="0"/>
@@ -20371,7 +19078,7 @@
             </a:r>
             <a:r>
               <a:rPr lang="en-US" sz="2000" baseline="0" dirty="0" err="1" smtClean="0"/>
-              <a:t>thu</a:t>
+              <a:t>tới</a:t>
             </a:r>
             <a:r>
               <a:rPr lang="en-US" sz="2000" baseline="0" dirty="0" smtClean="0"/>
@@ -20379,55 +19086,7 @@
             </a:r>
             <a:r>
               <a:rPr lang="en-US" sz="2000" baseline="0" dirty="0" err="1" smtClean="0"/>
-              <a:t>hút</a:t>
-            </a:r>
-            <a:r>
-              <a:rPr lang="en-US" sz="2000" baseline="0" dirty="0" smtClean="0"/>
-              <a:t> </a:t>
-            </a:r>
-            <a:r>
-              <a:rPr lang="en-US" sz="2000" baseline="0" dirty="0" err="1" smtClean="0"/>
-              <a:t>gần</a:t>
-            </a:r>
-            <a:r>
-              <a:rPr lang="en-US" sz="2000" dirty="0" smtClean="0"/>
-              <a:t> 700.000 </a:t>
-            </a:r>
-            <a:r>
-              <a:rPr lang="en-US" sz="2000" dirty="0" err="1" smtClean="0"/>
-              <a:t>sinh</a:t>
-            </a:r>
-            <a:r>
-              <a:rPr lang="en-US" sz="2000" dirty="0" smtClean="0"/>
-              <a:t> </a:t>
-            </a:r>
-            <a:r>
-              <a:rPr lang="en-US" sz="2000" dirty="0" err="1" smtClean="0"/>
-              <a:t>viên</a:t>
-            </a:r>
-            <a:r>
-              <a:rPr lang="en-US" sz="2000" dirty="0" smtClean="0"/>
-              <a:t> </a:t>
-            </a:r>
-            <a:r>
-              <a:rPr lang="en-US" sz="2000" dirty="0" err="1" smtClean="0"/>
-              <a:t>mỗi</a:t>
-            </a:r>
-            <a:r>
-              <a:rPr lang="en-US" sz="2000" baseline="0" dirty="0" smtClean="0"/>
-              <a:t> </a:t>
-            </a:r>
-            <a:r>
-              <a:rPr lang="en-US" sz="2000" baseline="0" dirty="0" err="1" smtClean="0"/>
-              <a:t>năm</a:t>
-            </a:r>
-            <a:r>
-              <a:rPr lang="en-US" sz="2000" baseline="0" dirty="0" smtClean="0"/>
-              <a:t>. </a:t>
-            </a:r>
-            <a:r>
-              <a:rPr lang="en-US" sz="2000" baseline="0" dirty="0" err="1" smtClean="0"/>
-              <a:t>Khả</a:t>
+              <a:t>khả</a:t>
             </a:r>
             <a:r>
               <a:rPr lang="en-US" sz="2000" baseline="0" dirty="0" smtClean="0"/>
@@ -20463,15 +19122,7 @@
             </a:r>
             <a:r>
               <a:rPr lang="en-US" sz="2000" baseline="0" dirty="0" smtClean="0"/>
-              <a:t> </a:t>
-            </a:r>
-            <a:r>
-              <a:rPr lang="en-US" sz="2000" baseline="0" dirty="0" err="1" smtClean="0"/>
-              <a:t>ở</a:t>
-            </a:r>
-            <a:r>
-              <a:rPr lang="en-US" sz="2000" baseline="0" dirty="0" smtClean="0"/>
-              <a:t> </a:t>
+              <a:t> ở </a:t>
             </a:r>
             <a:r>
               <a:rPr lang="en-US" sz="2000" baseline="0" dirty="0" err="1" smtClean="0"/>
@@ -20539,7 +19190,7 @@
             </a:r>
             <a:r>
               <a:rPr lang="en-US" sz="2000" baseline="0" dirty="0" err="1" smtClean="0"/>
-              <a:t>bất</a:t>
+              <a:t>không</a:t>
             </a:r>
             <a:r>
               <a:rPr lang="en-US" sz="2000" baseline="0" dirty="0" smtClean="0"/>
@@ -20547,19 +19198,11 @@
             </a:r>
             <a:r>
               <a:rPr lang="en-US" sz="2000" baseline="0" dirty="0" err="1" smtClean="0"/>
-              <a:t>khả</a:t>
+              <a:t>thể</a:t>
             </a:r>
             <a:r>
               <a:rPr lang="en-US" sz="2000" baseline="0" dirty="0" smtClean="0"/>
-              <a:t> </a:t>
-            </a:r>
-            <a:r>
-              <a:rPr lang="en-US" sz="2000" baseline="0" dirty="0" err="1" smtClean="0"/>
-              <a:t>thi</a:t>
-            </a:r>
-            <a:r>
-              <a:rPr lang="en-US" sz="2000" baseline="0" dirty="0" smtClean="0"/>
-              <a:t>. </a:t>
+              <a:t>.</a:t>
             </a:r>
           </a:p>
           <a:p>
@@ -21123,7 +19766,7 @@
               <a:rPr lang="en-US" sz="2000" baseline="0" dirty="0" err="1" smtClean="0">
                 <a:sym typeface="Wingdings"/>
               </a:rPr>
-              <a:t>sở</a:t>
+              <a:t>nhu</a:t>
             </a:r>
             <a:r>
               <a:rPr lang="en-US" sz="2000" baseline="0" dirty="0" smtClean="0">
@@ -21135,7 +19778,7 @@
               <a:rPr lang="en-US" sz="2000" baseline="0" dirty="0" err="1" smtClean="0">
                 <a:sym typeface="Wingdings"/>
               </a:rPr>
-              <a:t>thích</a:t>
+              <a:t>cầu</a:t>
             </a:r>
             <a:r>
               <a:rPr lang="en-US" sz="2000" baseline="0" dirty="0" smtClean="0">
@@ -21148,66 +19791,6 @@
                 <a:sym typeface="Wingdings"/>
               </a:rPr>
               <a:t>không</a:t>
-            </a:r>
-            <a:r>
-              <a:rPr lang="en-US" sz="2000" baseline="0" dirty="0" smtClean="0">
-                <a:sym typeface="Wingdings"/>
-              </a:rPr>
-              <a:t> </a:t>
-            </a:r>
-            <a:r>
-              <a:rPr lang="en-US" sz="2000" baseline="0" dirty="0" err="1" smtClean="0">
-                <a:sym typeface="Wingdings"/>
-              </a:rPr>
-              <a:t>còn</a:t>
-            </a:r>
-            <a:r>
-              <a:rPr lang="en-US" sz="2000" baseline="0" dirty="0" smtClean="0">
-                <a:sym typeface="Wingdings"/>
-              </a:rPr>
-              <a:t> </a:t>
-            </a:r>
-            <a:r>
-              <a:rPr lang="en-US" sz="2000" baseline="0" dirty="0" err="1" smtClean="0">
-                <a:sym typeface="Wingdings"/>
-              </a:rPr>
-              <a:t>là</a:t>
-            </a:r>
-            <a:r>
-              <a:rPr lang="en-US" sz="2000" baseline="0" dirty="0" smtClean="0">
-                <a:sym typeface="Wingdings"/>
-              </a:rPr>
-              <a:t> </a:t>
-            </a:r>
-            <a:r>
-              <a:rPr lang="en-US" sz="2000" baseline="0" dirty="0" err="1" smtClean="0">
-                <a:sym typeface="Wingdings"/>
-              </a:rPr>
-              <a:t>một</a:t>
-            </a:r>
-            <a:r>
-              <a:rPr lang="en-US" sz="2000" baseline="0" dirty="0" smtClean="0">
-                <a:sym typeface="Wingdings"/>
-              </a:rPr>
-              <a:t> </a:t>
-            </a:r>
-            <a:r>
-              <a:rPr lang="en-US" sz="2000" baseline="0" dirty="0" err="1" smtClean="0">
-                <a:sym typeface="Wingdings"/>
-              </a:rPr>
-              <a:t>vấn</a:t>
-            </a:r>
-            <a:r>
-              <a:rPr lang="en-US" sz="2000" baseline="0" dirty="0" smtClean="0">
-                <a:sym typeface="Wingdings"/>
-              </a:rPr>
-              <a:t> </a:t>
-            </a:r>
-            <a:r>
-              <a:rPr lang="en-US" sz="2000" baseline="0" dirty="0" err="1" smtClean="0">
-                <a:sym typeface="Wingdings"/>
-              </a:rPr>
-              <a:t>đề</a:t>
             </a:r>
             <a:r>
               <a:rPr lang="en-US" sz="2000" baseline="0" dirty="0" smtClean="0">
@@ -21569,7 +20152,7 @@
               <a:buChar char="à"/>
             </a:pPr>
             <a:r>
-              <a:rPr lang="en-US" sz="1600" kern="1200" dirty="0" err="1" smtClean="0">
+              <a:rPr lang="en-US" sz="1600" kern="1200" baseline="0" dirty="0" err="1" smtClean="0">
                 <a:solidFill>
                   <a:schemeClr val="tx1"/>
                 </a:solidFill>
@@ -21578,7 +20161,7 @@
                 <a:cs typeface="+mn-cs"/>
                 <a:sym typeface="Wingdings"/>
               </a:rPr>
-              <a:t>Ngày</a:t>
+              <a:t>Như</a:t>
             </a:r>
             <a:r>
               <a:rPr lang="en-US" sz="1600" kern="1200" baseline="0" dirty="0" smtClean="0">
@@ -21590,7 +20173,7 @@
                 <a:cs typeface="+mn-cs"/>
                 <a:sym typeface="Wingdings"/>
               </a:rPr>
-              <a:t> nay, </a:t>
+              <a:t> </a:t>
             </a:r>
             <a:r>
               <a:rPr lang="en-US" sz="1600" kern="1200" baseline="0" dirty="0" err="1" smtClean="0">
@@ -21602,7 +20185,7 @@
                 <a:cs typeface="+mn-cs"/>
                 <a:sym typeface="Wingdings"/>
               </a:rPr>
-              <a:t>như</a:t>
+              <a:t>chúng</a:t>
             </a:r>
             <a:r>
               <a:rPr lang="en-US" sz="1600" kern="1200" baseline="0" dirty="0" smtClean="0">
@@ -21614,7 +20197,7 @@
                 <a:cs typeface="+mn-cs"/>
                 <a:sym typeface="Wingdings"/>
               </a:rPr>
-              <a:t> </a:t>
+              <a:t> ta </a:t>
             </a:r>
             <a:r>
               <a:rPr lang="en-US" sz="1600" kern="1200" baseline="0" dirty="0" err="1" smtClean="0">
@@ -21626,7 +20209,7 @@
                 <a:cs typeface="+mn-cs"/>
                 <a:sym typeface="Wingdings"/>
               </a:rPr>
-              <a:t>chúng</a:t>
+              <a:t>thấy</a:t>
             </a:r>
             <a:r>
               <a:rPr lang="en-US" sz="1600" kern="1200" baseline="0" dirty="0" smtClean="0">
@@ -21638,7 +20221,7 @@
                 <a:cs typeface="+mn-cs"/>
                 <a:sym typeface="Wingdings"/>
               </a:rPr>
-              <a:t> ta </a:t>
+              <a:t>, </a:t>
             </a:r>
             <a:r>
               <a:rPr lang="en-US" sz="1600" kern="1200" baseline="0" dirty="0" err="1" smtClean="0">
@@ -21650,7 +20233,7 @@
                 <a:cs typeface="+mn-cs"/>
                 <a:sym typeface="Wingdings"/>
               </a:rPr>
-              <a:t>thấy</a:t>
+              <a:t>với</a:t>
             </a:r>
             <a:r>
               <a:rPr lang="en-US" sz="1600" kern="1200" baseline="0" dirty="0" smtClean="0">
@@ -21662,7 +20245,7 @@
                 <a:cs typeface="+mn-cs"/>
                 <a:sym typeface="Wingdings"/>
               </a:rPr>
-              <a:t>, internet </a:t>
+              <a:t> </a:t>
             </a:r>
             <a:r>
               <a:rPr lang="en-US" sz="1600" kern="1200" baseline="0" dirty="0" err="1" smtClean="0">
@@ -21674,7 +20257,7 @@
                 <a:cs typeface="+mn-cs"/>
                 <a:sym typeface="Wingdings"/>
               </a:rPr>
-              <a:t>ngày</a:t>
+              <a:t>sự</a:t>
             </a:r>
             <a:r>
               <a:rPr lang="en-US" sz="1600" kern="1200" baseline="0" dirty="0" smtClean="0">
@@ -21698,7 +20281,7 @@
                 <a:cs typeface="+mn-cs"/>
                 <a:sym typeface="Wingdings"/>
               </a:rPr>
-              <a:t>càng</a:t>
+              <a:t>phát</a:t>
             </a:r>
             <a:r>
               <a:rPr lang="en-US" sz="1600" kern="1200" baseline="0" dirty="0" smtClean="0">
@@ -21722,7 +20305,7 @@
                 <a:cs typeface="+mn-cs"/>
                 <a:sym typeface="Wingdings"/>
               </a:rPr>
-              <a:t>phát</a:t>
+              <a:t>triển</a:t>
             </a:r>
             <a:r>
               <a:rPr lang="en-US" sz="1600" kern="1200" baseline="0" dirty="0" smtClean="0">
@@ -21746,7 +20329,7 @@
                 <a:cs typeface="+mn-cs"/>
                 <a:sym typeface="Wingdings"/>
               </a:rPr>
-              <a:t>triển</a:t>
+              <a:t>ngày</a:t>
             </a:r>
             <a:r>
               <a:rPr lang="en-US" sz="1600" kern="1200" baseline="0" dirty="0" smtClean="0">
@@ -21770,7 +20353,7 @@
                 <a:cs typeface="+mn-cs"/>
                 <a:sym typeface="Wingdings"/>
               </a:rPr>
-              <a:t>mạnh</a:t>
+              <a:t>càng</a:t>
             </a:r>
             <a:r>
               <a:rPr lang="en-US" sz="1600" kern="1200" baseline="0" dirty="0" smtClean="0">
@@ -21794,7 +20377,7 @@
                 <a:cs typeface="+mn-cs"/>
                 <a:sym typeface="Wingdings"/>
               </a:rPr>
-              <a:t>mẽ</a:t>
+              <a:t>phát</a:t>
             </a:r>
             <a:r>
               <a:rPr lang="en-US" sz="1600" kern="1200" baseline="0" dirty="0" smtClean="0">
@@ -21818,7 +20401,7 @@
                 <a:cs typeface="+mn-cs"/>
                 <a:sym typeface="Wingdings"/>
               </a:rPr>
-              <a:t>và</a:t>
+              <a:t>triển</a:t>
             </a:r>
             <a:r>
               <a:rPr lang="en-US" sz="1600" kern="1200" baseline="0" dirty="0" smtClean="0">
@@ -21842,7 +20425,7 @@
                 <a:cs typeface="+mn-cs"/>
                 <a:sym typeface="Wingdings"/>
               </a:rPr>
-              <a:t>đã</a:t>
+              <a:t>mạnh</a:t>
             </a:r>
             <a:r>
               <a:rPr lang="en-US" sz="1600" kern="1200" baseline="0" dirty="0" smtClean="0">
@@ -21866,7 +20449,7 @@
                 <a:cs typeface="+mn-cs"/>
                 <a:sym typeface="Wingdings"/>
               </a:rPr>
-              <a:t>trở</a:t>
+              <a:t>mẽ</a:t>
             </a:r>
             <a:r>
               <a:rPr lang="en-US" sz="1600" kern="1200" baseline="0" dirty="0" smtClean="0">
@@ -21878,7 +20461,7 @@
                 <a:cs typeface="+mn-cs"/>
                 <a:sym typeface="Wingdings"/>
               </a:rPr>
-              <a:t> </a:t>
+              <a:t>, internet </a:t>
             </a:r>
             <a:r>
               <a:rPr lang="en-US" sz="1600" kern="1200" baseline="0" dirty="0" err="1" smtClean="0">
@@ -21890,7 +20473,7 @@
                 <a:cs typeface="+mn-cs"/>
                 <a:sym typeface="Wingdings"/>
               </a:rPr>
-              <a:t>thành</a:t>
+              <a:t>đã</a:t>
             </a:r>
             <a:r>
               <a:rPr lang="en-US" sz="1600" kern="1200" baseline="0" dirty="0" smtClean="0">
@@ -21914,7 +20497,7 @@
                 <a:cs typeface="+mn-cs"/>
                 <a:sym typeface="Wingdings"/>
               </a:rPr>
-              <a:t>nguồn</a:t>
+              <a:t>trở</a:t>
             </a:r>
             <a:r>
               <a:rPr lang="en-US" sz="1600" kern="1200" baseline="0" dirty="0" smtClean="0">
@@ -21938,7 +20521,7 @@
                 <a:cs typeface="+mn-cs"/>
                 <a:sym typeface="Wingdings"/>
               </a:rPr>
-              <a:t>cơ</a:t>
+              <a:t>thành</a:t>
             </a:r>
             <a:r>
               <a:rPr lang="en-US" sz="1600" kern="1200" baseline="0" dirty="0" smtClean="0">
@@ -21962,7 +20545,7 @@
                 <a:cs typeface="+mn-cs"/>
                 <a:sym typeface="Wingdings"/>
               </a:rPr>
-              <a:t>sở</a:t>
+              <a:t>nguồn</a:t>
             </a:r>
             <a:r>
               <a:rPr lang="en-US" sz="1600" kern="1200" baseline="0" dirty="0" smtClean="0">
@@ -22022,7 +20605,7 @@
                 <a:cs typeface="+mn-cs"/>
                 <a:sym typeface="Wingdings"/>
               </a:rPr>
-              <a:t> </a:t>
+              <a:t>, chia </a:t>
             </a:r>
             <a:r>
               <a:rPr lang="en-US" sz="1600" kern="1200" baseline="0" dirty="0" err="1" smtClean="0">
@@ -22034,7 +20617,7 @@
                 <a:cs typeface="+mn-cs"/>
                 <a:sym typeface="Wingdings"/>
               </a:rPr>
-              <a:t>và</a:t>
+              <a:t>sẻ</a:t>
             </a:r>
             <a:r>
               <a:rPr lang="en-US" sz="1600" kern="1200" baseline="0" dirty="0" smtClean="0">
@@ -22046,7 +20629,7 @@
                 <a:cs typeface="+mn-cs"/>
                 <a:sym typeface="Wingdings"/>
               </a:rPr>
-              <a:t> chia </a:t>
+              <a:t> </a:t>
             </a:r>
             <a:r>
               <a:rPr lang="en-US" sz="1600" kern="1200" baseline="0" dirty="0" err="1" smtClean="0">
@@ -22058,7 +20641,7 @@
                 <a:cs typeface="+mn-cs"/>
                 <a:sym typeface="Wingdings"/>
               </a:rPr>
-              <a:t>sẻ</a:t>
+              <a:t>thông</a:t>
             </a:r>
             <a:r>
               <a:rPr lang="en-US" sz="1600" kern="1200" baseline="0" dirty="0" smtClean="0">
@@ -22070,7 +20653,7 @@
                 <a:cs typeface="+mn-cs"/>
                 <a:sym typeface="Wingdings"/>
               </a:rPr>
-              <a:t> </a:t>
+              <a:t> tin </a:t>
             </a:r>
             <a:r>
               <a:rPr lang="en-US" sz="1600" kern="1200" baseline="0" dirty="0" err="1" smtClean="0">
@@ -22082,7 +20665,7 @@
                 <a:cs typeface="+mn-cs"/>
                 <a:sym typeface="Wingdings"/>
               </a:rPr>
-              <a:t>thông</a:t>
+              <a:t>nhanh</a:t>
             </a:r>
             <a:r>
               <a:rPr lang="en-US" sz="1600" kern="1200" baseline="0" dirty="0" smtClean="0">
@@ -22094,7 +20677,7 @@
                 <a:cs typeface="+mn-cs"/>
                 <a:sym typeface="Wingdings"/>
               </a:rPr>
-              <a:t> tin </a:t>
+              <a:t> </a:t>
             </a:r>
             <a:r>
               <a:rPr lang="en-US" sz="1600" kern="1200" baseline="0" dirty="0" err="1" smtClean="0">
@@ -22106,7 +20689,7 @@
                 <a:cs typeface="+mn-cs"/>
                 <a:sym typeface="Wingdings"/>
               </a:rPr>
-              <a:t>nhanh</a:t>
+              <a:t>chóng</a:t>
             </a:r>
             <a:r>
               <a:rPr lang="en-US" sz="1600" kern="1200" baseline="0" dirty="0" smtClean="0">
@@ -22118,7 +20701,7 @@
                 <a:cs typeface="+mn-cs"/>
                 <a:sym typeface="Wingdings"/>
               </a:rPr>
-              <a:t> </a:t>
+              <a:t>, </a:t>
             </a:r>
             <a:r>
               <a:rPr lang="en-US" sz="1600" kern="1200" baseline="0" dirty="0" err="1" smtClean="0">
@@ -22130,7 +20713,7 @@
                 <a:cs typeface="+mn-cs"/>
                 <a:sym typeface="Wingdings"/>
               </a:rPr>
-              <a:t>chóng</a:t>
+              <a:t>phong</a:t>
             </a:r>
             <a:r>
               <a:rPr lang="en-US" sz="1600" kern="1200" baseline="0" dirty="0" smtClean="0">
@@ -22142,7 +20725,7 @@
                 <a:cs typeface="+mn-cs"/>
                 <a:sym typeface="Wingdings"/>
               </a:rPr>
-              <a:t>, </a:t>
+              <a:t> </a:t>
             </a:r>
             <a:r>
               <a:rPr lang="en-US" sz="1600" kern="1200" baseline="0" dirty="0" err="1" smtClean="0">
@@ -22154,7 +20737,7 @@
                 <a:cs typeface="+mn-cs"/>
                 <a:sym typeface="Wingdings"/>
               </a:rPr>
-              <a:t>phong</a:t>
+              <a:t>phú</a:t>
             </a:r>
             <a:r>
               <a:rPr lang="en-US" sz="1600" kern="1200" baseline="0" dirty="0" smtClean="0">
@@ -22178,7 +20761,7 @@
                 <a:cs typeface="+mn-cs"/>
                 <a:sym typeface="Wingdings"/>
               </a:rPr>
-              <a:t>phú</a:t>
+              <a:t>và</a:t>
             </a:r>
             <a:r>
               <a:rPr lang="en-US" sz="1600" kern="1200" baseline="0" dirty="0" smtClean="0">
@@ -22202,7 +20785,7 @@
                 <a:cs typeface="+mn-cs"/>
                 <a:sym typeface="Wingdings"/>
               </a:rPr>
-              <a:t>và</a:t>
+              <a:t>hiệu</a:t>
             </a:r>
             <a:r>
               <a:rPr lang="en-US" sz="1600" kern="1200" baseline="0" dirty="0" smtClean="0">
@@ -22226,7 +20809,7 @@
                 <a:cs typeface="+mn-cs"/>
                 <a:sym typeface="Wingdings"/>
               </a:rPr>
-              <a:t>hiệu</a:t>
+              <a:t>quả</a:t>
             </a:r>
             <a:r>
               <a:rPr lang="en-US" sz="1600" kern="1200" baseline="0" dirty="0" smtClean="0">
@@ -22250,7 +20833,7 @@
                 <a:cs typeface="+mn-cs"/>
                 <a:sym typeface="Wingdings"/>
               </a:rPr>
-              <a:t>quả</a:t>
+              <a:t>nhất</a:t>
             </a:r>
             <a:r>
               <a:rPr lang="en-US" sz="1600" kern="1200" baseline="0" dirty="0" smtClean="0">
@@ -22262,10 +20845,16 @@
                 <a:cs typeface="+mn-cs"/>
                 <a:sym typeface="Wingdings"/>
               </a:rPr>
-              <a:t> </a:t>
-            </a:r>
-            <a:r>
-              <a:rPr lang="en-US" sz="1600" kern="1200" baseline="0" dirty="0" err="1" smtClean="0">
+              <a:t>.</a:t>
+            </a:r>
+          </a:p>
+          <a:p>
+            <a:pPr marL="285750" indent="-285750">
+              <a:buFont typeface="Wingdings" charset="0"/>
+              <a:buChar char="à"/>
+            </a:pPr>
+            <a:r>
+              <a:rPr lang="en-US" sz="1600" kern="1200" baseline="0" dirty="0" smtClean="0">
                 <a:solidFill>
                   <a:schemeClr val="tx1"/>
                 </a:solidFill>
@@ -22274,10 +20863,10 @@
                 <a:cs typeface="+mn-cs"/>
                 <a:sym typeface="Wingdings"/>
               </a:rPr>
-              <a:t>nhất</a:t>
-            </a:r>
-            <a:r>
-              <a:rPr lang="en-US" sz="1600" kern="1200" baseline="0" dirty="0" smtClean="0">
+              <a:t>Ý </a:t>
+            </a:r>
+            <a:r>
+              <a:rPr lang="en-US" sz="1600" kern="1200" baseline="0" dirty="0" err="1" smtClean="0">
                 <a:solidFill>
                   <a:schemeClr val="tx1"/>
                 </a:solidFill>
@@ -22286,14 +20875,8 @@
                 <a:cs typeface="+mn-cs"/>
                 <a:sym typeface="Wingdings"/>
               </a:rPr>
-              <a:t>.</a:t>
-            </a:r>
-          </a:p>
-          <a:p>
-            <a:pPr marL="285750" indent="-285750">
-              <a:buFont typeface="Wingdings" charset="0"/>
-              <a:buChar char="à"/>
-            </a:pPr>
+              <a:t>tưởng</a:t>
+            </a:r>
             <a:r>
               <a:rPr lang="en-US" sz="1600" kern="1200" baseline="0" dirty="0" smtClean="0">
                 <a:solidFill>
@@ -22304,7 +20887,7 @@
                 <a:cs typeface="+mn-cs"/>
                 <a:sym typeface="Wingdings"/>
               </a:rPr>
-              <a:t>Ý </a:t>
+              <a:t> </a:t>
             </a:r>
             <a:r>
               <a:rPr lang="en-US" sz="1600" kern="1200" baseline="0" dirty="0" err="1" smtClean="0">
@@ -22316,7 +20899,7 @@
                 <a:cs typeface="+mn-cs"/>
                 <a:sym typeface="Wingdings"/>
               </a:rPr>
-              <a:t>tưởng</a:t>
+              <a:t>xây</a:t>
             </a:r>
             <a:r>
               <a:rPr lang="en-US" sz="1600" kern="1200" baseline="0" dirty="0" smtClean="0">
@@ -22340,7 +20923,7 @@
                 <a:cs typeface="+mn-cs"/>
                 <a:sym typeface="Wingdings"/>
               </a:rPr>
-              <a:t>xây</a:t>
+              <a:t>dựng</a:t>
             </a:r>
             <a:r>
               <a:rPr lang="en-US" sz="1600" kern="1200" baseline="0" dirty="0" smtClean="0">
@@ -22352,7 +20935,7 @@
                 <a:cs typeface="+mn-cs"/>
                 <a:sym typeface="Wingdings"/>
               </a:rPr>
-              <a:t> </a:t>
+              <a:t> 1 website </a:t>
             </a:r>
             <a:r>
               <a:rPr lang="en-US" sz="1600" kern="1200" baseline="0" dirty="0" err="1" smtClean="0">
@@ -22364,7 +20947,7 @@
                 <a:cs typeface="+mn-cs"/>
                 <a:sym typeface="Wingdings"/>
               </a:rPr>
-              <a:t>dựng</a:t>
+              <a:t>hỗ</a:t>
             </a:r>
             <a:r>
               <a:rPr lang="en-US" sz="1600" kern="1200" baseline="0" dirty="0" smtClean="0">
@@ -22376,7 +20959,7 @@
                 <a:cs typeface="+mn-cs"/>
                 <a:sym typeface="Wingdings"/>
               </a:rPr>
-              <a:t> 1 website </a:t>
+              <a:t> </a:t>
             </a:r>
             <a:r>
               <a:rPr lang="en-US" sz="1600" kern="1200" baseline="0" dirty="0" err="1" smtClean="0">
@@ -22388,7 +20971,7 @@
                 <a:cs typeface="+mn-cs"/>
                 <a:sym typeface="Wingdings"/>
               </a:rPr>
-              <a:t>hỗ</a:t>
+              <a:t>trợ</a:t>
             </a:r>
             <a:r>
               <a:rPr lang="en-US" sz="1600" kern="1200" baseline="0" dirty="0" smtClean="0">
@@ -22412,7 +20995,7 @@
                 <a:cs typeface="+mn-cs"/>
                 <a:sym typeface="Wingdings"/>
               </a:rPr>
-              <a:t>trợ</a:t>
+              <a:t>tìm</a:t>
             </a:r>
             <a:r>
               <a:rPr lang="en-US" sz="1600" kern="1200" baseline="0" dirty="0" smtClean="0">
@@ -22436,7 +21019,7 @@
                 <a:cs typeface="+mn-cs"/>
                 <a:sym typeface="Wingdings"/>
               </a:rPr>
-              <a:t>tìm</a:t>
+              <a:t>kiếm</a:t>
             </a:r>
             <a:r>
               <a:rPr lang="en-US" sz="1600" kern="1200" baseline="0" dirty="0" smtClean="0">
@@ -22460,7 +21043,7 @@
                 <a:cs typeface="+mn-cs"/>
                 <a:sym typeface="Wingdings"/>
               </a:rPr>
-              <a:t>kiếm</a:t>
+              <a:t>nhà</a:t>
             </a:r>
             <a:r>
               <a:rPr lang="en-US" sz="1600" kern="1200" baseline="0" dirty="0" smtClean="0">
@@ -22484,7 +21067,7 @@
                 <a:cs typeface="+mn-cs"/>
                 <a:sym typeface="Wingdings"/>
               </a:rPr>
-              <a:t>nhà</a:t>
+              <a:t>và</a:t>
             </a:r>
             <a:r>
               <a:rPr lang="en-US" sz="1600" kern="1200" baseline="0" dirty="0" smtClean="0">
@@ -22508,7 +21091,7 @@
                 <a:cs typeface="+mn-cs"/>
                 <a:sym typeface="Wingdings"/>
               </a:rPr>
-              <a:t>và</a:t>
+              <a:t>phòng</a:t>
             </a:r>
             <a:r>
               <a:rPr lang="en-US" sz="1600" kern="1200" baseline="0" dirty="0" smtClean="0">
@@ -22532,7 +21115,7 @@
                 <a:cs typeface="+mn-cs"/>
                 <a:sym typeface="Wingdings"/>
               </a:rPr>
-              <a:t>phòng</a:t>
+              <a:t>trọ</a:t>
             </a:r>
             <a:r>
               <a:rPr lang="en-US" sz="1600" kern="1200" baseline="0" dirty="0" smtClean="0">
@@ -22545,54 +21128,6 @@
                 <a:sym typeface="Wingdings"/>
               </a:rPr>
               <a:t> </a:t>
-            </a:r>
-            <a:r>
-              <a:rPr lang="en-US" sz="1600" kern="1200" baseline="0" dirty="0" err="1" smtClean="0">
-                <a:solidFill>
-                  <a:schemeClr val="tx1"/>
-                </a:solidFill>
-                <a:latin typeface="+mn-lt"/>
-                <a:ea typeface="+mn-ea"/>
-                <a:cs typeface="+mn-cs"/>
-                <a:sym typeface="Wingdings"/>
-              </a:rPr>
-              <a:t>trọ</a:t>
-            </a:r>
-            <a:r>
-              <a:rPr lang="en-US" sz="1600" kern="1200" baseline="0" dirty="0" smtClean="0">
-                <a:solidFill>
-                  <a:schemeClr val="tx1"/>
-                </a:solidFill>
-                <a:latin typeface="+mn-lt"/>
-                <a:ea typeface="+mn-ea"/>
-                <a:cs typeface="+mn-cs"/>
-                <a:sym typeface="Wingdings"/>
-              </a:rPr>
-              <a:t> </a:t>
-            </a:r>
-            <a:r>
-              <a:rPr lang="en-US" sz="1600" kern="1200" baseline="0" dirty="0" err="1" smtClean="0">
-                <a:solidFill>
-                  <a:schemeClr val="tx1"/>
-                </a:solidFill>
-                <a:latin typeface="+mn-lt"/>
-                <a:ea typeface="+mn-ea"/>
-                <a:cs typeface="+mn-cs"/>
-                <a:sym typeface="Wingdings"/>
-              </a:rPr>
-              <a:t>trên</a:t>
-            </a:r>
-            <a:r>
-              <a:rPr lang="en-US" sz="1600" kern="1200" baseline="0" dirty="0" smtClean="0">
-                <a:solidFill>
-                  <a:schemeClr val="tx1"/>
-                </a:solidFill>
-                <a:latin typeface="+mn-lt"/>
-                <a:ea typeface="+mn-ea"/>
-                <a:cs typeface="+mn-cs"/>
-                <a:sym typeface="Wingdings"/>
-              </a:rPr>
-              <a:t> internet </a:t>
             </a:r>
             <a:r>
               <a:rPr lang="en-US" sz="1600" kern="1200" baseline="0" dirty="0" err="1" smtClean="0">
@@ -27861,7 +26396,7 @@
   </p:txStyles>
   <p:extLst mod="1">
     <p:ext uri="{27BBF7A9-308A-43DC-89C8-2F10F3537804}">
-      <p15:sldGuideLst xmlns="" xmlns:p15="http://schemas.microsoft.com/office/powerpoint/2012/main">
+      <p15:sldGuideLst xmlns:p15="http://schemas.microsoft.com/office/powerpoint/2012/main" xmlns="">
         <p15:guide id="1" orient="horz" pos="2160" userDrawn="1">
           <p15:clr>
             <a:srgbClr val="F26B43"/>
@@ -39507,8 +38042,50 @@
                 <a:latin typeface="Century Gothic"/>
                 <a:cs typeface="Century Gothic"/>
               </a:rPr>
-              <a:t>Detail Design</a:t>
-            </a:r>
+              <a:t>Detail </a:t>
+            </a:r>
+            <a:r>
+              <a:rPr lang="en-US" dirty="0" smtClean="0">
+                <a:solidFill>
+                  <a:schemeClr val="tx1">
+                    <a:lumMod val="85000"/>
+                    <a:lumOff val="15000"/>
+                  </a:schemeClr>
+                </a:solidFill>
+                <a:latin typeface="Century Gothic"/>
+                <a:cs typeface="Century Gothic"/>
+              </a:rPr>
+              <a:t>Design</a:t>
+            </a:r>
+          </a:p>
+          <a:p>
+            <a:pPr marL="965375" lvl="1" indent="-514350">
+              <a:buFont typeface="+mj-lt"/>
+              <a:buAutoNum type="arabicPeriod"/>
+            </a:pPr>
+            <a:r>
+              <a:rPr lang="en-US" dirty="0" smtClean="0">
+                <a:solidFill>
+                  <a:schemeClr val="tx1">
+                    <a:lumMod val="85000"/>
+                    <a:lumOff val="15000"/>
+                  </a:schemeClr>
+                </a:solidFill>
+                <a:latin typeface="Century Gothic"/>
+                <a:cs typeface="Century Gothic"/>
+              </a:rPr>
+              <a:t>ERD</a:t>
+            </a:r>
+            <a:endParaRPr lang="en-US" dirty="0" smtClean="0">
+              <a:solidFill>
+                <a:schemeClr val="tx1">
+                  <a:lumMod val="85000"/>
+                  <a:lumOff val="15000"/>
+                </a:schemeClr>
+              </a:solidFill>
+              <a:latin typeface="Century Gothic"/>
+              <a:cs typeface="Century Gothic"/>
+            </a:endParaRPr>
           </a:p>
           <a:p>
             <a:pPr marL="965375" lvl="1" indent="-514350">
@@ -41555,59 +40132,6 @@
           <a:bodyPr/>
           <a:lstStyle/>
           <a:p>
-            <a:r>
-              <a:rPr lang="en-US" dirty="0" smtClean="0">
-                <a:latin typeface="Century Gothic"/>
-                <a:cs typeface="Century Gothic"/>
-              </a:rPr>
-              <a:t>Follow </a:t>
-            </a:r>
-            <a:r>
-              <a:rPr lang="en-US" dirty="0">
-                <a:latin typeface="Century Gothic"/>
-                <a:cs typeface="Century Gothic"/>
-              </a:rPr>
-              <a:t>3NF </a:t>
-            </a:r>
-            <a:r>
-              <a:rPr lang="en-US" dirty="0" smtClean="0">
-                <a:latin typeface="Century Gothic"/>
-                <a:cs typeface="Century Gothic"/>
-              </a:rPr>
-              <a:t>normalization</a:t>
-            </a:r>
-          </a:p>
-          <a:p>
-            <a:pPr lvl="1"/>
-            <a:r>
-              <a:rPr lang="en-US" dirty="0" smtClean="0">
-                <a:latin typeface="Century Gothic"/>
-                <a:cs typeface="Century Gothic"/>
-              </a:rPr>
-              <a:t>Every table has a primary key named ‘Id’.</a:t>
-            </a:r>
-          </a:p>
-          <a:p>
-            <a:pPr lvl="1"/>
-            <a:r>
-              <a:rPr lang="en-US" dirty="0" smtClean="0">
-                <a:latin typeface="Century Gothic"/>
-                <a:cs typeface="Century Gothic"/>
-              </a:rPr>
-              <a:t>Max length and null ability strictly follow field definitions.</a:t>
-            </a:r>
-            <a:endParaRPr lang="en-US" dirty="0">
-              <a:latin typeface="Century Gothic"/>
-              <a:cs typeface="Century Gothic"/>
-            </a:endParaRPr>
-          </a:p>
-          <a:p>
-            <a:endParaRPr lang="en-US" dirty="0" smtClean="0">
-              <a:latin typeface="Century Gothic"/>
-              <a:cs typeface="Century Gothic"/>
-            </a:endParaRPr>
-          </a:p>
-          <a:p>
             <a:endParaRPr lang="en-US" dirty="0">
               <a:latin typeface="Century Gothic"/>
               <a:cs typeface="Century Gothic"/>
@@ -41718,38 +40242,49 @@
       </p:sp>
       <p:pic>
         <p:nvPicPr>
-          <p:cNvPr id="4" name="Picture 3" descr="system architecture.jpg"/>
+          <p:cNvPr id="1026" name="Picture 2" descr="Z:\Desktop\Preparation\4. Detail Design\ERD.png"/>
           <p:cNvPicPr>
-            <a:picLocks noChangeAspect="1"/>
+            <a:picLocks noChangeAspect="1" noChangeArrowheads="1"/>
           </p:cNvPicPr>
           <p:nvPr/>
         </p:nvPicPr>
         <p:blipFill>
-          <a:blip r:embed="rId3">
+          <a:blip r:embed="rId2">
             <a:extLst>
               <a:ext uri="{28A0092B-C50C-407E-A947-70E740481C1C}">
                 <a14:useLocalDpi xmlns:a14="http://schemas.microsoft.com/office/drawing/2010/main" val="0"/>
               </a:ext>
             </a:extLst>
           </a:blip>
+          <a:srcRect/>
           <a:stretch>
             <a:fillRect/>
           </a:stretch>
         </p:blipFill>
-        <p:spPr>
+        <p:spPr bwMode="auto">
           <a:xfrm>
-            <a:off x="3810000" y="3886200"/>
-            <a:ext cx="2222500" cy="1778000"/>
+            <a:off x="-76200" y="76200"/>
+            <a:ext cx="9231477" cy="6705600"/>
           </a:xfrm>
           <a:prstGeom prst="rect">
             <a:avLst/>
           </a:prstGeom>
+          <a:noFill/>
+          <a:extLst>
+            <a:ext uri="{909E8E84-426E-40DD-AFC4-6F175D3DCCD1}">
+              <a14:hiddenFill xmlns:a14="http://schemas.microsoft.com/office/drawing/2010/main">
+                <a:solidFill>
+                  <a:srgbClr val="FFFFFF"/>
+                </a:solidFill>
+              </a14:hiddenFill>
+            </a:ext>
+          </a:extLst>
         </p:spPr>
       </p:pic>
     </p:spTree>
     <p:extLst>
       <p:ext uri="{BB962C8B-B14F-4D97-AF65-F5344CB8AC3E}">
-        <p14:creationId xmlns:p14="http://schemas.microsoft.com/office/powerpoint/2010/main" val="2178167193"/>
+        <p14:creationId xmlns:p14="http://schemas.microsoft.com/office/powerpoint/2010/main" val="1155232206"/>
       </p:ext>
     </p:extLst>
   </p:cSld>
@@ -41810,6 +40345,59 @@
           <a:bodyPr/>
           <a:lstStyle/>
           <a:p>
+            <a:r>
+              <a:rPr lang="en-US" dirty="0" smtClean="0">
+                <a:latin typeface="Century Gothic"/>
+                <a:cs typeface="Century Gothic"/>
+              </a:rPr>
+              <a:t>Follow </a:t>
+            </a:r>
+            <a:r>
+              <a:rPr lang="en-US" dirty="0">
+                <a:latin typeface="Century Gothic"/>
+                <a:cs typeface="Century Gothic"/>
+              </a:rPr>
+              <a:t>3NF </a:t>
+            </a:r>
+            <a:r>
+              <a:rPr lang="en-US" dirty="0" smtClean="0">
+                <a:latin typeface="Century Gothic"/>
+                <a:cs typeface="Century Gothic"/>
+              </a:rPr>
+              <a:t>normalization</a:t>
+            </a:r>
+          </a:p>
+          <a:p>
+            <a:pPr lvl="1"/>
+            <a:r>
+              <a:rPr lang="en-US" dirty="0" smtClean="0">
+                <a:latin typeface="Century Gothic"/>
+                <a:cs typeface="Century Gothic"/>
+              </a:rPr>
+              <a:t>Every table has a primary key named ‘Id’.</a:t>
+            </a:r>
+          </a:p>
+          <a:p>
+            <a:pPr lvl="1"/>
+            <a:r>
+              <a:rPr lang="en-US" dirty="0" smtClean="0">
+                <a:latin typeface="Century Gothic"/>
+                <a:cs typeface="Century Gothic"/>
+              </a:rPr>
+              <a:t>Max length and null ability strictly follow field definitions.</a:t>
+            </a:r>
+            <a:endParaRPr lang="en-US" dirty="0">
+              <a:latin typeface="Century Gothic"/>
+              <a:cs typeface="Century Gothic"/>
+            </a:endParaRPr>
+          </a:p>
+          <a:p>
+            <a:endParaRPr lang="en-US" dirty="0" smtClean="0">
+              <a:latin typeface="Century Gothic"/>
+              <a:cs typeface="Century Gothic"/>
+            </a:endParaRPr>
+          </a:p>
+          <a:p>
             <a:endParaRPr lang="en-US" dirty="0">
               <a:latin typeface="Century Gothic"/>
               <a:cs typeface="Century Gothic"/>
@@ -41847,7 +40435,19 @@
                 <a:latin typeface="Century Gothic"/>
                 <a:cs typeface="Century Gothic"/>
               </a:rPr>
-              <a:t>4.4 Database Design</a:t>
+              <a:t>4.5 </a:t>
+            </a:r>
+            <a:r>
+              <a:rPr lang="en-US" dirty="0" smtClean="0">
+                <a:solidFill>
+                  <a:schemeClr val="accent4">
+                    <a:lumMod val="50000"/>
+                  </a:schemeClr>
+                </a:solidFill>
+                <a:latin typeface="Century Gothic"/>
+                <a:cs typeface="Century Gothic"/>
+              </a:rPr>
+              <a:t>Database Design</a:t>
             </a:r>
             <a:endParaRPr lang="en-US" dirty="0">
               <a:solidFill>
@@ -41920,49 +40520,38 @@
       </p:sp>
       <p:pic>
         <p:nvPicPr>
-          <p:cNvPr id="3075" name="Picture 3" descr="Z:\Desktop\ERD.png"/>
+          <p:cNvPr id="4" name="Picture 3" descr="system architecture.jpg"/>
           <p:cNvPicPr>
-            <a:picLocks noChangeAspect="1" noChangeArrowheads="1"/>
+            <a:picLocks noChangeAspect="1"/>
           </p:cNvPicPr>
           <p:nvPr/>
         </p:nvPicPr>
         <p:blipFill>
-          <a:blip r:embed="rId2">
+          <a:blip r:embed="rId3">
             <a:extLst>
               <a:ext uri="{28A0092B-C50C-407E-A947-70E740481C1C}">
                 <a14:useLocalDpi xmlns:a14="http://schemas.microsoft.com/office/drawing/2010/main" val="0"/>
               </a:ext>
             </a:extLst>
           </a:blip>
-          <a:srcRect/>
           <a:stretch>
             <a:fillRect/>
           </a:stretch>
         </p:blipFill>
-        <p:spPr bwMode="auto">
+        <p:spPr>
           <a:xfrm>
-            <a:off x="0" y="76200"/>
-            <a:ext cx="9126574" cy="6629400"/>
+            <a:off x="3810000" y="3886200"/>
+            <a:ext cx="2222500" cy="1778000"/>
           </a:xfrm>
           <a:prstGeom prst="rect">
             <a:avLst/>
           </a:prstGeom>
-          <a:noFill/>
-          <a:extLst>
-            <a:ext uri="{909E8E84-426E-40DD-AFC4-6F175D3DCCD1}">
-              <a14:hiddenFill xmlns:a14="http://schemas.microsoft.com/office/drawing/2010/main">
-                <a:solidFill>
-                  <a:srgbClr val="FFFFFF"/>
-                </a:solidFill>
-              </a14:hiddenFill>
-            </a:ext>
-          </a:extLst>
         </p:spPr>
       </p:pic>
     </p:spTree>
     <p:extLst>
       <p:ext uri="{BB962C8B-B14F-4D97-AF65-F5344CB8AC3E}">
-        <p14:creationId xmlns:p14="http://schemas.microsoft.com/office/powerpoint/2010/main" val="1155232206"/>
+        <p14:creationId xmlns:p14="http://schemas.microsoft.com/office/powerpoint/2010/main" val="2178167193"/>
       </p:ext>
     </p:extLst>
   </p:cSld>
@@ -43056,7 +41645,7 @@
     </p:spTree>
     <p:extLst>
       <p:ext uri="{BB962C8B-B14F-4D97-AF65-F5344CB8AC3E}">
-        <p14:creationId xmlns:p14="http://schemas.microsoft.com/office/powerpoint/2010/main" val="86405406"/>
+        <p14:creationId xmlns:p14="http://schemas.microsoft.com/office/powerpoint/2010/main" val="1721569754"/>
       </p:ext>
     </p:extLst>
   </p:cSld>
@@ -43104,60 +41693,7 @@
       </p:grpSpPr>
       <p:sp>
         <p:nvSpPr>
-          <p:cNvPr id="5" name="Title 4"/>
-          <p:cNvSpPr>
-            <a:spLocks noGrp="1"/>
-          </p:cNvSpPr>
-          <p:nvPr>
-            <p:ph type="title"/>
-          </p:nvPr>
-        </p:nvSpPr>
-        <p:spPr/>
-        <p:txBody>
-          <a:bodyPr>
-            <a:normAutofit/>
-          </a:bodyPr>
-          <a:lstStyle/>
-          <a:p>
-            <a:r>
-              <a:rPr lang="en-US" dirty="0">
-                <a:solidFill>
-                  <a:schemeClr val="accent4">
-                    <a:lumMod val="50000"/>
-                  </a:schemeClr>
-                </a:solidFill>
-                <a:latin typeface="Century Gothic"/>
-                <a:cs typeface="Century Gothic"/>
-              </a:rPr>
-              <a:t>5</a:t>
-            </a:r>
-            <a:r>
-              <a:rPr lang="en-US" dirty="0" smtClean="0">
-                <a:solidFill>
-                  <a:schemeClr val="accent4">
-                    <a:lumMod val="50000"/>
-                  </a:schemeClr>
-                </a:solidFill>
-                <a:latin typeface="Century Gothic"/>
-                <a:cs typeface="Century Gothic"/>
-              </a:rPr>
-              <a:t>. Software Test Documentation</a:t>
-            </a:r>
-            <a:endParaRPr lang="en-US" dirty="0">
-              <a:solidFill>
-                <a:schemeClr val="accent4">
-                  <a:lumMod val="50000"/>
-                </a:schemeClr>
-              </a:solidFill>
-              <a:latin typeface="Century Gothic"/>
-              <a:cs typeface="Century Gothic"/>
-            </a:endParaRPr>
-          </a:p>
-        </p:txBody>
-      </p:sp>
-      <p:sp>
-        <p:nvSpPr>
-          <p:cNvPr id="6" name="Content Placeholder 5"/>
+          <p:cNvPr id="3" name="Content Placeholder 2"/>
           <p:cNvSpPr>
             <a:spLocks noGrp="1"/>
           </p:cNvSpPr>
@@ -43167,8 +41703,8 @@
         </p:nvSpPr>
         <p:spPr>
           <a:xfrm>
-            <a:off x="914400" y="1676400"/>
-            <a:ext cx="7315200" cy="4495800"/>
+            <a:off x="914400" y="914400"/>
+            <a:ext cx="7315200" cy="4572000"/>
           </a:xfrm>
         </p:spPr>
         <p:txBody>
@@ -43177,36 +41713,24 @@
           <a:p>
             <a:r>
               <a:rPr lang="en-US" b="1" dirty="0" smtClean="0">
-                <a:latin typeface="Century Gothic"/>
-                <a:cs typeface="Century Gothic"/>
-              </a:rPr>
-              <a:t>Test model:</a:t>
-            </a:r>
-            <a:endParaRPr lang="en-US" b="1" dirty="0">
-              <a:latin typeface="Century Gothic"/>
-              <a:cs typeface="Century Gothic"/>
-            </a:endParaRPr>
-          </a:p>
-          <a:p>
-            <a:pPr marL="451025" lvl="1" indent="0">
+                <a:latin typeface="Century Gothic" pitchFamily="34" charset="0"/>
+              </a:rPr>
+              <a:t>Test process:</a:t>
+            </a:r>
+          </a:p>
+          <a:p>
+            <a:pPr marL="0" indent="0">
               <a:buNone/>
             </a:pPr>
-            <a:endParaRPr lang="en-US" dirty="0" smtClean="0">
-              <a:solidFill>
-                <a:schemeClr val="tx1">
-                  <a:lumMod val="85000"/>
-                  <a:lumOff val="15000"/>
-                </a:schemeClr>
-              </a:solidFill>
-              <a:latin typeface="Century Gothic"/>
-              <a:cs typeface="Century Gothic"/>
+            <a:endParaRPr lang="en-US" dirty="0">
+              <a:latin typeface="Century Gothic" pitchFamily="34" charset="0"/>
             </a:endParaRPr>
           </a:p>
         </p:txBody>
       </p:sp>
       <p:sp>
         <p:nvSpPr>
-          <p:cNvPr id="2" name="Slide Number Placeholder 1"/>
+          <p:cNvPr id="4" name="Slide Number Placeholder 3"/>
           <p:cNvSpPr>
             <a:spLocks noGrp="1"/>
           </p:cNvSpPr>
@@ -43227,62 +41751,44 @@
           </a:p>
         </p:txBody>
       </p:sp>
-      <p:pic>
-        <p:nvPicPr>
-          <p:cNvPr id="3" name="Picture 2"/>
-          <p:cNvPicPr>
-            <a:picLocks noChangeAspect="1"/>
-          </p:cNvPicPr>
-          <p:nvPr/>
-        </p:nvPicPr>
-        <p:blipFill>
-          <a:blip r:embed="rId2">
-            <a:extLst>
-              <a:ext uri="{28A0092B-C50C-407E-A947-70E740481C1C}">
-                <a14:useLocalDpi xmlns:a14="http://schemas.microsoft.com/office/drawing/2010/main" val="0"/>
-              </a:ext>
-            </a:extLst>
-          </a:blip>
-          <a:stretch>
-            <a:fillRect/>
-          </a:stretch>
-        </p:blipFill>
-        <p:spPr>
-          <a:xfrm>
-            <a:off x="851065" y="2133600"/>
-            <a:ext cx="7620000" cy="3648509"/>
-          </a:xfrm>
-          <a:prstGeom prst="rect">
-            <a:avLst/>
-          </a:prstGeom>
-        </p:spPr>
-      </p:pic>
+      <p:graphicFrame>
+        <p:nvGraphicFramePr>
+          <p:cNvPr id="5" name="Diagram 4"/>
+          <p:cNvGraphicFramePr/>
+          <p:nvPr>
+            <p:extLst>
+              <p:ext uri="{D42A27DB-BD31-4B8C-83A1-F6EECF244321}">
+                <p14:modId xmlns:p14="http://schemas.microsoft.com/office/powerpoint/2010/main" val="3937293538"/>
+              </p:ext>
+            </p:extLst>
+          </p:nvPr>
+        </p:nvGraphicFramePr>
+        <p:xfrm>
+          <a:off x="1143000" y="1600200"/>
+          <a:ext cx="6705600" cy="3175000"/>
+        </p:xfrm>
+        <a:graphic>
+          <a:graphicData uri="http://schemas.openxmlformats.org/drawingml/2006/diagram">
+            <dgm:relIds xmlns:dgm="http://schemas.openxmlformats.org/drawingml/2006/diagram" xmlns:r="http://schemas.openxmlformats.org/officeDocument/2006/relationships" r:dm="rId2" r:lo="rId3" r:qs="rId4" r:cs="rId5"/>
+          </a:graphicData>
+        </a:graphic>
+      </p:graphicFrame>
       <p:sp>
         <p:nvSpPr>
-          <p:cNvPr id="4" name="TextBox 3"/>
-          <p:cNvSpPr txBox="1"/>
-          <p:nvPr/>
+          <p:cNvPr id="6" name="Title 5"/>
+          <p:cNvSpPr>
+            <a:spLocks noGrp="1"/>
+          </p:cNvSpPr>
+          <p:nvPr>
+            <p:ph type="title"/>
+          </p:nvPr>
         </p:nvSpPr>
-        <p:spPr>
-          <a:xfrm>
-            <a:off x="256050" y="6062582"/>
-            <a:ext cx="4086632" cy="276999"/>
-          </a:xfrm>
-          <a:prstGeom prst="rect">
-            <a:avLst/>
-          </a:prstGeom>
-          <a:noFill/>
-        </p:spPr>
+        <p:spPr/>
         <p:txBody>
-          <a:bodyPr wrap="none" rtlCol="0">
-            <a:spAutoFit/>
-          </a:bodyPr>
+          <a:bodyPr/>
           <a:lstStyle/>
           <a:p>
-            <a:r>
-              <a:rPr lang="en-US" sz="1200" i="1" dirty="0"/>
-              <a:t>Source: http://swtmentorsite.appspot.com/sdlc/vmodel.php</a:t>
-            </a:r>
+            <a:endParaRPr lang="en-US"/>
           </a:p>
         </p:txBody>
       </p:sp>
@@ -43331,7 +41837,7 @@
     </p:spTree>
     <p:extLst>
       <p:ext uri="{BB962C8B-B14F-4D97-AF65-F5344CB8AC3E}">
-        <p14:creationId xmlns:p14="http://schemas.microsoft.com/office/powerpoint/2010/main" val="1721569754"/>
+        <p14:creationId xmlns:p14="http://schemas.microsoft.com/office/powerpoint/2010/main" val="549633491"/>
       </p:ext>
     </p:extLst>
   </p:cSld>
@@ -43401,8 +41907,43 @@
               <a:rPr lang="en-US" b="1" dirty="0" smtClean="0">
                 <a:latin typeface="Century Gothic" pitchFamily="34" charset="0"/>
               </a:rPr>
-              <a:t>Test process:</a:t>
-            </a:r>
+              <a:t>Test technique:</a:t>
+            </a:r>
+          </a:p>
+          <a:p>
+            <a:pPr marL="1193975" lvl="2" indent="-342900"/>
+            <a:r>
+              <a:rPr lang="en-US" dirty="0">
+                <a:latin typeface="Century Gothic" pitchFamily="34" charset="0"/>
+              </a:rPr>
+              <a:t>Specification-based testing</a:t>
+            </a:r>
+          </a:p>
+          <a:p>
+            <a:pPr marL="1193975" lvl="2" indent="-342900"/>
+            <a:r>
+              <a:rPr lang="en-US" dirty="0">
+                <a:latin typeface="Century Gothic" pitchFamily="34" charset="0"/>
+              </a:rPr>
+              <a:t>Exploratory testing</a:t>
+            </a:r>
+          </a:p>
+          <a:p>
+            <a:pPr marL="1193975" lvl="2" indent="-342900"/>
+            <a:r>
+              <a:rPr lang="en-US" dirty="0">
+                <a:latin typeface="Century Gothic" pitchFamily="34" charset="0"/>
+              </a:rPr>
+              <a:t>Partitioning &amp; Boundary value analysis</a:t>
+            </a:r>
+          </a:p>
+          <a:p>
+            <a:pPr marL="0" indent="0">
+              <a:buNone/>
+            </a:pPr>
+            <a:endParaRPr lang="en-US" b="1" dirty="0" smtClean="0">
+              <a:latin typeface="Century Gothic" pitchFamily="34" charset="0"/>
+            </a:endParaRPr>
           </a:p>
           <a:p>
             <a:pPr marL="0" indent="0">
@@ -43437,28 +41978,6 @@
           </a:p>
         </p:txBody>
       </p:sp>
-      <p:graphicFrame>
-        <p:nvGraphicFramePr>
-          <p:cNvPr id="5" name="Diagram 4"/>
-          <p:cNvGraphicFramePr/>
-          <p:nvPr>
-            <p:extLst>
-              <p:ext uri="{D42A27DB-BD31-4B8C-83A1-F6EECF244321}">
-                <p14:modId xmlns:p14="http://schemas.microsoft.com/office/powerpoint/2010/main" val="3937293538"/>
-              </p:ext>
-            </p:extLst>
-          </p:nvPr>
-        </p:nvGraphicFramePr>
-        <p:xfrm>
-          <a:off x="1143000" y="1600200"/>
-          <a:ext cx="6705600" cy="3175000"/>
-        </p:xfrm>
-        <a:graphic>
-          <a:graphicData uri="http://schemas.openxmlformats.org/drawingml/2006/diagram">
-            <dgm:relIds xmlns:dgm="http://schemas.openxmlformats.org/drawingml/2006/diagram" xmlns:r="http://schemas.openxmlformats.org/officeDocument/2006/relationships" r:dm="rId2" r:lo="rId3" r:qs="rId4" r:cs="rId5"/>
-          </a:graphicData>
-        </a:graphic>
-      </p:graphicFrame>
       <p:sp>
         <p:nvSpPr>
           <p:cNvPr id="6" name="Title 5"/>
@@ -43523,7 +42042,7 @@
     </p:spTree>
     <p:extLst>
       <p:ext uri="{BB962C8B-B14F-4D97-AF65-F5344CB8AC3E}">
-        <p14:creationId xmlns:p14="http://schemas.microsoft.com/office/powerpoint/2010/main" val="549633491"/>
+        <p14:creationId xmlns:p14="http://schemas.microsoft.com/office/powerpoint/2010/main" val="3233598568"/>
       </p:ext>
     </p:extLst>
   </p:cSld>
@@ -43571,7 +42090,7 @@
       </p:grpSpPr>
       <p:sp>
         <p:nvSpPr>
-          <p:cNvPr id="3" name="Content Placeholder 2"/>
+          <p:cNvPr id="6" name="Content Placeholder 5"/>
           <p:cNvSpPr>
             <a:spLocks noGrp="1"/>
           </p:cNvSpPr>
@@ -43581,8 +42100,8 @@
         </p:nvSpPr>
         <p:spPr>
           <a:xfrm>
-            <a:off x="914400" y="914400"/>
-            <a:ext cx="7315200" cy="4572000"/>
+            <a:off x="988325" y="914400"/>
+            <a:ext cx="7315200" cy="4876800"/>
           </a:xfrm>
         </p:spPr>
         <p:txBody>
@@ -43591,59 +42110,27 @@
           <a:p>
             <a:r>
               <a:rPr lang="en-US" b="1" dirty="0" smtClean="0">
-                <a:latin typeface="Century Gothic" pitchFamily="34" charset="0"/>
-              </a:rPr>
-              <a:t>Test technique:</a:t>
-            </a:r>
-          </a:p>
-          <a:p>
-            <a:pPr marL="1193975" lvl="2" indent="-342900"/>
-            <a:r>
-              <a:rPr lang="en-US" dirty="0">
-                <a:latin typeface="Century Gothic" pitchFamily="34" charset="0"/>
-              </a:rPr>
-              <a:t>Specification-based testing</a:t>
-            </a:r>
-          </a:p>
-          <a:p>
-            <a:pPr marL="1193975" lvl="2" indent="-342900"/>
-            <a:r>
-              <a:rPr lang="en-US" dirty="0">
-                <a:latin typeface="Century Gothic" pitchFamily="34" charset="0"/>
-              </a:rPr>
-              <a:t>Exploratory testing</a:t>
-            </a:r>
-          </a:p>
-          <a:p>
-            <a:pPr marL="1193975" lvl="2" indent="-342900"/>
-            <a:r>
-              <a:rPr lang="en-US" dirty="0">
-                <a:latin typeface="Century Gothic" pitchFamily="34" charset="0"/>
-              </a:rPr>
-              <a:t>Partitioning &amp; Boundary value analysis</a:t>
-            </a:r>
-          </a:p>
-          <a:p>
-            <a:pPr marL="0" indent="0">
-              <a:buNone/>
-            </a:pPr>
+                <a:latin typeface="Century Gothic"/>
+                <a:cs typeface="Century Gothic"/>
+              </a:rPr>
+              <a:t>Defect log sample</a:t>
+            </a:r>
             <a:endParaRPr lang="en-US" b="1" dirty="0" smtClean="0">
-              <a:latin typeface="Century Gothic" pitchFamily="34" charset="0"/>
-            </a:endParaRPr>
-          </a:p>
-          <a:p>
-            <a:pPr marL="0" indent="0">
-              <a:buNone/>
-            </a:pPr>
-            <a:endParaRPr lang="en-US" dirty="0">
-              <a:latin typeface="Century Gothic" pitchFamily="34" charset="0"/>
+              <a:solidFill>
+                <a:schemeClr val="tx1">
+                  <a:lumMod val="85000"/>
+                  <a:lumOff val="15000"/>
+                </a:schemeClr>
+              </a:solidFill>
+              <a:latin typeface="Century Gothic"/>
+              <a:cs typeface="Century Gothic"/>
             </a:endParaRPr>
           </a:p>
         </p:txBody>
       </p:sp>
       <p:sp>
         <p:nvSpPr>
-          <p:cNvPr id="4" name="Slide Number Placeholder 3"/>
+          <p:cNvPr id="2" name="Slide Number Placeholder 1"/>
           <p:cNvSpPr>
             <a:spLocks noGrp="1"/>
           </p:cNvSpPr>
@@ -43664,9 +42151,39 @@
           </a:p>
         </p:txBody>
       </p:sp>
+      <p:pic>
+        <p:nvPicPr>
+          <p:cNvPr id="7" name="Content Placeholder 5"/>
+          <p:cNvPicPr>
+            <a:picLocks noChangeAspect="1"/>
+          </p:cNvPicPr>
+          <p:nvPr/>
+        </p:nvPicPr>
+        <p:blipFill>
+          <a:blip r:embed="rId2">
+            <a:extLst>
+              <a:ext uri="{28A0092B-C50C-407E-A947-70E740481C1C}">
+                <a14:useLocalDpi xmlns:a14="http://schemas.microsoft.com/office/drawing/2010/main" val="0"/>
+              </a:ext>
+            </a:extLst>
+          </a:blip>
+          <a:stretch>
+            <a:fillRect/>
+          </a:stretch>
+        </p:blipFill>
+        <p:spPr>
+          <a:xfrm>
+            <a:off x="1066798" y="1524000"/>
+            <a:ext cx="7241675" cy="4419600"/>
+          </a:xfrm>
+          <a:prstGeom prst="rect">
+            <a:avLst/>
+          </a:prstGeom>
+        </p:spPr>
+      </p:pic>
       <p:sp>
         <p:nvSpPr>
-          <p:cNvPr id="6" name="Title 5"/>
+          <p:cNvPr id="3" name="Title 2"/>
           <p:cNvSpPr>
             <a:spLocks noGrp="1"/>
           </p:cNvSpPr>
@@ -43685,7 +42202,7 @@
       </p:sp>
       <p:sp>
         <p:nvSpPr>
-          <p:cNvPr id="7" name="Rectangle 6"/>
+          <p:cNvPr id="8" name="Rectangle 7"/>
           <p:cNvSpPr/>
           <p:nvPr/>
         </p:nvSpPr>
@@ -43728,7 +42245,7 @@
     </p:spTree>
     <p:extLst>
       <p:ext uri="{BB962C8B-B14F-4D97-AF65-F5344CB8AC3E}">
-        <p14:creationId xmlns:p14="http://schemas.microsoft.com/office/powerpoint/2010/main" val="3233598568"/>
+        <p14:creationId xmlns:p14="http://schemas.microsoft.com/office/powerpoint/2010/main" val="3773911723"/>
       </p:ext>
     </p:extLst>
   </p:cSld>
@@ -43786,8 +42303,8 @@
         </p:nvSpPr>
         <p:spPr>
           <a:xfrm>
-            <a:off x="988325" y="914400"/>
-            <a:ext cx="7315200" cy="4876800"/>
+            <a:off x="914400" y="914400"/>
+            <a:ext cx="7315200" cy="4495800"/>
           </a:xfrm>
         </p:spPr>
         <p:txBody>
@@ -43799,8 +42316,10 @@
                 <a:latin typeface="Century Gothic"/>
                 <a:cs typeface="Century Gothic"/>
               </a:rPr>
-              <a:t>Defect log sample</a:t>
-            </a:r>
+              <a:t>Test Report</a:t>
+            </a:r>
+          </a:p>
+          <a:p>
             <a:endParaRPr lang="en-US" b="1" dirty="0" smtClean="0">
               <a:solidFill>
                 <a:schemeClr val="tx1">
@@ -43832,211 +42351,6 @@
             <a:fld id="{34C99D79-8A4B-4031-B1E0-AF26F8EDF2BC}" type="slidenum">
               <a:rPr lang="en-US" smtClean="0"/>
               <a:t>54</a:t>
-            </a:fld>
-            <a:endParaRPr lang="en-US"/>
-          </a:p>
-        </p:txBody>
-      </p:sp>
-      <p:pic>
-        <p:nvPicPr>
-          <p:cNvPr id="7" name="Content Placeholder 5"/>
-          <p:cNvPicPr>
-            <a:picLocks noChangeAspect="1"/>
-          </p:cNvPicPr>
-          <p:nvPr/>
-        </p:nvPicPr>
-        <p:blipFill>
-          <a:blip r:embed="rId2">
-            <a:extLst>
-              <a:ext uri="{28A0092B-C50C-407E-A947-70E740481C1C}">
-                <a14:useLocalDpi xmlns:a14="http://schemas.microsoft.com/office/drawing/2010/main" val="0"/>
-              </a:ext>
-            </a:extLst>
-          </a:blip>
-          <a:stretch>
-            <a:fillRect/>
-          </a:stretch>
-        </p:blipFill>
-        <p:spPr>
-          <a:xfrm>
-            <a:off x="1066798" y="1524000"/>
-            <a:ext cx="7241675" cy="4419600"/>
-          </a:xfrm>
-          <a:prstGeom prst="rect">
-            <a:avLst/>
-          </a:prstGeom>
-        </p:spPr>
-      </p:pic>
-      <p:sp>
-        <p:nvSpPr>
-          <p:cNvPr id="3" name="Title 2"/>
-          <p:cNvSpPr>
-            <a:spLocks noGrp="1"/>
-          </p:cNvSpPr>
-          <p:nvPr>
-            <p:ph type="title"/>
-          </p:nvPr>
-        </p:nvSpPr>
-        <p:spPr/>
-        <p:txBody>
-          <a:bodyPr/>
-          <a:lstStyle/>
-          <a:p>
-            <a:endParaRPr lang="en-US"/>
-          </a:p>
-        </p:txBody>
-      </p:sp>
-      <p:sp>
-        <p:nvSpPr>
-          <p:cNvPr id="8" name="Rectangle 7"/>
-          <p:cNvSpPr/>
-          <p:nvPr/>
-        </p:nvSpPr>
-        <p:spPr>
-          <a:xfrm>
-            <a:off x="609600" y="6324600"/>
-            <a:ext cx="3116559" cy="338554"/>
-          </a:xfrm>
-          <a:prstGeom prst="rect">
-            <a:avLst/>
-          </a:prstGeom>
-        </p:spPr>
-        <p:txBody>
-          <a:bodyPr wrap="none">
-            <a:spAutoFit/>
-          </a:bodyPr>
-          <a:lstStyle/>
-          <a:p>
-            <a:r>
-              <a:rPr lang="en-US" sz="1600" i="1" dirty="0">
-                <a:latin typeface="Century Gothic"/>
-                <a:cs typeface="Century Gothic"/>
-              </a:rPr>
-              <a:t>Software </a:t>
-            </a:r>
-            <a:r>
-              <a:rPr lang="en-US" sz="1600" i="1" dirty="0" smtClean="0">
-                <a:latin typeface="Century Gothic"/>
-                <a:cs typeface="Century Gothic"/>
-              </a:rPr>
-              <a:t>Test Documentation</a:t>
-            </a:r>
-            <a:endParaRPr lang="en-US" sz="1600" i="1" dirty="0">
-              <a:latin typeface="Century Gothic"/>
-              <a:cs typeface="Century Gothic"/>
-            </a:endParaRPr>
-          </a:p>
-        </p:txBody>
-      </p:sp>
-    </p:spTree>
-    <p:extLst>
-      <p:ext uri="{BB962C8B-B14F-4D97-AF65-F5344CB8AC3E}">
-        <p14:creationId xmlns:p14="http://schemas.microsoft.com/office/powerpoint/2010/main" val="3773911723"/>
-      </p:ext>
-    </p:extLst>
-  </p:cSld>
-  <p:clrMapOvr>
-    <a:masterClrMapping/>
-  </p:clrMapOvr>
-  <mc:AlternateContent xmlns:mc="http://schemas.openxmlformats.org/markup-compatibility/2006" xmlns:p14="http://schemas.microsoft.com/office/powerpoint/2010/main">
-    <mc:Choice Requires="p14">
-      <p:transition spd="med" p14:dur="700">
-        <p:fade/>
-      </p:transition>
-    </mc:Choice>
-    <mc:Fallback xmlns="">
-      <p:transition spd="med">
-        <p:fade/>
-      </p:transition>
-    </mc:Fallback>
-  </mc:AlternateContent>
-  <p:timing>
-    <p:tnLst>
-      <p:par>
-        <p:cTn id="1" dur="indefinite" restart="never" nodeType="tmRoot"/>
-      </p:par>
-    </p:tnLst>
-  </p:timing>
-</p:sld>
-</file>
-
-<file path=ppt/slides/slide55.xml><?xml version="1.0" encoding="utf-8"?>
-<p:sld xmlns:a="http://schemas.openxmlformats.org/drawingml/2006/main" xmlns:r="http://schemas.openxmlformats.org/officeDocument/2006/relationships" xmlns:p="http://schemas.openxmlformats.org/presentationml/2006/main">
-  <p:cSld>
-    <p:spTree>
-      <p:nvGrpSpPr>
-        <p:cNvPr id="1" name=""/>
-        <p:cNvGrpSpPr/>
-        <p:nvPr/>
-      </p:nvGrpSpPr>
-      <p:grpSpPr>
-        <a:xfrm>
-          <a:off x="0" y="0"/>
-          <a:ext cx="0" cy="0"/>
-          <a:chOff x="0" y="0"/>
-          <a:chExt cx="0" cy="0"/>
-        </a:xfrm>
-      </p:grpSpPr>
-      <p:sp>
-        <p:nvSpPr>
-          <p:cNvPr id="6" name="Content Placeholder 5"/>
-          <p:cNvSpPr>
-            <a:spLocks noGrp="1"/>
-          </p:cNvSpPr>
-          <p:nvPr>
-            <p:ph idx="1"/>
-          </p:nvPr>
-        </p:nvSpPr>
-        <p:spPr>
-          <a:xfrm>
-            <a:off x="914400" y="914400"/>
-            <a:ext cx="7315200" cy="4495800"/>
-          </a:xfrm>
-        </p:spPr>
-        <p:txBody>
-          <a:bodyPr/>
-          <a:lstStyle/>
-          <a:p>
-            <a:r>
-              <a:rPr lang="en-US" b="1" dirty="0" smtClean="0">
-                <a:latin typeface="Century Gothic"/>
-                <a:cs typeface="Century Gothic"/>
-              </a:rPr>
-              <a:t>Test Report</a:t>
-            </a:r>
-          </a:p>
-          <a:p>
-            <a:endParaRPr lang="en-US" b="1" dirty="0" smtClean="0">
-              <a:solidFill>
-                <a:schemeClr val="tx1">
-                  <a:lumMod val="85000"/>
-                  <a:lumOff val="15000"/>
-                </a:schemeClr>
-              </a:solidFill>
-              <a:latin typeface="Century Gothic"/>
-              <a:cs typeface="Century Gothic"/>
-            </a:endParaRPr>
-          </a:p>
-        </p:txBody>
-      </p:sp>
-      <p:sp>
-        <p:nvSpPr>
-          <p:cNvPr id="2" name="Slide Number Placeholder 1"/>
-          <p:cNvSpPr>
-            <a:spLocks noGrp="1"/>
-          </p:cNvSpPr>
-          <p:nvPr>
-            <p:ph type="sldNum" sz="quarter" idx="12"/>
-          </p:nvPr>
-        </p:nvSpPr>
-        <p:spPr/>
-        <p:txBody>
-          <a:bodyPr/>
-          <a:lstStyle/>
-          <a:p>
-            <a:fld id="{34C99D79-8A4B-4031-B1E0-AF26F8EDF2BC}" type="slidenum">
-              <a:rPr lang="en-US" smtClean="0"/>
-              <a:t>55</a:t>
             </a:fld>
             <a:endParaRPr lang="en-US"/>
           </a:p>
@@ -44209,7 +42523,7 @@
 </p:sld>
 </file>
 
-<file path=ppt/slides/slide56.xml><?xml version="1.0" encoding="utf-8"?>
+<file path=ppt/slides/slide55.xml><?xml version="1.0" encoding="utf-8"?>
 <p:sld xmlns:a="http://schemas.openxmlformats.org/drawingml/2006/main" xmlns:r="http://schemas.openxmlformats.org/officeDocument/2006/relationships" xmlns:p="http://schemas.openxmlformats.org/presentationml/2006/main">
   <p:cSld>
     <p:spTree>
@@ -44341,7 +42655,7 @@
           <a:p>
             <a:fld id="{34C99D79-8A4B-4031-B1E0-AF26F8EDF2BC}" type="slidenum">
               <a:rPr lang="en-US" smtClean="0"/>
-              <a:t>56</a:t>
+              <a:t>55</a:t>
             </a:fld>
             <a:endParaRPr lang="en-US"/>
           </a:p>
@@ -44409,7 +42723,7 @@
 </p:sld>
 </file>
 
-<file path=ppt/slides/slide57.xml><?xml version="1.0" encoding="utf-8"?>
+<file path=ppt/slides/slide56.xml><?xml version="1.0" encoding="utf-8"?>
 <p:sld xmlns:a="http://schemas.openxmlformats.org/drawingml/2006/main" xmlns:r="http://schemas.openxmlformats.org/officeDocument/2006/relationships" xmlns:p="http://schemas.openxmlformats.org/presentationml/2006/main">
   <p:cSld>
     <p:spTree>
@@ -44802,7 +43116,7 @@
           <a:p>
             <a:fld id="{34C99D79-8A4B-4031-B1E0-AF26F8EDF2BC}" type="slidenum">
               <a:rPr lang="en-US" smtClean="0"/>
-              <a:t>57</a:t>
+              <a:t>56</a:t>
             </a:fld>
             <a:endParaRPr lang="en-US"/>
           </a:p>
@@ -44870,7 +43184,7 @@
 </p:sld>
 </file>
 
-<file path=ppt/slides/slide58.xml><?xml version="1.0" encoding="utf-8"?>
+<file path=ppt/slides/slide57.xml><?xml version="1.0" encoding="utf-8"?>
 <p:sld xmlns:a="http://schemas.openxmlformats.org/drawingml/2006/main" xmlns:r="http://schemas.openxmlformats.org/officeDocument/2006/relationships" xmlns:p="http://schemas.openxmlformats.org/presentationml/2006/main">
   <p:cSld>
     <p:spTree>
@@ -45157,7 +43471,7 @@
           <a:p>
             <a:fld id="{34C99D79-8A4B-4031-B1E0-AF26F8EDF2BC}" type="slidenum">
               <a:rPr lang="en-US" smtClean="0"/>
-              <a:t>58</a:t>
+              <a:t>57</a:t>
             </a:fld>
             <a:endParaRPr lang="en-US"/>
           </a:p>
@@ -45225,7 +43539,7 @@
 </p:sld>
 </file>
 
-<file path=ppt/slides/slide59.xml><?xml version="1.0" encoding="utf-8"?>
+<file path=ppt/slides/slide58.xml><?xml version="1.0" encoding="utf-8"?>
 <p:sld xmlns:a="http://schemas.openxmlformats.org/drawingml/2006/main" xmlns:r="http://schemas.openxmlformats.org/officeDocument/2006/relationships" xmlns:p="http://schemas.openxmlformats.org/presentationml/2006/main">
   <p:cSld>
     <p:spTree>
@@ -45470,7 +43784,7 @@
           <a:p>
             <a:fld id="{34C99D79-8A4B-4031-B1E0-AF26F8EDF2BC}" type="slidenum">
               <a:rPr lang="en-US" smtClean="0"/>
-              <a:t>59</a:t>
+              <a:t>58</a:t>
             </a:fld>
             <a:endParaRPr lang="en-US"/>
           </a:p>
@@ -45510,6 +43824,159 @@
     <p:extLst>
       <p:ext uri="{BB962C8B-B14F-4D97-AF65-F5344CB8AC3E}">
         <p14:creationId xmlns:p14="http://schemas.microsoft.com/office/powerpoint/2010/main" val="706216359"/>
+      </p:ext>
+    </p:extLst>
+  </p:cSld>
+  <p:clrMapOvr>
+    <a:masterClrMapping/>
+  </p:clrMapOvr>
+  <mc:AlternateContent xmlns:mc="http://schemas.openxmlformats.org/markup-compatibility/2006" xmlns:p14="http://schemas.microsoft.com/office/powerpoint/2010/main">
+    <mc:Choice Requires="p14">
+      <p:transition spd="med" p14:dur="700">
+        <p:fade/>
+      </p:transition>
+    </mc:Choice>
+    <mc:Fallback xmlns="">
+      <p:transition spd="med">
+        <p:fade/>
+      </p:transition>
+    </mc:Fallback>
+  </mc:AlternateContent>
+  <p:timing>
+    <p:tnLst>
+      <p:par>
+        <p:cTn id="1" dur="indefinite" restart="never" nodeType="tmRoot"/>
+      </p:par>
+    </p:tnLst>
+  </p:timing>
+</p:sld>
+</file>
+
+<file path=ppt/slides/slide59.xml><?xml version="1.0" encoding="utf-8"?>
+<p:sld xmlns:a="http://schemas.openxmlformats.org/drawingml/2006/main" xmlns:r="http://schemas.openxmlformats.org/officeDocument/2006/relationships" xmlns:p="http://schemas.openxmlformats.org/presentationml/2006/main">
+  <p:cSld>
+    <p:spTree>
+      <p:nvGrpSpPr>
+        <p:cNvPr id="1" name=""/>
+        <p:cNvGrpSpPr/>
+        <p:nvPr/>
+      </p:nvGrpSpPr>
+      <p:grpSpPr>
+        <a:xfrm>
+          <a:off x="0" y="0"/>
+          <a:ext cx="0" cy="0"/>
+          <a:chOff x="0" y="0"/>
+          <a:chExt cx="0" cy="0"/>
+        </a:xfrm>
+      </p:grpSpPr>
+      <p:sp>
+        <p:nvSpPr>
+          <p:cNvPr id="5" name="Title 4"/>
+          <p:cNvSpPr>
+            <a:spLocks noGrp="1"/>
+          </p:cNvSpPr>
+          <p:nvPr>
+            <p:ph type="title"/>
+          </p:nvPr>
+        </p:nvSpPr>
+        <p:spPr/>
+        <p:txBody>
+          <a:bodyPr/>
+          <a:lstStyle/>
+          <a:p>
+            <a:r>
+              <a:rPr lang="en-US" dirty="0">
+                <a:solidFill>
+                  <a:schemeClr val="accent4">
+                    <a:lumMod val="50000"/>
+                  </a:schemeClr>
+                </a:solidFill>
+                <a:latin typeface="Century Gothic"/>
+                <a:cs typeface="Century Gothic"/>
+              </a:rPr>
+              <a:t>7</a:t>
+            </a:r>
+            <a:r>
+              <a:rPr lang="en-US" dirty="0" smtClean="0">
+                <a:solidFill>
+                  <a:schemeClr val="accent4">
+                    <a:lumMod val="50000"/>
+                  </a:schemeClr>
+                </a:solidFill>
+                <a:latin typeface="Century Gothic"/>
+                <a:cs typeface="Century Gothic"/>
+              </a:rPr>
+              <a:t>. Q&amp;A</a:t>
+            </a:r>
+            <a:endParaRPr lang="en-US" dirty="0">
+              <a:solidFill>
+                <a:schemeClr val="accent4">
+                  <a:lumMod val="50000"/>
+                </a:schemeClr>
+              </a:solidFill>
+              <a:latin typeface="Century Gothic"/>
+              <a:cs typeface="Century Gothic"/>
+            </a:endParaRPr>
+          </a:p>
+        </p:txBody>
+      </p:sp>
+      <p:sp>
+        <p:nvSpPr>
+          <p:cNvPr id="2" name="Slide Number Placeholder 1"/>
+          <p:cNvSpPr>
+            <a:spLocks noGrp="1"/>
+          </p:cNvSpPr>
+          <p:nvPr>
+            <p:ph type="sldNum" sz="quarter" idx="12"/>
+          </p:nvPr>
+        </p:nvSpPr>
+        <p:spPr/>
+        <p:txBody>
+          <a:bodyPr/>
+          <a:lstStyle/>
+          <a:p>
+            <a:fld id="{34C99D79-8A4B-4031-B1E0-AF26F8EDF2BC}" type="slidenum">
+              <a:rPr lang="en-US" smtClean="0"/>
+              <a:t>59</a:t>
+            </a:fld>
+            <a:endParaRPr lang="en-US"/>
+          </a:p>
+        </p:txBody>
+      </p:sp>
+      <p:pic>
+        <p:nvPicPr>
+          <p:cNvPr id="8" name="Content Placeholder 7" descr="252.jpg"/>
+          <p:cNvPicPr>
+            <a:picLocks noGrp="1" noChangeAspect="1"/>
+          </p:cNvPicPr>
+          <p:nvPr>
+            <p:ph idx="1"/>
+          </p:nvPr>
+        </p:nvPicPr>
+        <p:blipFill>
+          <a:blip r:embed="rId2">
+            <a:extLst>
+              <a:ext uri="{28A0092B-C50C-407E-A947-70E740481C1C}">
+                <a14:useLocalDpi xmlns:a14="http://schemas.microsoft.com/office/drawing/2010/main" val="0"/>
+              </a:ext>
+            </a:extLst>
+          </a:blip>
+          <a:srcRect l="-29733" r="-29733"/>
+          <a:stretch>
+            <a:fillRect/>
+          </a:stretch>
+        </p:blipFill>
+        <p:spPr>
+          <a:xfrm>
+            <a:off x="1524000" y="1524000"/>
+            <a:ext cx="6324600" cy="3952875"/>
+          </a:xfrm>
+        </p:spPr>
+      </p:pic>
+    </p:spTree>
+    <p:extLst>
+      <p:ext uri="{BB962C8B-B14F-4D97-AF65-F5344CB8AC3E}">
+        <p14:creationId xmlns:p14="http://schemas.microsoft.com/office/powerpoint/2010/main" val="2767436595"/>
       </p:ext>
     </p:extLst>
   </p:cSld>
@@ -45987,30 +44454,6 @@
           <a:bodyPr/>
           <a:lstStyle/>
           <a:p>
-            <a:r>
-              <a:rPr lang="en-US" dirty="0">
-                <a:solidFill>
-                  <a:schemeClr val="accent4">
-                    <a:lumMod val="50000"/>
-                  </a:schemeClr>
-                </a:solidFill>
-                <a:latin typeface="Century Gothic"/>
-                <a:cs typeface="Century Gothic"/>
-              </a:rPr>
-              <a:t>7</a:t>
-            </a:r>
-            <a:r>
-              <a:rPr lang="en-US" dirty="0" smtClean="0">
-                <a:solidFill>
-                  <a:schemeClr val="accent4">
-                    <a:lumMod val="50000"/>
-                  </a:schemeClr>
-                </a:solidFill>
-                <a:latin typeface="Century Gothic"/>
-                <a:cs typeface="Century Gothic"/>
-              </a:rPr>
-              <a:t>. Q&amp;A</a:t>
-            </a:r>
             <a:endParaRPr lang="en-US" dirty="0">
               <a:solidFill>
                 <a:schemeClr val="accent4">
@@ -46041,135 +44484,6 @@
             <a:fld id="{34C99D79-8A4B-4031-B1E0-AF26F8EDF2BC}" type="slidenum">
               <a:rPr lang="en-US" smtClean="0"/>
               <a:t>60</a:t>
-            </a:fld>
-            <a:endParaRPr lang="en-US"/>
-          </a:p>
-        </p:txBody>
-      </p:sp>
-      <p:pic>
-        <p:nvPicPr>
-          <p:cNvPr id="8" name="Content Placeholder 7" descr="252.jpg"/>
-          <p:cNvPicPr>
-            <a:picLocks noGrp="1" noChangeAspect="1"/>
-          </p:cNvPicPr>
-          <p:nvPr>
-            <p:ph idx="1"/>
-          </p:nvPr>
-        </p:nvPicPr>
-        <p:blipFill>
-          <a:blip r:embed="rId2">
-            <a:extLst>
-              <a:ext uri="{28A0092B-C50C-407E-A947-70E740481C1C}">
-                <a14:useLocalDpi xmlns:a14="http://schemas.microsoft.com/office/drawing/2010/main" val="0"/>
-              </a:ext>
-            </a:extLst>
-          </a:blip>
-          <a:srcRect l="-29733" r="-29733"/>
-          <a:stretch>
-            <a:fillRect/>
-          </a:stretch>
-        </p:blipFill>
-        <p:spPr>
-          <a:xfrm>
-            <a:off x="1524000" y="1524000"/>
-            <a:ext cx="6324600" cy="3952875"/>
-          </a:xfrm>
-        </p:spPr>
-      </p:pic>
-    </p:spTree>
-    <p:extLst>
-      <p:ext uri="{BB962C8B-B14F-4D97-AF65-F5344CB8AC3E}">
-        <p14:creationId xmlns:p14="http://schemas.microsoft.com/office/powerpoint/2010/main" val="2767436595"/>
-      </p:ext>
-    </p:extLst>
-  </p:cSld>
-  <p:clrMapOvr>
-    <a:masterClrMapping/>
-  </p:clrMapOvr>
-  <mc:AlternateContent xmlns:mc="http://schemas.openxmlformats.org/markup-compatibility/2006" xmlns:p14="http://schemas.microsoft.com/office/powerpoint/2010/main">
-    <mc:Choice Requires="p14">
-      <p:transition spd="med" p14:dur="700">
-        <p:fade/>
-      </p:transition>
-    </mc:Choice>
-    <mc:Fallback xmlns="">
-      <p:transition spd="med">
-        <p:fade/>
-      </p:transition>
-    </mc:Fallback>
-  </mc:AlternateContent>
-  <p:timing>
-    <p:tnLst>
-      <p:par>
-        <p:cTn id="1" dur="indefinite" restart="never" nodeType="tmRoot"/>
-      </p:par>
-    </p:tnLst>
-  </p:timing>
-</p:sld>
-</file>
-
-<file path=ppt/slides/slide61.xml><?xml version="1.0" encoding="utf-8"?>
-<p:sld xmlns:a="http://schemas.openxmlformats.org/drawingml/2006/main" xmlns:r="http://schemas.openxmlformats.org/officeDocument/2006/relationships" xmlns:p="http://schemas.openxmlformats.org/presentationml/2006/main">
-  <p:cSld>
-    <p:spTree>
-      <p:nvGrpSpPr>
-        <p:cNvPr id="1" name=""/>
-        <p:cNvGrpSpPr/>
-        <p:nvPr/>
-      </p:nvGrpSpPr>
-      <p:grpSpPr>
-        <a:xfrm>
-          <a:off x="0" y="0"/>
-          <a:ext cx="0" cy="0"/>
-          <a:chOff x="0" y="0"/>
-          <a:chExt cx="0" cy="0"/>
-        </a:xfrm>
-      </p:grpSpPr>
-      <p:sp>
-        <p:nvSpPr>
-          <p:cNvPr id="5" name="Title 4"/>
-          <p:cNvSpPr>
-            <a:spLocks noGrp="1"/>
-          </p:cNvSpPr>
-          <p:nvPr>
-            <p:ph type="title"/>
-          </p:nvPr>
-        </p:nvSpPr>
-        <p:spPr/>
-        <p:txBody>
-          <a:bodyPr/>
-          <a:lstStyle/>
-          <a:p>
-            <a:endParaRPr lang="en-US" dirty="0">
-              <a:solidFill>
-                <a:schemeClr val="accent4">
-                  <a:lumMod val="50000"/>
-                </a:schemeClr>
-              </a:solidFill>
-              <a:latin typeface="Century Gothic"/>
-              <a:cs typeface="Century Gothic"/>
-            </a:endParaRPr>
-          </a:p>
-        </p:txBody>
-      </p:sp>
-      <p:sp>
-        <p:nvSpPr>
-          <p:cNvPr id="2" name="Slide Number Placeholder 1"/>
-          <p:cNvSpPr>
-            <a:spLocks noGrp="1"/>
-          </p:cNvSpPr>
-          <p:nvPr>
-            <p:ph type="sldNum" sz="quarter" idx="12"/>
-          </p:nvPr>
-        </p:nvSpPr>
-        <p:spPr/>
-        <p:txBody>
-          <a:bodyPr/>
-          <a:lstStyle/>
-          <a:p>
-            <a:fld id="{34C99D79-8A4B-4031-B1E0-AF26F8EDF2BC}" type="slidenum">
-              <a:rPr lang="en-US" smtClean="0"/>
-              <a:t>61</a:t>
             </a:fld>
             <a:endParaRPr lang="en-US"/>
           </a:p>

--- a/Document/Documentation/Final Document & Report/RHF_Presentation_Final_v1.0.pptx
+++ b/Document/Documentation/Final Document & Report/RHF_Presentation_Final_v1.0.pptx
@@ -5,10 +5,10 @@
     <p:sldMasterId id="2147483648" r:id="rId2"/>
   </p:sldMasterIdLst>
   <p:notesMasterIdLst>
-    <p:notesMasterId r:id="rId63"/>
+    <p:notesMasterId r:id="rId62"/>
   </p:notesMasterIdLst>
   <p:handoutMasterIdLst>
-    <p:handoutMasterId r:id="rId64"/>
+    <p:handoutMasterId r:id="rId63"/>
   </p:handoutMasterIdLst>
   <p:sldIdLst>
     <p:sldId id="256" r:id="rId3"/>
@@ -52,25 +52,24 @@
     <p:sldId id="310" r:id="rId41"/>
     <p:sldId id="311" r:id="rId42"/>
     <p:sldId id="312" r:id="rId43"/>
-    <p:sldId id="365" r:id="rId44"/>
-    <p:sldId id="366" r:id="rId45"/>
-    <p:sldId id="367" r:id="rId46"/>
-    <p:sldId id="314" r:id="rId47"/>
-    <p:sldId id="315" r:id="rId48"/>
-    <p:sldId id="361" r:id="rId49"/>
-    <p:sldId id="364" r:id="rId50"/>
-    <p:sldId id="362" r:id="rId51"/>
-    <p:sldId id="352" r:id="rId52"/>
-    <p:sldId id="353" r:id="rId53"/>
-    <p:sldId id="357" r:id="rId54"/>
-    <p:sldId id="355" r:id="rId55"/>
-    <p:sldId id="356" r:id="rId56"/>
-    <p:sldId id="323" r:id="rId57"/>
-    <p:sldId id="358" r:id="rId58"/>
-    <p:sldId id="359" r:id="rId59"/>
-    <p:sldId id="360" r:id="rId60"/>
-    <p:sldId id="324" r:id="rId61"/>
-    <p:sldId id="325" r:id="rId62"/>
+    <p:sldId id="366" r:id="rId44"/>
+    <p:sldId id="367" r:id="rId45"/>
+    <p:sldId id="314" r:id="rId46"/>
+    <p:sldId id="315" r:id="rId47"/>
+    <p:sldId id="361" r:id="rId48"/>
+    <p:sldId id="364" r:id="rId49"/>
+    <p:sldId id="362" r:id="rId50"/>
+    <p:sldId id="352" r:id="rId51"/>
+    <p:sldId id="353" r:id="rId52"/>
+    <p:sldId id="357" r:id="rId53"/>
+    <p:sldId id="355" r:id="rId54"/>
+    <p:sldId id="356" r:id="rId55"/>
+    <p:sldId id="323" r:id="rId56"/>
+    <p:sldId id="358" r:id="rId57"/>
+    <p:sldId id="359" r:id="rId58"/>
+    <p:sldId id="360" r:id="rId59"/>
+    <p:sldId id="324" r:id="rId60"/>
+    <p:sldId id="325" r:id="rId61"/>
   </p:sldIdLst>
   <p:sldSz cx="9144000" cy="6858000" type="screen4x3"/>
   <p:notesSz cx="6858000" cy="9144000"/>
@@ -171,7 +170,7 @@
   </p:defaultTextStyle>
   <p:extLst>
     <p:ext uri="{EFAFB233-063F-42B5-8137-9DF3F51BA10A}">
-      <p15:sldGuideLst xmlns:p15="http://schemas.microsoft.com/office/powerpoint/2012/main" xmlns="">
+      <p15:sldGuideLst xmlns="" xmlns:p15="http://schemas.microsoft.com/office/powerpoint/2012/main">
         <p15:guide id="1" orient="horz" pos="2160">
           <p15:clr>
             <a:srgbClr val="A4A3A4"/>
@@ -185,7 +184,7 @@
       </p15:sldGuideLst>
     </p:ext>
     <p:ext uri="{2D200454-40CA-4A62-9FC3-DE9A4176ACB9}">
-      <p15:notesGuideLst xmlns:p15="http://schemas.microsoft.com/office/powerpoint/2012/main" xmlns="">
+      <p15:notesGuideLst xmlns="" xmlns:p15="http://schemas.microsoft.com/office/powerpoint/2012/main">
         <p15:guide id="1" orient="horz" pos="2880">
           <p15:clr>
             <a:srgbClr val="A4A3A4"/>
@@ -12996,7 +12995,6 @@
               <a:rPr lang="en-US" sz="2000" baseline="0" dirty="0" smtClean="0"/>
               <a:t>.</a:t>
             </a:r>
-            <a:endParaRPr lang="en-US" sz="2000" baseline="0" dirty="0" smtClean="0"/>
           </a:p>
           <a:p>
             <a:endParaRPr lang="en-US" sz="2000" baseline="0" dirty="0" smtClean="0"/>
@@ -13214,7 +13212,6 @@
               <a:rPr lang="en-US" sz="2000" baseline="0" dirty="0" smtClean="0"/>
               <a:t>.</a:t>
             </a:r>
-            <a:endParaRPr lang="en-US" sz="2000" baseline="0" dirty="0" smtClean="0"/>
           </a:p>
           <a:p>
             <a:endParaRPr lang="en-US" sz="2000" baseline="0" dirty="0" smtClean="0"/>
@@ -13540,11 +13537,7 @@
             </a:r>
             <a:r>
               <a:rPr lang="en-US" sz="2000" baseline="0" dirty="0" smtClean="0"/>
-              <a:t> </a:t>
-            </a:r>
-            <a:r>
-              <a:rPr lang="en-US" sz="2000" baseline="0" dirty="0" smtClean="0"/>
-              <a:t>website </a:t>
+              <a:t> website </a:t>
             </a:r>
             <a:r>
               <a:rPr lang="en-US" sz="2000" baseline="0" dirty="0" err="1" smtClean="0"/>
@@ -13815,7 +13808,6 @@
               <a:rPr lang="en-US" sz="2000" baseline="0" dirty="0" smtClean="0"/>
               <a:t>.</a:t>
             </a:r>
-            <a:endParaRPr lang="en-US" sz="2000" baseline="0" dirty="0" smtClean="0"/>
           </a:p>
           <a:p>
             <a:endParaRPr lang="en-US" sz="2000" dirty="0"/>
@@ -16540,11 +16532,7 @@
             </a:r>
             <a:r>
               <a:rPr lang="en-US" baseline="0" dirty="0" smtClean="0"/>
-              <a:t> </a:t>
-            </a:r>
-            <a:r>
-              <a:rPr lang="en-US" baseline="0" dirty="0" smtClean="0"/>
-              <a:t>4, ta </a:t>
+              <a:t> 4, ta </a:t>
             </a:r>
             <a:r>
               <a:rPr lang="en-US" baseline="0" dirty="0" err="1" smtClean="0"/>
@@ -17310,7 +17298,7 @@
           <a:p>
             <a:fld id="{B045B7DE-1198-4F2F-B574-CA8CAE341642}" type="slidenum">
               <a:rPr lang="en-US" smtClean="0"/>
-              <a:t>48</a:t>
+              <a:t>47</a:t>
             </a:fld>
             <a:endParaRPr lang="en-US"/>
           </a:p>
@@ -18092,7 +18080,16 @@
                 </a:solidFill>
                 <a:sym typeface="Wingdings"/>
               </a:rPr>
-              <a:t> </a:t>
+              <a:t> HN </a:t>
+            </a:r>
+            <a:r>
+              <a:rPr lang="en-US" sz="2000" baseline="0" dirty="0" err="1" smtClean="0">
+                <a:solidFill>
+                  <a:srgbClr val="FF0000"/>
+                </a:solidFill>
+                <a:sym typeface="Wingdings"/>
+              </a:rPr>
+              <a:t>và</a:t>
             </a:r>
             <a:r>
               <a:rPr lang="en-US" sz="2000" baseline="0" dirty="0" smtClean="0">
@@ -18101,7 +18098,7 @@
                 </a:solidFill>
                 <a:sym typeface="Wingdings"/>
               </a:rPr>
-              <a:t>HN </a:t>
+              <a:t> </a:t>
             </a:r>
             <a:r>
               <a:rPr lang="en-US" sz="2000" baseline="0" dirty="0" err="1" smtClean="0">
@@ -18110,7 +18107,7 @@
                 </a:solidFill>
                 <a:sym typeface="Wingdings"/>
               </a:rPr>
-              <a:t>và</a:t>
+              <a:t>các</a:t>
             </a:r>
             <a:r>
               <a:rPr lang="en-US" sz="2000" baseline="0" dirty="0" smtClean="0">
@@ -18119,7 +18116,7 @@
                 </a:solidFill>
                 <a:sym typeface="Wingdings"/>
               </a:rPr>
-              <a:t> </a:t>
+              <a:t> TP </a:t>
             </a:r>
             <a:r>
               <a:rPr lang="en-US" sz="2000" baseline="0" dirty="0" err="1" smtClean="0">
@@ -18128,7 +18125,7 @@
                 </a:solidFill>
                 <a:sym typeface="Wingdings"/>
               </a:rPr>
-              <a:t>các</a:t>
+              <a:t>khác</a:t>
             </a:r>
             <a:r>
               <a:rPr lang="en-US" sz="2000" baseline="0" dirty="0" smtClean="0">
@@ -18137,7 +18134,7 @@
                 </a:solidFill>
                 <a:sym typeface="Wingdings"/>
               </a:rPr>
-              <a:t> TP </a:t>
+              <a:t> </a:t>
             </a:r>
             <a:r>
               <a:rPr lang="en-US" sz="2000" baseline="0" dirty="0" err="1" smtClean="0">
@@ -18146,7 +18143,7 @@
                 </a:solidFill>
                 <a:sym typeface="Wingdings"/>
               </a:rPr>
-              <a:t>khác</a:t>
+              <a:t>trên</a:t>
             </a:r>
             <a:r>
               <a:rPr lang="en-US" sz="2000" baseline="0" dirty="0" smtClean="0">
@@ -18164,7 +18161,7 @@
                 </a:solidFill>
                 <a:sym typeface="Wingdings"/>
               </a:rPr>
-              <a:t>trên</a:t>
+              <a:t>cả</a:t>
             </a:r>
             <a:r>
               <a:rPr lang="en-US" sz="2000" baseline="0" dirty="0" smtClean="0">
@@ -18182,7 +18179,7 @@
                 </a:solidFill>
                 <a:sym typeface="Wingdings"/>
               </a:rPr>
-              <a:t>cả</a:t>
+              <a:t>nước</a:t>
             </a:r>
             <a:r>
               <a:rPr lang="en-US" sz="2000" baseline="0" dirty="0" smtClean="0">
@@ -18200,7 +18197,7 @@
                 </a:solidFill>
                 <a:sym typeface="Wingdings"/>
               </a:rPr>
-              <a:t>nước</a:t>
+              <a:t>đã</a:t>
             </a:r>
             <a:r>
               <a:rPr lang="en-US" sz="2000" baseline="0" dirty="0" smtClean="0">
@@ -18218,7 +18215,7 @@
                 </a:solidFill>
                 <a:sym typeface="Wingdings"/>
               </a:rPr>
-              <a:t>đã</a:t>
+              <a:t>dẫn</a:t>
             </a:r>
             <a:r>
               <a:rPr lang="en-US" sz="2000" baseline="0" dirty="0" smtClean="0">
@@ -18236,7 +18233,7 @@
                 </a:solidFill>
                 <a:sym typeface="Wingdings"/>
               </a:rPr>
-              <a:t>dẫn</a:t>
+              <a:t>tới</a:t>
             </a:r>
             <a:r>
               <a:rPr lang="en-US" sz="2000" baseline="0" dirty="0" smtClean="0">
@@ -18254,7 +18251,7 @@
                 </a:solidFill>
                 <a:sym typeface="Wingdings"/>
               </a:rPr>
-              <a:t>tới</a:t>
+              <a:t>nhu</a:t>
             </a:r>
             <a:r>
               <a:rPr lang="en-US" sz="2000" baseline="0" dirty="0" smtClean="0">
@@ -18272,7 +18269,7 @@
                 </a:solidFill>
                 <a:sym typeface="Wingdings"/>
               </a:rPr>
-              <a:t>nhu</a:t>
+              <a:t>cầu</a:t>
             </a:r>
             <a:r>
               <a:rPr lang="en-US" sz="2000" baseline="0" dirty="0" smtClean="0">
@@ -18290,7 +18287,7 @@
                 </a:solidFill>
                 <a:sym typeface="Wingdings"/>
               </a:rPr>
-              <a:t>cầu</a:t>
+              <a:t>về</a:t>
             </a:r>
             <a:r>
               <a:rPr lang="en-US" sz="2000" baseline="0" dirty="0" smtClean="0">
@@ -18308,7 +18305,7 @@
                 </a:solidFill>
                 <a:sym typeface="Wingdings"/>
               </a:rPr>
-              <a:t>về</a:t>
+              <a:t>nhà</a:t>
             </a:r>
             <a:r>
               <a:rPr lang="en-US" sz="2000" baseline="0" dirty="0" smtClean="0">
@@ -18317,7 +18314,7 @@
                 </a:solidFill>
                 <a:sym typeface="Wingdings"/>
               </a:rPr>
-              <a:t> </a:t>
+              <a:t> ở </a:t>
             </a:r>
             <a:r>
               <a:rPr lang="en-US" sz="2000" baseline="0" dirty="0" err="1" smtClean="0">
@@ -18326,7 +18323,7 @@
                 </a:solidFill>
                 <a:sym typeface="Wingdings"/>
               </a:rPr>
-              <a:t>nhà</a:t>
+              <a:t>tăng</a:t>
             </a:r>
             <a:r>
               <a:rPr lang="en-US" sz="2000" baseline="0" dirty="0" smtClean="0">
@@ -18338,49 +18335,13 @@
               <a:t> </a:t>
             </a:r>
             <a:r>
-              <a:rPr lang="en-US" sz="2000" baseline="0" dirty="0" smtClean="0">
+              <a:rPr lang="en-US" sz="2000" baseline="0" dirty="0" err="1" smtClean="0">
                 <a:solidFill>
                   <a:srgbClr val="FF0000"/>
                 </a:solidFill>
                 <a:sym typeface="Wingdings"/>
               </a:rPr>
-              <a:t>ở </a:t>
-            </a:r>
-            <a:r>
-              <a:rPr lang="en-US" sz="2000" baseline="0" dirty="0" err="1" smtClean="0">
-                <a:solidFill>
-                  <a:srgbClr val="FF0000"/>
-                </a:solidFill>
-                <a:sym typeface="Wingdings"/>
-              </a:rPr>
-              <a:t>tăng</a:t>
-            </a:r>
-            <a:r>
-              <a:rPr lang="en-US" sz="2000" baseline="0" dirty="0" smtClean="0">
-                <a:solidFill>
-                  <a:srgbClr val="FF0000"/>
-                </a:solidFill>
-                <a:sym typeface="Wingdings"/>
-              </a:rPr>
-              <a:t> </a:t>
-            </a:r>
-            <a:r>
-              <a:rPr lang="en-US" sz="2000" baseline="0" dirty="0" err="1" smtClean="0">
-                <a:solidFill>
-                  <a:srgbClr val="FF0000"/>
-                </a:solidFill>
-                <a:sym typeface="Wingdings"/>
-              </a:rPr>
-              <a:t>theo</a:t>
-            </a:r>
-            <a:r>
-              <a:rPr lang="en-US" sz="2000" baseline="0" dirty="0" err="1" smtClean="0">
-                <a:solidFill>
-                  <a:srgbClr val="FF0000"/>
-                </a:solidFill>
-                <a:sym typeface="Wingdings"/>
-              </a:rPr>
-              <a:t>.</a:t>
+              <a:t>theo.</a:t>
             </a:r>
             <a:r>
               <a:rPr lang="en-US" sz="2000" baseline="0" dirty="0" smtClean="0">
@@ -26396,7 +26357,7 @@
   </p:txStyles>
   <p:extLst mod="1">
     <p:ext uri="{27BBF7A9-308A-43DC-89C8-2F10F3537804}">
-      <p15:sldGuideLst xmlns:p15="http://schemas.microsoft.com/office/powerpoint/2012/main" xmlns="">
+      <p15:sldGuideLst xmlns="" xmlns:p15="http://schemas.microsoft.com/office/powerpoint/2012/main">
         <p15:guide id="1" orient="horz" pos="2160" userDrawn="1">
           <p15:clr>
             <a:srgbClr val="F26B43"/>
@@ -38057,25 +38018,6 @@
               </a:rPr>
               <a:t>Design</a:t>
             </a:r>
-          </a:p>
-          <a:p>
-            <a:pPr marL="965375" lvl="1" indent="-514350">
-              <a:buFont typeface="+mj-lt"/>
-              <a:buAutoNum type="arabicPeriod"/>
-            </a:pPr>
-            <a:r>
-              <a:rPr lang="en-US" dirty="0" smtClean="0">
-                <a:solidFill>
-                  <a:schemeClr val="tx1">
-                    <a:lumMod val="85000"/>
-                    <a:lumOff val="15000"/>
-                  </a:schemeClr>
-                </a:solidFill>
-                <a:latin typeface="Century Gothic"/>
-                <a:cs typeface="Century Gothic"/>
-              </a:rPr>
-              <a:t>ERD</a:t>
-            </a:r>
             <a:endParaRPr lang="en-US" dirty="0" smtClean="0">
               <a:solidFill>
                 <a:schemeClr val="tx1">
@@ -38677,7 +38619,7 @@
         </p:blipFill>
         <p:spPr>
           <a:xfrm>
-            <a:off x="1752600" y="1600200"/>
+            <a:off x="1143000" y="1504950"/>
             <a:ext cx="6248400" cy="3905250"/>
           </a:xfrm>
         </p:spPr>
@@ -38692,7 +38634,7 @@
         </p:nvSpPr>
         <p:spPr>
           <a:xfrm>
-            <a:off x="3505200" y="5410200"/>
+            <a:off x="2819400" y="5451764"/>
             <a:ext cx="7315200" cy="533400"/>
           </a:xfrm>
           <a:prstGeom prst="rect">
@@ -38983,7 +38925,7 @@
                 <a:latin typeface="Century Gothic"/>
                 <a:cs typeface="Century Gothic"/>
               </a:rPr>
-              <a:t>Component diagram</a:t>
+              <a:t>Common Component</a:t>
             </a:r>
           </a:p>
           <a:p>
@@ -39097,7 +39039,7 @@
       </p:sp>
       <p:pic>
         <p:nvPicPr>
-          <p:cNvPr id="4098" name="Picture 2"/>
+          <p:cNvPr id="2050" name="Picture 2"/>
           <p:cNvPicPr>
             <a:picLocks noChangeAspect="1" noChangeArrowheads="1"/>
           </p:cNvPicPr>
@@ -39118,8 +39060,72 @@
         </p:blipFill>
         <p:spPr bwMode="auto">
           <a:xfrm>
-            <a:off x="381000" y="2971800"/>
-            <a:ext cx="8653159" cy="1462944"/>
+            <a:off x="1143000" y="2286000"/>
+            <a:ext cx="6772275" cy="3123743"/>
+          </a:xfrm>
+          <a:prstGeom prst="rect">
+            <a:avLst/>
+          </a:prstGeom>
+          <a:noFill/>
+          <a:ln>
+            <a:noFill/>
+          </a:ln>
+          <a:effectLst/>
+          <a:extLst>
+            <a:ext uri="{909E8E84-426E-40DD-AFC4-6F175D3DCCD1}">
+              <a14:hiddenFill xmlns:a14="http://schemas.microsoft.com/office/drawing/2010/main">
+                <a:solidFill>
+                  <a:schemeClr val="accent1"/>
+                </a:solidFill>
+              </a14:hiddenFill>
+            </a:ext>
+            <a:ext uri="{91240B29-F687-4F45-9708-019B960494DF}">
+              <a14:hiddenLine xmlns:a14="http://schemas.microsoft.com/office/drawing/2010/main" w="9525">
+                <a:solidFill>
+                  <a:schemeClr val="tx1"/>
+                </a:solidFill>
+                <a:miter lim="800000"/>
+                <a:headEnd/>
+                <a:tailEnd/>
+              </a14:hiddenLine>
+            </a:ext>
+            <a:ext uri="{AF507438-7753-43E0-B8FC-AC1667EBCBE1}">
+              <a14:hiddenEffects xmlns:a14="http://schemas.microsoft.com/office/drawing/2010/main">
+                <a:effectLst>
+                  <a:outerShdw dist="35921" dir="2700000" algn="ctr" rotWithShape="0">
+                    <a:schemeClr val="bg2"/>
+                  </a:outerShdw>
+                </a:effectLst>
+              </a14:hiddenEffects>
+            </a:ext>
+          </a:extLst>
+        </p:spPr>
+      </p:pic>
+      <p:pic>
+        <p:nvPicPr>
+          <p:cNvPr id="2051" name="Picture 3"/>
+          <p:cNvPicPr>
+            <a:picLocks noChangeAspect="1" noChangeArrowheads="1"/>
+          </p:cNvPicPr>
+          <p:nvPr/>
+        </p:nvPicPr>
+        <p:blipFill>
+          <a:blip r:embed="rId3">
+            <a:extLst>
+              <a:ext uri="{28A0092B-C50C-407E-A947-70E740481C1C}">
+                <a14:useLocalDpi xmlns:a14="http://schemas.microsoft.com/office/drawing/2010/main" val="0"/>
+              </a:ext>
+            </a:extLst>
+          </a:blip>
+          <a:srcRect/>
+          <a:stretch>
+            <a:fillRect/>
+          </a:stretch>
+        </p:blipFill>
+        <p:spPr bwMode="auto">
+          <a:xfrm>
+            <a:off x="1172687" y="2057400"/>
+            <a:ext cx="7256721" cy="3429000"/>
           </a:xfrm>
           <a:prstGeom prst="rect">
             <a:avLst/>
@@ -39162,7 +39168,7 @@
     </p:spTree>
     <p:extLst>
       <p:ext uri="{BB962C8B-B14F-4D97-AF65-F5344CB8AC3E}">
-        <p14:creationId xmlns:p14="http://schemas.microsoft.com/office/powerpoint/2010/main" val="3070806071"/>
+        <p14:creationId xmlns:p14="http://schemas.microsoft.com/office/powerpoint/2010/main" val="2726407772"/>
       </p:ext>
     </p:extLst>
   </p:cSld>
@@ -39228,7 +39234,7 @@
                 <a:latin typeface="Century Gothic"/>
                 <a:cs typeface="Century Gothic"/>
               </a:rPr>
-              <a:t>Common Component</a:t>
+              <a:t>Web Component</a:t>
             </a:r>
           </a:p>
           <a:p>
@@ -39342,7 +39348,7 @@
       </p:sp>
       <p:pic>
         <p:nvPicPr>
-          <p:cNvPr id="2050" name="Picture 2"/>
+          <p:cNvPr id="3074" name="Picture 2"/>
           <p:cNvPicPr>
             <a:picLocks noChangeAspect="1" noChangeArrowheads="1"/>
           </p:cNvPicPr>
@@ -39363,72 +39369,8 @@
         </p:blipFill>
         <p:spPr bwMode="auto">
           <a:xfrm>
-            <a:off x="1143000" y="2286000"/>
-            <a:ext cx="6772275" cy="3123743"/>
-          </a:xfrm>
-          <a:prstGeom prst="rect">
-            <a:avLst/>
-          </a:prstGeom>
-          <a:noFill/>
-          <a:ln>
-            <a:noFill/>
-          </a:ln>
-          <a:effectLst/>
-          <a:extLst>
-            <a:ext uri="{909E8E84-426E-40DD-AFC4-6F175D3DCCD1}">
-              <a14:hiddenFill xmlns:a14="http://schemas.microsoft.com/office/drawing/2010/main">
-                <a:solidFill>
-                  <a:schemeClr val="accent1"/>
-                </a:solidFill>
-              </a14:hiddenFill>
-            </a:ext>
-            <a:ext uri="{91240B29-F687-4F45-9708-019B960494DF}">
-              <a14:hiddenLine xmlns:a14="http://schemas.microsoft.com/office/drawing/2010/main" w="9525">
-                <a:solidFill>
-                  <a:schemeClr val="tx1"/>
-                </a:solidFill>
-                <a:miter lim="800000"/>
-                <a:headEnd/>
-                <a:tailEnd/>
-              </a14:hiddenLine>
-            </a:ext>
-            <a:ext uri="{AF507438-7753-43E0-B8FC-AC1667EBCBE1}">
-              <a14:hiddenEffects xmlns:a14="http://schemas.microsoft.com/office/drawing/2010/main">
-                <a:effectLst>
-                  <a:outerShdw dist="35921" dir="2700000" algn="ctr" rotWithShape="0">
-                    <a:schemeClr val="bg2"/>
-                  </a:outerShdw>
-                </a:effectLst>
-              </a14:hiddenEffects>
-            </a:ext>
-          </a:extLst>
-        </p:spPr>
-      </p:pic>
-      <p:pic>
-        <p:nvPicPr>
-          <p:cNvPr id="2051" name="Picture 3"/>
-          <p:cNvPicPr>
-            <a:picLocks noChangeAspect="1" noChangeArrowheads="1"/>
-          </p:cNvPicPr>
-          <p:nvPr/>
-        </p:nvPicPr>
-        <p:blipFill>
-          <a:blip r:embed="rId3">
-            <a:extLst>
-              <a:ext uri="{28A0092B-C50C-407E-A947-70E740481C1C}">
-                <a14:useLocalDpi xmlns:a14="http://schemas.microsoft.com/office/drawing/2010/main" val="0"/>
-              </a:ext>
-            </a:extLst>
-          </a:blip>
-          <a:srcRect/>
-          <a:stretch>
-            <a:fillRect/>
-          </a:stretch>
-        </p:blipFill>
-        <p:spPr bwMode="auto">
-          <a:xfrm>
-            <a:off x="1172687" y="2057400"/>
-            <a:ext cx="7256721" cy="3429000"/>
+            <a:off x="1219200" y="2209800"/>
+            <a:ext cx="6781800" cy="3475146"/>
           </a:xfrm>
           <a:prstGeom prst="rect">
             <a:avLst/>
@@ -39471,7 +39413,7 @@
     </p:spTree>
     <p:extLst>
       <p:ext uri="{BB962C8B-B14F-4D97-AF65-F5344CB8AC3E}">
-        <p14:creationId xmlns:p14="http://schemas.microsoft.com/office/powerpoint/2010/main" val="2726407772"/>
+        <p14:creationId xmlns:p14="http://schemas.microsoft.com/office/powerpoint/2010/main" val="711741338"/>
       </p:ext>
     </p:extLst>
   </p:cSld>
@@ -39527,41 +39469,10 @@
             <p:ph idx="1"/>
           </p:nvPr>
         </p:nvSpPr>
-        <p:spPr/>
-        <p:txBody>
-          <a:bodyPr/>
-          <a:lstStyle/>
-          <a:p>
-            <a:r>
-              <a:rPr lang="en-US" dirty="0" smtClean="0">
-                <a:latin typeface="Century Gothic"/>
-                <a:cs typeface="Century Gothic"/>
-              </a:rPr>
-              <a:t>Web Component</a:t>
-            </a:r>
-          </a:p>
-          <a:p>
-            <a:endParaRPr lang="en-US" dirty="0">
-              <a:latin typeface="Century Gothic"/>
-              <a:cs typeface="Century Gothic"/>
-            </a:endParaRPr>
-          </a:p>
-        </p:txBody>
-      </p:sp>
-      <p:sp>
-        <p:nvSpPr>
-          <p:cNvPr id="5" name="Title 4"/>
-          <p:cNvSpPr>
-            <a:spLocks noGrp="1"/>
-          </p:cNvSpPr>
-          <p:nvPr>
-            <p:ph type="title"/>
-          </p:nvPr>
-        </p:nvSpPr>
         <p:spPr>
           <a:xfrm>
-            <a:off x="914400" y="152400"/>
-            <a:ext cx="8229600" cy="1295400"/>
+            <a:off x="985652" y="762000"/>
+            <a:ext cx="7315200" cy="4572000"/>
           </a:xfrm>
         </p:spPr>
         <p:txBody>
@@ -39570,22 +39481,25 @@
           <a:p>
             <a:r>
               <a:rPr lang="en-US" dirty="0" smtClean="0">
-                <a:solidFill>
-                  <a:schemeClr val="accent4">
-                    <a:lumMod val="50000"/>
-                  </a:schemeClr>
-                </a:solidFill>
-                <a:latin typeface="Century Gothic"/>
-                <a:cs typeface="Century Gothic"/>
-              </a:rPr>
-              <a:t>4.3 Detail Design</a:t>
-            </a:r>
+                <a:latin typeface="Century Gothic"/>
+                <a:cs typeface="Century Gothic"/>
+              </a:rPr>
+              <a:t>Class </a:t>
+            </a:r>
+            <a:r>
+              <a:rPr lang="en-US" dirty="0" smtClean="0">
+                <a:latin typeface="Century Gothic"/>
+                <a:cs typeface="Century Gothic"/>
+              </a:rPr>
+              <a:t>diagram example</a:t>
+            </a:r>
+            <a:endParaRPr lang="en-US" dirty="0" smtClean="0">
+              <a:latin typeface="Century Gothic"/>
+              <a:cs typeface="Century Gothic"/>
+            </a:endParaRPr>
+          </a:p>
+          <a:p>
             <a:endParaRPr lang="en-US" dirty="0">
-              <a:solidFill>
-                <a:schemeClr val="accent4">
-                  <a:lumMod val="50000"/>
-                </a:schemeClr>
-              </a:solidFill>
               <a:latin typeface="Century Gothic"/>
               <a:cs typeface="Century Gothic"/>
             </a:endParaRPr>
@@ -39651,7 +39565,7 @@
       </p:sp>
       <p:pic>
         <p:nvPicPr>
-          <p:cNvPr id="3074" name="Picture 2"/>
+          <p:cNvPr id="1031" name="Picture 7"/>
           <p:cNvPicPr>
             <a:picLocks noChangeAspect="1" noChangeArrowheads="1"/>
           </p:cNvPicPr>
@@ -39672,8 +39586,8 @@
         </p:blipFill>
         <p:spPr bwMode="auto">
           <a:xfrm>
-            <a:off x="1219200" y="2209800"/>
-            <a:ext cx="6781800" cy="3475146"/>
+            <a:off x="633413" y="1371600"/>
+            <a:ext cx="7877175" cy="4391025"/>
           </a:xfrm>
           <a:prstGeom prst="rect">
             <a:avLst/>
@@ -39716,7 +39630,7 @@
     </p:spTree>
     <p:extLst>
       <p:ext uri="{BB962C8B-B14F-4D97-AF65-F5344CB8AC3E}">
-        <p14:creationId xmlns:p14="http://schemas.microsoft.com/office/powerpoint/2010/main" val="711741338"/>
+        <p14:creationId xmlns:p14="http://schemas.microsoft.com/office/powerpoint/2010/main" val="530008796"/>
       </p:ext>
     </p:extLst>
   </p:cSld>
@@ -39774,7 +39688,7 @@
         </p:nvSpPr>
         <p:spPr>
           <a:xfrm>
-            <a:off x="985652" y="762000"/>
+            <a:off x="990600" y="762000"/>
             <a:ext cx="7315200" cy="4572000"/>
           </a:xfrm>
         </p:spPr>
@@ -39787,8 +39701,12 @@
                 <a:latin typeface="Century Gothic"/>
                 <a:cs typeface="Century Gothic"/>
               </a:rPr>
-              <a:t>Class diagram</a:t>
-            </a:r>
+              <a:t>Sequence diagram example</a:t>
+            </a:r>
+            <a:endParaRPr lang="en-US" dirty="0" smtClean="0">
+              <a:latin typeface="Century Gothic"/>
+              <a:cs typeface="Century Gothic"/>
+            </a:endParaRPr>
           </a:p>
           <a:p>
             <a:endParaRPr lang="en-US" dirty="0">
@@ -39857,14 +39775,44 @@
       </p:sp>
       <p:pic>
         <p:nvPicPr>
-          <p:cNvPr id="4099" name="Picture 3" descr="Z:\Desktop\classDiagram.png"/>
+          <p:cNvPr id="4" name="Picture 3" descr="Screen Shot 2013-04-21 at 6.24.49 PM.png"/>
+          <p:cNvPicPr>
+            <a:picLocks noChangeAspect="1"/>
+          </p:cNvPicPr>
+          <p:nvPr/>
+        </p:nvPicPr>
+        <p:blipFill>
+          <a:blip r:embed="rId2">
+            <a:extLst>
+              <a:ext uri="{28A0092B-C50C-407E-A947-70E740481C1C}">
+                <a14:useLocalDpi xmlns:a14="http://schemas.microsoft.com/office/drawing/2010/main" val="0"/>
+              </a:ext>
+            </a:extLst>
+          </a:blip>
+          <a:stretch>
+            <a:fillRect/>
+          </a:stretch>
+        </p:blipFill>
+        <p:spPr>
+          <a:xfrm>
+            <a:off x="381000" y="1343952"/>
+            <a:ext cx="8415518" cy="5514048"/>
+          </a:xfrm>
+          <a:prstGeom prst="rect">
+            <a:avLst/>
+          </a:prstGeom>
+        </p:spPr>
+      </p:pic>
+      <p:pic>
+        <p:nvPicPr>
+          <p:cNvPr id="2050" name="Picture 2"/>
           <p:cNvPicPr>
             <a:picLocks noChangeAspect="1" noChangeArrowheads="1"/>
           </p:cNvPicPr>
           <p:nvPr/>
         </p:nvPicPr>
         <p:blipFill>
-          <a:blip r:embed="rId2">
+          <a:blip r:embed="rId3">
             <a:extLst>
               <a:ext uri="{28A0092B-C50C-407E-A947-70E740481C1C}">
                 <a14:useLocalDpi xmlns:a14="http://schemas.microsoft.com/office/drawing/2010/main" val="0"/>
@@ -39878,20 +39826,43 @@
         </p:blipFill>
         <p:spPr bwMode="auto">
           <a:xfrm>
-            <a:off x="1295400" y="1295400"/>
-            <a:ext cx="6985000" cy="4191000"/>
+            <a:off x="609600" y="1349951"/>
+            <a:ext cx="733425" cy="200025"/>
           </a:xfrm>
           <a:prstGeom prst="rect">
             <a:avLst/>
           </a:prstGeom>
           <a:noFill/>
+          <a:ln>
+            <a:noFill/>
+          </a:ln>
+          <a:effectLst/>
           <a:extLst>
             <a:ext uri="{909E8E84-426E-40DD-AFC4-6F175D3DCCD1}">
               <a14:hiddenFill xmlns:a14="http://schemas.microsoft.com/office/drawing/2010/main">
                 <a:solidFill>
-                  <a:srgbClr val="FFFFFF"/>
+                  <a:schemeClr val="accent1"/>
                 </a:solidFill>
               </a14:hiddenFill>
+            </a:ext>
+            <a:ext uri="{91240B29-F687-4F45-9708-019B960494DF}">
+              <a14:hiddenLine xmlns:a14="http://schemas.microsoft.com/office/drawing/2010/main" w="9525">
+                <a:solidFill>
+                  <a:schemeClr val="tx1"/>
+                </a:solidFill>
+                <a:miter lim="800000"/>
+                <a:headEnd/>
+                <a:tailEnd/>
+              </a14:hiddenLine>
+            </a:ext>
+            <a:ext uri="{AF507438-7753-43E0-B8FC-AC1667EBCBE1}">
+              <a14:hiddenEffects xmlns:a14="http://schemas.microsoft.com/office/drawing/2010/main">
+                <a:effectLst>
+                  <a:outerShdw dist="35921" dir="2700000" algn="ctr" rotWithShape="0">
+                    <a:schemeClr val="bg2"/>
+                  </a:outerShdw>
+                </a:effectLst>
+              </a14:hiddenEffects>
             </a:ext>
           </a:extLst>
         </p:spPr>
@@ -39899,7 +39870,7 @@
     </p:spTree>
     <p:extLst>
       <p:ext uri="{BB962C8B-B14F-4D97-AF65-F5344CB8AC3E}">
-        <p14:creationId xmlns:p14="http://schemas.microsoft.com/office/powerpoint/2010/main" val="530008796"/>
+        <p14:creationId xmlns:p14="http://schemas.microsoft.com/office/powerpoint/2010/main" val="310654005"/>
       </p:ext>
     </p:extLst>
   </p:cSld>
@@ -39955,10 +39926,32 @@
             <p:ph idx="1"/>
           </p:nvPr>
         </p:nvSpPr>
+        <p:spPr/>
+        <p:txBody>
+          <a:bodyPr/>
+          <a:lstStyle/>
+          <a:p>
+            <a:endParaRPr lang="en-US" dirty="0">
+              <a:latin typeface="Century Gothic"/>
+              <a:cs typeface="Century Gothic"/>
+            </a:endParaRPr>
+          </a:p>
+        </p:txBody>
+      </p:sp>
+      <p:sp>
+        <p:nvSpPr>
+          <p:cNvPr id="5" name="Title 4"/>
+          <p:cNvSpPr>
+            <a:spLocks noGrp="1"/>
+          </p:cNvSpPr>
+          <p:nvPr>
+            <p:ph type="title"/>
+          </p:nvPr>
+        </p:nvSpPr>
         <p:spPr>
           <a:xfrm>
-            <a:off x="990600" y="762000"/>
-            <a:ext cx="7315200" cy="4572000"/>
+            <a:off x="914400" y="152400"/>
+            <a:ext cx="8229600" cy="1295400"/>
           </a:xfrm>
         </p:spPr>
         <p:txBody>
@@ -39967,14 +39960,22 @@
           <a:p>
             <a:r>
               <a:rPr lang="en-US" dirty="0" smtClean="0">
-                <a:latin typeface="Century Gothic"/>
-                <a:cs typeface="Century Gothic"/>
-              </a:rPr>
-              <a:t>Edit Post sequence diagram</a:t>
-            </a:r>
-          </a:p>
-          <a:p>
+                <a:solidFill>
+                  <a:schemeClr val="accent4">
+                    <a:lumMod val="50000"/>
+                  </a:schemeClr>
+                </a:solidFill>
+                <a:latin typeface="Century Gothic"/>
+                <a:cs typeface="Century Gothic"/>
+              </a:rPr>
+              <a:t>4.4 Database Design</a:t>
+            </a:r>
             <a:endParaRPr lang="en-US" dirty="0">
+              <a:solidFill>
+                <a:schemeClr val="accent4">
+                  <a:lumMod val="50000"/>
+                </a:schemeClr>
+              </a:solidFill>
               <a:latin typeface="Century Gothic"/>
               <a:cs typeface="Century Gothic"/>
             </a:endParaRPr>
@@ -40040,9 +40041,9 @@
       </p:sp>
       <p:pic>
         <p:nvPicPr>
-          <p:cNvPr id="4" name="Picture 3" descr="Screen Shot 2013-04-21 at 6.24.49 PM.png"/>
+          <p:cNvPr id="1026" name="Picture 2" descr="Z:\Desktop\Preparation\4. Detail Design\ERD.png"/>
           <p:cNvPicPr>
-            <a:picLocks noChangeAspect="1"/>
+            <a:picLocks noChangeAspect="1" noChangeArrowheads="1"/>
           </p:cNvPicPr>
           <p:nvPr/>
         </p:nvPicPr>
@@ -40054,24 +40055,35 @@
               </a:ext>
             </a:extLst>
           </a:blip>
+          <a:srcRect/>
           <a:stretch>
             <a:fillRect/>
           </a:stretch>
         </p:blipFill>
-        <p:spPr>
+        <p:spPr bwMode="auto">
           <a:xfrm>
-            <a:off x="1219200" y="1295400"/>
-            <a:ext cx="6805755" cy="4459293"/>
+            <a:off x="-76200" y="76200"/>
+            <a:ext cx="9231477" cy="6705600"/>
           </a:xfrm>
           <a:prstGeom prst="rect">
             <a:avLst/>
           </a:prstGeom>
+          <a:noFill/>
+          <a:extLst>
+            <a:ext uri="{909E8E84-426E-40DD-AFC4-6F175D3DCCD1}">
+              <a14:hiddenFill xmlns:a14="http://schemas.microsoft.com/office/drawing/2010/main">
+                <a:solidFill>
+                  <a:srgbClr val="FFFFFF"/>
+                </a:solidFill>
+              </a14:hiddenFill>
+            </a:ext>
+          </a:extLst>
         </p:spPr>
       </p:pic>
     </p:spTree>
     <p:extLst>
       <p:ext uri="{BB962C8B-B14F-4D97-AF65-F5344CB8AC3E}">
-        <p14:creationId xmlns:p14="http://schemas.microsoft.com/office/powerpoint/2010/main" val="310654005"/>
+        <p14:creationId xmlns:p14="http://schemas.microsoft.com/office/powerpoint/2010/main" val="1155232206"/>
       </p:ext>
     </p:extLst>
   </p:cSld>
@@ -40132,6 +40144,43 @@
           <a:bodyPr/>
           <a:lstStyle/>
           <a:p>
+            <a:pPr lvl="1"/>
+            <a:r>
+              <a:rPr lang="en-US" dirty="0" smtClean="0">
+                <a:latin typeface="Century Gothic"/>
+                <a:cs typeface="Century Gothic"/>
+              </a:rPr>
+              <a:t>Every </a:t>
+            </a:r>
+            <a:r>
+              <a:rPr lang="en-US" dirty="0" smtClean="0">
+                <a:latin typeface="Century Gothic"/>
+                <a:cs typeface="Century Gothic"/>
+              </a:rPr>
+              <a:t>table has a primary key named ‘Id’.</a:t>
+            </a:r>
+          </a:p>
+          <a:p>
+            <a:pPr lvl="1"/>
+            <a:r>
+              <a:rPr lang="en-US" dirty="0" smtClean="0">
+                <a:latin typeface="Century Gothic"/>
+                <a:cs typeface="Century Gothic"/>
+              </a:rPr>
+              <a:t>Max length and null ability strictly follow field definitions.</a:t>
+            </a:r>
+            <a:endParaRPr lang="en-US" dirty="0">
+              <a:latin typeface="Century Gothic"/>
+              <a:cs typeface="Century Gothic"/>
+            </a:endParaRPr>
+          </a:p>
+          <a:p>
+            <a:endParaRPr lang="en-US" dirty="0" smtClean="0">
+              <a:latin typeface="Century Gothic"/>
+              <a:cs typeface="Century Gothic"/>
+            </a:endParaRPr>
+          </a:p>
+          <a:p>
             <a:endParaRPr lang="en-US" dirty="0">
               <a:latin typeface="Century Gothic"/>
               <a:cs typeface="Century Gothic"/>
@@ -40169,7 +40218,7 @@
                 <a:latin typeface="Century Gothic"/>
                 <a:cs typeface="Century Gothic"/>
               </a:rPr>
-              <a:t>4.4 Database Design</a:t>
+              <a:t>4.5 Database Design</a:t>
             </a:r>
             <a:endParaRPr lang="en-US" dirty="0">
               <a:solidFill>
@@ -40201,284 +40250,6 @@
             <a:fld id="{34C99D79-8A4B-4031-B1E0-AF26F8EDF2BC}" type="slidenum">
               <a:rPr lang="en-US" smtClean="0"/>
               <a:t>47</a:t>
-            </a:fld>
-            <a:endParaRPr lang="en-US"/>
-          </a:p>
-        </p:txBody>
-      </p:sp>
-      <p:sp>
-        <p:nvSpPr>
-          <p:cNvPr id="7" name="Footer Placeholder 2"/>
-          <p:cNvSpPr>
-            <a:spLocks noGrp="1"/>
-          </p:cNvSpPr>
-          <p:nvPr>
-            <p:ph type="ftr" sz="quarter" idx="11"/>
-          </p:nvPr>
-        </p:nvSpPr>
-        <p:spPr>
-          <a:xfrm>
-            <a:off x="914400" y="6448425"/>
-            <a:ext cx="7086599" cy="180975"/>
-          </a:xfrm>
-        </p:spPr>
-        <p:txBody>
-          <a:bodyPr/>
-          <a:lstStyle/>
-          <a:p>
-            <a:r>
-              <a:rPr lang="en-US" sz="1800" i="1" dirty="0" smtClean="0">
-                <a:latin typeface="Century Gothic"/>
-                <a:cs typeface="Century Gothic"/>
-              </a:rPr>
-              <a:t>Software Design Description</a:t>
-            </a:r>
-            <a:endParaRPr lang="en-US" sz="1800" i="1" dirty="0">
-              <a:latin typeface="Century Gothic"/>
-              <a:cs typeface="Century Gothic"/>
-            </a:endParaRPr>
-          </a:p>
-        </p:txBody>
-      </p:sp>
-      <p:pic>
-        <p:nvPicPr>
-          <p:cNvPr id="1026" name="Picture 2" descr="Z:\Desktop\Preparation\4. Detail Design\ERD.png"/>
-          <p:cNvPicPr>
-            <a:picLocks noChangeAspect="1" noChangeArrowheads="1"/>
-          </p:cNvPicPr>
-          <p:nvPr/>
-        </p:nvPicPr>
-        <p:blipFill>
-          <a:blip r:embed="rId2">
-            <a:extLst>
-              <a:ext uri="{28A0092B-C50C-407E-A947-70E740481C1C}">
-                <a14:useLocalDpi xmlns:a14="http://schemas.microsoft.com/office/drawing/2010/main" val="0"/>
-              </a:ext>
-            </a:extLst>
-          </a:blip>
-          <a:srcRect/>
-          <a:stretch>
-            <a:fillRect/>
-          </a:stretch>
-        </p:blipFill>
-        <p:spPr bwMode="auto">
-          <a:xfrm>
-            <a:off x="-76200" y="76200"/>
-            <a:ext cx="9231477" cy="6705600"/>
-          </a:xfrm>
-          <a:prstGeom prst="rect">
-            <a:avLst/>
-          </a:prstGeom>
-          <a:noFill/>
-          <a:extLst>
-            <a:ext uri="{909E8E84-426E-40DD-AFC4-6F175D3DCCD1}">
-              <a14:hiddenFill xmlns:a14="http://schemas.microsoft.com/office/drawing/2010/main">
-                <a:solidFill>
-                  <a:srgbClr val="FFFFFF"/>
-                </a:solidFill>
-              </a14:hiddenFill>
-            </a:ext>
-          </a:extLst>
-        </p:spPr>
-      </p:pic>
-    </p:spTree>
-    <p:extLst>
-      <p:ext uri="{BB962C8B-B14F-4D97-AF65-F5344CB8AC3E}">
-        <p14:creationId xmlns:p14="http://schemas.microsoft.com/office/powerpoint/2010/main" val="1155232206"/>
-      </p:ext>
-    </p:extLst>
-  </p:cSld>
-  <p:clrMapOvr>
-    <a:masterClrMapping/>
-  </p:clrMapOvr>
-  <mc:AlternateContent xmlns:mc="http://schemas.openxmlformats.org/markup-compatibility/2006" xmlns:p14="http://schemas.microsoft.com/office/powerpoint/2010/main">
-    <mc:Choice Requires="p14">
-      <p:transition spd="med" p14:dur="700">
-        <p:fade/>
-      </p:transition>
-    </mc:Choice>
-    <mc:Fallback xmlns="">
-      <p:transition spd="med">
-        <p:fade/>
-      </p:transition>
-    </mc:Fallback>
-  </mc:AlternateContent>
-  <p:timing>
-    <p:tnLst>
-      <p:par>
-        <p:cTn id="1" dur="indefinite" restart="never" nodeType="tmRoot"/>
-      </p:par>
-    </p:tnLst>
-  </p:timing>
-</p:sld>
-</file>
-
-<file path=ppt/slides/slide48.xml><?xml version="1.0" encoding="utf-8"?>
-<p:sld xmlns:a="http://schemas.openxmlformats.org/drawingml/2006/main" xmlns:r="http://schemas.openxmlformats.org/officeDocument/2006/relationships" xmlns:p="http://schemas.openxmlformats.org/presentationml/2006/main">
-  <p:cSld>
-    <p:spTree>
-      <p:nvGrpSpPr>
-        <p:cNvPr id="1" name=""/>
-        <p:cNvGrpSpPr/>
-        <p:nvPr/>
-      </p:nvGrpSpPr>
-      <p:grpSpPr>
-        <a:xfrm>
-          <a:off x="0" y="0"/>
-          <a:ext cx="0" cy="0"/>
-          <a:chOff x="0" y="0"/>
-          <a:chExt cx="0" cy="0"/>
-        </a:xfrm>
-      </p:grpSpPr>
-      <p:sp>
-        <p:nvSpPr>
-          <p:cNvPr id="3" name="Content Placeholder 2"/>
-          <p:cNvSpPr>
-            <a:spLocks noGrp="1"/>
-          </p:cNvSpPr>
-          <p:nvPr>
-            <p:ph idx="1"/>
-          </p:nvPr>
-        </p:nvSpPr>
-        <p:spPr/>
-        <p:txBody>
-          <a:bodyPr/>
-          <a:lstStyle/>
-          <a:p>
-            <a:r>
-              <a:rPr lang="en-US" dirty="0" smtClean="0">
-                <a:latin typeface="Century Gothic"/>
-                <a:cs typeface="Century Gothic"/>
-              </a:rPr>
-              <a:t>Follow </a:t>
-            </a:r>
-            <a:r>
-              <a:rPr lang="en-US" dirty="0">
-                <a:latin typeface="Century Gothic"/>
-                <a:cs typeface="Century Gothic"/>
-              </a:rPr>
-              <a:t>3NF </a:t>
-            </a:r>
-            <a:r>
-              <a:rPr lang="en-US" dirty="0" smtClean="0">
-                <a:latin typeface="Century Gothic"/>
-                <a:cs typeface="Century Gothic"/>
-              </a:rPr>
-              <a:t>normalization</a:t>
-            </a:r>
-          </a:p>
-          <a:p>
-            <a:pPr lvl="1"/>
-            <a:r>
-              <a:rPr lang="en-US" dirty="0" smtClean="0">
-                <a:latin typeface="Century Gothic"/>
-                <a:cs typeface="Century Gothic"/>
-              </a:rPr>
-              <a:t>Every table has a primary key named ‘Id’.</a:t>
-            </a:r>
-          </a:p>
-          <a:p>
-            <a:pPr lvl="1"/>
-            <a:r>
-              <a:rPr lang="en-US" dirty="0" smtClean="0">
-                <a:latin typeface="Century Gothic"/>
-                <a:cs typeface="Century Gothic"/>
-              </a:rPr>
-              <a:t>Max length and null ability strictly follow field definitions.</a:t>
-            </a:r>
-            <a:endParaRPr lang="en-US" dirty="0">
-              <a:latin typeface="Century Gothic"/>
-              <a:cs typeface="Century Gothic"/>
-            </a:endParaRPr>
-          </a:p>
-          <a:p>
-            <a:endParaRPr lang="en-US" dirty="0" smtClean="0">
-              <a:latin typeface="Century Gothic"/>
-              <a:cs typeface="Century Gothic"/>
-            </a:endParaRPr>
-          </a:p>
-          <a:p>
-            <a:endParaRPr lang="en-US" dirty="0">
-              <a:latin typeface="Century Gothic"/>
-              <a:cs typeface="Century Gothic"/>
-            </a:endParaRPr>
-          </a:p>
-        </p:txBody>
-      </p:sp>
-      <p:sp>
-        <p:nvSpPr>
-          <p:cNvPr id="5" name="Title 4"/>
-          <p:cNvSpPr>
-            <a:spLocks noGrp="1"/>
-          </p:cNvSpPr>
-          <p:nvPr>
-            <p:ph type="title"/>
-          </p:nvPr>
-        </p:nvSpPr>
-        <p:spPr>
-          <a:xfrm>
-            <a:off x="914400" y="152400"/>
-            <a:ext cx="8229600" cy="1295400"/>
-          </a:xfrm>
-        </p:spPr>
-        <p:txBody>
-          <a:bodyPr/>
-          <a:lstStyle/>
-          <a:p>
-            <a:r>
-              <a:rPr lang="en-US" dirty="0" smtClean="0">
-                <a:solidFill>
-                  <a:schemeClr val="accent4">
-                    <a:lumMod val="50000"/>
-                  </a:schemeClr>
-                </a:solidFill>
-                <a:latin typeface="Century Gothic"/>
-                <a:cs typeface="Century Gothic"/>
-              </a:rPr>
-              <a:t>4.5 </a:t>
-            </a:r>
-            <a:r>
-              <a:rPr lang="en-US" dirty="0" smtClean="0">
-                <a:solidFill>
-                  <a:schemeClr val="accent4">
-                    <a:lumMod val="50000"/>
-                  </a:schemeClr>
-                </a:solidFill>
-                <a:latin typeface="Century Gothic"/>
-                <a:cs typeface="Century Gothic"/>
-              </a:rPr>
-              <a:t>Database Design</a:t>
-            </a:r>
-            <a:endParaRPr lang="en-US" dirty="0">
-              <a:solidFill>
-                <a:schemeClr val="accent4">
-                  <a:lumMod val="50000"/>
-                </a:schemeClr>
-              </a:solidFill>
-              <a:latin typeface="Century Gothic"/>
-              <a:cs typeface="Century Gothic"/>
-            </a:endParaRPr>
-          </a:p>
-        </p:txBody>
-      </p:sp>
-      <p:sp>
-        <p:nvSpPr>
-          <p:cNvPr id="2" name="Slide Number Placeholder 1"/>
-          <p:cNvSpPr>
-            <a:spLocks noGrp="1"/>
-          </p:cNvSpPr>
-          <p:nvPr>
-            <p:ph type="sldNum" sz="quarter" idx="12"/>
-          </p:nvPr>
-        </p:nvSpPr>
-        <p:spPr/>
-        <p:txBody>
-          <a:bodyPr/>
-          <a:lstStyle/>
-          <a:p>
-            <a:fld id="{34C99D79-8A4B-4031-B1E0-AF26F8EDF2BC}" type="slidenum">
-              <a:rPr lang="en-US" smtClean="0"/>
-              <a:t>48</a:t>
             </a:fld>
             <a:endParaRPr lang="en-US"/>
           </a:p>
@@ -40580,7 +40351,7 @@
 </p:sld>
 </file>
 
-<file path=ppt/slides/slide49.xml><?xml version="1.0" encoding="utf-8"?>
+<file path=ppt/slides/slide48.xml><?xml version="1.0" encoding="utf-8"?>
 <p:sld xmlns:a="http://schemas.openxmlformats.org/drawingml/2006/main" xmlns:r="http://schemas.openxmlformats.org/officeDocument/2006/relationships" xmlns:p="http://schemas.openxmlformats.org/presentationml/2006/main">
   <p:cSld>
     <p:spTree>
@@ -40658,7 +40429,7 @@
           <a:p>
             <a:fld id="{34C99D79-8A4B-4031-B1E0-AF26F8EDF2BC}" type="slidenum">
               <a:rPr lang="en-US" smtClean="0"/>
-              <a:t>49</a:t>
+              <a:t>48</a:t>
             </a:fld>
             <a:endParaRPr lang="en-US"/>
           </a:p>
@@ -40907,6 +40678,281 @@
     <p:extLst>
       <p:ext uri="{BB962C8B-B14F-4D97-AF65-F5344CB8AC3E}">
         <p14:creationId xmlns:p14="http://schemas.microsoft.com/office/powerpoint/2010/main" val="3356012842"/>
+      </p:ext>
+    </p:extLst>
+  </p:cSld>
+  <p:clrMapOvr>
+    <a:masterClrMapping/>
+  </p:clrMapOvr>
+  <mc:AlternateContent xmlns:mc="http://schemas.openxmlformats.org/markup-compatibility/2006" xmlns:p14="http://schemas.microsoft.com/office/powerpoint/2010/main">
+    <mc:Choice Requires="p14">
+      <p:transition spd="med" p14:dur="700">
+        <p:fade/>
+      </p:transition>
+    </mc:Choice>
+    <mc:Fallback xmlns="">
+      <p:transition spd="med">
+        <p:fade/>
+      </p:transition>
+    </mc:Fallback>
+  </mc:AlternateContent>
+  <p:timing>
+    <p:tnLst>
+      <p:par>
+        <p:cTn id="1" dur="indefinite" restart="never" nodeType="tmRoot"/>
+      </p:par>
+    </p:tnLst>
+  </p:timing>
+</p:sld>
+</file>
+
+<file path=ppt/slides/slide49.xml><?xml version="1.0" encoding="utf-8"?>
+<p:sld xmlns:a="http://schemas.openxmlformats.org/drawingml/2006/main" xmlns:r="http://schemas.openxmlformats.org/officeDocument/2006/relationships" xmlns:p="http://schemas.openxmlformats.org/presentationml/2006/main">
+  <p:cSld>
+    <p:spTree>
+      <p:nvGrpSpPr>
+        <p:cNvPr id="1" name=""/>
+        <p:cNvGrpSpPr/>
+        <p:nvPr/>
+      </p:nvGrpSpPr>
+      <p:grpSpPr>
+        <a:xfrm>
+          <a:off x="0" y="0"/>
+          <a:ext cx="0" cy="0"/>
+          <a:chOff x="0" y="0"/>
+          <a:chExt cx="0" cy="0"/>
+        </a:xfrm>
+      </p:grpSpPr>
+      <p:sp>
+        <p:nvSpPr>
+          <p:cNvPr id="5" name="Title 4"/>
+          <p:cNvSpPr>
+            <a:spLocks noGrp="1"/>
+          </p:cNvSpPr>
+          <p:nvPr>
+            <p:ph type="title"/>
+          </p:nvPr>
+        </p:nvSpPr>
+        <p:spPr/>
+        <p:txBody>
+          <a:bodyPr>
+            <a:normAutofit/>
+          </a:bodyPr>
+          <a:lstStyle/>
+          <a:p>
+            <a:r>
+              <a:rPr lang="en-US" dirty="0">
+                <a:solidFill>
+                  <a:schemeClr val="accent4">
+                    <a:lumMod val="50000"/>
+                  </a:schemeClr>
+                </a:solidFill>
+                <a:latin typeface="Century Gothic"/>
+                <a:cs typeface="Century Gothic"/>
+              </a:rPr>
+              <a:t>5</a:t>
+            </a:r>
+            <a:r>
+              <a:rPr lang="en-US" dirty="0" smtClean="0">
+                <a:solidFill>
+                  <a:schemeClr val="accent4">
+                    <a:lumMod val="50000"/>
+                  </a:schemeClr>
+                </a:solidFill>
+                <a:latin typeface="Century Gothic"/>
+                <a:cs typeface="Century Gothic"/>
+              </a:rPr>
+              <a:t>. Software Test Documentation</a:t>
+            </a:r>
+            <a:endParaRPr lang="en-US" dirty="0">
+              <a:solidFill>
+                <a:schemeClr val="accent4">
+                  <a:lumMod val="50000"/>
+                </a:schemeClr>
+              </a:solidFill>
+              <a:latin typeface="Century Gothic"/>
+              <a:cs typeface="Century Gothic"/>
+            </a:endParaRPr>
+          </a:p>
+        </p:txBody>
+      </p:sp>
+      <p:sp>
+        <p:nvSpPr>
+          <p:cNvPr id="6" name="Content Placeholder 5"/>
+          <p:cNvSpPr>
+            <a:spLocks noGrp="1"/>
+          </p:cNvSpPr>
+          <p:nvPr>
+            <p:ph idx="1"/>
+          </p:nvPr>
+        </p:nvSpPr>
+        <p:spPr>
+          <a:xfrm>
+            <a:off x="914400" y="1676400"/>
+            <a:ext cx="7315200" cy="4495800"/>
+          </a:xfrm>
+        </p:spPr>
+        <p:txBody>
+          <a:bodyPr/>
+          <a:lstStyle/>
+          <a:p>
+            <a:r>
+              <a:rPr lang="en-US" b="1" dirty="0" smtClean="0">
+                <a:latin typeface="Century Gothic"/>
+                <a:cs typeface="Century Gothic"/>
+              </a:rPr>
+              <a:t>Test model:</a:t>
+            </a:r>
+            <a:endParaRPr lang="en-US" b="1" dirty="0">
+              <a:latin typeface="Century Gothic"/>
+              <a:cs typeface="Century Gothic"/>
+            </a:endParaRPr>
+          </a:p>
+          <a:p>
+            <a:pPr marL="451025" lvl="1" indent="0">
+              <a:buNone/>
+            </a:pPr>
+            <a:endParaRPr lang="en-US" dirty="0" smtClean="0">
+              <a:solidFill>
+                <a:schemeClr val="tx1">
+                  <a:lumMod val="85000"/>
+                  <a:lumOff val="15000"/>
+                </a:schemeClr>
+              </a:solidFill>
+              <a:latin typeface="Century Gothic"/>
+              <a:cs typeface="Century Gothic"/>
+            </a:endParaRPr>
+          </a:p>
+        </p:txBody>
+      </p:sp>
+      <p:sp>
+        <p:nvSpPr>
+          <p:cNvPr id="2" name="Slide Number Placeholder 1"/>
+          <p:cNvSpPr>
+            <a:spLocks noGrp="1"/>
+          </p:cNvSpPr>
+          <p:nvPr>
+            <p:ph type="sldNum" sz="quarter" idx="12"/>
+          </p:nvPr>
+        </p:nvSpPr>
+        <p:spPr/>
+        <p:txBody>
+          <a:bodyPr/>
+          <a:lstStyle/>
+          <a:p>
+            <a:fld id="{34C99D79-8A4B-4031-B1E0-AF26F8EDF2BC}" type="slidenum">
+              <a:rPr lang="en-US" smtClean="0"/>
+              <a:t>49</a:t>
+            </a:fld>
+            <a:endParaRPr lang="en-US"/>
+          </a:p>
+        </p:txBody>
+      </p:sp>
+      <p:pic>
+        <p:nvPicPr>
+          <p:cNvPr id="3" name="Picture 2"/>
+          <p:cNvPicPr>
+            <a:picLocks noChangeAspect="1"/>
+          </p:cNvPicPr>
+          <p:nvPr/>
+        </p:nvPicPr>
+        <p:blipFill>
+          <a:blip r:embed="rId2">
+            <a:extLst>
+              <a:ext uri="{28A0092B-C50C-407E-A947-70E740481C1C}">
+                <a14:useLocalDpi xmlns:a14="http://schemas.microsoft.com/office/drawing/2010/main" val="0"/>
+              </a:ext>
+            </a:extLst>
+          </a:blip>
+          <a:stretch>
+            <a:fillRect/>
+          </a:stretch>
+        </p:blipFill>
+        <p:spPr>
+          <a:xfrm>
+            <a:off x="851065" y="2133600"/>
+            <a:ext cx="7620000" cy="3648509"/>
+          </a:xfrm>
+          <a:prstGeom prst="rect">
+            <a:avLst/>
+          </a:prstGeom>
+        </p:spPr>
+      </p:pic>
+      <p:sp>
+        <p:nvSpPr>
+          <p:cNvPr id="4" name="TextBox 3"/>
+          <p:cNvSpPr txBox="1"/>
+          <p:nvPr/>
+        </p:nvSpPr>
+        <p:spPr>
+          <a:xfrm>
+            <a:off x="256050" y="6062582"/>
+            <a:ext cx="4086632" cy="276999"/>
+          </a:xfrm>
+          <a:prstGeom prst="rect">
+            <a:avLst/>
+          </a:prstGeom>
+          <a:noFill/>
+        </p:spPr>
+        <p:txBody>
+          <a:bodyPr wrap="none" rtlCol="0">
+            <a:spAutoFit/>
+          </a:bodyPr>
+          <a:lstStyle/>
+          <a:p>
+            <a:r>
+              <a:rPr lang="en-US" sz="1200" i="1" dirty="0"/>
+              <a:t>Source: http://swtmentorsite.appspot.com/sdlc/vmodel.php</a:t>
+            </a:r>
+          </a:p>
+        </p:txBody>
+      </p:sp>
+      <p:sp>
+        <p:nvSpPr>
+          <p:cNvPr id="7" name="Rectangle 6"/>
+          <p:cNvSpPr/>
+          <p:nvPr/>
+        </p:nvSpPr>
+        <p:spPr>
+          <a:xfrm>
+            <a:off x="609600" y="6324600"/>
+            <a:ext cx="3116559" cy="338554"/>
+          </a:xfrm>
+          <a:prstGeom prst="rect">
+            <a:avLst/>
+          </a:prstGeom>
+        </p:spPr>
+        <p:txBody>
+          <a:bodyPr wrap="none">
+            <a:spAutoFit/>
+          </a:bodyPr>
+          <a:lstStyle/>
+          <a:p>
+            <a:r>
+              <a:rPr lang="en-US" sz="1600" i="1" dirty="0">
+                <a:latin typeface="Century Gothic"/>
+                <a:cs typeface="Century Gothic"/>
+              </a:rPr>
+              <a:t>Software </a:t>
+            </a:r>
+            <a:r>
+              <a:rPr lang="en-US" sz="1600" i="1" dirty="0" smtClean="0">
+                <a:latin typeface="Century Gothic"/>
+                <a:cs typeface="Century Gothic"/>
+              </a:rPr>
+              <a:t>Test Documentation</a:t>
+            </a:r>
+            <a:endParaRPr lang="en-US" sz="1600" i="1" dirty="0">
+              <a:latin typeface="Century Gothic"/>
+              <a:cs typeface="Century Gothic"/>
+            </a:endParaRPr>
+          </a:p>
+        </p:txBody>
+      </p:sp>
+    </p:spTree>
+    <p:extLst>
+      <p:ext uri="{BB962C8B-B14F-4D97-AF65-F5344CB8AC3E}">
+        <p14:creationId xmlns:p14="http://schemas.microsoft.com/office/powerpoint/2010/main" val="1721569754"/>
       </p:ext>
     </p:extLst>
   </p:cSld>
@@ -41418,60 +41464,7 @@
       </p:grpSpPr>
       <p:sp>
         <p:nvSpPr>
-          <p:cNvPr id="5" name="Title 4"/>
-          <p:cNvSpPr>
-            <a:spLocks noGrp="1"/>
-          </p:cNvSpPr>
-          <p:nvPr>
-            <p:ph type="title"/>
-          </p:nvPr>
-        </p:nvSpPr>
-        <p:spPr/>
-        <p:txBody>
-          <a:bodyPr>
-            <a:normAutofit/>
-          </a:bodyPr>
-          <a:lstStyle/>
-          <a:p>
-            <a:r>
-              <a:rPr lang="en-US" dirty="0">
-                <a:solidFill>
-                  <a:schemeClr val="accent4">
-                    <a:lumMod val="50000"/>
-                  </a:schemeClr>
-                </a:solidFill>
-                <a:latin typeface="Century Gothic"/>
-                <a:cs typeface="Century Gothic"/>
-              </a:rPr>
-              <a:t>5</a:t>
-            </a:r>
-            <a:r>
-              <a:rPr lang="en-US" dirty="0" smtClean="0">
-                <a:solidFill>
-                  <a:schemeClr val="accent4">
-                    <a:lumMod val="50000"/>
-                  </a:schemeClr>
-                </a:solidFill>
-                <a:latin typeface="Century Gothic"/>
-                <a:cs typeface="Century Gothic"/>
-              </a:rPr>
-              <a:t>. Software Test Documentation</a:t>
-            </a:r>
-            <a:endParaRPr lang="en-US" dirty="0">
-              <a:solidFill>
-                <a:schemeClr val="accent4">
-                  <a:lumMod val="50000"/>
-                </a:schemeClr>
-              </a:solidFill>
-              <a:latin typeface="Century Gothic"/>
-              <a:cs typeface="Century Gothic"/>
-            </a:endParaRPr>
-          </a:p>
-        </p:txBody>
-      </p:sp>
-      <p:sp>
-        <p:nvSpPr>
-          <p:cNvPr id="6" name="Content Placeholder 5"/>
+          <p:cNvPr id="3" name="Content Placeholder 2"/>
           <p:cNvSpPr>
             <a:spLocks noGrp="1"/>
           </p:cNvSpPr>
@@ -41481,8 +41474,8 @@
         </p:nvSpPr>
         <p:spPr>
           <a:xfrm>
-            <a:off x="914400" y="1676400"/>
-            <a:ext cx="7315200" cy="4495800"/>
+            <a:off x="914400" y="914400"/>
+            <a:ext cx="7315200" cy="4572000"/>
           </a:xfrm>
         </p:spPr>
         <p:txBody>
@@ -41491,36 +41484,24 @@
           <a:p>
             <a:r>
               <a:rPr lang="en-US" b="1" dirty="0" smtClean="0">
-                <a:latin typeface="Century Gothic"/>
-                <a:cs typeface="Century Gothic"/>
-              </a:rPr>
-              <a:t>Test model:</a:t>
-            </a:r>
-            <a:endParaRPr lang="en-US" b="1" dirty="0">
-              <a:latin typeface="Century Gothic"/>
-              <a:cs typeface="Century Gothic"/>
-            </a:endParaRPr>
-          </a:p>
-          <a:p>
-            <a:pPr marL="451025" lvl="1" indent="0">
+                <a:latin typeface="Century Gothic" pitchFamily="34" charset="0"/>
+              </a:rPr>
+              <a:t>Test process:</a:t>
+            </a:r>
+          </a:p>
+          <a:p>
+            <a:pPr marL="0" indent="0">
               <a:buNone/>
             </a:pPr>
-            <a:endParaRPr lang="en-US" dirty="0" smtClean="0">
-              <a:solidFill>
-                <a:schemeClr val="tx1">
-                  <a:lumMod val="85000"/>
-                  <a:lumOff val="15000"/>
-                </a:schemeClr>
-              </a:solidFill>
-              <a:latin typeface="Century Gothic"/>
-              <a:cs typeface="Century Gothic"/>
+            <a:endParaRPr lang="en-US" dirty="0">
+              <a:latin typeface="Century Gothic" pitchFamily="34" charset="0"/>
             </a:endParaRPr>
           </a:p>
         </p:txBody>
       </p:sp>
       <p:sp>
         <p:nvSpPr>
-          <p:cNvPr id="2" name="Slide Number Placeholder 1"/>
+          <p:cNvPr id="4" name="Slide Number Placeholder 3"/>
           <p:cNvSpPr>
             <a:spLocks noGrp="1"/>
           </p:cNvSpPr>
@@ -41541,62 +41522,44 @@
           </a:p>
         </p:txBody>
       </p:sp>
-      <p:pic>
-        <p:nvPicPr>
-          <p:cNvPr id="3" name="Picture 2"/>
-          <p:cNvPicPr>
-            <a:picLocks noChangeAspect="1"/>
-          </p:cNvPicPr>
-          <p:nvPr/>
-        </p:nvPicPr>
-        <p:blipFill>
-          <a:blip r:embed="rId2">
-            <a:extLst>
-              <a:ext uri="{28A0092B-C50C-407E-A947-70E740481C1C}">
-                <a14:useLocalDpi xmlns:a14="http://schemas.microsoft.com/office/drawing/2010/main" val="0"/>
-              </a:ext>
-            </a:extLst>
-          </a:blip>
-          <a:stretch>
-            <a:fillRect/>
-          </a:stretch>
-        </p:blipFill>
-        <p:spPr>
-          <a:xfrm>
-            <a:off x="851065" y="2133600"/>
-            <a:ext cx="7620000" cy="3648509"/>
-          </a:xfrm>
-          <a:prstGeom prst="rect">
-            <a:avLst/>
-          </a:prstGeom>
-        </p:spPr>
-      </p:pic>
+      <p:graphicFrame>
+        <p:nvGraphicFramePr>
+          <p:cNvPr id="5" name="Diagram 4"/>
+          <p:cNvGraphicFramePr/>
+          <p:nvPr>
+            <p:extLst>
+              <p:ext uri="{D42A27DB-BD31-4B8C-83A1-F6EECF244321}">
+                <p14:modId xmlns:p14="http://schemas.microsoft.com/office/powerpoint/2010/main" val="3937293538"/>
+              </p:ext>
+            </p:extLst>
+          </p:nvPr>
+        </p:nvGraphicFramePr>
+        <p:xfrm>
+          <a:off x="1143000" y="1600200"/>
+          <a:ext cx="6705600" cy="3175000"/>
+        </p:xfrm>
+        <a:graphic>
+          <a:graphicData uri="http://schemas.openxmlformats.org/drawingml/2006/diagram">
+            <dgm:relIds xmlns:dgm="http://schemas.openxmlformats.org/drawingml/2006/diagram" xmlns:r="http://schemas.openxmlformats.org/officeDocument/2006/relationships" r:dm="rId2" r:lo="rId3" r:qs="rId4" r:cs="rId5"/>
+          </a:graphicData>
+        </a:graphic>
+      </p:graphicFrame>
       <p:sp>
         <p:nvSpPr>
-          <p:cNvPr id="4" name="TextBox 3"/>
-          <p:cNvSpPr txBox="1"/>
-          <p:nvPr/>
+          <p:cNvPr id="6" name="Title 5"/>
+          <p:cNvSpPr>
+            <a:spLocks noGrp="1"/>
+          </p:cNvSpPr>
+          <p:nvPr>
+            <p:ph type="title"/>
+          </p:nvPr>
         </p:nvSpPr>
-        <p:spPr>
-          <a:xfrm>
-            <a:off x="256050" y="6062582"/>
-            <a:ext cx="4086632" cy="276999"/>
-          </a:xfrm>
-          <a:prstGeom prst="rect">
-            <a:avLst/>
-          </a:prstGeom>
-          <a:noFill/>
-        </p:spPr>
+        <p:spPr/>
         <p:txBody>
-          <a:bodyPr wrap="none" rtlCol="0">
-            <a:spAutoFit/>
-          </a:bodyPr>
+          <a:bodyPr/>
           <a:lstStyle/>
           <a:p>
-            <a:r>
-              <a:rPr lang="en-US" sz="1200" i="1" dirty="0"/>
-              <a:t>Source: http://swtmentorsite.appspot.com/sdlc/vmodel.php</a:t>
-            </a:r>
+            <a:endParaRPr lang="en-US"/>
           </a:p>
         </p:txBody>
       </p:sp>
@@ -41645,7 +41608,7 @@
     </p:spTree>
     <p:extLst>
       <p:ext uri="{BB962C8B-B14F-4D97-AF65-F5344CB8AC3E}">
-        <p14:creationId xmlns:p14="http://schemas.microsoft.com/office/powerpoint/2010/main" val="1721569754"/>
+        <p14:creationId xmlns:p14="http://schemas.microsoft.com/office/powerpoint/2010/main" val="549633491"/>
       </p:ext>
     </p:extLst>
   </p:cSld>
@@ -41715,8 +41678,43 @@
               <a:rPr lang="en-US" b="1" dirty="0" smtClean="0">
                 <a:latin typeface="Century Gothic" pitchFamily="34" charset="0"/>
               </a:rPr>
-              <a:t>Test process:</a:t>
-            </a:r>
+              <a:t>Test technique:</a:t>
+            </a:r>
+          </a:p>
+          <a:p>
+            <a:pPr marL="1193975" lvl="2" indent="-342900"/>
+            <a:r>
+              <a:rPr lang="en-US" dirty="0">
+                <a:latin typeface="Century Gothic" pitchFamily="34" charset="0"/>
+              </a:rPr>
+              <a:t>Specification-based testing</a:t>
+            </a:r>
+          </a:p>
+          <a:p>
+            <a:pPr marL="1193975" lvl="2" indent="-342900"/>
+            <a:r>
+              <a:rPr lang="en-US" dirty="0">
+                <a:latin typeface="Century Gothic" pitchFamily="34" charset="0"/>
+              </a:rPr>
+              <a:t>Exploratory testing</a:t>
+            </a:r>
+          </a:p>
+          <a:p>
+            <a:pPr marL="1193975" lvl="2" indent="-342900"/>
+            <a:r>
+              <a:rPr lang="en-US" dirty="0">
+                <a:latin typeface="Century Gothic" pitchFamily="34" charset="0"/>
+              </a:rPr>
+              <a:t>Partitioning &amp; Boundary value analysis</a:t>
+            </a:r>
+          </a:p>
+          <a:p>
+            <a:pPr marL="0" indent="0">
+              <a:buNone/>
+            </a:pPr>
+            <a:endParaRPr lang="en-US" b="1" dirty="0" smtClean="0">
+              <a:latin typeface="Century Gothic" pitchFamily="34" charset="0"/>
+            </a:endParaRPr>
           </a:p>
           <a:p>
             <a:pPr marL="0" indent="0">
@@ -41751,28 +41749,6 @@
           </a:p>
         </p:txBody>
       </p:sp>
-      <p:graphicFrame>
-        <p:nvGraphicFramePr>
-          <p:cNvPr id="5" name="Diagram 4"/>
-          <p:cNvGraphicFramePr/>
-          <p:nvPr>
-            <p:extLst>
-              <p:ext uri="{D42A27DB-BD31-4B8C-83A1-F6EECF244321}">
-                <p14:modId xmlns:p14="http://schemas.microsoft.com/office/powerpoint/2010/main" val="3937293538"/>
-              </p:ext>
-            </p:extLst>
-          </p:nvPr>
-        </p:nvGraphicFramePr>
-        <p:xfrm>
-          <a:off x="1143000" y="1600200"/>
-          <a:ext cx="6705600" cy="3175000"/>
-        </p:xfrm>
-        <a:graphic>
-          <a:graphicData uri="http://schemas.openxmlformats.org/drawingml/2006/diagram">
-            <dgm:relIds xmlns:dgm="http://schemas.openxmlformats.org/drawingml/2006/diagram" xmlns:r="http://schemas.openxmlformats.org/officeDocument/2006/relationships" r:dm="rId2" r:lo="rId3" r:qs="rId4" r:cs="rId5"/>
-          </a:graphicData>
-        </a:graphic>
-      </p:graphicFrame>
       <p:sp>
         <p:nvSpPr>
           <p:cNvPr id="6" name="Title 5"/>
@@ -41837,7 +41813,7 @@
     </p:spTree>
     <p:extLst>
       <p:ext uri="{BB962C8B-B14F-4D97-AF65-F5344CB8AC3E}">
-        <p14:creationId xmlns:p14="http://schemas.microsoft.com/office/powerpoint/2010/main" val="549633491"/>
+        <p14:creationId xmlns:p14="http://schemas.microsoft.com/office/powerpoint/2010/main" val="3233598568"/>
       </p:ext>
     </p:extLst>
   </p:cSld>
@@ -41885,7 +41861,7 @@
       </p:grpSpPr>
       <p:sp>
         <p:nvSpPr>
-          <p:cNvPr id="3" name="Content Placeholder 2"/>
+          <p:cNvPr id="6" name="Content Placeholder 5"/>
           <p:cNvSpPr>
             <a:spLocks noGrp="1"/>
           </p:cNvSpPr>
@@ -41895,8 +41871,8 @@
         </p:nvSpPr>
         <p:spPr>
           <a:xfrm>
-            <a:off x="914400" y="914400"/>
-            <a:ext cx="7315200" cy="4572000"/>
+            <a:off x="988325" y="914400"/>
+            <a:ext cx="7315200" cy="4876800"/>
           </a:xfrm>
         </p:spPr>
         <p:txBody>
@@ -41905,59 +41881,27 @@
           <a:p>
             <a:r>
               <a:rPr lang="en-US" b="1" dirty="0" smtClean="0">
-                <a:latin typeface="Century Gothic" pitchFamily="34" charset="0"/>
-              </a:rPr>
-              <a:t>Test technique:</a:t>
-            </a:r>
-          </a:p>
-          <a:p>
-            <a:pPr marL="1193975" lvl="2" indent="-342900"/>
-            <a:r>
-              <a:rPr lang="en-US" dirty="0">
-                <a:latin typeface="Century Gothic" pitchFamily="34" charset="0"/>
-              </a:rPr>
-              <a:t>Specification-based testing</a:t>
-            </a:r>
-          </a:p>
-          <a:p>
-            <a:pPr marL="1193975" lvl="2" indent="-342900"/>
-            <a:r>
-              <a:rPr lang="en-US" dirty="0">
-                <a:latin typeface="Century Gothic" pitchFamily="34" charset="0"/>
-              </a:rPr>
-              <a:t>Exploratory testing</a:t>
-            </a:r>
-          </a:p>
-          <a:p>
-            <a:pPr marL="1193975" lvl="2" indent="-342900"/>
-            <a:r>
-              <a:rPr lang="en-US" dirty="0">
-                <a:latin typeface="Century Gothic" pitchFamily="34" charset="0"/>
-              </a:rPr>
-              <a:t>Partitioning &amp; Boundary value analysis</a:t>
-            </a:r>
-          </a:p>
-          <a:p>
-            <a:pPr marL="0" indent="0">
-              <a:buNone/>
-            </a:pPr>
+                <a:latin typeface="Century Gothic"/>
+                <a:cs typeface="Century Gothic"/>
+              </a:rPr>
+              <a:t>Defect log sample</a:t>
+            </a:r>
             <a:endParaRPr lang="en-US" b="1" dirty="0" smtClean="0">
-              <a:latin typeface="Century Gothic" pitchFamily="34" charset="0"/>
-            </a:endParaRPr>
-          </a:p>
-          <a:p>
-            <a:pPr marL="0" indent="0">
-              <a:buNone/>
-            </a:pPr>
-            <a:endParaRPr lang="en-US" dirty="0">
-              <a:latin typeface="Century Gothic" pitchFamily="34" charset="0"/>
+              <a:solidFill>
+                <a:schemeClr val="tx1">
+                  <a:lumMod val="85000"/>
+                  <a:lumOff val="15000"/>
+                </a:schemeClr>
+              </a:solidFill>
+              <a:latin typeface="Century Gothic"/>
+              <a:cs typeface="Century Gothic"/>
             </a:endParaRPr>
           </a:p>
         </p:txBody>
       </p:sp>
       <p:sp>
         <p:nvSpPr>
-          <p:cNvPr id="4" name="Slide Number Placeholder 3"/>
+          <p:cNvPr id="2" name="Slide Number Placeholder 1"/>
           <p:cNvSpPr>
             <a:spLocks noGrp="1"/>
           </p:cNvSpPr>
@@ -41978,9 +41922,39 @@
           </a:p>
         </p:txBody>
       </p:sp>
+      <p:pic>
+        <p:nvPicPr>
+          <p:cNvPr id="7" name="Content Placeholder 5"/>
+          <p:cNvPicPr>
+            <a:picLocks noChangeAspect="1"/>
+          </p:cNvPicPr>
+          <p:nvPr/>
+        </p:nvPicPr>
+        <p:blipFill>
+          <a:blip r:embed="rId2">
+            <a:extLst>
+              <a:ext uri="{28A0092B-C50C-407E-A947-70E740481C1C}">
+                <a14:useLocalDpi xmlns:a14="http://schemas.microsoft.com/office/drawing/2010/main" val="0"/>
+              </a:ext>
+            </a:extLst>
+          </a:blip>
+          <a:stretch>
+            <a:fillRect/>
+          </a:stretch>
+        </p:blipFill>
+        <p:spPr>
+          <a:xfrm>
+            <a:off x="1066798" y="1524000"/>
+            <a:ext cx="7241675" cy="4419600"/>
+          </a:xfrm>
+          <a:prstGeom prst="rect">
+            <a:avLst/>
+          </a:prstGeom>
+        </p:spPr>
+      </p:pic>
       <p:sp>
         <p:nvSpPr>
-          <p:cNvPr id="6" name="Title 5"/>
+          <p:cNvPr id="3" name="Title 2"/>
           <p:cNvSpPr>
             <a:spLocks noGrp="1"/>
           </p:cNvSpPr>
@@ -41999,7 +41973,7 @@
       </p:sp>
       <p:sp>
         <p:nvSpPr>
-          <p:cNvPr id="7" name="Rectangle 6"/>
+          <p:cNvPr id="8" name="Rectangle 7"/>
           <p:cNvSpPr/>
           <p:nvPr/>
         </p:nvSpPr>
@@ -42042,7 +42016,7 @@
     </p:spTree>
     <p:extLst>
       <p:ext uri="{BB962C8B-B14F-4D97-AF65-F5344CB8AC3E}">
-        <p14:creationId xmlns:p14="http://schemas.microsoft.com/office/powerpoint/2010/main" val="3233598568"/>
+        <p14:creationId xmlns:p14="http://schemas.microsoft.com/office/powerpoint/2010/main" val="3773911723"/>
       </p:ext>
     </p:extLst>
   </p:cSld>
@@ -42100,8 +42074,8 @@
         </p:nvSpPr>
         <p:spPr>
           <a:xfrm>
-            <a:off x="988325" y="914400"/>
-            <a:ext cx="7315200" cy="4876800"/>
+            <a:off x="914400" y="914400"/>
+            <a:ext cx="7315200" cy="4495800"/>
           </a:xfrm>
         </p:spPr>
         <p:txBody>
@@ -42113,8 +42087,10 @@
                 <a:latin typeface="Century Gothic"/>
                 <a:cs typeface="Century Gothic"/>
               </a:rPr>
-              <a:t>Defect log sample</a:t>
-            </a:r>
+              <a:t>Test Report</a:t>
+            </a:r>
+          </a:p>
+          <a:p>
             <a:endParaRPr lang="en-US" b="1" dirty="0" smtClean="0">
               <a:solidFill>
                 <a:schemeClr val="tx1">
@@ -42146,211 +42122,6 @@
             <a:fld id="{34C99D79-8A4B-4031-B1E0-AF26F8EDF2BC}" type="slidenum">
               <a:rPr lang="en-US" smtClean="0"/>
               <a:t>53</a:t>
-            </a:fld>
-            <a:endParaRPr lang="en-US"/>
-          </a:p>
-        </p:txBody>
-      </p:sp>
-      <p:pic>
-        <p:nvPicPr>
-          <p:cNvPr id="7" name="Content Placeholder 5"/>
-          <p:cNvPicPr>
-            <a:picLocks noChangeAspect="1"/>
-          </p:cNvPicPr>
-          <p:nvPr/>
-        </p:nvPicPr>
-        <p:blipFill>
-          <a:blip r:embed="rId2">
-            <a:extLst>
-              <a:ext uri="{28A0092B-C50C-407E-A947-70E740481C1C}">
-                <a14:useLocalDpi xmlns:a14="http://schemas.microsoft.com/office/drawing/2010/main" val="0"/>
-              </a:ext>
-            </a:extLst>
-          </a:blip>
-          <a:stretch>
-            <a:fillRect/>
-          </a:stretch>
-        </p:blipFill>
-        <p:spPr>
-          <a:xfrm>
-            <a:off x="1066798" y="1524000"/>
-            <a:ext cx="7241675" cy="4419600"/>
-          </a:xfrm>
-          <a:prstGeom prst="rect">
-            <a:avLst/>
-          </a:prstGeom>
-        </p:spPr>
-      </p:pic>
-      <p:sp>
-        <p:nvSpPr>
-          <p:cNvPr id="3" name="Title 2"/>
-          <p:cNvSpPr>
-            <a:spLocks noGrp="1"/>
-          </p:cNvSpPr>
-          <p:nvPr>
-            <p:ph type="title"/>
-          </p:nvPr>
-        </p:nvSpPr>
-        <p:spPr/>
-        <p:txBody>
-          <a:bodyPr/>
-          <a:lstStyle/>
-          <a:p>
-            <a:endParaRPr lang="en-US"/>
-          </a:p>
-        </p:txBody>
-      </p:sp>
-      <p:sp>
-        <p:nvSpPr>
-          <p:cNvPr id="8" name="Rectangle 7"/>
-          <p:cNvSpPr/>
-          <p:nvPr/>
-        </p:nvSpPr>
-        <p:spPr>
-          <a:xfrm>
-            <a:off x="609600" y="6324600"/>
-            <a:ext cx="3116559" cy="338554"/>
-          </a:xfrm>
-          <a:prstGeom prst="rect">
-            <a:avLst/>
-          </a:prstGeom>
-        </p:spPr>
-        <p:txBody>
-          <a:bodyPr wrap="none">
-            <a:spAutoFit/>
-          </a:bodyPr>
-          <a:lstStyle/>
-          <a:p>
-            <a:r>
-              <a:rPr lang="en-US" sz="1600" i="1" dirty="0">
-                <a:latin typeface="Century Gothic"/>
-                <a:cs typeface="Century Gothic"/>
-              </a:rPr>
-              <a:t>Software </a:t>
-            </a:r>
-            <a:r>
-              <a:rPr lang="en-US" sz="1600" i="1" dirty="0" smtClean="0">
-                <a:latin typeface="Century Gothic"/>
-                <a:cs typeface="Century Gothic"/>
-              </a:rPr>
-              <a:t>Test Documentation</a:t>
-            </a:r>
-            <a:endParaRPr lang="en-US" sz="1600" i="1" dirty="0">
-              <a:latin typeface="Century Gothic"/>
-              <a:cs typeface="Century Gothic"/>
-            </a:endParaRPr>
-          </a:p>
-        </p:txBody>
-      </p:sp>
-    </p:spTree>
-    <p:extLst>
-      <p:ext uri="{BB962C8B-B14F-4D97-AF65-F5344CB8AC3E}">
-        <p14:creationId xmlns:p14="http://schemas.microsoft.com/office/powerpoint/2010/main" val="3773911723"/>
-      </p:ext>
-    </p:extLst>
-  </p:cSld>
-  <p:clrMapOvr>
-    <a:masterClrMapping/>
-  </p:clrMapOvr>
-  <mc:AlternateContent xmlns:mc="http://schemas.openxmlformats.org/markup-compatibility/2006" xmlns:p14="http://schemas.microsoft.com/office/powerpoint/2010/main">
-    <mc:Choice Requires="p14">
-      <p:transition spd="med" p14:dur="700">
-        <p:fade/>
-      </p:transition>
-    </mc:Choice>
-    <mc:Fallback xmlns="">
-      <p:transition spd="med">
-        <p:fade/>
-      </p:transition>
-    </mc:Fallback>
-  </mc:AlternateContent>
-  <p:timing>
-    <p:tnLst>
-      <p:par>
-        <p:cTn id="1" dur="indefinite" restart="never" nodeType="tmRoot"/>
-      </p:par>
-    </p:tnLst>
-  </p:timing>
-</p:sld>
-</file>
-
-<file path=ppt/slides/slide54.xml><?xml version="1.0" encoding="utf-8"?>
-<p:sld xmlns:a="http://schemas.openxmlformats.org/drawingml/2006/main" xmlns:r="http://schemas.openxmlformats.org/officeDocument/2006/relationships" xmlns:p="http://schemas.openxmlformats.org/presentationml/2006/main">
-  <p:cSld>
-    <p:spTree>
-      <p:nvGrpSpPr>
-        <p:cNvPr id="1" name=""/>
-        <p:cNvGrpSpPr/>
-        <p:nvPr/>
-      </p:nvGrpSpPr>
-      <p:grpSpPr>
-        <a:xfrm>
-          <a:off x="0" y="0"/>
-          <a:ext cx="0" cy="0"/>
-          <a:chOff x="0" y="0"/>
-          <a:chExt cx="0" cy="0"/>
-        </a:xfrm>
-      </p:grpSpPr>
-      <p:sp>
-        <p:nvSpPr>
-          <p:cNvPr id="6" name="Content Placeholder 5"/>
-          <p:cNvSpPr>
-            <a:spLocks noGrp="1"/>
-          </p:cNvSpPr>
-          <p:nvPr>
-            <p:ph idx="1"/>
-          </p:nvPr>
-        </p:nvSpPr>
-        <p:spPr>
-          <a:xfrm>
-            <a:off x="914400" y="914400"/>
-            <a:ext cx="7315200" cy="4495800"/>
-          </a:xfrm>
-        </p:spPr>
-        <p:txBody>
-          <a:bodyPr/>
-          <a:lstStyle/>
-          <a:p>
-            <a:r>
-              <a:rPr lang="en-US" b="1" dirty="0" smtClean="0">
-                <a:latin typeface="Century Gothic"/>
-                <a:cs typeface="Century Gothic"/>
-              </a:rPr>
-              <a:t>Test Report</a:t>
-            </a:r>
-          </a:p>
-          <a:p>
-            <a:endParaRPr lang="en-US" b="1" dirty="0" smtClean="0">
-              <a:solidFill>
-                <a:schemeClr val="tx1">
-                  <a:lumMod val="85000"/>
-                  <a:lumOff val="15000"/>
-                </a:schemeClr>
-              </a:solidFill>
-              <a:latin typeface="Century Gothic"/>
-              <a:cs typeface="Century Gothic"/>
-            </a:endParaRPr>
-          </a:p>
-        </p:txBody>
-      </p:sp>
-      <p:sp>
-        <p:nvSpPr>
-          <p:cNvPr id="2" name="Slide Number Placeholder 1"/>
-          <p:cNvSpPr>
-            <a:spLocks noGrp="1"/>
-          </p:cNvSpPr>
-          <p:nvPr>
-            <p:ph type="sldNum" sz="quarter" idx="12"/>
-          </p:nvPr>
-        </p:nvSpPr>
-        <p:spPr/>
-        <p:txBody>
-          <a:bodyPr/>
-          <a:lstStyle/>
-          <a:p>
-            <a:fld id="{34C99D79-8A4B-4031-B1E0-AF26F8EDF2BC}" type="slidenum">
-              <a:rPr lang="en-US" smtClean="0"/>
-              <a:t>54</a:t>
             </a:fld>
             <a:endParaRPr lang="en-US"/>
           </a:p>
@@ -42523,7 +42294,7 @@
 </p:sld>
 </file>
 
-<file path=ppt/slides/slide55.xml><?xml version="1.0" encoding="utf-8"?>
+<file path=ppt/slides/slide54.xml><?xml version="1.0" encoding="utf-8"?>
 <p:sld xmlns:a="http://schemas.openxmlformats.org/drawingml/2006/main" xmlns:r="http://schemas.openxmlformats.org/officeDocument/2006/relationships" xmlns:p="http://schemas.openxmlformats.org/presentationml/2006/main">
   <p:cSld>
     <p:spTree>
@@ -42655,7 +42426,7 @@
           <a:p>
             <a:fld id="{34C99D79-8A4B-4031-B1E0-AF26F8EDF2BC}" type="slidenum">
               <a:rPr lang="en-US" smtClean="0"/>
-              <a:t>55</a:t>
+              <a:t>54</a:t>
             </a:fld>
             <a:endParaRPr lang="en-US"/>
           </a:p>
@@ -42723,7 +42494,7 @@
 </p:sld>
 </file>
 
-<file path=ppt/slides/slide56.xml><?xml version="1.0" encoding="utf-8"?>
+<file path=ppt/slides/slide55.xml><?xml version="1.0" encoding="utf-8"?>
 <p:sld xmlns:a="http://schemas.openxmlformats.org/drawingml/2006/main" xmlns:r="http://schemas.openxmlformats.org/officeDocument/2006/relationships" xmlns:p="http://schemas.openxmlformats.org/presentationml/2006/main">
   <p:cSld>
     <p:spTree>
@@ -43116,7 +42887,7 @@
           <a:p>
             <a:fld id="{34C99D79-8A4B-4031-B1E0-AF26F8EDF2BC}" type="slidenum">
               <a:rPr lang="en-US" smtClean="0"/>
-              <a:t>56</a:t>
+              <a:t>55</a:t>
             </a:fld>
             <a:endParaRPr lang="en-US"/>
           </a:p>
@@ -43184,7 +42955,7 @@
 </p:sld>
 </file>
 
-<file path=ppt/slides/slide57.xml><?xml version="1.0" encoding="utf-8"?>
+<file path=ppt/slides/slide56.xml><?xml version="1.0" encoding="utf-8"?>
 <p:sld xmlns:a="http://schemas.openxmlformats.org/drawingml/2006/main" xmlns:r="http://schemas.openxmlformats.org/officeDocument/2006/relationships" xmlns:p="http://schemas.openxmlformats.org/presentationml/2006/main">
   <p:cSld>
     <p:spTree>
@@ -43471,7 +43242,7 @@
           <a:p>
             <a:fld id="{34C99D79-8A4B-4031-B1E0-AF26F8EDF2BC}" type="slidenum">
               <a:rPr lang="en-US" smtClean="0"/>
-              <a:t>57</a:t>
+              <a:t>56</a:t>
             </a:fld>
             <a:endParaRPr lang="en-US"/>
           </a:p>
@@ -43539,7 +43310,7 @@
 </p:sld>
 </file>
 
-<file path=ppt/slides/slide58.xml><?xml version="1.0" encoding="utf-8"?>
+<file path=ppt/slides/slide57.xml><?xml version="1.0" encoding="utf-8"?>
 <p:sld xmlns:a="http://schemas.openxmlformats.org/drawingml/2006/main" xmlns:r="http://schemas.openxmlformats.org/officeDocument/2006/relationships" xmlns:p="http://schemas.openxmlformats.org/presentationml/2006/main">
   <p:cSld>
     <p:spTree>
@@ -43784,7 +43555,7 @@
           <a:p>
             <a:fld id="{34C99D79-8A4B-4031-B1E0-AF26F8EDF2BC}" type="slidenum">
               <a:rPr lang="en-US" smtClean="0"/>
-              <a:t>58</a:t>
+              <a:t>57</a:t>
             </a:fld>
             <a:endParaRPr lang="en-US"/>
           </a:p>
@@ -43852,7 +43623,7 @@
 </p:sld>
 </file>
 
-<file path=ppt/slides/slide59.xml><?xml version="1.0" encoding="utf-8"?>
+<file path=ppt/slides/slide58.xml><?xml version="1.0" encoding="utf-8"?>
 <p:sld xmlns:a="http://schemas.openxmlformats.org/drawingml/2006/main" xmlns:r="http://schemas.openxmlformats.org/officeDocument/2006/relationships" xmlns:p="http://schemas.openxmlformats.org/presentationml/2006/main">
   <p:cSld>
     <p:spTree>
@@ -43937,7 +43708,7 @@
           <a:p>
             <a:fld id="{34C99D79-8A4B-4031-B1E0-AF26F8EDF2BC}" type="slidenum">
               <a:rPr lang="en-US" smtClean="0"/>
-              <a:t>59</a:t>
+              <a:t>58</a:t>
             </a:fld>
             <a:endParaRPr lang="en-US"/>
           </a:p>
@@ -44005,6 +43776,135 @@
 </p:sld>
 </file>
 
+<file path=ppt/slides/slide59.xml><?xml version="1.0" encoding="utf-8"?>
+<p:sld xmlns:a="http://schemas.openxmlformats.org/drawingml/2006/main" xmlns:r="http://schemas.openxmlformats.org/officeDocument/2006/relationships" xmlns:p="http://schemas.openxmlformats.org/presentationml/2006/main">
+  <p:cSld>
+    <p:spTree>
+      <p:nvGrpSpPr>
+        <p:cNvPr id="1" name=""/>
+        <p:cNvGrpSpPr/>
+        <p:nvPr/>
+      </p:nvGrpSpPr>
+      <p:grpSpPr>
+        <a:xfrm>
+          <a:off x="0" y="0"/>
+          <a:ext cx="0" cy="0"/>
+          <a:chOff x="0" y="0"/>
+          <a:chExt cx="0" cy="0"/>
+        </a:xfrm>
+      </p:grpSpPr>
+      <p:sp>
+        <p:nvSpPr>
+          <p:cNvPr id="5" name="Title 4"/>
+          <p:cNvSpPr>
+            <a:spLocks noGrp="1"/>
+          </p:cNvSpPr>
+          <p:nvPr>
+            <p:ph type="title"/>
+          </p:nvPr>
+        </p:nvSpPr>
+        <p:spPr/>
+        <p:txBody>
+          <a:bodyPr/>
+          <a:lstStyle/>
+          <a:p>
+            <a:endParaRPr lang="en-US" dirty="0">
+              <a:solidFill>
+                <a:schemeClr val="accent4">
+                  <a:lumMod val="50000"/>
+                </a:schemeClr>
+              </a:solidFill>
+              <a:latin typeface="Century Gothic"/>
+              <a:cs typeface="Century Gothic"/>
+            </a:endParaRPr>
+          </a:p>
+        </p:txBody>
+      </p:sp>
+      <p:sp>
+        <p:nvSpPr>
+          <p:cNvPr id="2" name="Slide Number Placeholder 1"/>
+          <p:cNvSpPr>
+            <a:spLocks noGrp="1"/>
+          </p:cNvSpPr>
+          <p:nvPr>
+            <p:ph type="sldNum" sz="quarter" idx="12"/>
+          </p:nvPr>
+        </p:nvSpPr>
+        <p:spPr/>
+        <p:txBody>
+          <a:bodyPr/>
+          <a:lstStyle/>
+          <a:p>
+            <a:fld id="{34C99D79-8A4B-4031-B1E0-AF26F8EDF2BC}" type="slidenum">
+              <a:rPr lang="en-US" smtClean="0"/>
+              <a:t>59</a:t>
+            </a:fld>
+            <a:endParaRPr lang="en-US"/>
+          </a:p>
+        </p:txBody>
+      </p:sp>
+      <p:pic>
+        <p:nvPicPr>
+          <p:cNvPr id="4" name="Content Placeholder 3" descr="Screen Shot 2013-04-21 at 2.10.24 PM.png"/>
+          <p:cNvPicPr>
+            <a:picLocks noGrp="1" noChangeAspect="1"/>
+          </p:cNvPicPr>
+          <p:nvPr>
+            <p:ph idx="1"/>
+          </p:nvPr>
+        </p:nvPicPr>
+        <p:blipFill>
+          <a:blip r:embed="rId2">
+            <a:extLst>
+              <a:ext uri="{28A0092B-C50C-407E-A947-70E740481C1C}">
+                <a14:useLocalDpi xmlns:a14="http://schemas.microsoft.com/office/drawing/2010/main" val="0"/>
+              </a:ext>
+            </a:extLst>
+          </a:blip>
+          <a:srcRect t="-1078" b="-1078"/>
+          <a:stretch>
+            <a:fillRect/>
+          </a:stretch>
+        </p:blipFill>
+        <p:spPr>
+          <a:xfrm>
+            <a:off x="2819400" y="2362200"/>
+            <a:ext cx="3596640" cy="2247900"/>
+          </a:xfrm>
+        </p:spPr>
+      </p:pic>
+    </p:spTree>
+    <p:extLst>
+      <p:ext uri="{BB962C8B-B14F-4D97-AF65-F5344CB8AC3E}">
+        <p14:creationId xmlns:p14="http://schemas.microsoft.com/office/powerpoint/2010/main" val="2581620946"/>
+      </p:ext>
+    </p:extLst>
+  </p:cSld>
+  <p:clrMapOvr>
+    <a:masterClrMapping/>
+  </p:clrMapOvr>
+  <mc:AlternateContent xmlns:mc="http://schemas.openxmlformats.org/markup-compatibility/2006" xmlns:p14="http://schemas.microsoft.com/office/powerpoint/2010/main">
+    <mc:Choice Requires="p14">
+      <p:transition spd="med" p14:dur="700">
+        <p:fade/>
+      </p:transition>
+    </mc:Choice>
+    <mc:Fallback xmlns="">
+      <p:transition spd="med">
+        <p:fade/>
+      </p:transition>
+    </mc:Fallback>
+  </mc:AlternateContent>
+  <p:timing>
+    <p:tnLst>
+      <p:par>
+        <p:cTn id="1" dur="indefinite" restart="never" nodeType="tmRoot"/>
+      </p:par>
+    </p:tnLst>
+  </p:timing>
+</p:sld>
+</file>
+
 <file path=ppt/slides/slide6.xml><?xml version="1.0" encoding="utf-8"?>
 <p:sld xmlns:a="http://schemas.openxmlformats.org/drawingml/2006/main" xmlns:r="http://schemas.openxmlformats.org/officeDocument/2006/relationships" xmlns:p="http://schemas.openxmlformats.org/presentationml/2006/main">
   <p:cSld>
@@ -44394,135 +44294,6 @@
     <p:extLst>
       <p:ext uri="{BB962C8B-B14F-4D97-AF65-F5344CB8AC3E}">
         <p14:creationId xmlns:p14="http://schemas.microsoft.com/office/powerpoint/2010/main" val="2858570878"/>
-      </p:ext>
-    </p:extLst>
-  </p:cSld>
-  <p:clrMapOvr>
-    <a:masterClrMapping/>
-  </p:clrMapOvr>
-  <mc:AlternateContent xmlns:mc="http://schemas.openxmlformats.org/markup-compatibility/2006" xmlns:p14="http://schemas.microsoft.com/office/powerpoint/2010/main">
-    <mc:Choice Requires="p14">
-      <p:transition spd="med" p14:dur="700">
-        <p:fade/>
-      </p:transition>
-    </mc:Choice>
-    <mc:Fallback xmlns="">
-      <p:transition spd="med">
-        <p:fade/>
-      </p:transition>
-    </mc:Fallback>
-  </mc:AlternateContent>
-  <p:timing>
-    <p:tnLst>
-      <p:par>
-        <p:cTn id="1" dur="indefinite" restart="never" nodeType="tmRoot"/>
-      </p:par>
-    </p:tnLst>
-  </p:timing>
-</p:sld>
-</file>
-
-<file path=ppt/slides/slide60.xml><?xml version="1.0" encoding="utf-8"?>
-<p:sld xmlns:a="http://schemas.openxmlformats.org/drawingml/2006/main" xmlns:r="http://schemas.openxmlformats.org/officeDocument/2006/relationships" xmlns:p="http://schemas.openxmlformats.org/presentationml/2006/main">
-  <p:cSld>
-    <p:spTree>
-      <p:nvGrpSpPr>
-        <p:cNvPr id="1" name=""/>
-        <p:cNvGrpSpPr/>
-        <p:nvPr/>
-      </p:nvGrpSpPr>
-      <p:grpSpPr>
-        <a:xfrm>
-          <a:off x="0" y="0"/>
-          <a:ext cx="0" cy="0"/>
-          <a:chOff x="0" y="0"/>
-          <a:chExt cx="0" cy="0"/>
-        </a:xfrm>
-      </p:grpSpPr>
-      <p:sp>
-        <p:nvSpPr>
-          <p:cNvPr id="5" name="Title 4"/>
-          <p:cNvSpPr>
-            <a:spLocks noGrp="1"/>
-          </p:cNvSpPr>
-          <p:nvPr>
-            <p:ph type="title"/>
-          </p:nvPr>
-        </p:nvSpPr>
-        <p:spPr/>
-        <p:txBody>
-          <a:bodyPr/>
-          <a:lstStyle/>
-          <a:p>
-            <a:endParaRPr lang="en-US" dirty="0">
-              <a:solidFill>
-                <a:schemeClr val="accent4">
-                  <a:lumMod val="50000"/>
-                </a:schemeClr>
-              </a:solidFill>
-              <a:latin typeface="Century Gothic"/>
-              <a:cs typeface="Century Gothic"/>
-            </a:endParaRPr>
-          </a:p>
-        </p:txBody>
-      </p:sp>
-      <p:sp>
-        <p:nvSpPr>
-          <p:cNvPr id="2" name="Slide Number Placeholder 1"/>
-          <p:cNvSpPr>
-            <a:spLocks noGrp="1"/>
-          </p:cNvSpPr>
-          <p:nvPr>
-            <p:ph type="sldNum" sz="quarter" idx="12"/>
-          </p:nvPr>
-        </p:nvSpPr>
-        <p:spPr/>
-        <p:txBody>
-          <a:bodyPr/>
-          <a:lstStyle/>
-          <a:p>
-            <a:fld id="{34C99D79-8A4B-4031-B1E0-AF26F8EDF2BC}" type="slidenum">
-              <a:rPr lang="en-US" smtClean="0"/>
-              <a:t>60</a:t>
-            </a:fld>
-            <a:endParaRPr lang="en-US"/>
-          </a:p>
-        </p:txBody>
-      </p:sp>
-      <p:pic>
-        <p:nvPicPr>
-          <p:cNvPr id="4" name="Content Placeholder 3" descr="Screen Shot 2013-04-21 at 2.10.24 PM.png"/>
-          <p:cNvPicPr>
-            <a:picLocks noGrp="1" noChangeAspect="1"/>
-          </p:cNvPicPr>
-          <p:nvPr>
-            <p:ph idx="1"/>
-          </p:nvPr>
-        </p:nvPicPr>
-        <p:blipFill>
-          <a:blip r:embed="rId2">
-            <a:extLst>
-              <a:ext uri="{28A0092B-C50C-407E-A947-70E740481C1C}">
-                <a14:useLocalDpi xmlns:a14="http://schemas.microsoft.com/office/drawing/2010/main" val="0"/>
-              </a:ext>
-            </a:extLst>
-          </a:blip>
-          <a:srcRect t="-1078" b="-1078"/>
-          <a:stretch>
-            <a:fillRect/>
-          </a:stretch>
-        </p:blipFill>
-        <p:spPr>
-          <a:xfrm>
-            <a:off x="2819400" y="2362200"/>
-            <a:ext cx="3596640" cy="2247900"/>
-          </a:xfrm>
-        </p:spPr>
-      </p:pic>
-    </p:spTree>
-    <p:extLst>
-      <p:ext uri="{BB962C8B-B14F-4D97-AF65-F5344CB8AC3E}">
-        <p14:creationId xmlns:p14="http://schemas.microsoft.com/office/powerpoint/2010/main" val="2581620946"/>
       </p:ext>
     </p:extLst>
   </p:cSld>

--- a/Document/Documentation/Final Document & Report/RHF_Presentation_Final_v1.0.pptx
+++ b/Document/Documentation/Final Document & Report/RHF_Presentation_Final_v1.0.pptx
@@ -159,7 +159,7 @@
   </p:defaultTextStyle>
   <p:extLst>
     <p:ext uri="{EFAFB233-063F-42B5-8137-9DF3F51BA10A}">
-      <p15:sldGuideLst xmlns:p15="http://schemas.microsoft.com/office/powerpoint/2012/main" xmlns="">
+      <p15:sldGuideLst xmlns="" xmlns:p15="http://schemas.microsoft.com/office/powerpoint/2012/main">
         <p15:guide id="1" orient="horz" pos="2160">
           <p15:clr>
             <a:srgbClr val="A4A3A4"/>
@@ -173,7 +173,7 @@
       </p15:sldGuideLst>
     </p:ext>
     <p:ext uri="{2D200454-40CA-4A62-9FC3-DE9A4176ACB9}">
-      <p15:notesGuideLst xmlns:p15="http://schemas.microsoft.com/office/powerpoint/2012/main" xmlns="">
+      <p15:notesGuideLst xmlns="" xmlns:p15="http://schemas.microsoft.com/office/powerpoint/2012/main">
         <p15:guide id="1" orient="horz" pos="2880">
           <p15:clr>
             <a:srgbClr val="A4A3A4"/>
@@ -4165,8 +4165,8 @@
   </dgm:ptLst>
   <dgm:cxnLst>
     <dgm:cxn modelId="{1C596F5D-E6B9-48E7-91DC-14E32B16C660}" type="presOf" srcId="{BCADB0F8-F032-4221-8062-CB37FF614D83}" destId="{492C6722-1AB3-4B79-8DF0-CAEECB4C1925}" srcOrd="0" destOrd="0" presId="urn:microsoft.com/office/officeart/2005/8/layout/hProcess9"/>
+    <dgm:cxn modelId="{A51DAE61-57DD-4C23-BC7A-8A4C71658AC2}" type="presOf" srcId="{882D8DE3-B425-4584-9B62-C40C012F929F}" destId="{A61293DA-DDE5-471F-BD80-89EB1AE1C9AF}" srcOrd="0" destOrd="0" presId="urn:microsoft.com/office/officeart/2005/8/layout/hProcess9"/>
     <dgm:cxn modelId="{2CF1154D-E9A0-49CC-99CC-C422700AE888}" srcId="{0D99D78A-219B-4546-9EC3-512C23B3D080}" destId="{DFAEBC53-FB6D-4E7F-9A63-43CE02B91AE9}" srcOrd="0" destOrd="0" parTransId="{30562F6E-09F1-40E2-ADC5-65F8A110DD3C}" sibTransId="{EEE056DD-AEE3-40B9-B35E-BFC5CAFA3565}"/>
-    <dgm:cxn modelId="{A51DAE61-57DD-4C23-BC7A-8A4C71658AC2}" type="presOf" srcId="{882D8DE3-B425-4584-9B62-C40C012F929F}" destId="{A61293DA-DDE5-471F-BD80-89EB1AE1C9AF}" srcOrd="0" destOrd="0" presId="urn:microsoft.com/office/officeart/2005/8/layout/hProcess9"/>
     <dgm:cxn modelId="{D85516C6-936F-4C6B-A5A1-220A4990D1E1}" type="presOf" srcId="{0D99D78A-219B-4546-9EC3-512C23B3D080}" destId="{E0A6BE40-5E8A-4A3D-8D6B-BA951BCC2DB0}" srcOrd="0" destOrd="0" presId="urn:microsoft.com/office/officeart/2005/8/layout/hProcess9"/>
     <dgm:cxn modelId="{B2E84443-4B81-418D-B19E-9558B908A06D}" srcId="{0D99D78A-219B-4546-9EC3-512C23B3D080}" destId="{882D8DE3-B425-4584-9B62-C40C012F929F}" srcOrd="2" destOrd="0" parTransId="{6F3098AB-EEF7-4630-BA24-BD1907026687}" sibTransId="{139A682B-1D48-4E53-9F79-CE24187F4917}"/>
     <dgm:cxn modelId="{B1CD0464-5E3A-4D66-AF0C-7CAB11BC7064}" srcId="{0D99D78A-219B-4546-9EC3-512C23B3D080}" destId="{76489D28-D323-46E2-AC48-A64220752C1A}" srcOrd="3" destOrd="0" parTransId="{2936A1D9-7DF9-4459-B9BF-7F2573E6C988}" sibTransId="{422013C5-C36F-467C-95DC-50E3B9BD6D96}"/>
@@ -24913,7 +24913,7 @@
   </p:txStyles>
   <p:extLst mod="1">
     <p:ext uri="{27BBF7A9-308A-43DC-89C8-2F10F3537804}">
-      <p15:sldGuideLst xmlns:p15="http://schemas.microsoft.com/office/powerpoint/2012/main" xmlns="">
+      <p15:sldGuideLst xmlns="" xmlns:p15="http://schemas.microsoft.com/office/powerpoint/2012/main">
         <p15:guide id="1" orient="horz" pos="2160" userDrawn="1">
           <p15:clr>
             <a:srgbClr val="F26B43"/>
@@ -34349,25 +34349,6 @@
               </a:rPr>
               <a:t>Design</a:t>
             </a:r>
-          </a:p>
-          <a:p>
-            <a:pPr marL="965375" lvl="1" indent="-514350">
-              <a:buFont typeface="+mj-lt"/>
-              <a:buAutoNum type="arabicPeriod"/>
-            </a:pPr>
-            <a:r>
-              <a:rPr lang="en-US" dirty="0" smtClean="0">
-                <a:solidFill>
-                  <a:schemeClr val="tx1">
-                    <a:lumMod val="85000"/>
-                    <a:lumOff val="15000"/>
-                  </a:schemeClr>
-                </a:solidFill>
-                <a:latin typeface="Century Gothic"/>
-                <a:cs typeface="Century Gothic"/>
-              </a:rPr>
-              <a:t>ERD</a:t>
-            </a:r>
             <a:endParaRPr lang="en-US" dirty="0" smtClean="0">
               <a:solidFill>
                 <a:schemeClr val="tx1">
@@ -36637,20 +36618,7 @@
                 <a:latin typeface="Century Gothic"/>
                 <a:cs typeface="Century Gothic"/>
               </a:rPr>
-              <a:t>    </a:t>
-            </a:r>
-            <a:r>
-              <a:rPr lang="en-US" sz="2000" b="1" dirty="0" smtClean="0">
-                <a:solidFill>
-                  <a:schemeClr val="tx1">
-                    <a:lumMod val="85000"/>
-                    <a:lumOff val="15000"/>
-                  </a:schemeClr>
-                </a:solidFill>
-                <a:latin typeface="Century Gothic"/>
-                <a:cs typeface="Century Gothic"/>
-              </a:rPr>
-              <a:t>Example: </a:t>
+              <a:t>    Example: </a:t>
             </a:r>
             <a:r>
               <a:rPr lang="en-US" sz="2000" dirty="0" smtClean="0">
@@ -37816,14 +37784,14 @@
           <p:nvPr>
             <p:extLst>
               <p:ext uri="{D42A27DB-BD31-4B8C-83A1-F6EECF244321}">
-                <p14:modId xmlns:p14="http://schemas.microsoft.com/office/powerpoint/2010/main" val="832147710"/>
+                <p14:modId xmlns:p14="http://schemas.microsoft.com/office/powerpoint/2010/main" val="1398235724"/>
               </p:ext>
             </p:extLst>
           </p:nvPr>
         </p:nvGraphicFramePr>
         <p:xfrm>
           <a:off x="838200" y="2209797"/>
-          <a:ext cx="7696200" cy="2998250"/>
+          <a:ext cx="7696200" cy="2592059"/>
         </p:xfrm>
         <a:graphic>
           <a:graphicData uri="http://schemas.openxmlformats.org/drawingml/2006/table">
@@ -39014,314 +38982,6 @@
                           <a:ea typeface="MS Mincho"/>
                           <a:cs typeface="Arial"/>
                         </a:rPr>
-                        <a:t>Performance Testing </a:t>
-                      </a:r>
-                    </a:p>
-                  </a:txBody>
-                  <a:tcPr marL="68580" marR="68580" marT="0" marB="0">
-                    <a:lnL w="12700" cap="flat" cmpd="sng" algn="ctr">
-                      <a:solidFill>
-                        <a:srgbClr val="A6A6A6"/>
-                      </a:solidFill>
-                      <a:prstDash val="solid"/>
-                      <a:round/>
-                      <a:headEnd type="none" w="med" len="med"/>
-                      <a:tailEnd type="none" w="med" len="med"/>
-                    </a:lnL>
-                    <a:lnR w="12700" cap="flat" cmpd="sng" algn="ctr">
-                      <a:solidFill>
-                        <a:srgbClr val="A6A6A6"/>
-                      </a:solidFill>
-                      <a:prstDash val="solid"/>
-                      <a:round/>
-                      <a:headEnd type="none" w="med" len="med"/>
-                      <a:tailEnd type="none" w="med" len="med"/>
-                    </a:lnR>
-                    <a:lnT w="12700" cap="flat" cmpd="sng" algn="ctr">
-                      <a:solidFill>
-                        <a:srgbClr val="A6A6A6"/>
-                      </a:solidFill>
-                      <a:prstDash val="solid"/>
-                      <a:round/>
-                      <a:headEnd type="none" w="med" len="med"/>
-                      <a:tailEnd type="none" w="med" len="med"/>
-                    </a:lnT>
-                    <a:lnB w="12700" cap="flat" cmpd="sng" algn="ctr">
-                      <a:solidFill>
-                        <a:srgbClr val="A6A6A6"/>
-                      </a:solidFill>
-                      <a:prstDash val="solid"/>
-                      <a:round/>
-                      <a:headEnd type="none" w="med" len="med"/>
-                      <a:tailEnd type="none" w="med" len="med"/>
-                    </a:lnB>
-                  </a:tcPr>
-                </a:tc>
-                <a:tc>
-                  <a:txBody>
-                    <a:bodyPr/>
-                    <a:lstStyle/>
-                    <a:p>
-                      <a:pPr marL="0" marR="0">
-                        <a:lnSpc>
-                          <a:spcPct val="115000"/>
-                        </a:lnSpc>
-                        <a:spcBef>
-                          <a:spcPts val="400"/>
-                        </a:spcBef>
-                        <a:spcAft>
-                          <a:spcPts val="400"/>
-                        </a:spcAft>
-                      </a:pPr>
-                      <a:r>
-                        <a:rPr lang="en-US" sz="1600" dirty="0" err="1" smtClean="0">
-                          <a:solidFill>
-                            <a:srgbClr val="000000"/>
-                          </a:solidFill>
-                          <a:effectLst/>
-                          <a:latin typeface="Calibri"/>
-                          <a:ea typeface="MS Mincho"/>
-                          <a:cs typeface="Arial"/>
-                        </a:rPr>
-                        <a:t>YSlow</a:t>
-                      </a:r>
-                      <a:endParaRPr lang="en-US" sz="1600" dirty="0">
-                        <a:solidFill>
-                          <a:srgbClr val="000000"/>
-                        </a:solidFill>
-                        <a:effectLst/>
-                        <a:latin typeface="Calibri"/>
-                        <a:ea typeface="MS Mincho"/>
-                        <a:cs typeface="Arial"/>
-                      </a:endParaRPr>
-                    </a:p>
-                  </a:txBody>
-                  <a:tcPr marL="68580" marR="68580" marT="0" marB="0">
-                    <a:lnL w="12700" cap="flat" cmpd="sng" algn="ctr">
-                      <a:solidFill>
-                        <a:srgbClr val="A6A6A6"/>
-                      </a:solidFill>
-                      <a:prstDash val="solid"/>
-                      <a:round/>
-                      <a:headEnd type="none" w="med" len="med"/>
-                      <a:tailEnd type="none" w="med" len="med"/>
-                    </a:lnL>
-                    <a:lnR w="12700" cap="flat" cmpd="sng" algn="ctr">
-                      <a:solidFill>
-                        <a:srgbClr val="A6A6A6"/>
-                      </a:solidFill>
-                      <a:prstDash val="solid"/>
-                      <a:round/>
-                      <a:headEnd type="none" w="med" len="med"/>
-                      <a:tailEnd type="none" w="med" len="med"/>
-                    </a:lnR>
-                    <a:lnT w="12700" cap="flat" cmpd="sng" algn="ctr">
-                      <a:solidFill>
-                        <a:srgbClr val="A6A6A6"/>
-                      </a:solidFill>
-                      <a:prstDash val="solid"/>
-                      <a:round/>
-                      <a:headEnd type="none" w="med" len="med"/>
-                      <a:tailEnd type="none" w="med" len="med"/>
-                    </a:lnT>
-                    <a:lnB w="12700" cap="flat" cmpd="sng" algn="ctr">
-                      <a:solidFill>
-                        <a:srgbClr val="A6A6A6"/>
-                      </a:solidFill>
-                      <a:prstDash val="solid"/>
-                      <a:round/>
-                      <a:headEnd type="none" w="med" len="med"/>
-                      <a:tailEnd type="none" w="med" len="med"/>
-                    </a:lnB>
-                  </a:tcPr>
-                </a:tc>
-                <a:tc>
-                  <a:txBody>
-                    <a:bodyPr/>
-                    <a:lstStyle/>
-                    <a:p>
-                      <a:pPr marL="0" marR="0">
-                        <a:lnSpc>
-                          <a:spcPct val="115000"/>
-                        </a:lnSpc>
-                        <a:spcBef>
-                          <a:spcPts val="400"/>
-                        </a:spcBef>
-                        <a:spcAft>
-                          <a:spcPts val="400"/>
-                        </a:spcAft>
-                      </a:pPr>
-                      <a:r>
-                        <a:rPr lang="en-US" sz="1600" dirty="0">
-                          <a:solidFill>
-                            <a:srgbClr val="000000"/>
-                          </a:solidFill>
-                          <a:effectLst/>
-                          <a:latin typeface="Calibri"/>
-                          <a:ea typeface="MS Mincho"/>
-                          <a:cs typeface="Arial"/>
-                        </a:rPr>
-                        <a:t>Yahoo! </a:t>
-                      </a:r>
-                      <a:r>
-                        <a:rPr lang="en-US" sz="1600" dirty="0" err="1">
-                          <a:solidFill>
-                            <a:srgbClr val="000000"/>
-                          </a:solidFill>
-                          <a:effectLst/>
-                          <a:latin typeface="Calibri"/>
-                          <a:ea typeface="MS Mincho"/>
-                          <a:cs typeface="Arial"/>
-                        </a:rPr>
-                        <a:t>Inc</a:t>
-                      </a:r>
-                      <a:endParaRPr lang="en-US" sz="1600" dirty="0">
-                        <a:solidFill>
-                          <a:srgbClr val="000000"/>
-                        </a:solidFill>
-                        <a:effectLst/>
-                        <a:latin typeface="Calibri"/>
-                        <a:ea typeface="MS Mincho"/>
-                        <a:cs typeface="Arial"/>
-                      </a:endParaRPr>
-                    </a:p>
-                  </a:txBody>
-                  <a:tcPr marL="68580" marR="68580" marT="0" marB="0">
-                    <a:lnL w="12700" cap="flat" cmpd="sng" algn="ctr">
-                      <a:solidFill>
-                        <a:srgbClr val="A6A6A6"/>
-                      </a:solidFill>
-                      <a:prstDash val="solid"/>
-                      <a:round/>
-                      <a:headEnd type="none" w="med" len="med"/>
-                      <a:tailEnd type="none" w="med" len="med"/>
-                    </a:lnL>
-                    <a:lnR w="12700" cap="flat" cmpd="sng" algn="ctr">
-                      <a:solidFill>
-                        <a:srgbClr val="A6A6A6"/>
-                      </a:solidFill>
-                      <a:prstDash val="solid"/>
-                      <a:round/>
-                      <a:headEnd type="none" w="med" len="med"/>
-                      <a:tailEnd type="none" w="med" len="med"/>
-                    </a:lnR>
-                    <a:lnT w="12700" cap="flat" cmpd="sng" algn="ctr">
-                      <a:solidFill>
-                        <a:srgbClr val="A6A6A6"/>
-                      </a:solidFill>
-                      <a:prstDash val="solid"/>
-                      <a:round/>
-                      <a:headEnd type="none" w="med" len="med"/>
-                      <a:tailEnd type="none" w="med" len="med"/>
-                    </a:lnT>
-                    <a:lnB w="12700" cap="flat" cmpd="sng" algn="ctr">
-                      <a:solidFill>
-                        <a:srgbClr val="A6A6A6"/>
-                      </a:solidFill>
-                      <a:prstDash val="solid"/>
-                      <a:round/>
-                      <a:headEnd type="none" w="med" len="med"/>
-                      <a:tailEnd type="none" w="med" len="med"/>
-                    </a:lnB>
-                  </a:tcPr>
-                </a:tc>
-                <a:tc>
-                  <a:txBody>
-                    <a:bodyPr/>
-                    <a:lstStyle/>
-                    <a:p>
-                      <a:pPr marL="0" marR="0">
-                        <a:lnSpc>
-                          <a:spcPct val="115000"/>
-                        </a:lnSpc>
-                        <a:spcBef>
-                          <a:spcPts val="400"/>
-                        </a:spcBef>
-                        <a:spcAft>
-                          <a:spcPts val="400"/>
-                        </a:spcAft>
-                      </a:pPr>
-                      <a:r>
-                        <a:rPr lang="en-US" sz="1600" dirty="0">
-                          <a:solidFill>
-                            <a:srgbClr val="000000"/>
-                          </a:solidFill>
-                          <a:effectLst/>
-                          <a:latin typeface="Calibri"/>
-                          <a:ea typeface="MS Mincho"/>
-                          <a:cs typeface="Arial"/>
-                        </a:rPr>
-                        <a:t> </a:t>
-                      </a:r>
-                    </a:p>
-                  </a:txBody>
-                  <a:tcPr marL="68580" marR="68580" marT="0" marB="0">
-                    <a:lnL w="12700" cap="flat" cmpd="sng" algn="ctr">
-                      <a:solidFill>
-                        <a:srgbClr val="A6A6A6"/>
-                      </a:solidFill>
-                      <a:prstDash val="solid"/>
-                      <a:round/>
-                      <a:headEnd type="none" w="med" len="med"/>
-                      <a:tailEnd type="none" w="med" len="med"/>
-                    </a:lnL>
-                    <a:lnR w="12700" cap="flat" cmpd="sng" algn="ctr">
-                      <a:solidFill>
-                        <a:srgbClr val="A6A6A6"/>
-                      </a:solidFill>
-                      <a:prstDash val="solid"/>
-                      <a:round/>
-                      <a:headEnd type="none" w="med" len="med"/>
-                      <a:tailEnd type="none" w="med" len="med"/>
-                    </a:lnR>
-                    <a:lnT w="12700" cap="flat" cmpd="sng" algn="ctr">
-                      <a:solidFill>
-                        <a:srgbClr val="A6A6A6"/>
-                      </a:solidFill>
-                      <a:prstDash val="solid"/>
-                      <a:round/>
-                      <a:headEnd type="none" w="med" len="med"/>
-                      <a:tailEnd type="none" w="med" len="med"/>
-                    </a:lnT>
-                    <a:lnB w="12700" cap="flat" cmpd="sng" algn="ctr">
-                      <a:solidFill>
-                        <a:srgbClr val="A6A6A6"/>
-                      </a:solidFill>
-                      <a:prstDash val="solid"/>
-                      <a:round/>
-                      <a:headEnd type="none" w="med" len="med"/>
-                      <a:tailEnd type="none" w="med" len="med"/>
-                    </a:lnB>
-                  </a:tcPr>
-                </a:tc>
-              </a:tr>
-              <a:tr h="406191">
-                <a:tc>
-                  <a:txBody>
-                    <a:bodyPr/>
-                    <a:lstStyle/>
-                    <a:p>
-                      <a:pPr marL="0" marR="0">
-                        <a:lnSpc>
-                          <a:spcPct val="115000"/>
-                        </a:lnSpc>
-                        <a:spcBef>
-                          <a:spcPts val="400"/>
-                        </a:spcBef>
-                        <a:spcAft>
-                          <a:spcPts val="400"/>
-                        </a:spcAft>
-                      </a:pPr>
-                      <a:r>
-                        <a:rPr lang="en-US" sz="1600">
-                          <a:solidFill>
-                            <a:srgbClr val="000000"/>
-                          </a:solidFill>
-                          <a:effectLst/>
-                          <a:latin typeface="Calibri"/>
-                          <a:ea typeface="MS Mincho"/>
-                          <a:cs typeface="Arial"/>
-                        </a:rPr>
                         <a:t>Database</a:t>
                       </a:r>
                     </a:p>
@@ -39883,13 +39543,13 @@
   <p:clrMapOvr>
     <a:masterClrMapping/>
   </p:clrMapOvr>
-  <mc:AlternateContent xmlns:mc="http://schemas.openxmlformats.org/markup-compatibility/2006">
-    <mc:Choice xmlns:p14="http://schemas.microsoft.com/office/powerpoint/2010/main" Requires="p14">
+  <mc:AlternateContent xmlns:mc="http://schemas.openxmlformats.org/markup-compatibility/2006" xmlns:p14="http://schemas.microsoft.com/office/powerpoint/2010/main">
+    <mc:Choice Requires="p14">
       <p:transition spd="med" p14:dur="700">
         <p:fade/>
       </p:transition>
     </mc:Choice>
-    <mc:Fallback>
+    <mc:Fallback xmlns="">
       <p:transition spd="med">
         <p:fade/>
       </p:transition>
